--- a/papers/koningterry/slides.pptx
+++ b/papers/koningterry/slides.pptx
@@ -6,36 +6,38 @@
     <p:sldMasterId id="2147485039" r:id="rId2"/>
   </p:sldMasterIdLst>
   <p:notesMasterIdLst>
-    <p:notesMasterId r:id="rId27"/>
+    <p:notesMasterId r:id="rId29"/>
   </p:notesMasterIdLst>
   <p:handoutMasterIdLst>
-    <p:handoutMasterId r:id="rId28"/>
+    <p:handoutMasterId r:id="rId30"/>
   </p:handoutMasterIdLst>
   <p:sldIdLst>
     <p:sldId id="496" r:id="rId3"/>
     <p:sldId id="500" r:id="rId4"/>
     <p:sldId id="516" r:id="rId5"/>
-    <p:sldId id="517" r:id="rId6"/>
-    <p:sldId id="518" r:id="rId7"/>
-    <p:sldId id="519" r:id="rId8"/>
-    <p:sldId id="531" r:id="rId9"/>
+    <p:sldId id="532" r:id="rId6"/>
+    <p:sldId id="517" r:id="rId7"/>
+    <p:sldId id="518" r:id="rId8"/>
+    <p:sldId id="519" r:id="rId9"/>
     <p:sldId id="520" r:id="rId10"/>
-    <p:sldId id="521" r:id="rId11"/>
-    <p:sldId id="509" r:id="rId12"/>
-    <p:sldId id="501" r:id="rId13"/>
-    <p:sldId id="526" r:id="rId14"/>
-    <p:sldId id="527" r:id="rId15"/>
-    <p:sldId id="528" r:id="rId16"/>
-    <p:sldId id="530" r:id="rId17"/>
-    <p:sldId id="522" r:id="rId18"/>
-    <p:sldId id="504" r:id="rId19"/>
-    <p:sldId id="508" r:id="rId20"/>
-    <p:sldId id="510" r:id="rId21"/>
-    <p:sldId id="523" r:id="rId22"/>
-    <p:sldId id="524" r:id="rId23"/>
-    <p:sldId id="525" r:id="rId24"/>
-    <p:sldId id="512" r:id="rId25"/>
-    <p:sldId id="506" r:id="rId26"/>
+    <p:sldId id="531" r:id="rId11"/>
+    <p:sldId id="523" r:id="rId12"/>
+    <p:sldId id="524" r:id="rId13"/>
+    <p:sldId id="521" r:id="rId14"/>
+    <p:sldId id="509" r:id="rId15"/>
+    <p:sldId id="533" r:id="rId16"/>
+    <p:sldId id="501" r:id="rId17"/>
+    <p:sldId id="526" r:id="rId18"/>
+    <p:sldId id="527" r:id="rId19"/>
+    <p:sldId id="528" r:id="rId20"/>
+    <p:sldId id="530" r:id="rId21"/>
+    <p:sldId id="522" r:id="rId22"/>
+    <p:sldId id="504" r:id="rId23"/>
+    <p:sldId id="508" r:id="rId24"/>
+    <p:sldId id="510" r:id="rId25"/>
+    <p:sldId id="525" r:id="rId26"/>
+    <p:sldId id="512" r:id="rId27"/>
+    <p:sldId id="506" r:id="rId28"/>
   </p:sldIdLst>
   <p:sldSz cx="9144000" cy="6858000" type="screen4x3"/>
   <p:notesSz cx="6858000" cy="9144000"/>
@@ -4405,6 +4407,443 @@
           <a:p>
             <a:r>
               <a:rPr lang="en-US" dirty="0" smtClean="0"/>
+              <a:t>Python is both extended by and embedded in Hydra</a:t>
+            </a:r>
+            <a:endParaRPr lang="en-US" dirty="0"/>
+          </a:p>
+        </p:txBody>
+      </p:sp>
+      <p:sp>
+        <p:nvSpPr>
+          <p:cNvPr id="3" name="Content Placeholder 2"/>
+          <p:cNvSpPr>
+            <a:spLocks noGrp="1"/>
+          </p:cNvSpPr>
+          <p:nvPr>
+            <p:ph idx="1"/>
+          </p:nvPr>
+        </p:nvSpPr>
+        <p:spPr/>
+        <p:txBody>
+          <a:bodyPr/>
+          <a:lstStyle/>
+          <a:p>
+            <a:r>
+              <a:rPr lang="en-US" sz="2000" dirty="0" smtClean="0"/>
+              <a:t>Python is extended through a module called “hydra” which contains functions and objects to manipulate hydra data structures</a:t>
+            </a:r>
+          </a:p>
+          <a:p>
+            <a:endParaRPr lang="en-US" sz="2000" dirty="0" smtClean="0"/>
+          </a:p>
+          <a:p>
+            <a:r>
+              <a:rPr lang="en-US" sz="2000" dirty="0" smtClean="0"/>
+              <a:t>Python is then embedded in the hydra executable</a:t>
+            </a:r>
+          </a:p>
+          <a:p>
+            <a:endParaRPr lang="en-US" sz="2000" dirty="0" smtClean="0"/>
+          </a:p>
+          <a:p>
+            <a:r>
+              <a:rPr lang="en-US" sz="2000" dirty="0" smtClean="0"/>
+              <a:t>Bottom line: Hydra makes available a Python interpreter running concurrently in parallel with the main Hydra executable.  The two processes are loosely coupled through the “hydra” Python module</a:t>
+            </a:r>
+          </a:p>
+        </p:txBody>
+      </p:sp>
+    </p:spTree>
+  </p:cSld>
+  <p:clrMapOvr>
+    <a:masterClrMapping/>
+  </p:clrMapOvr>
+</p:sld>
+</file>
+
+<file path=ppt/slides/slide11.xml><?xml version="1.0" encoding="utf-8"?>
+<p:sld xmlns:a="http://schemas.openxmlformats.org/drawingml/2006/main" xmlns:r="http://schemas.openxmlformats.org/officeDocument/2006/relationships" xmlns:mc="http://schemas.openxmlformats.org/markup-compatibility/2006" xmlns:mv="urn:schemas-microsoft-com:mac:vml" xmlns:p="http://schemas.openxmlformats.org/presentationml/2006/main" mc:Ignorable="mv" mc:PreserveAttributes="mv:*">
+  <p:cSld>
+    <p:spTree>
+      <p:nvGrpSpPr>
+        <p:cNvPr id="1" name=""/>
+        <p:cNvGrpSpPr/>
+        <p:nvPr/>
+      </p:nvGrpSpPr>
+      <p:grpSpPr>
+        <a:xfrm>
+          <a:off x="0" y="0"/>
+          <a:ext cx="0" cy="0"/>
+          <a:chOff x="0" y="0"/>
+          <a:chExt cx="0" cy="0"/>
+        </a:xfrm>
+      </p:grpSpPr>
+      <p:sp>
+        <p:nvSpPr>
+          <p:cNvPr id="2" name="Title 1"/>
+          <p:cNvSpPr>
+            <a:spLocks noGrp="1"/>
+          </p:cNvSpPr>
+          <p:nvPr>
+            <p:ph type="title"/>
+          </p:nvPr>
+        </p:nvSpPr>
+        <p:spPr/>
+        <p:txBody>
+          <a:bodyPr/>
+          <a:lstStyle/>
+          <a:p>
+            <a:r>
+              <a:rPr lang="en-US" dirty="0" smtClean="0"/>
+              <a:t>Interesting lessons learned</a:t>
+            </a:r>
+            <a:endParaRPr lang="en-US" dirty="0"/>
+          </a:p>
+        </p:txBody>
+      </p:sp>
+      <p:sp>
+        <p:nvSpPr>
+          <p:cNvPr id="3" name="Content Placeholder 2"/>
+          <p:cNvSpPr>
+            <a:spLocks noGrp="1"/>
+          </p:cNvSpPr>
+          <p:nvPr>
+            <p:ph idx="1"/>
+          </p:nvPr>
+        </p:nvSpPr>
+        <p:spPr>
+          <a:xfrm>
+            <a:off x="212725" y="1401379"/>
+            <a:ext cx="8778875" cy="4885121"/>
+          </a:xfrm>
+        </p:spPr>
+        <p:txBody>
+          <a:bodyPr/>
+          <a:lstStyle/>
+          <a:p>
+            <a:r>
+              <a:rPr lang="en-US" dirty="0" smtClean="0"/>
+              <a:t>Propagating modifications to the parser is </a:t>
+            </a:r>
+            <a:r>
+              <a:rPr lang="en-US" dirty="0" smtClean="0"/>
+              <a:t>tricky</a:t>
+            </a:r>
+          </a:p>
+          <a:p>
+            <a:pPr lvl="1"/>
+            <a:r>
+              <a:rPr lang="en-US" dirty="0" smtClean="0"/>
+              <a:t>Need a custom parser</a:t>
+            </a:r>
+            <a:endParaRPr lang="en-US" dirty="0" smtClean="0"/>
+          </a:p>
+          <a:p>
+            <a:pPr lvl="1"/>
+            <a:r>
+              <a:rPr lang="en-US" dirty="0" smtClean="0">
+                <a:latin typeface="Inconsolata"/>
+                <a:cs typeface="Inconsolata"/>
+              </a:rPr>
+              <a:t>from __future__ import </a:t>
+            </a:r>
+            <a:r>
+              <a:rPr lang="en-US" dirty="0" err="1" smtClean="0">
+                <a:latin typeface="Inconsolata"/>
+                <a:cs typeface="Inconsolata"/>
+              </a:rPr>
+              <a:t>with_statement</a:t>
+            </a:r>
+            <a:endParaRPr lang="en-US" dirty="0" smtClean="0">
+              <a:latin typeface="Inconsolata"/>
+              <a:cs typeface="Inconsolata"/>
+            </a:endParaRPr>
+          </a:p>
+          <a:p>
+            <a:pPr>
+              <a:buNone/>
+            </a:pPr>
+            <a:endParaRPr lang="en-US" dirty="0" smtClean="0"/>
+          </a:p>
+          <a:p>
+            <a:r>
+              <a:rPr lang="en-US" dirty="0" smtClean="0"/>
+              <a:t>Saving the state of </a:t>
+            </a:r>
+            <a:r>
+              <a:rPr lang="en-US" dirty="0" smtClean="0">
+                <a:latin typeface="Inconsolata"/>
+                <a:cs typeface="Inconsolata"/>
+              </a:rPr>
+              <a:t>__main__</a:t>
+            </a:r>
+            <a:r>
+              <a:rPr lang="en-US" dirty="0" smtClean="0"/>
+              <a:t> across restarts is tricky</a:t>
+            </a:r>
+          </a:p>
+          <a:p>
+            <a:pPr lvl="1"/>
+            <a:r>
+              <a:rPr lang="en-US" dirty="0" smtClean="0"/>
+              <a:t>Cobble together many methods to collect state</a:t>
+            </a:r>
+          </a:p>
+          <a:p>
+            <a:pPr lvl="1"/>
+            <a:r>
+              <a:rPr lang="en-US" dirty="0" smtClean="0"/>
+              <a:t>Pickle state as a string and add it to restart files</a:t>
+            </a:r>
+          </a:p>
+          <a:p>
+            <a:pPr lvl="1"/>
+            <a:r>
+              <a:rPr lang="en-US" dirty="0" smtClean="0"/>
+              <a:t>Some objects pickle but do not </a:t>
+            </a:r>
+            <a:r>
+              <a:rPr lang="en-US" dirty="0" err="1" smtClean="0"/>
+              <a:t>unpickle</a:t>
+            </a:r>
+            <a:r>
+              <a:rPr lang="en-US" dirty="0" smtClean="0"/>
+              <a:t>!</a:t>
+            </a:r>
+          </a:p>
+          <a:p>
+            <a:pPr lvl="1"/>
+            <a:endParaRPr lang="en-US" dirty="0" smtClean="0"/>
+          </a:p>
+          <a:p>
+            <a:r>
+              <a:rPr lang="en-US" dirty="0" smtClean="0"/>
+              <a:t>If your program uses different indexing than Python, resist the urge to emulate your program’s indexing in Python</a:t>
+            </a:r>
+          </a:p>
+        </p:txBody>
+      </p:sp>
+    </p:spTree>
+  </p:cSld>
+  <p:clrMapOvr>
+    <a:masterClrMapping/>
+  </p:clrMapOvr>
+</p:sld>
+</file>
+
+<file path=ppt/slides/slide12.xml><?xml version="1.0" encoding="utf-8"?>
+<p:sld xmlns:a="http://schemas.openxmlformats.org/drawingml/2006/main" xmlns:r="http://schemas.openxmlformats.org/officeDocument/2006/relationships" xmlns:mc="http://schemas.openxmlformats.org/markup-compatibility/2006" xmlns:mv="urn:schemas-microsoft-com:mac:vml" xmlns:p="http://schemas.openxmlformats.org/presentationml/2006/main" mc:Ignorable="mv" mc:PreserveAttributes="mv:*">
+  <p:cSld>
+    <p:spTree>
+      <p:nvGrpSpPr>
+        <p:cNvPr id="1" name=""/>
+        <p:cNvGrpSpPr/>
+        <p:nvPr/>
+      </p:nvGrpSpPr>
+      <p:grpSpPr>
+        <a:xfrm>
+          <a:off x="0" y="0"/>
+          <a:ext cx="0" cy="0"/>
+          <a:chOff x="0" y="0"/>
+          <a:chExt cx="0" cy="0"/>
+        </a:xfrm>
+      </p:grpSpPr>
+      <p:sp>
+        <p:nvSpPr>
+          <p:cNvPr id="2" name="Title 1"/>
+          <p:cNvSpPr>
+            <a:spLocks noGrp="1"/>
+          </p:cNvSpPr>
+          <p:nvPr>
+            <p:ph type="title"/>
+          </p:nvPr>
+        </p:nvSpPr>
+        <p:spPr/>
+        <p:txBody>
+          <a:bodyPr/>
+          <a:lstStyle/>
+          <a:p>
+            <a:r>
+              <a:rPr lang="en-US" dirty="0" smtClean="0"/>
+              <a:t>Auto-tuner needs to generate, run and process many </a:t>
+            </a:r>
+            <a:r>
+              <a:rPr lang="en-US" dirty="0" err="1" smtClean="0"/>
+              <a:t>simultions</a:t>
+            </a:r>
+            <a:endParaRPr lang="en-US" dirty="0"/>
+          </a:p>
+        </p:txBody>
+      </p:sp>
+      <p:sp>
+        <p:nvSpPr>
+          <p:cNvPr id="3" name="Content Placeholder 2"/>
+          <p:cNvSpPr>
+            <a:spLocks noGrp="1"/>
+          </p:cNvSpPr>
+          <p:nvPr>
+            <p:ph idx="1"/>
+          </p:nvPr>
+        </p:nvSpPr>
+        <p:spPr>
+          <a:xfrm>
+            <a:off x="212725" y="1231719"/>
+            <a:ext cx="8778875" cy="5054781"/>
+          </a:xfrm>
+        </p:spPr>
+        <p:txBody>
+          <a:bodyPr/>
+          <a:lstStyle/>
+          <a:p>
+            <a:r>
+              <a:rPr lang="en-US" dirty="0" smtClean="0"/>
+              <a:t>Input file generators that wrap a “template” input file</a:t>
+            </a:r>
+          </a:p>
+          <a:p>
+            <a:pPr lvl="1"/>
+            <a:r>
+              <a:rPr lang="en-US" dirty="0" smtClean="0"/>
+              <a:t>Modify simple Hydra variable assignments</a:t>
+            </a:r>
+          </a:p>
+          <a:p>
+            <a:pPr lvl="1"/>
+            <a:r>
+              <a:rPr lang="en-US" dirty="0" smtClean="0"/>
+              <a:t>Delegate complicated input file structures to special purpose objects</a:t>
+            </a:r>
+          </a:p>
+          <a:p>
+            <a:pPr lvl="1"/>
+            <a:r>
+              <a:rPr lang="en-US" dirty="0" smtClean="0"/>
+              <a:t>Inject commands into the input file by </a:t>
+            </a:r>
+            <a:r>
+              <a:rPr lang="en-US" dirty="0" err="1" smtClean="0"/>
+              <a:t>overwritings</a:t>
+            </a:r>
+            <a:r>
+              <a:rPr lang="en-US" dirty="0" smtClean="0"/>
+              <a:t> sentinels with </a:t>
+            </a:r>
+            <a:br>
+              <a:rPr lang="en-US" dirty="0" smtClean="0"/>
+            </a:br>
+            <a:r>
+              <a:rPr lang="en-US" dirty="0" smtClean="0">
+                <a:latin typeface="Inconsolata"/>
+                <a:cs typeface="Inconsolata"/>
+              </a:rPr>
+              <a:t>	</a:t>
+            </a:r>
+            <a:r>
+              <a:rPr lang="en-US" dirty="0" err="1" smtClean="0">
+                <a:latin typeface="Inconsolata"/>
+                <a:cs typeface="Inconsolata"/>
+              </a:rPr>
+              <a:t>str(python_proxy_of_complicated_thing</a:t>
+            </a:r>
+            <a:r>
+              <a:rPr lang="en-US" dirty="0" smtClean="0">
+                <a:latin typeface="Inconsolata"/>
+                <a:cs typeface="Inconsolata"/>
+              </a:rPr>
+              <a:t>)</a:t>
+            </a:r>
+          </a:p>
+          <a:p>
+            <a:pPr lvl="1"/>
+            <a:endParaRPr lang="en-US" dirty="0" smtClean="0"/>
+          </a:p>
+          <a:p>
+            <a:r>
+              <a:rPr lang="en-US" dirty="0" smtClean="0"/>
+              <a:t>Output file wrappers extract data from Hydra binary output files</a:t>
+            </a:r>
+          </a:p>
+          <a:p>
+            <a:endParaRPr lang="en-US" dirty="0" smtClean="0"/>
+          </a:p>
+          <a:p>
+            <a:r>
+              <a:rPr lang="en-US" dirty="0" smtClean="0"/>
+              <a:t>Embedded diagnostics using embedded Python interpreter</a:t>
+            </a:r>
+          </a:p>
+          <a:p>
+            <a:pPr lvl="1"/>
+            <a:r>
+              <a:rPr lang="en-US" dirty="0" smtClean="0"/>
+              <a:t>Characteristic (shock) trackers with finish line triggers</a:t>
+            </a:r>
+          </a:p>
+          <a:p>
+            <a:pPr lvl="1"/>
+            <a:r>
+              <a:rPr lang="en-US" dirty="0" smtClean="0"/>
+              <a:t>Change graphics dump frequency based on shock locations</a:t>
+            </a:r>
+          </a:p>
+          <a:p>
+            <a:pPr lvl="1"/>
+            <a:r>
+              <a:rPr lang="en-US" dirty="0" smtClean="0"/>
+              <a:t>ρR monitors</a:t>
+            </a:r>
+          </a:p>
+        </p:txBody>
+      </p:sp>
+    </p:spTree>
+  </p:cSld>
+  <p:clrMapOvr>
+    <a:masterClrMapping/>
+  </p:clrMapOvr>
+  <p:timing>
+    <p:tnLst>
+      <p:par>
+        <p:cTn id="1" dur="indefinite" restart="never" nodeType="tmRoot"/>
+      </p:par>
+    </p:tnLst>
+  </p:timing>
+</p:sld>
+</file>
+
+<file path=ppt/slides/slide13.xml><?xml version="1.0" encoding="utf-8"?>
+<p:sld xmlns:a="http://schemas.openxmlformats.org/drawingml/2006/main" xmlns:r="http://schemas.openxmlformats.org/officeDocument/2006/relationships" xmlns:mc="http://schemas.openxmlformats.org/markup-compatibility/2006" xmlns:mv="urn:schemas-microsoft-com:mac:vml" xmlns:p="http://schemas.openxmlformats.org/presentationml/2006/main" mc:Ignorable="mv" mc:PreserveAttributes="mv:*">
+  <p:cSld>
+    <p:spTree>
+      <p:nvGrpSpPr>
+        <p:cNvPr id="1" name=""/>
+        <p:cNvGrpSpPr/>
+        <p:nvPr/>
+      </p:nvGrpSpPr>
+      <p:grpSpPr>
+        <a:xfrm>
+          <a:off x="0" y="0"/>
+          <a:ext cx="0" cy="0"/>
+          <a:chOff x="0" y="0"/>
+          <a:chExt cx="0" cy="0"/>
+        </a:xfrm>
+      </p:grpSpPr>
+      <p:sp>
+        <p:nvSpPr>
+          <p:cNvPr id="2" name="Title 1"/>
+          <p:cNvSpPr>
+            <a:spLocks noGrp="1"/>
+          </p:cNvSpPr>
+          <p:nvPr>
+            <p:ph type="title"/>
+          </p:nvPr>
+        </p:nvSpPr>
+        <p:spPr/>
+        <p:txBody>
+          <a:bodyPr/>
+          <a:lstStyle/>
+          <a:p>
+            <a:r>
+              <a:rPr lang="en-US" dirty="0" smtClean="0"/>
               <a:t>Pre-pulse consists of a picket and 3 pedestal segments </a:t>
             </a:r>
             <a:endParaRPr lang="en-US" dirty="0"/>
@@ -4667,10 +5106,166 @@
   <p:clrMapOvr>
     <a:masterClrMapping/>
   </p:clrMapOvr>
+  <p:timing>
+    <p:tnLst>
+      <p:par>
+        <p:cTn id="1" dur="indefinite" restart="never" nodeType="tmRoot"/>
+      </p:par>
+    </p:tnLst>
+  </p:timing>
 </p:sld>
 </file>
 
-<file path=ppt/slides/slide11.xml><?xml version="1.0" encoding="utf-8"?>
+<file path=ppt/slides/slide14.xml><?xml version="1.0" encoding="utf-8"?>
+<p:sld xmlns:a="http://schemas.openxmlformats.org/drawingml/2006/main" xmlns:r="http://schemas.openxmlformats.org/officeDocument/2006/relationships" xmlns:mc="http://schemas.openxmlformats.org/markup-compatibility/2006" xmlns:mv="urn:schemas-microsoft-com:mac:vml" xmlns:p="http://schemas.openxmlformats.org/presentationml/2006/main" mc:Ignorable="mv" mc:PreserveAttributes="mv:*">
+  <p:cSld>
+    <p:spTree>
+      <p:nvGrpSpPr>
+        <p:cNvPr id="1" name=""/>
+        <p:cNvGrpSpPr/>
+        <p:nvPr/>
+      </p:nvGrpSpPr>
+      <p:grpSpPr>
+        <a:xfrm>
+          <a:off x="0" y="0"/>
+          <a:ext cx="0" cy="0"/>
+          <a:chOff x="0" y="0"/>
+          <a:chExt cx="0" cy="0"/>
+        </a:xfrm>
+      </p:grpSpPr>
+      <p:sp>
+        <p:nvSpPr>
+          <p:cNvPr id="2" name="Title 1"/>
+          <p:cNvSpPr>
+            <a:spLocks noGrp="1"/>
+          </p:cNvSpPr>
+          <p:nvPr>
+            <p:ph type="title"/>
+          </p:nvPr>
+        </p:nvSpPr>
+        <p:spPr/>
+        <p:txBody>
+          <a:bodyPr/>
+          <a:lstStyle/>
+          <a:p>
+            <a:r>
+              <a:rPr lang="en-US" dirty="0" smtClean="0"/>
+              <a:t>Lets focus on the pre-pulse shocks</a:t>
+            </a:r>
+            <a:endParaRPr lang="en-US" dirty="0"/>
+          </a:p>
+        </p:txBody>
+      </p:sp>
+      <p:pic>
+        <p:nvPicPr>
+          <p:cNvPr id="3" name="Picture 2" descr="rtplot_full.pdf"/>
+          <p:cNvPicPr>
+            <a:picLocks noChangeAspect="1"/>
+          </p:cNvPicPr>
+          <p:nvPr/>
+        </p:nvPicPr>
+        <mc:AlternateContent>
+          <mc:Choice xmlns:ma="http://schemas.microsoft.com/office/mac/drawingml/2008/main" Requires="ma">
+            <p:blipFill>
+              <a:blip r:embed="rId2"/>
+              <a:srcRect l="3425" t="7516" b="2510"/>
+              <a:stretch>
+                <a:fillRect/>
+              </a:stretch>
+            </p:blipFill>
+          </mc:Choice>
+          <mc:Fallback>
+            <p:blipFill>
+              <a:blip r:embed="rId3"/>
+              <a:srcRect l="3425" t="7516" b="2510"/>
+              <a:stretch>
+                <a:fillRect/>
+              </a:stretch>
+            </p:blipFill>
+          </mc:Fallback>
+        </mc:AlternateContent>
+        <p:spPr>
+          <a:xfrm>
+            <a:off x="383117" y="1031208"/>
+            <a:ext cx="8257090" cy="5769503"/>
+          </a:xfrm>
+          <a:prstGeom prst="rect">
+            <a:avLst/>
+          </a:prstGeom>
+        </p:spPr>
+      </p:pic>
+      <p:sp>
+        <p:nvSpPr>
+          <p:cNvPr id="4" name="Rectangle 3"/>
+          <p:cNvSpPr/>
+          <p:nvPr/>
+        </p:nvSpPr>
+        <p:spPr bwMode="auto">
+          <a:xfrm>
+            <a:off x="1186599" y="1251544"/>
+            <a:ext cx="4792750" cy="1548207"/>
+          </a:xfrm>
+          <a:prstGeom prst="rect">
+            <a:avLst/>
+          </a:prstGeom>
+          <a:noFill/>
+          <a:ln w="38100" cap="flat" cmpd="sng" algn="ctr">
+            <a:solidFill>
+              <a:srgbClr val="FFFF00"/>
+            </a:solidFill>
+            <a:prstDash val="solid"/>
+            <a:round/>
+            <a:headEnd type="none" w="med" len="med"/>
+            <a:tailEnd type="none" w="med" len="med"/>
+          </a:ln>
+          <a:effectLst/>
+        </p:spPr>
+        <p:txBody>
+          <a:bodyPr vert="horz" wrap="square" lIns="91440" tIns="45720" rIns="91440" bIns="45720" numCol="1" rtlCol="0" anchor="t" anchorCtr="0" compatLnSpc="1">
+            <a:prstTxWarp prst="textNoShape">
+              <a:avLst/>
+            </a:prstTxWarp>
+          </a:bodyPr>
+          <a:lstStyle/>
+          <a:p>
+            <a:pPr marL="0" marR="0" indent="0" algn="ctr" defTabSz="914400" rtl="0" eaLnBrk="0" fontAlgn="base" latinLnBrk="0" hangingPunct="0">
+              <a:lnSpc>
+                <a:spcPct val="100000"/>
+              </a:lnSpc>
+              <a:spcBef>
+                <a:spcPct val="0"/>
+              </a:spcBef>
+              <a:spcAft>
+                <a:spcPct val="0"/>
+              </a:spcAft>
+              <a:buClrTx/>
+              <a:buSzTx/>
+              <a:buFontTx/>
+              <a:buNone/>
+              <a:tabLst/>
+            </a:pPr>
+            <a:endParaRPr kumimoji="0" lang="en-US" sz="1800" b="1" i="0" u="none" strike="noStrike" cap="none" normalizeH="0" baseline="0">
+              <a:ln>
+                <a:noFill/>
+              </a:ln>
+              <a:solidFill>
+                <a:schemeClr val="tx1"/>
+              </a:solidFill>
+              <a:effectLst/>
+              <a:latin typeface="Helvetica" pitchFamily="-111" charset="0"/>
+            </a:endParaRPr>
+          </a:p>
+        </p:txBody>
+      </p:sp>
+    </p:spTree>
+  </p:cSld>
+  <p:clrMapOvr>
+    <a:masterClrMapping/>
+  </p:clrMapOvr>
+</p:sld>
+</file>
+
+<file path=ppt/slides/slide15.xml><?xml version="1.0" encoding="utf-8"?>
 <p:sld xmlns:a="http://schemas.openxmlformats.org/drawingml/2006/main" xmlns:r="http://schemas.openxmlformats.org/officeDocument/2006/relationships" xmlns:mc="http://schemas.openxmlformats.org/markup-compatibility/2006" xmlns:mv="urn:schemas-microsoft-com:mac:vml" xmlns:p="http://schemas.openxmlformats.org/presentationml/2006/main" mc:Ignorable="mv" mc:PreserveAttributes="mv:*">
   <p:cSld>
     <p:spTree>
@@ -5428,10 +6023,17 @@
   <p:clrMapOvr>
     <a:masterClrMapping/>
   </p:clrMapOvr>
+  <p:timing>
+    <p:tnLst>
+      <p:par>
+        <p:cTn id="1" dur="indefinite" restart="never" nodeType="tmRoot"/>
+      </p:par>
+    </p:tnLst>
+  </p:timing>
 </p:sld>
 </file>
 
-<file path=ppt/slides/slide12.xml><?xml version="1.0" encoding="utf-8"?>
+<file path=ppt/slides/slide16.xml><?xml version="1.0" encoding="utf-8"?>
 <p:sld xmlns:a="http://schemas.openxmlformats.org/drawingml/2006/main" xmlns:r="http://schemas.openxmlformats.org/officeDocument/2006/relationships" xmlns:mc="http://schemas.openxmlformats.org/markup-compatibility/2006" xmlns:mv="urn:schemas-microsoft-com:mac:vml" xmlns:p="http://schemas.openxmlformats.org/presentationml/2006/main" mc:Ignorable="mv" mc:PreserveAttributes="mv:*">
   <p:cSld>
     <p:spTree>
@@ -6252,10 +6854,17 @@
   <p:clrMapOvr>
     <a:masterClrMapping/>
   </p:clrMapOvr>
+  <p:timing>
+    <p:tnLst>
+      <p:par>
+        <p:cTn id="1" dur="indefinite" restart="never" nodeType="tmRoot"/>
+      </p:par>
+    </p:tnLst>
+  </p:timing>
 </p:sld>
 </file>
 
-<file path=ppt/slides/slide13.xml><?xml version="1.0" encoding="utf-8"?>
+<file path=ppt/slides/slide17.xml><?xml version="1.0" encoding="utf-8"?>
 <p:sld xmlns:a="http://schemas.openxmlformats.org/drawingml/2006/main" xmlns:r="http://schemas.openxmlformats.org/officeDocument/2006/relationships" xmlns:mc="http://schemas.openxmlformats.org/markup-compatibility/2006" xmlns:mv="urn:schemas-microsoft-com:mac:vml" xmlns:p="http://schemas.openxmlformats.org/presentationml/2006/main" mc:Ignorable="mv" mc:PreserveAttributes="mv:*">
   <p:cSld>
     <p:spTree>
@@ -6734,7 +7343,7 @@
 </p:sld>
 </file>
 
-<file path=ppt/slides/slide14.xml><?xml version="1.0" encoding="utf-8"?>
+<file path=ppt/slides/slide18.xml><?xml version="1.0" encoding="utf-8"?>
 <p:sld xmlns:a="http://schemas.openxmlformats.org/drawingml/2006/main" xmlns:r="http://schemas.openxmlformats.org/officeDocument/2006/relationships" xmlns:mc="http://schemas.openxmlformats.org/markup-compatibility/2006" xmlns:mv="urn:schemas-microsoft-com:mac:vml" xmlns:p="http://schemas.openxmlformats.org/presentationml/2006/main" mc:Ignorable="mv" mc:PreserveAttributes="mv:*">
   <p:cSld>
     <p:spTree>
@@ -7178,7 +7787,7 @@
 </p:sld>
 </file>
 
-<file path=ppt/slides/slide15.xml><?xml version="1.0" encoding="utf-8"?>
+<file path=ppt/slides/slide19.xml><?xml version="1.0" encoding="utf-8"?>
 <p:sld xmlns:a="http://schemas.openxmlformats.org/drawingml/2006/main" xmlns:r="http://schemas.openxmlformats.org/officeDocument/2006/relationships" xmlns:mc="http://schemas.openxmlformats.org/markup-compatibility/2006" xmlns:mv="urn:schemas-microsoft-com:mac:vml" xmlns:p="http://schemas.openxmlformats.org/presentationml/2006/main" mc:Ignorable="mv" mc:PreserveAttributes="mv:*">
   <p:cSld>
     <p:spTree>
@@ -7478,7 +8087,333 @@
 </p:sld>
 </file>
 
-<file path=ppt/slides/slide16.xml><?xml version="1.0" encoding="utf-8"?>
+<file path=ppt/slides/slide2.xml><?xml version="1.0" encoding="utf-8"?>
+<p:sld xmlns:a="http://schemas.openxmlformats.org/drawingml/2006/main" xmlns:r="http://schemas.openxmlformats.org/officeDocument/2006/relationships" xmlns:mc="http://schemas.openxmlformats.org/markup-compatibility/2006" xmlns:mv="urn:schemas-microsoft-com:mac:vml" xmlns:p="http://schemas.openxmlformats.org/presentationml/2006/main" mc:Ignorable="mv" mc:PreserveAttributes="mv:*">
+  <p:cSld>
+    <p:spTree>
+      <p:nvGrpSpPr>
+        <p:cNvPr id="1" name=""/>
+        <p:cNvGrpSpPr/>
+        <p:nvPr/>
+      </p:nvGrpSpPr>
+      <p:grpSpPr>
+        <a:xfrm>
+          <a:off x="0" y="0"/>
+          <a:ext cx="0" cy="0"/>
+          <a:chOff x="0" y="0"/>
+          <a:chExt cx="0" cy="0"/>
+        </a:xfrm>
+      </p:grpSpPr>
+      <p:sp>
+        <p:nvSpPr>
+          <p:cNvPr id="2" name="Title 1"/>
+          <p:cNvSpPr>
+            <a:spLocks noGrp="1"/>
+          </p:cNvSpPr>
+          <p:nvPr>
+            <p:ph type="title"/>
+          </p:nvPr>
+        </p:nvSpPr>
+        <p:spPr/>
+        <p:txBody>
+          <a:bodyPr/>
+          <a:lstStyle/>
+          <a:p>
+            <a:r>
+              <a:rPr lang="en-US" dirty="0" smtClean="0"/>
+              <a:t>ICF works by compressing DT fuel to high density and relying on the fuel inertial to confine it</a:t>
+            </a:r>
+            <a:endParaRPr lang="en-US" dirty="0"/>
+          </a:p>
+        </p:txBody>
+      </p:sp>
+      <p:pic>
+        <p:nvPicPr>
+          <p:cNvPr id="12" name="Content Placeholder 4" descr="740px-Inertial_confinement_fusion.svg.png"/>
+          <p:cNvPicPr>
+            <a:picLocks noGrp="1" noChangeAspect="1"/>
+          </p:cNvPicPr>
+          <p:nvPr>
+            <p:ph sz="half" idx="4294967295"/>
+          </p:nvPr>
+        </p:nvPicPr>
+        <p:blipFill>
+          <a:blip r:embed="rId2"/>
+          <a:srcRect t="-383" r="77422" b="8759"/>
+          <a:stretch>
+            <a:fillRect/>
+          </a:stretch>
+        </p:blipFill>
+        <p:spPr>
+          <a:xfrm>
+            <a:off x="66843" y="1269410"/>
+            <a:ext cx="1659392" cy="1911258"/>
+          </a:xfrm>
+        </p:spPr>
+      </p:pic>
+      <p:sp>
+        <p:nvSpPr>
+          <p:cNvPr id="13" name="TextBox 12"/>
+          <p:cNvSpPr txBox="1"/>
+          <p:nvPr/>
+        </p:nvSpPr>
+        <p:spPr>
+          <a:xfrm>
+            <a:off x="1705736" y="1446230"/>
+            <a:ext cx="2790363" cy="1477328"/>
+          </a:xfrm>
+          <a:prstGeom prst="rect">
+            <a:avLst/>
+          </a:prstGeom>
+          <a:noFill/>
+        </p:spPr>
+        <p:txBody>
+          <a:bodyPr wrap="square" rtlCol="0">
+            <a:spAutoFit/>
+          </a:bodyPr>
+          <a:lstStyle/>
+          <a:p>
+            <a:pPr algn="l"/>
+            <a:r>
+              <a:rPr lang="en-US" dirty="0" smtClean="0"/>
+              <a:t>A high intensity driver (x-rays, laser, heavy ion beam, etc) illuminates the surface of a layered spherical pellet</a:t>
+            </a:r>
+          </a:p>
+        </p:txBody>
+      </p:sp>
+      <p:pic>
+        <p:nvPicPr>
+          <p:cNvPr id="14" name="Content Placeholder 4" descr="740px-Inertial_confinement_fusion.svg.png"/>
+          <p:cNvPicPr>
+            <a:picLocks noChangeAspect="1"/>
+          </p:cNvPicPr>
+          <p:nvPr/>
+        </p:nvPicPr>
+        <p:blipFill>
+          <a:blip r:embed="rId2"/>
+          <a:srcRect l="26059" t="-383" r="45252" b="-351"/>
+          <a:stretch>
+            <a:fillRect/>
+          </a:stretch>
+        </p:blipFill>
+        <p:spPr bwMode="auto">
+          <a:xfrm>
+            <a:off x="4462723" y="1297809"/>
+            <a:ext cx="2108533" cy="2101009"/>
+          </a:xfrm>
+          <a:prstGeom prst="rect">
+            <a:avLst/>
+          </a:prstGeom>
+          <a:noFill/>
+          <a:ln w="9525">
+            <a:noFill/>
+            <a:miter lim="800000"/>
+            <a:headEnd/>
+            <a:tailEnd/>
+          </a:ln>
+        </p:spPr>
+      </p:pic>
+      <p:sp>
+        <p:nvSpPr>
+          <p:cNvPr id="15" name="TextBox 14"/>
+          <p:cNvSpPr txBox="1"/>
+          <p:nvPr/>
+        </p:nvSpPr>
+        <p:spPr>
+          <a:xfrm>
+            <a:off x="6502612" y="1390604"/>
+            <a:ext cx="2641388" cy="1754327"/>
+          </a:xfrm>
+          <a:prstGeom prst="rect">
+            <a:avLst/>
+          </a:prstGeom>
+          <a:noFill/>
+        </p:spPr>
+        <p:txBody>
+          <a:bodyPr wrap="square" rtlCol="0">
+            <a:spAutoFit/>
+          </a:bodyPr>
+          <a:lstStyle/>
+          <a:p>
+            <a:pPr algn="l"/>
+            <a:r>
+              <a:rPr lang="en-US" dirty="0" smtClean="0"/>
+              <a:t>The outer surface of the pellet ablates, compressing DT fuel and driving an imploding spherical rocket</a:t>
+            </a:r>
+          </a:p>
+        </p:txBody>
+      </p:sp>
+      <p:pic>
+        <p:nvPicPr>
+          <p:cNvPr id="16" name="Content Placeholder 4" descr="740px-Inertial_confinement_fusion.svg.png"/>
+          <p:cNvPicPr>
+            <a:picLocks noChangeAspect="1"/>
+          </p:cNvPicPr>
+          <p:nvPr/>
+        </p:nvPicPr>
+        <p:blipFill>
+          <a:blip r:embed="rId2"/>
+          <a:srcRect l="57764" t="-383" r="15515" b="-351"/>
+          <a:stretch>
+            <a:fillRect/>
+          </a:stretch>
+        </p:blipFill>
+        <p:spPr bwMode="auto">
+          <a:xfrm>
+            <a:off x="0" y="4113872"/>
+            <a:ext cx="1963904" cy="2101009"/>
+          </a:xfrm>
+          <a:prstGeom prst="rect">
+            <a:avLst/>
+          </a:prstGeom>
+          <a:noFill/>
+          <a:ln w="9525">
+            <a:noFill/>
+            <a:miter lim="800000"/>
+            <a:headEnd/>
+            <a:tailEnd/>
+          </a:ln>
+        </p:spPr>
+      </p:pic>
+      <p:sp>
+        <p:nvSpPr>
+          <p:cNvPr id="17" name="TextBox 16"/>
+          <p:cNvSpPr txBox="1"/>
+          <p:nvPr/>
+        </p:nvSpPr>
+        <p:spPr>
+          <a:xfrm>
+            <a:off x="2030197" y="4292334"/>
+            <a:ext cx="2326847" cy="1754327"/>
+          </a:xfrm>
+          <a:prstGeom prst="rect">
+            <a:avLst/>
+          </a:prstGeom>
+          <a:noFill/>
+        </p:spPr>
+        <p:txBody>
+          <a:bodyPr wrap="square" rtlCol="0">
+            <a:spAutoFit/>
+          </a:bodyPr>
+          <a:lstStyle/>
+          <a:p>
+            <a:pPr algn="l"/>
+            <a:r>
+              <a:rPr lang="en-US" dirty="0" smtClean="0"/>
+              <a:t>The dense imploding shell stagnates on axis and converts its kinetic energy to thermal energy</a:t>
+            </a:r>
+          </a:p>
+        </p:txBody>
+      </p:sp>
+      <p:pic>
+        <p:nvPicPr>
+          <p:cNvPr id="18" name="Content Placeholder 4" descr="740px-Inertial_confinement_fusion.svg.png"/>
+          <p:cNvPicPr>
+            <a:picLocks noChangeAspect="1"/>
+          </p:cNvPicPr>
+          <p:nvPr/>
+        </p:nvPicPr>
+        <p:blipFill>
+          <a:blip r:embed="rId2"/>
+          <a:srcRect l="84738" t="-383" b="25518"/>
+          <a:stretch>
+            <a:fillRect/>
+          </a:stretch>
+        </p:blipFill>
+        <p:spPr bwMode="auto">
+          <a:xfrm>
+            <a:off x="4520020" y="4040891"/>
+            <a:ext cx="1121696" cy="1561463"/>
+          </a:xfrm>
+          <a:prstGeom prst="rect">
+            <a:avLst/>
+          </a:prstGeom>
+          <a:noFill/>
+          <a:ln w="9525">
+            <a:noFill/>
+            <a:miter lim="800000"/>
+            <a:headEnd/>
+            <a:tailEnd/>
+          </a:ln>
+        </p:spPr>
+      </p:pic>
+      <p:sp>
+        <p:nvSpPr>
+          <p:cNvPr id="19" name="TextBox 18"/>
+          <p:cNvSpPr txBox="1"/>
+          <p:nvPr/>
+        </p:nvSpPr>
+        <p:spPr>
+          <a:xfrm>
+            <a:off x="5767369" y="4292334"/>
+            <a:ext cx="3376632" cy="2031325"/>
+          </a:xfrm>
+          <a:prstGeom prst="rect">
+            <a:avLst/>
+          </a:prstGeom>
+          <a:noFill/>
+        </p:spPr>
+        <p:txBody>
+          <a:bodyPr wrap="square" rtlCol="0">
+            <a:spAutoFit/>
+          </a:bodyPr>
+          <a:lstStyle/>
+          <a:p>
+            <a:pPr algn="l"/>
+            <a:r>
+              <a:rPr lang="en-US" dirty="0" smtClean="0"/>
+              <a:t>The high stagnation temperature initiations a fusion burn wave.  The burn wave propagates faster than the shell can disassemble, releasing large amounts of energy</a:t>
+            </a:r>
+          </a:p>
+        </p:txBody>
+      </p:sp>
+      <p:sp>
+        <p:nvSpPr>
+          <p:cNvPr id="20" name="TextBox 19"/>
+          <p:cNvSpPr txBox="1"/>
+          <p:nvPr/>
+        </p:nvSpPr>
+        <p:spPr>
+          <a:xfrm>
+            <a:off x="0" y="6550223"/>
+            <a:ext cx="6313080" cy="276999"/>
+          </a:xfrm>
+          <a:prstGeom prst="rect">
+            <a:avLst/>
+          </a:prstGeom>
+          <a:noFill/>
+        </p:spPr>
+        <p:txBody>
+          <a:bodyPr wrap="square" rtlCol="0">
+            <a:spAutoFit/>
+          </a:bodyPr>
+          <a:lstStyle/>
+          <a:p>
+            <a:pPr algn="l"/>
+            <a:r>
+              <a:rPr lang="en-US" sz="1200" b="0" dirty="0" err="1" smtClean="0"/>
+              <a:t>http://en.wikipedia.org/wiki/File:Inertial_confinement_fusion.svg</a:t>
+            </a:r>
+            <a:endParaRPr lang="en-US" sz="1200" b="0" dirty="0" smtClean="0"/>
+          </a:p>
+        </p:txBody>
+      </p:sp>
+    </p:spTree>
+  </p:cSld>
+  <p:clrMapOvr>
+    <a:masterClrMapping/>
+  </p:clrMapOvr>
+  <p:timing>
+    <p:tnLst>
+      <p:par>
+        <p:cTn id="1" dur="indefinite" restart="never" nodeType="tmRoot"/>
+      </p:par>
+    </p:tnLst>
+  </p:timing>
+</p:sld>
+</file>
+
+<file path=ppt/slides/slide20.xml><?xml version="1.0" encoding="utf-8"?>
 <p:sld xmlns:a="http://schemas.openxmlformats.org/drawingml/2006/main" xmlns:r="http://schemas.openxmlformats.org/officeDocument/2006/relationships" xmlns:mc="http://schemas.openxmlformats.org/markup-compatibility/2006" xmlns:mv="urn:schemas-microsoft-com:mac:vml" xmlns:p="http://schemas.openxmlformats.org/presentationml/2006/main" mc:Ignorable="mv" mc:PreserveAttributes="mv:*">
   <p:cSld>
     <p:spTree>
@@ -7658,7 +8593,7 @@
 </p:sld>
 </file>
 
-<file path=ppt/slides/slide17.xml><?xml version="1.0" encoding="utf-8"?>
+<file path=ppt/slides/slide21.xml><?xml version="1.0" encoding="utf-8"?>
 <p:sld xmlns:a="http://schemas.openxmlformats.org/drawingml/2006/main" xmlns:r="http://schemas.openxmlformats.org/officeDocument/2006/relationships" xmlns:mc="http://schemas.openxmlformats.org/markup-compatibility/2006" xmlns:mv="urn:schemas-microsoft-com:mac:vml" xmlns:p="http://schemas.openxmlformats.org/presentationml/2006/main" mc:Ignorable="mv" mc:PreserveAttributes="mv:*">
   <p:cSld>
     <p:spTree>
@@ -8019,7 +8954,7 @@
 </p:sld>
 </file>
 
-<file path=ppt/slides/slide18.xml><?xml version="1.0" encoding="utf-8"?>
+<file path=ppt/slides/slide22.xml><?xml version="1.0" encoding="utf-8"?>
 <p:sld xmlns:a="http://schemas.openxmlformats.org/drawingml/2006/main" xmlns:r="http://schemas.openxmlformats.org/officeDocument/2006/relationships" xmlns:mc="http://schemas.openxmlformats.org/markup-compatibility/2006" xmlns:mv="urn:schemas-microsoft-com:mac:vml" xmlns:p="http://schemas.openxmlformats.org/presentationml/2006/main" mc:Ignorable="mv" mc:PreserveAttributes="mv:*">
   <p:cSld>
     <p:spTree>
@@ -8274,7 +9209,7 @@
 </p:sld>
 </file>
 
-<file path=ppt/slides/slide19.xml><?xml version="1.0" encoding="utf-8"?>
+<file path=ppt/slides/slide23.xml><?xml version="1.0" encoding="utf-8"?>
 <p:sld xmlns:a="http://schemas.openxmlformats.org/drawingml/2006/main" xmlns:r="http://schemas.openxmlformats.org/officeDocument/2006/relationships" xmlns:mc="http://schemas.openxmlformats.org/markup-compatibility/2006" xmlns:mv="urn:schemas-microsoft-com:mac:vml" xmlns:p="http://schemas.openxmlformats.org/presentationml/2006/main" mc:Ignorable="mv" mc:PreserveAttributes="mv:*">
   <p:cSld>
     <p:spTree>
@@ -9320,769 +10255,6 @@
 </p:sld>
 </file>
 
-<file path=ppt/slides/slide2.xml><?xml version="1.0" encoding="utf-8"?>
-<p:sld xmlns:a="http://schemas.openxmlformats.org/drawingml/2006/main" xmlns:r="http://schemas.openxmlformats.org/officeDocument/2006/relationships" xmlns:mc="http://schemas.openxmlformats.org/markup-compatibility/2006" xmlns:mv="urn:schemas-microsoft-com:mac:vml" xmlns:p="http://schemas.openxmlformats.org/presentationml/2006/main" mc:Ignorable="mv" mc:PreserveAttributes="mv:*">
-  <p:cSld>
-    <p:spTree>
-      <p:nvGrpSpPr>
-        <p:cNvPr id="1" name=""/>
-        <p:cNvGrpSpPr/>
-        <p:nvPr/>
-      </p:nvGrpSpPr>
-      <p:grpSpPr>
-        <a:xfrm>
-          <a:off x="0" y="0"/>
-          <a:ext cx="0" cy="0"/>
-          <a:chOff x="0" y="0"/>
-          <a:chExt cx="0" cy="0"/>
-        </a:xfrm>
-      </p:grpSpPr>
-      <p:sp>
-        <p:nvSpPr>
-          <p:cNvPr id="2" name="Title 1"/>
-          <p:cNvSpPr>
-            <a:spLocks noGrp="1"/>
-          </p:cNvSpPr>
-          <p:nvPr>
-            <p:ph type="title"/>
-          </p:nvPr>
-        </p:nvSpPr>
-        <p:spPr/>
-        <p:txBody>
-          <a:bodyPr/>
-          <a:lstStyle/>
-          <a:p>
-            <a:r>
-              <a:rPr lang="en-US" dirty="0" smtClean="0"/>
-              <a:t>ICF works by compressing DT fuel to high density and relying on the fuel inertial to confine it</a:t>
-            </a:r>
-            <a:endParaRPr lang="en-US" dirty="0"/>
-          </a:p>
-        </p:txBody>
-      </p:sp>
-      <p:pic>
-        <p:nvPicPr>
-          <p:cNvPr id="12" name="Content Placeholder 4" descr="740px-Inertial_confinement_fusion.svg.png"/>
-          <p:cNvPicPr>
-            <a:picLocks noGrp="1" noChangeAspect="1"/>
-          </p:cNvPicPr>
-          <p:nvPr>
-            <p:ph sz="half" idx="4294967295"/>
-          </p:nvPr>
-        </p:nvPicPr>
-        <p:blipFill>
-          <a:blip r:embed="rId2"/>
-          <a:srcRect t="-383" r="77422" b="8759"/>
-          <a:stretch>
-            <a:fillRect/>
-          </a:stretch>
-        </p:blipFill>
-        <p:spPr>
-          <a:xfrm>
-            <a:off x="66843" y="1269410"/>
-            <a:ext cx="1659392" cy="1911258"/>
-          </a:xfrm>
-        </p:spPr>
-      </p:pic>
-      <p:sp>
-        <p:nvSpPr>
-          <p:cNvPr id="13" name="TextBox 12"/>
-          <p:cNvSpPr txBox="1"/>
-          <p:nvPr/>
-        </p:nvSpPr>
-        <p:spPr>
-          <a:xfrm>
-            <a:off x="1705736" y="1446230"/>
-            <a:ext cx="2790363" cy="1477328"/>
-          </a:xfrm>
-          <a:prstGeom prst="rect">
-            <a:avLst/>
-          </a:prstGeom>
-          <a:noFill/>
-        </p:spPr>
-        <p:txBody>
-          <a:bodyPr wrap="square" rtlCol="0">
-            <a:spAutoFit/>
-          </a:bodyPr>
-          <a:lstStyle/>
-          <a:p>
-            <a:pPr algn="l"/>
-            <a:r>
-              <a:rPr lang="en-US" dirty="0" smtClean="0"/>
-              <a:t>A high intensity driver (x-rays, laser, heavy ion beam, etc) illuminates the surface of a layered spherical pellet</a:t>
-            </a:r>
-          </a:p>
-        </p:txBody>
-      </p:sp>
-      <p:pic>
-        <p:nvPicPr>
-          <p:cNvPr id="14" name="Content Placeholder 4" descr="740px-Inertial_confinement_fusion.svg.png"/>
-          <p:cNvPicPr>
-            <a:picLocks noChangeAspect="1"/>
-          </p:cNvPicPr>
-          <p:nvPr/>
-        </p:nvPicPr>
-        <p:blipFill>
-          <a:blip r:embed="rId2"/>
-          <a:srcRect l="26059" t="-383" r="45252" b="-351"/>
-          <a:stretch>
-            <a:fillRect/>
-          </a:stretch>
-        </p:blipFill>
-        <p:spPr bwMode="auto">
-          <a:xfrm>
-            <a:off x="4462723" y="1297809"/>
-            <a:ext cx="2108533" cy="2101009"/>
-          </a:xfrm>
-          <a:prstGeom prst="rect">
-            <a:avLst/>
-          </a:prstGeom>
-          <a:noFill/>
-          <a:ln w="9525">
-            <a:noFill/>
-            <a:miter lim="800000"/>
-            <a:headEnd/>
-            <a:tailEnd/>
-          </a:ln>
-        </p:spPr>
-      </p:pic>
-      <p:sp>
-        <p:nvSpPr>
-          <p:cNvPr id="15" name="TextBox 14"/>
-          <p:cNvSpPr txBox="1"/>
-          <p:nvPr/>
-        </p:nvSpPr>
-        <p:spPr>
-          <a:xfrm>
-            <a:off x="6502612" y="1390604"/>
-            <a:ext cx="2641388" cy="1754327"/>
-          </a:xfrm>
-          <a:prstGeom prst="rect">
-            <a:avLst/>
-          </a:prstGeom>
-          <a:noFill/>
-        </p:spPr>
-        <p:txBody>
-          <a:bodyPr wrap="square" rtlCol="0">
-            <a:spAutoFit/>
-          </a:bodyPr>
-          <a:lstStyle/>
-          <a:p>
-            <a:pPr algn="l"/>
-            <a:r>
-              <a:rPr lang="en-US" dirty="0" smtClean="0"/>
-              <a:t>The outer surface of the pellet ablates, compressing DT fuel and driving an imploding spherical rocket</a:t>
-            </a:r>
-          </a:p>
-        </p:txBody>
-      </p:sp>
-      <p:pic>
-        <p:nvPicPr>
-          <p:cNvPr id="16" name="Content Placeholder 4" descr="740px-Inertial_confinement_fusion.svg.png"/>
-          <p:cNvPicPr>
-            <a:picLocks noChangeAspect="1"/>
-          </p:cNvPicPr>
-          <p:nvPr/>
-        </p:nvPicPr>
-        <p:blipFill>
-          <a:blip r:embed="rId2"/>
-          <a:srcRect l="57764" t="-383" r="15515" b="-351"/>
-          <a:stretch>
-            <a:fillRect/>
-          </a:stretch>
-        </p:blipFill>
-        <p:spPr bwMode="auto">
-          <a:xfrm>
-            <a:off x="0" y="4113872"/>
-            <a:ext cx="1963904" cy="2101009"/>
-          </a:xfrm>
-          <a:prstGeom prst="rect">
-            <a:avLst/>
-          </a:prstGeom>
-          <a:noFill/>
-          <a:ln w="9525">
-            <a:noFill/>
-            <a:miter lim="800000"/>
-            <a:headEnd/>
-            <a:tailEnd/>
-          </a:ln>
-        </p:spPr>
-      </p:pic>
-      <p:sp>
-        <p:nvSpPr>
-          <p:cNvPr id="17" name="TextBox 16"/>
-          <p:cNvSpPr txBox="1"/>
-          <p:nvPr/>
-        </p:nvSpPr>
-        <p:spPr>
-          <a:xfrm>
-            <a:off x="2030197" y="4292334"/>
-            <a:ext cx="2326847" cy="1754327"/>
-          </a:xfrm>
-          <a:prstGeom prst="rect">
-            <a:avLst/>
-          </a:prstGeom>
-          <a:noFill/>
-        </p:spPr>
-        <p:txBody>
-          <a:bodyPr wrap="square" rtlCol="0">
-            <a:spAutoFit/>
-          </a:bodyPr>
-          <a:lstStyle/>
-          <a:p>
-            <a:pPr algn="l"/>
-            <a:r>
-              <a:rPr lang="en-US" dirty="0" smtClean="0"/>
-              <a:t>The dense imploding shell stagnates on axis and converts its kinetic energy to thermal energy</a:t>
-            </a:r>
-          </a:p>
-        </p:txBody>
-      </p:sp>
-      <p:pic>
-        <p:nvPicPr>
-          <p:cNvPr id="18" name="Content Placeholder 4" descr="740px-Inertial_confinement_fusion.svg.png"/>
-          <p:cNvPicPr>
-            <a:picLocks noChangeAspect="1"/>
-          </p:cNvPicPr>
-          <p:nvPr/>
-        </p:nvPicPr>
-        <p:blipFill>
-          <a:blip r:embed="rId2"/>
-          <a:srcRect l="84738" t="-383" b="25518"/>
-          <a:stretch>
-            <a:fillRect/>
-          </a:stretch>
-        </p:blipFill>
-        <p:spPr bwMode="auto">
-          <a:xfrm>
-            <a:off x="4520020" y="4040891"/>
-            <a:ext cx="1121696" cy="1561463"/>
-          </a:xfrm>
-          <a:prstGeom prst="rect">
-            <a:avLst/>
-          </a:prstGeom>
-          <a:noFill/>
-          <a:ln w="9525">
-            <a:noFill/>
-            <a:miter lim="800000"/>
-            <a:headEnd/>
-            <a:tailEnd/>
-          </a:ln>
-        </p:spPr>
-      </p:pic>
-      <p:sp>
-        <p:nvSpPr>
-          <p:cNvPr id="19" name="TextBox 18"/>
-          <p:cNvSpPr txBox="1"/>
-          <p:nvPr/>
-        </p:nvSpPr>
-        <p:spPr>
-          <a:xfrm>
-            <a:off x="5767369" y="4292334"/>
-            <a:ext cx="3376632" cy="2031325"/>
-          </a:xfrm>
-          <a:prstGeom prst="rect">
-            <a:avLst/>
-          </a:prstGeom>
-          <a:noFill/>
-        </p:spPr>
-        <p:txBody>
-          <a:bodyPr wrap="square" rtlCol="0">
-            <a:spAutoFit/>
-          </a:bodyPr>
-          <a:lstStyle/>
-          <a:p>
-            <a:pPr algn="l"/>
-            <a:r>
-              <a:rPr lang="en-US" dirty="0" smtClean="0"/>
-              <a:t>The high stagnation temperature initiations a fusion burn wave.  The burn wave propagates faster than the shell can disassemble, releasing large amounts of energy</a:t>
-            </a:r>
-          </a:p>
-        </p:txBody>
-      </p:sp>
-      <p:sp>
-        <p:nvSpPr>
-          <p:cNvPr id="20" name="TextBox 19"/>
-          <p:cNvSpPr txBox="1"/>
-          <p:nvPr/>
-        </p:nvSpPr>
-        <p:spPr>
-          <a:xfrm>
-            <a:off x="0" y="6550223"/>
-            <a:ext cx="6313080" cy="276999"/>
-          </a:xfrm>
-          <a:prstGeom prst="rect">
-            <a:avLst/>
-          </a:prstGeom>
-          <a:noFill/>
-        </p:spPr>
-        <p:txBody>
-          <a:bodyPr wrap="square" rtlCol="0">
-            <a:spAutoFit/>
-          </a:bodyPr>
-          <a:lstStyle/>
-          <a:p>
-            <a:pPr algn="l"/>
-            <a:r>
-              <a:rPr lang="en-US" sz="1200" b="0" dirty="0" err="1" smtClean="0"/>
-              <a:t>http://en.wikipedia.org/wiki/File:Inertial_confinement_fusion.svg</a:t>
-            </a:r>
-            <a:endParaRPr lang="en-US" sz="1200" b="0" dirty="0" smtClean="0"/>
-          </a:p>
-        </p:txBody>
-      </p:sp>
-    </p:spTree>
-  </p:cSld>
-  <p:clrMapOvr>
-    <a:masterClrMapping/>
-  </p:clrMapOvr>
-</p:sld>
-</file>
-
-<file path=ppt/slides/slide20.xml><?xml version="1.0" encoding="utf-8"?>
-<p:sld xmlns:a="http://schemas.openxmlformats.org/drawingml/2006/main" xmlns:r="http://schemas.openxmlformats.org/officeDocument/2006/relationships" xmlns:mc="http://schemas.openxmlformats.org/markup-compatibility/2006" xmlns:mv="urn:schemas-microsoft-com:mac:vml" xmlns:p="http://schemas.openxmlformats.org/presentationml/2006/main" mc:Ignorable="mv" mc:PreserveAttributes="mv:*">
-  <p:cSld>
-    <p:spTree>
-      <p:nvGrpSpPr>
-        <p:cNvPr id="1" name=""/>
-        <p:cNvGrpSpPr/>
-        <p:nvPr/>
-      </p:nvGrpSpPr>
-      <p:grpSpPr>
-        <a:xfrm>
-          <a:off x="0" y="0"/>
-          <a:ext cx="0" cy="0"/>
-          <a:chOff x="0" y="0"/>
-          <a:chExt cx="0" cy="0"/>
-        </a:xfrm>
-      </p:grpSpPr>
-      <p:sp>
-        <p:nvSpPr>
-          <p:cNvPr id="2" name="Title 1"/>
-          <p:cNvSpPr>
-            <a:spLocks noGrp="1"/>
-          </p:cNvSpPr>
-          <p:nvPr>
-            <p:ph type="title"/>
-          </p:nvPr>
-        </p:nvSpPr>
-        <p:spPr/>
-        <p:txBody>
-          <a:bodyPr/>
-          <a:lstStyle/>
-          <a:p>
-            <a:r>
-              <a:rPr lang="en-US" dirty="0" smtClean="0"/>
-              <a:t>Python is both extended by and embedded in Hydra</a:t>
-            </a:r>
-            <a:endParaRPr lang="en-US" dirty="0"/>
-          </a:p>
-        </p:txBody>
-      </p:sp>
-      <p:sp>
-        <p:nvSpPr>
-          <p:cNvPr id="3" name="Content Placeholder 2"/>
-          <p:cNvSpPr>
-            <a:spLocks noGrp="1"/>
-          </p:cNvSpPr>
-          <p:nvPr>
-            <p:ph idx="1"/>
-          </p:nvPr>
-        </p:nvSpPr>
-        <p:spPr/>
-        <p:txBody>
-          <a:bodyPr/>
-          <a:lstStyle/>
-          <a:p>
-            <a:r>
-              <a:rPr lang="en-US" sz="2000" dirty="0" smtClean="0"/>
-              <a:t>Python is extended through a module called “hydra” which contains functions and objects to manipulate hydra data structures</a:t>
-            </a:r>
-          </a:p>
-          <a:p>
-            <a:endParaRPr lang="en-US" sz="2000" dirty="0" smtClean="0"/>
-          </a:p>
-          <a:p>
-            <a:r>
-              <a:rPr lang="en-US" sz="2000" dirty="0" smtClean="0"/>
-              <a:t>Python is then embedded in the hydra executable</a:t>
-            </a:r>
-          </a:p>
-          <a:p>
-            <a:endParaRPr lang="en-US" sz="2000" dirty="0" smtClean="0"/>
-          </a:p>
-          <a:p>
-            <a:r>
-              <a:rPr lang="en-US" sz="2000" dirty="0" smtClean="0"/>
-              <a:t>Bottom line: Hydra makes available a Python interpreter running concurrently in parallel with the main Hydra executable.  The two processes are loosely coupled through the “hydra” Python module</a:t>
-            </a:r>
-          </a:p>
-        </p:txBody>
-      </p:sp>
-    </p:spTree>
-  </p:cSld>
-  <p:clrMapOvr>
-    <a:masterClrMapping/>
-  </p:clrMapOvr>
-</p:sld>
-</file>
-
-<file path=ppt/slides/slide21.xml><?xml version="1.0" encoding="utf-8"?>
-<p:sld xmlns:a="http://schemas.openxmlformats.org/drawingml/2006/main" xmlns:r="http://schemas.openxmlformats.org/officeDocument/2006/relationships" xmlns:mc="http://schemas.openxmlformats.org/markup-compatibility/2006" xmlns:mv="urn:schemas-microsoft-com:mac:vml" xmlns:p="http://schemas.openxmlformats.org/presentationml/2006/main" mc:Ignorable="mv" mc:PreserveAttributes="mv:*">
-  <p:cSld>
-    <p:spTree>
-      <p:nvGrpSpPr>
-        <p:cNvPr id="1" name=""/>
-        <p:cNvGrpSpPr/>
-        <p:nvPr/>
-      </p:nvGrpSpPr>
-      <p:grpSpPr>
-        <a:xfrm>
-          <a:off x="0" y="0"/>
-          <a:ext cx="0" cy="0"/>
-          <a:chOff x="0" y="0"/>
-          <a:chExt cx="0" cy="0"/>
-        </a:xfrm>
-      </p:grpSpPr>
-      <p:sp>
-        <p:nvSpPr>
-          <p:cNvPr id="2" name="Title 1"/>
-          <p:cNvSpPr>
-            <a:spLocks noGrp="1"/>
-          </p:cNvSpPr>
-          <p:nvPr>
-            <p:ph type="title"/>
-          </p:nvPr>
-        </p:nvSpPr>
-        <p:spPr/>
-        <p:txBody>
-          <a:bodyPr/>
-          <a:lstStyle/>
-          <a:p>
-            <a:r>
-              <a:rPr lang="en-US" dirty="0" smtClean="0"/>
-              <a:t>Interesting lessons learned</a:t>
-            </a:r>
-            <a:endParaRPr lang="en-US" dirty="0"/>
-          </a:p>
-        </p:txBody>
-      </p:sp>
-      <p:sp>
-        <p:nvSpPr>
-          <p:cNvPr id="3" name="Content Placeholder 2"/>
-          <p:cNvSpPr>
-            <a:spLocks noGrp="1"/>
-          </p:cNvSpPr>
-          <p:nvPr>
-            <p:ph idx="1"/>
-          </p:nvPr>
-        </p:nvSpPr>
-        <p:spPr>
-          <a:xfrm>
-            <a:off x="212725" y="1401379"/>
-            <a:ext cx="8778875" cy="4885121"/>
-          </a:xfrm>
-        </p:spPr>
-        <p:txBody>
-          <a:bodyPr/>
-          <a:lstStyle/>
-          <a:p>
-            <a:r>
-              <a:rPr lang="en-US" dirty="0" smtClean="0"/>
-              <a:t>Propagating modifications to the parser is tricky</a:t>
-            </a:r>
-          </a:p>
-          <a:p>
-            <a:pPr lvl="1"/>
-            <a:r>
-              <a:rPr lang="en-US" dirty="0" smtClean="0">
-                <a:latin typeface="Inconsolata"/>
-                <a:cs typeface="Inconsolata"/>
-              </a:rPr>
-              <a:t>from __future__ import </a:t>
-            </a:r>
-            <a:r>
-              <a:rPr lang="en-US" dirty="0" err="1" smtClean="0">
-                <a:latin typeface="Inconsolata"/>
-                <a:cs typeface="Inconsolata"/>
-              </a:rPr>
-              <a:t>with_statement</a:t>
-            </a:r>
-            <a:endParaRPr lang="en-US" dirty="0" smtClean="0">
-              <a:latin typeface="Inconsolata"/>
-              <a:cs typeface="Inconsolata"/>
-            </a:endParaRPr>
-          </a:p>
-          <a:p>
-            <a:pPr lvl="1"/>
-            <a:r>
-              <a:rPr lang="en-US" dirty="0" smtClean="0"/>
-              <a:t>Solution: custom parser</a:t>
-            </a:r>
-          </a:p>
-          <a:p>
-            <a:endParaRPr lang="en-US" dirty="0" smtClean="0"/>
-          </a:p>
-          <a:p>
-            <a:r>
-              <a:rPr lang="en-US" dirty="0" smtClean="0"/>
-              <a:t>Saving the state of </a:t>
-            </a:r>
-            <a:r>
-              <a:rPr lang="en-US" dirty="0" smtClean="0">
-                <a:latin typeface="Inconsolata"/>
-                <a:cs typeface="Inconsolata"/>
-              </a:rPr>
-              <a:t>__main__</a:t>
-            </a:r>
-            <a:r>
-              <a:rPr lang="en-US" dirty="0" smtClean="0"/>
-              <a:t> across restarts is tricky</a:t>
-            </a:r>
-          </a:p>
-          <a:p>
-            <a:pPr lvl="1"/>
-            <a:r>
-              <a:rPr lang="en-US" dirty="0" smtClean="0"/>
-              <a:t>Cobble together many methods to collect state</a:t>
-            </a:r>
-          </a:p>
-          <a:p>
-            <a:pPr lvl="1"/>
-            <a:r>
-              <a:rPr lang="en-US" dirty="0" smtClean="0"/>
-              <a:t>Pickle state as a string and add it to restart files</a:t>
-            </a:r>
-          </a:p>
-          <a:p>
-            <a:pPr lvl="1"/>
-            <a:r>
-              <a:rPr lang="en-US" dirty="0" smtClean="0"/>
-              <a:t>Some objects pickle but do not </a:t>
-            </a:r>
-            <a:r>
-              <a:rPr lang="en-US" dirty="0" err="1" smtClean="0"/>
-              <a:t>unpickle</a:t>
-            </a:r>
-            <a:r>
-              <a:rPr lang="en-US" dirty="0" smtClean="0"/>
-              <a:t>!</a:t>
-            </a:r>
-          </a:p>
-          <a:p>
-            <a:pPr lvl="1"/>
-            <a:endParaRPr lang="en-US" dirty="0" smtClean="0"/>
-          </a:p>
-          <a:p>
-            <a:r>
-              <a:rPr lang="en-US" dirty="0" smtClean="0"/>
-              <a:t>If your program uses different indexing than Python, resist the urge to emulate your program’s indexing in Python</a:t>
-            </a:r>
-          </a:p>
-        </p:txBody>
-      </p:sp>
-    </p:spTree>
-  </p:cSld>
-  <p:clrMapOvr>
-    <a:masterClrMapping/>
-  </p:clrMapOvr>
-</p:sld>
-</file>
-
-<file path=ppt/slides/slide22.xml><?xml version="1.0" encoding="utf-8"?>
-<p:sld xmlns:a="http://schemas.openxmlformats.org/drawingml/2006/main" xmlns:r="http://schemas.openxmlformats.org/officeDocument/2006/relationships" xmlns:mc="http://schemas.openxmlformats.org/markup-compatibility/2006" xmlns:mv="urn:schemas-microsoft-com:mac:vml" xmlns:p="http://schemas.openxmlformats.org/presentationml/2006/main" mc:Ignorable="mv" mc:PreserveAttributes="mv:*">
-  <p:cSld>
-    <p:spTree>
-      <p:nvGrpSpPr>
-        <p:cNvPr id="1" name=""/>
-        <p:cNvGrpSpPr/>
-        <p:nvPr/>
-      </p:nvGrpSpPr>
-      <p:grpSpPr>
-        <a:xfrm>
-          <a:off x="0" y="0"/>
-          <a:ext cx="0" cy="0"/>
-          <a:chOff x="0" y="0"/>
-          <a:chExt cx="0" cy="0"/>
-        </a:xfrm>
-      </p:grpSpPr>
-      <p:sp>
-        <p:nvSpPr>
-          <p:cNvPr id="2" name="Title 1"/>
-          <p:cNvSpPr>
-            <a:spLocks noGrp="1"/>
-          </p:cNvSpPr>
-          <p:nvPr>
-            <p:ph type="title"/>
-          </p:nvPr>
-        </p:nvSpPr>
-        <p:spPr/>
-        <p:txBody>
-          <a:bodyPr/>
-          <a:lstStyle/>
-          <a:p>
-            <a:r>
-              <a:rPr lang="en-US" dirty="0" smtClean="0"/>
-              <a:t>Embedded Python interpreter enables “introspective” programs without major software development effort</a:t>
-            </a:r>
-            <a:endParaRPr lang="en-US" dirty="0"/>
-          </a:p>
-        </p:txBody>
-      </p:sp>
-      <p:sp>
-        <p:nvSpPr>
-          <p:cNvPr id="3" name="Content Placeholder 2"/>
-          <p:cNvSpPr>
-            <a:spLocks noGrp="1"/>
-          </p:cNvSpPr>
-          <p:nvPr>
-            <p:ph idx="1"/>
-          </p:nvPr>
-        </p:nvSpPr>
-        <p:spPr>
-          <a:xfrm>
-            <a:off x="212725" y="1340069"/>
-            <a:ext cx="8778875" cy="4946431"/>
-          </a:xfrm>
-        </p:spPr>
-        <p:txBody>
-          <a:bodyPr/>
-          <a:lstStyle/>
-          <a:p>
-            <a:r>
-              <a:rPr lang="en-US" dirty="0" smtClean="0"/>
-              <a:t>Shock tracking and triggers</a:t>
-            </a:r>
-          </a:p>
-          <a:p>
-            <a:r>
-              <a:rPr lang="en-US" dirty="0" smtClean="0"/>
-              <a:t>Dynamically changing dump frequency</a:t>
-            </a:r>
-          </a:p>
-          <a:p>
-            <a:r>
-              <a:rPr lang="en-US" dirty="0" smtClean="0"/>
-              <a:t>Areal density (ρR) monitors and triggers</a:t>
-            </a:r>
-            <a:endParaRPr lang="en-US" dirty="0"/>
-          </a:p>
-        </p:txBody>
-      </p:sp>
-    </p:spTree>
-  </p:cSld>
-  <p:clrMapOvr>
-    <a:masterClrMapping/>
-  </p:clrMapOvr>
-</p:sld>
-</file>
-
-<file path=ppt/slides/slide23.xml><?xml version="1.0" encoding="utf-8"?>
-<p:sld xmlns:a="http://schemas.openxmlformats.org/drawingml/2006/main" xmlns:r="http://schemas.openxmlformats.org/officeDocument/2006/relationships" xmlns:mc="http://schemas.openxmlformats.org/markup-compatibility/2006" xmlns:mv="urn:schemas-microsoft-com:mac:vml" xmlns:p="http://schemas.openxmlformats.org/presentationml/2006/main" mc:Ignorable="mv" mc:PreserveAttributes="mv:*">
-  <p:cSld>
-    <p:spTree>
-      <p:nvGrpSpPr>
-        <p:cNvPr id="1" name=""/>
-        <p:cNvGrpSpPr/>
-        <p:nvPr/>
-      </p:nvGrpSpPr>
-      <p:grpSpPr>
-        <a:xfrm>
-          <a:off x="0" y="0"/>
-          <a:ext cx="0" cy="0"/>
-          <a:chOff x="0" y="0"/>
-          <a:chExt cx="0" cy="0"/>
-        </a:xfrm>
-      </p:grpSpPr>
-      <p:sp>
-        <p:nvSpPr>
-          <p:cNvPr id="2" name="Title 1"/>
-          <p:cNvSpPr>
-            <a:spLocks noGrp="1"/>
-          </p:cNvSpPr>
-          <p:nvPr>
-            <p:ph type="title"/>
-          </p:nvPr>
-        </p:nvSpPr>
-        <p:spPr/>
-        <p:txBody>
-          <a:bodyPr/>
-          <a:lstStyle/>
-          <a:p>
-            <a:r>
-              <a:rPr lang="en-US" dirty="0" smtClean="0"/>
-              <a:t>Summary</a:t>
-            </a:r>
-            <a:endParaRPr lang="en-US" dirty="0"/>
-          </a:p>
-        </p:txBody>
-      </p:sp>
-      <p:sp>
-        <p:nvSpPr>
-          <p:cNvPr id="3" name="Content Placeholder 2"/>
-          <p:cNvSpPr>
-            <a:spLocks noGrp="1"/>
-          </p:cNvSpPr>
-          <p:nvPr>
-            <p:ph idx="1"/>
-          </p:nvPr>
-        </p:nvSpPr>
-        <p:spPr>
-          <a:xfrm>
-            <a:off x="212725" y="1212623"/>
-            <a:ext cx="8778875" cy="5073878"/>
-          </a:xfrm>
-        </p:spPr>
-        <p:txBody>
-          <a:bodyPr/>
-          <a:lstStyle/>
-          <a:p>
-            <a:r>
-              <a:rPr lang="en-US" dirty="0" smtClean="0"/>
-              <a:t>Manually tuning a laser pulse to a specific target is normally a labor intensive, high latency process</a:t>
-            </a:r>
-          </a:p>
-          <a:p>
-            <a:r>
-              <a:rPr lang="en-US" dirty="0" smtClean="0"/>
-              <a:t>Tuning can be automated given a sufficiently unambiguous description of “tuned”</a:t>
-            </a:r>
-          </a:p>
-          <a:p>
-            <a:r>
-              <a:rPr lang="en-US" dirty="0" smtClean="0"/>
-              <a:t>For laser shock ignition targets, the initial picket pulse sets the shock breakout time and other pre-pulse shocks should break out as close to this shock without changing the overall breakout time</a:t>
-            </a:r>
-          </a:p>
-          <a:p>
-            <a:r>
-              <a:rPr lang="en-US" dirty="0" smtClean="0"/>
-              <a:t>Main pulse should maximize areal density as to maximize burn fraction when ignited</a:t>
-            </a:r>
-          </a:p>
-          <a:p>
-            <a:r>
-              <a:rPr lang="en-US" dirty="0" smtClean="0"/>
-              <a:t>Igniter shock should be timed to maximize TN yield</a:t>
-            </a:r>
-          </a:p>
-          <a:p>
-            <a:r>
-              <a:rPr lang="en-US" dirty="0" smtClean="0"/>
-              <a:t>Timing algorithm assumes interaction between different pulse features is primarily hydrodynamic, allowing for tuning method to ignore interaction between features</a:t>
-            </a:r>
-            <a:endParaRPr lang="en-US" dirty="0"/>
-          </a:p>
-        </p:txBody>
-      </p:sp>
-    </p:spTree>
-  </p:cSld>
-  <p:clrMapOvr>
-    <a:masterClrMapping/>
-  </p:clrMapOvr>
-</p:sld>
-</file>
-
 <file path=ppt/slides/slide24.xml><?xml version="1.0" encoding="utf-8"?>
 <p:sld xmlns:a="http://schemas.openxmlformats.org/drawingml/2006/main" xmlns:r="http://schemas.openxmlformats.org/officeDocument/2006/relationships" xmlns:mc="http://schemas.openxmlformats.org/markup-compatibility/2006" xmlns:mv="urn:schemas-microsoft-com:mac:vml" xmlns:p="http://schemas.openxmlformats.org/presentationml/2006/main" mc:Ignorable="mv" mc:PreserveAttributes="mv:*">
   <p:cSld>
@@ -10117,7 +10289,209 @@
           <a:p>
             <a:r>
               <a:rPr lang="en-US" dirty="0" smtClean="0"/>
-              <a:t>We use a parallel 8-wide binary search method to maximize areal density and yield</a:t>
+              <a:t>Embedded Python interpreter enables “introspective” programs without major software development effort</a:t>
+            </a:r>
+            <a:endParaRPr lang="en-US" dirty="0"/>
+          </a:p>
+        </p:txBody>
+      </p:sp>
+      <p:sp>
+        <p:nvSpPr>
+          <p:cNvPr id="3" name="Content Placeholder 2"/>
+          <p:cNvSpPr>
+            <a:spLocks noGrp="1"/>
+          </p:cNvSpPr>
+          <p:nvPr>
+            <p:ph idx="1"/>
+          </p:nvPr>
+        </p:nvSpPr>
+        <p:spPr>
+          <a:xfrm>
+            <a:off x="212725" y="1340069"/>
+            <a:ext cx="8778875" cy="4946431"/>
+          </a:xfrm>
+        </p:spPr>
+        <p:txBody>
+          <a:bodyPr/>
+          <a:lstStyle/>
+          <a:p>
+            <a:r>
+              <a:rPr lang="en-US" dirty="0" smtClean="0"/>
+              <a:t>Shock tracking and triggers</a:t>
+            </a:r>
+          </a:p>
+          <a:p>
+            <a:r>
+              <a:rPr lang="en-US" dirty="0" smtClean="0"/>
+              <a:t>Dynamically changing dump frequency</a:t>
+            </a:r>
+          </a:p>
+          <a:p>
+            <a:r>
+              <a:rPr lang="en-US" dirty="0" smtClean="0"/>
+              <a:t>Areal density (ρR) monitors and triggers</a:t>
+            </a:r>
+            <a:endParaRPr lang="en-US" dirty="0"/>
+          </a:p>
+        </p:txBody>
+      </p:sp>
+    </p:spTree>
+  </p:cSld>
+  <p:clrMapOvr>
+    <a:masterClrMapping/>
+  </p:clrMapOvr>
+</p:sld>
+</file>
+
+<file path=ppt/slides/slide25.xml><?xml version="1.0" encoding="utf-8"?>
+<p:sld xmlns:a="http://schemas.openxmlformats.org/drawingml/2006/main" xmlns:r="http://schemas.openxmlformats.org/officeDocument/2006/relationships" xmlns:mc="http://schemas.openxmlformats.org/markup-compatibility/2006" xmlns:mv="urn:schemas-microsoft-com:mac:vml" xmlns:p="http://schemas.openxmlformats.org/presentationml/2006/main" mc:Ignorable="mv" mc:PreserveAttributes="mv:*">
+  <p:cSld>
+    <p:spTree>
+      <p:nvGrpSpPr>
+        <p:cNvPr id="1" name=""/>
+        <p:cNvGrpSpPr/>
+        <p:nvPr/>
+      </p:nvGrpSpPr>
+      <p:grpSpPr>
+        <a:xfrm>
+          <a:off x="0" y="0"/>
+          <a:ext cx="0" cy="0"/>
+          <a:chOff x="0" y="0"/>
+          <a:chExt cx="0" cy="0"/>
+        </a:xfrm>
+      </p:grpSpPr>
+      <p:sp>
+        <p:nvSpPr>
+          <p:cNvPr id="2" name="Title 1"/>
+          <p:cNvSpPr>
+            <a:spLocks noGrp="1"/>
+          </p:cNvSpPr>
+          <p:nvPr>
+            <p:ph type="title"/>
+          </p:nvPr>
+        </p:nvSpPr>
+        <p:spPr/>
+        <p:txBody>
+          <a:bodyPr/>
+          <a:lstStyle/>
+          <a:p>
+            <a:r>
+              <a:rPr lang="en-US" dirty="0" smtClean="0"/>
+              <a:t>Summary</a:t>
+            </a:r>
+            <a:endParaRPr lang="en-US" dirty="0"/>
+          </a:p>
+        </p:txBody>
+      </p:sp>
+      <p:sp>
+        <p:nvSpPr>
+          <p:cNvPr id="3" name="Content Placeholder 2"/>
+          <p:cNvSpPr>
+            <a:spLocks noGrp="1"/>
+          </p:cNvSpPr>
+          <p:nvPr>
+            <p:ph idx="1"/>
+          </p:nvPr>
+        </p:nvSpPr>
+        <p:spPr>
+          <a:xfrm>
+            <a:off x="212725" y="1212623"/>
+            <a:ext cx="8778875" cy="5073878"/>
+          </a:xfrm>
+        </p:spPr>
+        <p:txBody>
+          <a:bodyPr/>
+          <a:lstStyle/>
+          <a:p>
+            <a:r>
+              <a:rPr lang="en-US" dirty="0" smtClean="0"/>
+              <a:t>Manually tuning a laser pulse to a specific target is normally a labor intensive, high latency process</a:t>
+            </a:r>
+          </a:p>
+          <a:p>
+            <a:r>
+              <a:rPr lang="en-US" dirty="0" smtClean="0"/>
+              <a:t>Tuning can be automated given a sufficiently unambiguous description of “tuned”</a:t>
+            </a:r>
+          </a:p>
+          <a:p>
+            <a:r>
+              <a:rPr lang="en-US" dirty="0" smtClean="0"/>
+              <a:t>For laser shock ignition targets, the initial picket pulse sets the shock breakout time and other pre-pulse shocks should break out as close to this shock without changing the overall breakout time</a:t>
+            </a:r>
+          </a:p>
+          <a:p>
+            <a:r>
+              <a:rPr lang="en-US" dirty="0" smtClean="0"/>
+              <a:t>Main pulse should maximize areal density as to maximize burn fraction when ignited</a:t>
+            </a:r>
+          </a:p>
+          <a:p>
+            <a:r>
+              <a:rPr lang="en-US" dirty="0" smtClean="0"/>
+              <a:t>Igniter shock should be timed to maximize TN yield</a:t>
+            </a:r>
+          </a:p>
+          <a:p>
+            <a:r>
+              <a:rPr lang="en-US" dirty="0" smtClean="0"/>
+              <a:t>Timing algorithm assumes interaction between different pulse features is primarily hydrodynamic, allowing for tuning method to ignore interaction between features</a:t>
+            </a:r>
+            <a:endParaRPr lang="en-US" dirty="0"/>
+          </a:p>
+        </p:txBody>
+      </p:sp>
+    </p:spTree>
+  </p:cSld>
+  <p:clrMapOvr>
+    <a:masterClrMapping/>
+  </p:clrMapOvr>
+</p:sld>
+</file>
+
+<file path=ppt/slides/slide26.xml><?xml version="1.0" encoding="utf-8"?>
+<p:sld xmlns:a="http://schemas.openxmlformats.org/drawingml/2006/main" xmlns:r="http://schemas.openxmlformats.org/officeDocument/2006/relationships" xmlns:mc="http://schemas.openxmlformats.org/markup-compatibility/2006" xmlns:mv="urn:schemas-microsoft-com:mac:vml" xmlns:p="http://schemas.openxmlformats.org/presentationml/2006/main" mc:Ignorable="mv" mc:PreserveAttributes="mv:*">
+  <p:cSld>
+    <p:spTree>
+      <p:nvGrpSpPr>
+        <p:cNvPr id="1" name=""/>
+        <p:cNvGrpSpPr/>
+        <p:nvPr/>
+      </p:nvGrpSpPr>
+      <p:grpSpPr>
+        <a:xfrm>
+          <a:off x="0" y="0"/>
+          <a:ext cx="0" cy="0"/>
+          <a:chOff x="0" y="0"/>
+          <a:chExt cx="0" cy="0"/>
+        </a:xfrm>
+      </p:grpSpPr>
+      <p:sp>
+        <p:nvSpPr>
+          <p:cNvPr id="2" name="Title 1"/>
+          <p:cNvSpPr>
+            <a:spLocks noGrp="1"/>
+          </p:cNvSpPr>
+          <p:nvPr>
+            <p:ph type="title"/>
+          </p:nvPr>
+        </p:nvSpPr>
+        <p:spPr/>
+        <p:txBody>
+          <a:bodyPr/>
+          <a:lstStyle/>
+          <a:p>
+            <a:r>
+              <a:rPr lang="en-US" dirty="0" smtClean="0"/>
+              <a:t>Optimizations </a:t>
+            </a:r>
+            <a:r>
+              <a:rPr lang="en-US" dirty="0" smtClean="0"/>
+              <a:t>use a parallel 8-wide</a:t>
+            </a:r>
+            <a:r>
+              <a:rPr lang="en-US" dirty="0" smtClean="0"/>
+              <a:t> direct search method</a:t>
             </a:r>
             <a:endParaRPr lang="en-US" dirty="0"/>
           </a:p>
@@ -10166,7 +10540,15 @@
             </a:br>
             <a:r>
               <a:rPr lang="en-US" dirty="0" smtClean="0"/>
-              <a:t> of generations rather than number of </a:t>
+              <a:t> of</a:t>
+            </a:r>
+            <a:r>
+              <a:rPr lang="en-US" dirty="0" smtClean="0"/>
+              <a:t> iterations rather </a:t>
+            </a:r>
+            <a:r>
+              <a:rPr lang="en-US" dirty="0" smtClean="0"/>
+              <a:t>than number of </a:t>
             </a:r>
             <a:br>
               <a:rPr lang="en-US" dirty="0" smtClean="0"/>
@@ -10256,7 +10638,15 @@
             </a:r>
             <a:r>
               <a:rPr lang="en-US" dirty="0" smtClean="0"/>
-              <a:t> typically takes 2-3 generations</a:t>
+              <a:t> typically takes</a:t>
+            </a:r>
+            <a:r>
+              <a:rPr lang="en-US" dirty="0" smtClean="0"/>
+              <a:t> 3-4 </a:t>
+            </a:r>
+            <a:r>
+              <a:rPr lang="en-US" dirty="0" smtClean="0"/>
+              <a:t>generations</a:t>
             </a:r>
           </a:p>
           <a:p>
@@ -10378,7 +10768,7 @@
         <mc:AlternateContent>
           <mc:Choice xmlns:ma="http://schemas.microsoft.com/office/mac/drawingml/2008/main" Requires="ma">
             <p:blipFill>
-              <a:blip r:embed="rId2"/>
+              <a:blip r:embed="rId3"/>
               <a:srcRect l="3425" t="7516" b="2510"/>
               <a:stretch>
                 <a:fillRect/>
@@ -10387,7 +10777,7 @@
           </mc:Choice>
           <mc:Fallback>
             <p:blipFill>
-              <a:blip r:embed="rId3"/>
+              <a:blip r:embed="rId4"/>
               <a:srcRect l="3425" t="7516" b="2510"/>
               <a:stretch>
                 <a:fillRect/>
@@ -10405,15 +10795,276 @@
           </a:prstGeom>
         </p:spPr>
       </p:pic>
+      <p:pic>
+        <p:nvPicPr>
+          <p:cNvPr id="4" name="mats.avi">
+            <a:hlinkClick r:id="" action="ppaction://media"/>
+          </p:cNvPr>
+          <p:cNvPicPr/>
+          <p:nvPr>
+            <a:videoFile r:link="rId1"/>
+          </p:nvPr>
+        </p:nvPicPr>
+        <p:blipFill>
+          <a:blip r:embed="rId5"/>
+          <a:stretch>
+            <a:fillRect/>
+          </a:stretch>
+        </p:blipFill>
+        <p:spPr>
+          <a:xfrm>
+            <a:off x="0" y="0"/>
+            <a:ext cx="9144000" cy="6858000"/>
+          </a:xfrm>
+          <a:prstGeom prst="rect">
+            <a:avLst/>
+          </a:prstGeom>
+        </p:spPr>
+      </p:pic>
     </p:spTree>
   </p:cSld>
   <p:clrMapOvr>
     <a:masterClrMapping/>
   </p:clrMapOvr>
+  <p:timing>
+    <p:tnLst>
+      <p:par>
+        <p:cTn id="1" dur="indefinite" restart="never" nodeType="tmRoot">
+          <p:childTnLst>
+            <p:seq concurrent="1" nextAc="seek">
+              <p:cTn id="2" restart="whenNotActive" fill="hold" evtFilter="cancelBubble" nodeType="interactiveSeq">
+                <p:stCondLst>
+                  <p:cond evt="onClick" delay="0">
+                    <p:tgtEl>
+                      <p:spTgt spid="4"/>
+                    </p:tgtEl>
+                  </p:cond>
+                </p:stCondLst>
+                <p:endSync evt="end" delay="0">
+                  <p:rtn val="all"/>
+                </p:endSync>
+                <p:childTnLst>
+                  <p:par>
+                    <p:cTn id="3" fill="hold">
+                      <p:stCondLst>
+                        <p:cond delay="0"/>
+                      </p:stCondLst>
+                      <p:childTnLst>
+                        <p:par>
+                          <p:cTn id="4" fill="hold">
+                            <p:stCondLst>
+                              <p:cond delay="0"/>
+                            </p:stCondLst>
+                            <p:childTnLst>
+                              <p:par>
+                                <p:cTn id="5" presetID="2" presetClass="mediacall" presetSubtype="0" fill="hold" nodeType="clickEffect">
+                                  <p:stCondLst>
+                                    <p:cond delay="0"/>
+                                  </p:stCondLst>
+                                  <p:childTnLst>
+                                    <p:cmd type="call" cmd="togglePause">
+                                      <p:cBhvr>
+                                        <p:cTn id="6" dur="1" fill="hold"/>
+                                        <p:tgtEl>
+                                          <p:spTgt spid="4"/>
+                                        </p:tgtEl>
+                                      </p:cBhvr>
+                                    </p:cmd>
+                                  </p:childTnLst>
+                                </p:cTn>
+                              </p:par>
+                            </p:childTnLst>
+                          </p:cTn>
+                        </p:par>
+                      </p:childTnLst>
+                    </p:cTn>
+                  </p:par>
+                </p:childTnLst>
+              </p:cTn>
+              <p:nextCondLst>
+                <p:cond evt="onClick" delay="0">
+                  <p:tgtEl>
+                    <p:spTgt spid="4"/>
+                  </p:tgtEl>
+                </p:cond>
+              </p:nextCondLst>
+            </p:seq>
+            <p:video>
+              <p:cMediaNode>
+                <p:cTn id="7" fill="hold" display="0">
+                  <p:stCondLst>
+                    <p:cond delay="indefinite"/>
+                  </p:stCondLst>
+                  <p:endCondLst>
+                    <p:cond evt="onNext" delay="0">
+                      <p:tgtEl>
+                        <p:sldTgt/>
+                      </p:tgtEl>
+                    </p:cond>
+                    <p:cond evt="onPrev" delay="0">
+                      <p:tgtEl>
+                        <p:sldTgt/>
+                      </p:tgtEl>
+                    </p:cond>
+                  </p:endCondLst>
+                </p:cTn>
+                <p:tgtEl>
+                  <p:spTgt spid="4"/>
+                </p:tgtEl>
+              </p:cMediaNode>
+            </p:video>
+          </p:childTnLst>
+        </p:cTn>
+      </p:par>
+    </p:tnLst>
+  </p:timing>
 </p:sld>
 </file>
 
 <file path=ppt/slides/slide4.xml><?xml version="1.0" encoding="utf-8"?>
+<p:sld xmlns:a="http://schemas.openxmlformats.org/drawingml/2006/main" xmlns:r="http://schemas.openxmlformats.org/officeDocument/2006/relationships" xmlns:mc="http://schemas.openxmlformats.org/markup-compatibility/2006" xmlns:mv="urn:schemas-microsoft-com:mac:vml" xmlns:p="http://schemas.openxmlformats.org/presentationml/2006/main" mc:Ignorable="mv" mc:PreserveAttributes="mv:*">
+  <p:cSld>
+    <p:spTree>
+      <p:nvGrpSpPr>
+        <p:cNvPr id="1" name=""/>
+        <p:cNvGrpSpPr/>
+        <p:nvPr/>
+      </p:nvGrpSpPr>
+      <p:grpSpPr>
+        <a:xfrm>
+          <a:off x="0" y="0"/>
+          <a:ext cx="0" cy="0"/>
+          <a:chOff x="0" y="0"/>
+          <a:chExt cx="0" cy="0"/>
+        </a:xfrm>
+      </p:grpSpPr>
+      <p:pic>
+        <p:nvPicPr>
+          <p:cNvPr id="2" name="logden.avi">
+            <a:hlinkClick r:id="" action="ppaction://media"/>
+          </p:cNvPr>
+          <p:cNvPicPr/>
+          <p:nvPr>
+            <a:videoFile r:link="rId1"/>
+          </p:nvPr>
+        </p:nvPicPr>
+        <p:blipFill>
+          <a:blip r:embed="rId3"/>
+          <a:stretch>
+            <a:fillRect/>
+          </a:stretch>
+        </p:blipFill>
+        <p:spPr>
+          <a:xfrm>
+            <a:off x="0" y="0"/>
+            <a:ext cx="9144000" cy="6858000"/>
+          </a:xfrm>
+          <a:prstGeom prst="rect">
+            <a:avLst/>
+          </a:prstGeom>
+        </p:spPr>
+      </p:pic>
+    </p:spTree>
+  </p:cSld>
+  <p:clrMapOvr>
+    <a:masterClrMapping/>
+  </p:clrMapOvr>
+  <p:timing>
+    <p:tnLst>
+      <p:par>
+        <p:cTn id="1" dur="indefinite" restart="never" nodeType="tmRoot">
+          <p:childTnLst>
+            <p:seq concurrent="1" nextAc="seek">
+              <p:cTn id="2" restart="whenNotActive" fill="hold" evtFilter="cancelBubble" nodeType="interactiveSeq">
+                <p:stCondLst>
+                  <p:cond evt="onClick" delay="0">
+                    <p:tgtEl>
+                      <p:spTgt spid="2"/>
+                    </p:tgtEl>
+                  </p:cond>
+                </p:stCondLst>
+                <p:endSync evt="end" delay="0">
+                  <p:rtn val="all"/>
+                </p:endSync>
+                <p:childTnLst>
+                  <p:par>
+                    <p:cTn id="3" fill="hold">
+                      <p:stCondLst>
+                        <p:cond delay="0"/>
+                      </p:stCondLst>
+                      <p:childTnLst>
+                        <p:par>
+                          <p:cTn id="4" fill="hold">
+                            <p:stCondLst>
+                              <p:cond delay="0"/>
+                            </p:stCondLst>
+                            <p:childTnLst>
+                              <p:par>
+                                <p:cTn id="5" presetID="2" presetClass="mediacall" presetSubtype="0" fill="hold" nodeType="clickEffect">
+                                  <p:stCondLst>
+                                    <p:cond delay="0"/>
+                                  </p:stCondLst>
+                                  <p:childTnLst>
+                                    <p:cmd type="call" cmd="togglePause">
+                                      <p:cBhvr>
+                                        <p:cTn id="6" dur="1" fill="hold"/>
+                                        <p:tgtEl>
+                                          <p:spTgt spid="2"/>
+                                        </p:tgtEl>
+                                      </p:cBhvr>
+                                    </p:cmd>
+                                  </p:childTnLst>
+                                </p:cTn>
+                              </p:par>
+                            </p:childTnLst>
+                          </p:cTn>
+                        </p:par>
+                      </p:childTnLst>
+                    </p:cTn>
+                  </p:par>
+                </p:childTnLst>
+              </p:cTn>
+              <p:nextCondLst>
+                <p:cond evt="onClick" delay="0">
+                  <p:tgtEl>
+                    <p:spTgt spid="2"/>
+                  </p:tgtEl>
+                </p:cond>
+              </p:nextCondLst>
+            </p:seq>
+            <p:video>
+              <p:cMediaNode>
+                <p:cTn id="7" fill="hold" display="0">
+                  <p:stCondLst>
+                    <p:cond delay="indefinite"/>
+                  </p:stCondLst>
+                  <p:endCondLst>
+                    <p:cond evt="onNext" delay="0">
+                      <p:tgtEl>
+                        <p:sldTgt/>
+                      </p:tgtEl>
+                    </p:cond>
+                    <p:cond evt="onPrev" delay="0">
+                      <p:tgtEl>
+                        <p:sldTgt/>
+                      </p:tgtEl>
+                    </p:cond>
+                  </p:endCondLst>
+                </p:cTn>
+                <p:tgtEl>
+                  <p:spTgt spid="2"/>
+                </p:tgtEl>
+              </p:cMediaNode>
+            </p:video>
+          </p:childTnLst>
+        </p:cTn>
+      </p:par>
+    </p:tnLst>
+  </p:timing>
+</p:sld>
+</file>
+
+<file path=ppt/slides/slide5.xml><?xml version="1.0" encoding="utf-8"?>
 <p:sld xmlns:a="http://schemas.openxmlformats.org/drawingml/2006/main" xmlns:r="http://schemas.openxmlformats.org/officeDocument/2006/relationships" xmlns:mc="http://schemas.openxmlformats.org/markup-compatibility/2006" xmlns:mv="urn:schemas-microsoft-com:mac:vml" xmlns:p="http://schemas.openxmlformats.org/presentationml/2006/main" mc:Ignorable="mv" mc:PreserveAttributes="mv:*">
   <p:cSld>
     <p:spTree>
@@ -10548,10 +11199,17 @@
   <p:clrMapOvr>
     <a:masterClrMapping/>
   </p:clrMapOvr>
+  <p:timing>
+    <p:tnLst>
+      <p:par>
+        <p:cTn id="1" dur="indefinite" restart="never" nodeType="tmRoot"/>
+      </p:par>
+    </p:tnLst>
+  </p:timing>
 </p:sld>
 </file>
 
-<file path=ppt/slides/slide5.xml><?xml version="1.0" encoding="utf-8"?>
+<file path=ppt/slides/slide6.xml><?xml version="1.0" encoding="utf-8"?>
 <p:sld xmlns:a="http://schemas.openxmlformats.org/drawingml/2006/main" xmlns:r="http://schemas.openxmlformats.org/officeDocument/2006/relationships" xmlns:mc="http://schemas.openxmlformats.org/markup-compatibility/2006" xmlns:mv="urn:schemas-microsoft-com:mac:vml" xmlns:p="http://schemas.openxmlformats.org/presentationml/2006/main" mc:Ignorable="mv" mc:PreserveAttributes="mv:*">
   <p:cSld>
     <p:spTree>
@@ -10686,10 +11344,17 @@
   <p:clrMapOvr>
     <a:masterClrMapping/>
   </p:clrMapOvr>
+  <p:timing>
+    <p:tnLst>
+      <p:par>
+        <p:cTn id="1" dur="indefinite" restart="never" nodeType="tmRoot"/>
+      </p:par>
+    </p:tnLst>
+  </p:timing>
 </p:sld>
 </file>
 
-<file path=ppt/slides/slide6.xml><?xml version="1.0" encoding="utf-8"?>
+<file path=ppt/slides/slide7.xml><?xml version="1.0" encoding="utf-8"?>
 <p:sld xmlns:a="http://schemas.openxmlformats.org/drawingml/2006/main" xmlns:r="http://schemas.openxmlformats.org/officeDocument/2006/relationships" xmlns:mc="http://schemas.openxmlformats.org/markup-compatibility/2006" xmlns:mv="urn:schemas-microsoft-com:mac:vml" xmlns:p="http://schemas.openxmlformats.org/presentationml/2006/main" mc:Ignorable="mv" mc:PreserveAttributes="mv:*">
   <p:cSld>
     <p:spTree>
@@ -10851,10 +11516,383 @@
   <p:clrMapOvr>
     <a:masterClrMapping/>
   </p:clrMapOvr>
+  <p:timing>
+    <p:tnLst>
+      <p:par>
+        <p:cTn id="1" dur="indefinite" restart="never" nodeType="tmRoot"/>
+      </p:par>
+    </p:tnLst>
+  </p:timing>
 </p:sld>
 </file>
 
-<file path=ppt/slides/slide7.xml><?xml version="1.0" encoding="utf-8"?>
+<file path=ppt/slides/slide8.xml><?xml version="1.0" encoding="utf-8"?>
+<p:sld xmlns:a="http://schemas.openxmlformats.org/drawingml/2006/main" xmlns:r="http://schemas.openxmlformats.org/officeDocument/2006/relationships" xmlns:mc="http://schemas.openxmlformats.org/markup-compatibility/2006" xmlns:mv="urn:schemas-microsoft-com:mac:vml" xmlns:p="http://schemas.openxmlformats.org/presentationml/2006/main" mc:Ignorable="mv" mc:PreserveAttributes="mv:*">
+  <p:cSld>
+    <p:spTree>
+      <p:nvGrpSpPr>
+        <p:cNvPr id="1" name=""/>
+        <p:cNvGrpSpPr/>
+        <p:nvPr/>
+      </p:nvGrpSpPr>
+      <p:grpSpPr>
+        <a:xfrm>
+          <a:off x="0" y="0"/>
+          <a:ext cx="0" cy="0"/>
+          <a:chOff x="0" y="0"/>
+          <a:chExt cx="0" cy="0"/>
+        </a:xfrm>
+      </p:grpSpPr>
+      <p:sp>
+        <p:nvSpPr>
+          <p:cNvPr id="2" name="Title 1"/>
+          <p:cNvSpPr>
+            <a:spLocks noGrp="1"/>
+          </p:cNvSpPr>
+          <p:nvPr>
+            <p:ph type="title"/>
+          </p:nvPr>
+        </p:nvSpPr>
+        <p:spPr/>
+        <p:txBody>
+          <a:bodyPr/>
+          <a:lstStyle/>
+          <a:p>
+            <a:r>
+              <a:rPr lang="en-US" dirty="0" smtClean="0"/>
+              <a:t>Build a tuned pulse by appending optimized the pieces</a:t>
+            </a:r>
+            <a:endParaRPr lang="en-US" dirty="0"/>
+          </a:p>
+        </p:txBody>
+      </p:sp>
+      <p:sp>
+        <p:nvSpPr>
+          <p:cNvPr id="3" name="Content Placeholder 2"/>
+          <p:cNvSpPr>
+            <a:spLocks noGrp="1"/>
+          </p:cNvSpPr>
+          <p:nvPr>
+            <p:ph idx="1"/>
+          </p:nvPr>
+        </p:nvSpPr>
+        <p:spPr>
+          <a:xfrm>
+            <a:off x="212725" y="1233003"/>
+            <a:ext cx="8778875" cy="5053497"/>
+          </a:xfrm>
+        </p:spPr>
+        <p:txBody>
+          <a:bodyPr/>
+          <a:lstStyle/>
+          <a:p>
+            <a:r>
+              <a:rPr lang="en-US" dirty="0" smtClean="0"/>
+              <a:t>Pulse start times and powers must be adjusted to have the correct behavior</a:t>
+            </a:r>
+          </a:p>
+          <a:p>
+            <a:r>
+              <a:rPr lang="en-US" dirty="0" smtClean="0"/>
+              <a:t>Adjusting (“tuning”) by hand has high latency and is labor intensive</a:t>
+            </a:r>
+          </a:p>
+          <a:p>
+            <a:r>
+              <a:rPr lang="en-US" dirty="0" smtClean="0"/>
+              <a:t>We can construct objective functions that implement the “eye balling” heuristics that people use when manually tuning</a:t>
+            </a:r>
+          </a:p>
+          <a:p>
+            <a:r>
+              <a:rPr lang="en-US" dirty="0" smtClean="0"/>
+              <a:t>Construct a tuned pulse by appending tuned pieces</a:t>
+            </a:r>
+            <a:endParaRPr lang="en-US" dirty="0"/>
+          </a:p>
+        </p:txBody>
+      </p:sp>
+      <p:sp>
+        <p:nvSpPr>
+          <p:cNvPr id="4" name="TextBox 3"/>
+          <p:cNvSpPr txBox="1"/>
+          <p:nvPr/>
+        </p:nvSpPr>
+        <p:spPr>
+          <a:xfrm>
+            <a:off x="315104" y="3141360"/>
+            <a:ext cx="8670149" cy="1938992"/>
+          </a:xfrm>
+          <a:prstGeom prst="rect">
+            <a:avLst/>
+          </a:prstGeom>
+          <a:noFill/>
+        </p:spPr>
+        <p:txBody>
+          <a:bodyPr wrap="square" rtlCol="0">
+            <a:spAutoFit/>
+          </a:bodyPr>
+          <a:lstStyle/>
+          <a:p>
+            <a:pPr algn="l"/>
+            <a:r>
+              <a:rPr lang="en-US" sz="2000" b="0" dirty="0" smtClean="0">
+                <a:latin typeface="Inconsolata"/>
+                <a:cs typeface="Inconsolata"/>
+              </a:rPr>
+              <a:t>tuners = [</a:t>
+            </a:r>
+            <a:r>
+              <a:rPr lang="en-US" sz="2000" b="0" dirty="0" err="1" smtClean="0">
+                <a:latin typeface="Inconsolata"/>
+                <a:cs typeface="Inconsolata"/>
+              </a:rPr>
+              <a:t>shock_sync</a:t>
+            </a:r>
+            <a:r>
+              <a:rPr lang="en-US" sz="2000" b="0" dirty="0" smtClean="0">
+                <a:latin typeface="Inconsolata"/>
+                <a:cs typeface="Inconsolata"/>
+              </a:rPr>
+              <a:t>, </a:t>
+            </a:r>
+            <a:r>
+              <a:rPr lang="en-US" sz="2000" b="0" dirty="0" err="1" smtClean="0">
+                <a:latin typeface="Inconsolata"/>
+                <a:cs typeface="Inconsolata"/>
+              </a:rPr>
+              <a:t>shock_sync</a:t>
+            </a:r>
+            <a:r>
+              <a:rPr lang="en-US" sz="2000" b="0" dirty="0" smtClean="0">
+                <a:latin typeface="Inconsolata"/>
+                <a:cs typeface="Inconsolata"/>
+              </a:rPr>
+              <a:t>, </a:t>
+            </a:r>
+            <a:r>
+              <a:rPr lang="en-US" sz="2000" b="0" dirty="0" err="1" smtClean="0">
+                <a:latin typeface="Inconsolata"/>
+                <a:cs typeface="Inconsolata"/>
+              </a:rPr>
+              <a:t>shock_sync</a:t>
+            </a:r>
+            <a:r>
+              <a:rPr lang="en-US" sz="2000" b="0" dirty="0" smtClean="0">
+                <a:latin typeface="Inconsolata"/>
+                <a:cs typeface="Inconsolata"/>
+              </a:rPr>
+              <a:t>, </a:t>
+            </a:r>
+            <a:r>
+              <a:rPr lang="en-US" sz="2000" b="0" dirty="0" err="1" smtClean="0">
+                <a:latin typeface="Inconsolata"/>
+                <a:cs typeface="Inconsolata"/>
+              </a:rPr>
+              <a:t>max_rhor</a:t>
+            </a:r>
+            <a:r>
+              <a:rPr lang="en-US" sz="2000" b="0" dirty="0" smtClean="0">
+                <a:latin typeface="Inconsolata"/>
+                <a:cs typeface="Inconsolata"/>
+              </a:rPr>
+              <a:t>, </a:t>
+            </a:r>
+            <a:r>
+              <a:rPr lang="en-US" sz="2000" b="0" dirty="0" err="1" smtClean="0">
+                <a:latin typeface="Inconsolata"/>
+                <a:cs typeface="Inconsolata"/>
+              </a:rPr>
+              <a:t>max_yield</a:t>
+            </a:r>
+            <a:r>
+              <a:rPr lang="en-US" sz="2000" b="0" dirty="0" smtClean="0">
+                <a:latin typeface="Inconsolata"/>
+                <a:cs typeface="Inconsolata"/>
+              </a:rPr>
+              <a:t>]</a:t>
+            </a:r>
+          </a:p>
+          <a:p>
+            <a:pPr algn="l"/>
+            <a:r>
+              <a:rPr lang="en-US" sz="2000" b="0" dirty="0" smtClean="0">
+                <a:latin typeface="Inconsolata"/>
+                <a:cs typeface="Inconsolata"/>
+              </a:rPr>
+              <a:t>segments = [‘shock2’, ‘shock3’, ‘shock4’, ‘main’, ‘ignite’]</a:t>
+            </a:r>
+          </a:p>
+          <a:p>
+            <a:pPr algn="l"/>
+            <a:r>
+              <a:rPr lang="en-US" sz="2000" b="0" dirty="0" smtClean="0">
+                <a:latin typeface="Inconsolata"/>
+                <a:cs typeface="Inconsolata"/>
+              </a:rPr>
+              <a:t>laser = Laser()</a:t>
+            </a:r>
+          </a:p>
+          <a:p>
+            <a:pPr algn="l"/>
+            <a:r>
+              <a:rPr lang="en-US" sz="2000" b="0" dirty="0" smtClean="0">
+                <a:latin typeface="Inconsolata"/>
+                <a:cs typeface="Inconsolata"/>
+              </a:rPr>
+              <a:t>for tuner, </a:t>
+            </a:r>
+            <a:r>
+              <a:rPr lang="en-US" sz="2000" b="0" dirty="0" err="1" smtClean="0">
+                <a:latin typeface="Inconsolata"/>
+                <a:cs typeface="Inconsolata"/>
+              </a:rPr>
+              <a:t>seg</a:t>
+            </a:r>
+            <a:r>
+              <a:rPr lang="en-US" sz="2000" b="0" dirty="0" smtClean="0">
+                <a:latin typeface="Inconsolata"/>
+                <a:cs typeface="Inconsolata"/>
+              </a:rPr>
+              <a:t> in </a:t>
+            </a:r>
+            <a:r>
+              <a:rPr lang="en-US" sz="2000" b="0" dirty="0" err="1" smtClean="0">
+                <a:latin typeface="Inconsolata"/>
+                <a:cs typeface="Inconsolata"/>
+              </a:rPr>
+              <a:t>zip(tuners</a:t>
+            </a:r>
+            <a:r>
+              <a:rPr lang="en-US" sz="2000" b="0" dirty="0" smtClean="0">
+                <a:latin typeface="Inconsolata"/>
+                <a:cs typeface="Inconsolata"/>
+              </a:rPr>
+              <a:t>, segments):</a:t>
+            </a:r>
+          </a:p>
+          <a:p>
+            <a:pPr algn="l"/>
+            <a:r>
+              <a:rPr lang="en-US" sz="2000" b="0" dirty="0" smtClean="0">
+                <a:latin typeface="Inconsolata"/>
+                <a:cs typeface="Inconsolata"/>
+              </a:rPr>
+              <a:t>    </a:t>
+            </a:r>
+            <a:r>
+              <a:rPr lang="en-US" sz="2000" b="0" dirty="0" err="1" smtClean="0">
+                <a:latin typeface="Inconsolata"/>
+                <a:cs typeface="Inconsolata"/>
+              </a:rPr>
+              <a:t>tune_val</a:t>
+            </a:r>
+            <a:r>
+              <a:rPr lang="en-US" sz="2000" b="0" dirty="0" smtClean="0">
+                <a:latin typeface="Inconsolata"/>
+                <a:cs typeface="Inconsolata"/>
+              </a:rPr>
+              <a:t> = </a:t>
+            </a:r>
+            <a:r>
+              <a:rPr lang="en-US" sz="2000" b="0" dirty="0" err="1" smtClean="0">
+                <a:latin typeface="Inconsolata"/>
+                <a:cs typeface="Inconsolata"/>
+              </a:rPr>
+              <a:t>tuner(deck</a:t>
+            </a:r>
+            <a:r>
+              <a:rPr lang="en-US" sz="2000" b="0" dirty="0" smtClean="0">
+                <a:latin typeface="Inconsolata"/>
+                <a:cs typeface="Inconsolata"/>
+              </a:rPr>
+              <a:t>, laser, </a:t>
+            </a:r>
+            <a:r>
+              <a:rPr lang="en-US" sz="2000" b="0" dirty="0" err="1" smtClean="0">
+                <a:latin typeface="Inconsolata"/>
+                <a:cs typeface="Inconsolata"/>
+              </a:rPr>
+              <a:t>seg</a:t>
+            </a:r>
+            <a:r>
+              <a:rPr lang="en-US" sz="2000" b="0" dirty="0" smtClean="0">
+                <a:latin typeface="Inconsolata"/>
+                <a:cs typeface="Inconsolata"/>
+              </a:rPr>
+              <a:t>)</a:t>
+            </a:r>
+          </a:p>
+          <a:p>
+            <a:pPr algn="l"/>
+            <a:r>
+              <a:rPr lang="en-US" sz="2000" b="0" dirty="0" smtClean="0">
+                <a:latin typeface="Inconsolata"/>
+                <a:cs typeface="Inconsolata"/>
+              </a:rPr>
+              <a:t>    </a:t>
+            </a:r>
+            <a:r>
+              <a:rPr lang="en-US" sz="2000" b="0" dirty="0" err="1" smtClean="0">
+                <a:latin typeface="Inconsolata"/>
+                <a:cs typeface="Inconsolata"/>
+              </a:rPr>
+              <a:t>setattr(laser</a:t>
+            </a:r>
+            <a:r>
+              <a:rPr lang="en-US" sz="2000" b="0" dirty="0" smtClean="0">
+                <a:latin typeface="Inconsolata"/>
+                <a:cs typeface="Inconsolata"/>
+              </a:rPr>
+              <a:t>, </a:t>
+            </a:r>
+            <a:r>
+              <a:rPr lang="en-US" sz="2000" b="0" dirty="0" err="1" smtClean="0">
+                <a:latin typeface="Inconsolata"/>
+                <a:cs typeface="Inconsolata"/>
+              </a:rPr>
+              <a:t>seg</a:t>
+            </a:r>
+            <a:r>
+              <a:rPr lang="en-US" sz="2000" b="0" dirty="0" smtClean="0">
+                <a:latin typeface="Inconsolata"/>
+                <a:cs typeface="Inconsolata"/>
+              </a:rPr>
+              <a:t>, </a:t>
+            </a:r>
+            <a:r>
+              <a:rPr lang="en-US" sz="2000" b="0" dirty="0" err="1" smtClean="0">
+                <a:latin typeface="Inconsolata"/>
+                <a:cs typeface="Inconsolata"/>
+              </a:rPr>
+              <a:t>tune_val</a:t>
+            </a:r>
+            <a:r>
+              <a:rPr lang="en-US" sz="2000" b="0" dirty="0" smtClean="0">
+                <a:latin typeface="Inconsolata"/>
+                <a:cs typeface="Inconsolata"/>
+              </a:rPr>
+              <a:t>)</a:t>
+            </a:r>
+          </a:p>
+        </p:txBody>
+      </p:sp>
+    </p:spTree>
+  </p:cSld>
+  <p:clrMapOvr>
+    <a:masterClrMapping/>
+  </p:clrMapOvr>
+  <p:timing>
+    <p:tnLst>
+      <p:par>
+        <p:cTn id="1" dur="indefinite" restart="never" nodeType="tmRoot"/>
+      </p:par>
+    </p:tnLst>
+  </p:timing>
+</p:sld>
+</file>
+
+<file path=ppt/slides/slide9.xml><?xml version="1.0" encoding="utf-8"?>
 <p:sld xmlns:a="http://schemas.openxmlformats.org/drawingml/2006/main" xmlns:r="http://schemas.openxmlformats.org/officeDocument/2006/relationships" xmlns:mc="http://schemas.openxmlformats.org/markup-compatibility/2006" xmlns:mv="urn:schemas-microsoft-com:mac:vml" xmlns:p="http://schemas.openxmlformats.org/presentationml/2006/main" mc:Ignorable="mv" mc:PreserveAttributes="mv:*">
   <p:cSld>
     <p:spTree>
@@ -10964,13 +12002,7 @@
               <a:rPr lang="en-US" dirty="0" smtClean="0">
                 <a:latin typeface="Helvetica" pitchFamily="-111" charset="0"/>
               </a:rPr>
-              <a:t>Input file </a:t>
-            </a:r>
-            <a:r>
-              <a:rPr lang="en-US" dirty="0" smtClean="0">
-                <a:latin typeface="Helvetica" pitchFamily="-111" charset="0"/>
-              </a:rPr>
-              <a:t>generation</a:t>
+              <a:t>Input file generation</a:t>
             </a:r>
           </a:p>
           <a:p>
@@ -11283,13 +12315,7 @@
               <a:rPr lang="en-US" dirty="0" smtClean="0">
                 <a:latin typeface="Helvetica" pitchFamily="-111" charset="0"/>
               </a:rPr>
-              <a:t>O</a:t>
-            </a:r>
-            <a:r>
-              <a:rPr lang="en-US" dirty="0" smtClean="0">
-                <a:latin typeface="Helvetica" pitchFamily="-111" charset="0"/>
-              </a:rPr>
-              <a:t>utput frequency control</a:t>
+              <a:t>Output frequency control</a:t>
             </a:r>
             <a:endParaRPr kumimoji="0" lang="en-US" sz="1800" b="1" i="0" u="none" strike="noStrike" cap="none" normalizeH="0" baseline="0" dirty="0">
               <a:ln>
@@ -11475,537 +12501,13 @@
   <p:clrMapOvr>
     <a:masterClrMapping/>
   </p:clrMapOvr>
-</p:sld>
-</file>
-
-<file path=ppt/slides/slide8.xml><?xml version="1.0" encoding="utf-8"?>
-<p:sld xmlns:a="http://schemas.openxmlformats.org/drawingml/2006/main" xmlns:r="http://schemas.openxmlformats.org/officeDocument/2006/relationships" xmlns:mc="http://schemas.openxmlformats.org/markup-compatibility/2006" xmlns:mv="urn:schemas-microsoft-com:mac:vml" xmlns:p="http://schemas.openxmlformats.org/presentationml/2006/main" mc:Ignorable="mv" mc:PreserveAttributes="mv:*">
-  <p:cSld>
-    <p:spTree>
-      <p:nvGrpSpPr>
-        <p:cNvPr id="1" name=""/>
-        <p:cNvGrpSpPr/>
-        <p:nvPr/>
-      </p:nvGrpSpPr>
-      <p:grpSpPr>
-        <a:xfrm>
-          <a:off x="0" y="0"/>
-          <a:ext cx="0" cy="0"/>
-          <a:chOff x="0" y="0"/>
-          <a:chExt cx="0" cy="0"/>
-        </a:xfrm>
-      </p:grpSpPr>
-      <p:sp>
-        <p:nvSpPr>
-          <p:cNvPr id="2" name="Title 1"/>
-          <p:cNvSpPr>
-            <a:spLocks noGrp="1"/>
-          </p:cNvSpPr>
-          <p:nvPr>
-            <p:ph type="title"/>
-          </p:nvPr>
-        </p:nvSpPr>
-        <p:spPr/>
-        <p:txBody>
-          <a:bodyPr/>
-          <a:lstStyle/>
-          <a:p>
-            <a:r>
-              <a:rPr lang="en-US" dirty="0" smtClean="0"/>
-              <a:t>Build a tuned pulse by appending optimized the pieces</a:t>
-            </a:r>
-            <a:endParaRPr lang="en-US" dirty="0"/>
-          </a:p>
-        </p:txBody>
-      </p:sp>
-      <p:sp>
-        <p:nvSpPr>
-          <p:cNvPr id="3" name="Content Placeholder 2"/>
-          <p:cNvSpPr>
-            <a:spLocks noGrp="1"/>
-          </p:cNvSpPr>
-          <p:nvPr>
-            <p:ph idx="1"/>
-          </p:nvPr>
-        </p:nvSpPr>
-        <p:spPr>
-          <a:xfrm>
-            <a:off x="212725" y="1233003"/>
-            <a:ext cx="8778875" cy="5053497"/>
-          </a:xfrm>
-        </p:spPr>
-        <p:txBody>
-          <a:bodyPr/>
-          <a:lstStyle/>
-          <a:p>
-            <a:r>
-              <a:rPr lang="en-US" dirty="0" smtClean="0"/>
-              <a:t>Pulse start times and powers must be adjusted to have the correct behavior</a:t>
-            </a:r>
-          </a:p>
-          <a:p>
-            <a:r>
-              <a:rPr lang="en-US" dirty="0" smtClean="0"/>
-              <a:t>Adjusting (“tuning”) by hand has high latency and is labor intensive</a:t>
-            </a:r>
-          </a:p>
-          <a:p>
-            <a:r>
-              <a:rPr lang="en-US" dirty="0" smtClean="0"/>
-              <a:t>We can construct objective functions that implement the “eye balling” heuristics that people use when manually tuning</a:t>
-            </a:r>
-          </a:p>
-          <a:p>
-            <a:r>
-              <a:rPr lang="en-US" dirty="0" smtClean="0"/>
-              <a:t>Construct a tuned pulse by appending tuned pieces</a:t>
-            </a:r>
-            <a:endParaRPr lang="en-US" dirty="0"/>
-          </a:p>
-        </p:txBody>
-      </p:sp>
-      <p:sp>
-        <p:nvSpPr>
-          <p:cNvPr id="4" name="TextBox 3"/>
-          <p:cNvSpPr txBox="1"/>
-          <p:nvPr/>
-        </p:nvSpPr>
-        <p:spPr>
-          <a:xfrm>
-            <a:off x="315104" y="3141360"/>
-            <a:ext cx="8670149" cy="1938992"/>
-          </a:xfrm>
-          <a:prstGeom prst="rect">
-            <a:avLst/>
-          </a:prstGeom>
-          <a:noFill/>
-        </p:spPr>
-        <p:txBody>
-          <a:bodyPr wrap="square" rtlCol="0">
-            <a:spAutoFit/>
-          </a:bodyPr>
-          <a:lstStyle/>
-          <a:p>
-            <a:pPr algn="l"/>
-            <a:r>
-              <a:rPr lang="en-US" sz="2000" b="0" dirty="0" smtClean="0">
-                <a:latin typeface="Inconsolata"/>
-                <a:cs typeface="Inconsolata"/>
-              </a:rPr>
-              <a:t>tuners = [</a:t>
-            </a:r>
-            <a:r>
-              <a:rPr lang="en-US" sz="2000" b="0" dirty="0" err="1" smtClean="0">
-                <a:latin typeface="Inconsolata"/>
-                <a:cs typeface="Inconsolata"/>
-              </a:rPr>
-              <a:t>shock_sync</a:t>
-            </a:r>
-            <a:r>
-              <a:rPr lang="en-US" sz="2000" b="0" dirty="0" smtClean="0">
-                <a:latin typeface="Inconsolata"/>
-                <a:cs typeface="Inconsolata"/>
-              </a:rPr>
-              <a:t>, </a:t>
-            </a:r>
-            <a:r>
-              <a:rPr lang="en-US" sz="2000" b="0" dirty="0" err="1" smtClean="0">
-                <a:latin typeface="Inconsolata"/>
-                <a:cs typeface="Inconsolata"/>
-              </a:rPr>
-              <a:t>shock_sync</a:t>
-            </a:r>
-            <a:r>
-              <a:rPr lang="en-US" sz="2000" b="0" dirty="0" smtClean="0">
-                <a:latin typeface="Inconsolata"/>
-                <a:cs typeface="Inconsolata"/>
-              </a:rPr>
-              <a:t>, </a:t>
-            </a:r>
-            <a:r>
-              <a:rPr lang="en-US" sz="2000" b="0" dirty="0" err="1" smtClean="0">
-                <a:latin typeface="Inconsolata"/>
-                <a:cs typeface="Inconsolata"/>
-              </a:rPr>
-              <a:t>shock_sync</a:t>
-            </a:r>
-            <a:r>
-              <a:rPr lang="en-US" sz="2000" b="0" dirty="0" smtClean="0">
-                <a:latin typeface="Inconsolata"/>
-                <a:cs typeface="Inconsolata"/>
-              </a:rPr>
-              <a:t>, </a:t>
-            </a:r>
-            <a:r>
-              <a:rPr lang="en-US" sz="2000" b="0" dirty="0" err="1" smtClean="0">
-                <a:latin typeface="Inconsolata"/>
-                <a:cs typeface="Inconsolata"/>
-              </a:rPr>
-              <a:t>max_rhor</a:t>
-            </a:r>
-            <a:r>
-              <a:rPr lang="en-US" sz="2000" b="0" dirty="0" smtClean="0">
-                <a:latin typeface="Inconsolata"/>
-                <a:cs typeface="Inconsolata"/>
-              </a:rPr>
-              <a:t>, </a:t>
-            </a:r>
-            <a:r>
-              <a:rPr lang="en-US" sz="2000" b="0" dirty="0" err="1" smtClean="0">
-                <a:latin typeface="Inconsolata"/>
-                <a:cs typeface="Inconsolata"/>
-              </a:rPr>
-              <a:t>max_yield</a:t>
-            </a:r>
-            <a:r>
-              <a:rPr lang="en-US" sz="2000" b="0" dirty="0" smtClean="0">
-                <a:latin typeface="Inconsolata"/>
-                <a:cs typeface="Inconsolata"/>
-              </a:rPr>
-              <a:t>]</a:t>
-            </a:r>
-          </a:p>
-          <a:p>
-            <a:pPr algn="l"/>
-            <a:r>
-              <a:rPr lang="en-US" sz="2000" b="0" dirty="0" smtClean="0">
-                <a:latin typeface="Inconsolata"/>
-                <a:cs typeface="Inconsolata"/>
-              </a:rPr>
-              <a:t>segments = [‘shock2’, ‘shock3’, ‘shock4’, ‘main’, ‘ignite’]</a:t>
-            </a:r>
-          </a:p>
-          <a:p>
-            <a:pPr algn="l"/>
-            <a:r>
-              <a:rPr lang="en-US" sz="2000" b="0" dirty="0" smtClean="0">
-                <a:latin typeface="Inconsolata"/>
-                <a:cs typeface="Inconsolata"/>
-              </a:rPr>
-              <a:t>laser = Laser()</a:t>
-            </a:r>
-          </a:p>
-          <a:p>
-            <a:pPr algn="l"/>
-            <a:r>
-              <a:rPr lang="en-US" sz="2000" b="0" dirty="0" smtClean="0">
-                <a:latin typeface="Inconsolata"/>
-                <a:cs typeface="Inconsolata"/>
-              </a:rPr>
-              <a:t>for tuner, </a:t>
-            </a:r>
-            <a:r>
-              <a:rPr lang="en-US" sz="2000" b="0" dirty="0" err="1" smtClean="0">
-                <a:latin typeface="Inconsolata"/>
-                <a:cs typeface="Inconsolata"/>
-              </a:rPr>
-              <a:t>seg</a:t>
-            </a:r>
-            <a:r>
-              <a:rPr lang="en-US" sz="2000" b="0" dirty="0" smtClean="0">
-                <a:latin typeface="Inconsolata"/>
-                <a:cs typeface="Inconsolata"/>
-              </a:rPr>
-              <a:t> in </a:t>
-            </a:r>
-            <a:r>
-              <a:rPr lang="en-US" sz="2000" b="0" dirty="0" err="1" smtClean="0">
-                <a:latin typeface="Inconsolata"/>
-                <a:cs typeface="Inconsolata"/>
-              </a:rPr>
-              <a:t>zip(tuners</a:t>
-            </a:r>
-            <a:r>
-              <a:rPr lang="en-US" sz="2000" b="0" dirty="0" smtClean="0">
-                <a:latin typeface="Inconsolata"/>
-                <a:cs typeface="Inconsolata"/>
-              </a:rPr>
-              <a:t>, segments):</a:t>
-            </a:r>
-          </a:p>
-          <a:p>
-            <a:pPr algn="l"/>
-            <a:r>
-              <a:rPr lang="en-US" sz="2000" b="0" dirty="0" smtClean="0">
-                <a:latin typeface="Inconsolata"/>
-                <a:cs typeface="Inconsolata"/>
-              </a:rPr>
-              <a:t>    </a:t>
-            </a:r>
-            <a:r>
-              <a:rPr lang="en-US" sz="2000" b="0" dirty="0" err="1" smtClean="0">
-                <a:latin typeface="Inconsolata"/>
-                <a:cs typeface="Inconsolata"/>
-              </a:rPr>
-              <a:t>tune_val</a:t>
-            </a:r>
-            <a:r>
-              <a:rPr lang="en-US" sz="2000" b="0" dirty="0" smtClean="0">
-                <a:latin typeface="Inconsolata"/>
-                <a:cs typeface="Inconsolata"/>
-              </a:rPr>
-              <a:t> = </a:t>
-            </a:r>
-            <a:r>
-              <a:rPr lang="en-US" sz="2000" b="0" dirty="0" err="1" smtClean="0">
-                <a:latin typeface="Inconsolata"/>
-                <a:cs typeface="Inconsolata"/>
-              </a:rPr>
-              <a:t>tuner(deck</a:t>
-            </a:r>
-            <a:r>
-              <a:rPr lang="en-US" sz="2000" b="0" dirty="0" smtClean="0">
-                <a:latin typeface="Inconsolata"/>
-                <a:cs typeface="Inconsolata"/>
-              </a:rPr>
-              <a:t>, laser, </a:t>
-            </a:r>
-            <a:r>
-              <a:rPr lang="en-US" sz="2000" b="0" dirty="0" err="1" smtClean="0">
-                <a:latin typeface="Inconsolata"/>
-                <a:cs typeface="Inconsolata"/>
-              </a:rPr>
-              <a:t>seg</a:t>
-            </a:r>
-            <a:r>
-              <a:rPr lang="en-US" sz="2000" b="0" dirty="0" smtClean="0">
-                <a:latin typeface="Inconsolata"/>
-                <a:cs typeface="Inconsolata"/>
-              </a:rPr>
-              <a:t>)</a:t>
-            </a:r>
-          </a:p>
-          <a:p>
-            <a:pPr algn="l"/>
-            <a:r>
-              <a:rPr lang="en-US" sz="2000" b="0" dirty="0" smtClean="0">
-                <a:latin typeface="Inconsolata"/>
-                <a:cs typeface="Inconsolata"/>
-              </a:rPr>
-              <a:t>    </a:t>
-            </a:r>
-            <a:r>
-              <a:rPr lang="en-US" sz="2000" b="0" dirty="0" err="1" smtClean="0">
-                <a:latin typeface="Inconsolata"/>
-                <a:cs typeface="Inconsolata"/>
-              </a:rPr>
-              <a:t>setattr(laser</a:t>
-            </a:r>
-            <a:r>
-              <a:rPr lang="en-US" sz="2000" b="0" dirty="0" smtClean="0">
-                <a:latin typeface="Inconsolata"/>
-                <a:cs typeface="Inconsolata"/>
-              </a:rPr>
-              <a:t>, </a:t>
-            </a:r>
-            <a:r>
-              <a:rPr lang="en-US" sz="2000" b="0" dirty="0" err="1" smtClean="0">
-                <a:latin typeface="Inconsolata"/>
-                <a:cs typeface="Inconsolata"/>
-              </a:rPr>
-              <a:t>seg</a:t>
-            </a:r>
-            <a:r>
-              <a:rPr lang="en-US" sz="2000" b="0" dirty="0" smtClean="0">
-                <a:latin typeface="Inconsolata"/>
-                <a:cs typeface="Inconsolata"/>
-              </a:rPr>
-              <a:t>, </a:t>
-            </a:r>
-            <a:r>
-              <a:rPr lang="en-US" sz="2000" b="0" dirty="0" err="1" smtClean="0">
-                <a:latin typeface="Inconsolata"/>
-                <a:cs typeface="Inconsolata"/>
-              </a:rPr>
-              <a:t>tune_val</a:t>
-            </a:r>
-            <a:r>
-              <a:rPr lang="en-US" sz="2000" b="0" dirty="0" smtClean="0">
-                <a:latin typeface="Inconsolata"/>
-                <a:cs typeface="Inconsolata"/>
-              </a:rPr>
-              <a:t>)</a:t>
-            </a:r>
-          </a:p>
-        </p:txBody>
-      </p:sp>
-    </p:spTree>
-  </p:cSld>
-  <p:clrMapOvr>
-    <a:masterClrMapping/>
-  </p:clrMapOvr>
-</p:sld>
-</file>
-
-<file path=ppt/slides/slide9.xml><?xml version="1.0" encoding="utf-8"?>
-<p:sld xmlns:a="http://schemas.openxmlformats.org/drawingml/2006/main" xmlns:r="http://schemas.openxmlformats.org/officeDocument/2006/relationships" xmlns:mc="http://schemas.openxmlformats.org/markup-compatibility/2006" xmlns:mv="urn:schemas-microsoft-com:mac:vml" xmlns:p="http://schemas.openxmlformats.org/presentationml/2006/main" mc:Ignorable="mv" mc:PreserveAttributes="mv:*">
-  <p:cSld>
-    <p:spTree>
-      <p:nvGrpSpPr>
-        <p:cNvPr id="1" name=""/>
-        <p:cNvGrpSpPr/>
-        <p:nvPr/>
-      </p:nvGrpSpPr>
-      <p:grpSpPr>
-        <a:xfrm>
-          <a:off x="0" y="0"/>
-          <a:ext cx="0" cy="0"/>
-          <a:chOff x="0" y="0"/>
-          <a:chExt cx="0" cy="0"/>
-        </a:xfrm>
-      </p:grpSpPr>
-      <p:sp>
-        <p:nvSpPr>
-          <p:cNvPr id="2" name="Title 1"/>
-          <p:cNvSpPr>
-            <a:spLocks noGrp="1"/>
-          </p:cNvSpPr>
-          <p:nvPr>
-            <p:ph type="title"/>
-          </p:nvPr>
-        </p:nvSpPr>
-        <p:spPr/>
-        <p:txBody>
-          <a:bodyPr/>
-          <a:lstStyle/>
-          <a:p>
-            <a:r>
-              <a:rPr lang="en-US" dirty="0" smtClean="0"/>
-              <a:t>Auto-tuner needs to generate, run and process many </a:t>
-            </a:r>
-            <a:r>
-              <a:rPr lang="en-US" dirty="0" err="1" smtClean="0"/>
-              <a:t>simultions</a:t>
-            </a:r>
-            <a:endParaRPr lang="en-US" dirty="0"/>
-          </a:p>
-        </p:txBody>
-      </p:sp>
-      <p:sp>
-        <p:nvSpPr>
-          <p:cNvPr id="3" name="Content Placeholder 2"/>
-          <p:cNvSpPr>
-            <a:spLocks noGrp="1"/>
-          </p:cNvSpPr>
-          <p:nvPr>
-            <p:ph idx="1"/>
-          </p:nvPr>
-        </p:nvSpPr>
-        <p:spPr>
-          <a:xfrm>
-            <a:off x="212725" y="1231719"/>
-            <a:ext cx="8778875" cy="5054781"/>
-          </a:xfrm>
-        </p:spPr>
-        <p:txBody>
-          <a:bodyPr/>
-          <a:lstStyle/>
-          <a:p>
-            <a:r>
-              <a:rPr lang="en-US" dirty="0" smtClean="0"/>
-              <a:t>Input file generators that wrap a “template” input file</a:t>
-            </a:r>
-          </a:p>
-          <a:p>
-            <a:pPr lvl="1"/>
-            <a:r>
-              <a:rPr lang="en-US" dirty="0" smtClean="0"/>
-              <a:t>Modify simple Hydra variable assignments</a:t>
-            </a:r>
-          </a:p>
-          <a:p>
-            <a:pPr lvl="1"/>
-            <a:r>
-              <a:rPr lang="en-US" dirty="0" smtClean="0"/>
-              <a:t>Delegate complicated input file structures to special purpose objects</a:t>
-            </a:r>
-          </a:p>
-          <a:p>
-            <a:pPr lvl="1"/>
-            <a:r>
-              <a:rPr lang="en-US" dirty="0" smtClean="0"/>
-              <a:t>Inject commands into the input file by </a:t>
-            </a:r>
-            <a:r>
-              <a:rPr lang="en-US" dirty="0" err="1" smtClean="0"/>
-              <a:t>overwritings</a:t>
-            </a:r>
-            <a:r>
-              <a:rPr lang="en-US" dirty="0" smtClean="0"/>
-              <a:t> sentinels with </a:t>
-            </a:r>
-            <a:br>
-              <a:rPr lang="en-US" dirty="0" smtClean="0"/>
-            </a:br>
-            <a:r>
-              <a:rPr lang="en-US" dirty="0" smtClean="0">
-                <a:latin typeface="Inconsolata"/>
-                <a:cs typeface="Inconsolata"/>
-              </a:rPr>
-              <a:t>	</a:t>
-            </a:r>
-            <a:r>
-              <a:rPr lang="en-US" dirty="0" err="1" smtClean="0">
-                <a:latin typeface="Inconsolata"/>
-                <a:cs typeface="Inconsolata"/>
-              </a:rPr>
-              <a:t>str(python_proxy_of_complicated_thing</a:t>
-            </a:r>
-            <a:r>
-              <a:rPr lang="en-US" dirty="0" smtClean="0">
-                <a:latin typeface="Inconsolata"/>
-                <a:cs typeface="Inconsolata"/>
-              </a:rPr>
-              <a:t>)</a:t>
-            </a:r>
-          </a:p>
-          <a:p>
-            <a:pPr lvl="1"/>
-            <a:endParaRPr lang="en-US" dirty="0" smtClean="0"/>
-          </a:p>
-          <a:p>
-            <a:r>
-              <a:rPr lang="en-US" dirty="0" smtClean="0"/>
-              <a:t>Output file wrappers extract data from Hydra binary output files</a:t>
-            </a:r>
-          </a:p>
-          <a:p>
-            <a:endParaRPr lang="en-US" dirty="0" smtClean="0"/>
-          </a:p>
-          <a:p>
-            <a:r>
-              <a:rPr lang="en-US" dirty="0" smtClean="0"/>
-              <a:t>Embedded diagnostics using embedded Python interpreter</a:t>
-            </a:r>
-          </a:p>
-          <a:p>
-            <a:pPr lvl="1"/>
-            <a:r>
-              <a:rPr lang="en-US" dirty="0" smtClean="0"/>
-              <a:t>Characteristic (shock) trackers with finish line triggers</a:t>
-            </a:r>
-          </a:p>
-          <a:p>
-            <a:pPr lvl="1"/>
-            <a:r>
-              <a:rPr lang="en-US" dirty="0" smtClean="0"/>
-              <a:t>Change graphics dump frequency based on shock locations</a:t>
-            </a:r>
-          </a:p>
-          <a:p>
-            <a:pPr lvl="1"/>
-            <a:r>
-              <a:rPr lang="en-US" dirty="0" smtClean="0"/>
-              <a:t>ρR monitors</a:t>
-            </a:r>
-          </a:p>
-        </p:txBody>
-      </p:sp>
-    </p:spTree>
-  </p:cSld>
-  <p:clrMapOvr>
-    <a:masterClrMapping/>
-  </p:clrMapOvr>
+  <p:timing>
+    <p:tnLst>
+      <p:par>
+        <p:cTn id="1" dur="indefinite" restart="never" nodeType="tmRoot"/>
+      </p:par>
+    </p:tnLst>
+  </p:timing>
 </p:sld>
 </file>
 

--- a/papers/koningterry/slides.pptx
+++ b/papers/koningterry/slides.pptx
@@ -4439,7 +4439,15 @@
           <a:p>
             <a:r>
               <a:rPr lang="en-US" sz="2000" dirty="0" smtClean="0"/>
-              <a:t>Python is then embedded in the hydra executable</a:t>
+              <a:t>Python is then embedded in the</a:t>
+            </a:r>
+            <a:r>
+              <a:rPr lang="en-US" sz="2000" dirty="0" smtClean="0"/>
+              <a:t> Hydra </a:t>
+            </a:r>
+            <a:r>
+              <a:rPr lang="en-US" sz="2000" dirty="0" smtClean="0"/>
+              <a:t>executable</a:t>
             </a:r>
           </a:p>
           <a:p>
@@ -4523,11 +4531,7 @@
           <a:p>
             <a:r>
               <a:rPr lang="en-US" dirty="0" smtClean="0"/>
-              <a:t>Propagating modifications to the parser is </a:t>
-            </a:r>
-            <a:r>
-              <a:rPr lang="en-US" dirty="0" smtClean="0"/>
-              <a:t>tricky</a:t>
+              <a:t>Propagating modifications to the parser is tricky</a:t>
             </a:r>
           </a:p>
           <a:p>
@@ -4536,7 +4540,6 @@
               <a:rPr lang="en-US" dirty="0" smtClean="0"/>
               <a:t>Need a custom parser</a:t>
             </a:r>
-            <a:endParaRPr lang="en-US" dirty="0" smtClean="0"/>
           </a:p>
           <a:p>
             <a:pPr lvl="1"/>
@@ -10483,15 +10486,7 @@
           <a:p>
             <a:r>
               <a:rPr lang="en-US" dirty="0" smtClean="0"/>
-              <a:t>Optimizations </a:t>
-            </a:r>
-            <a:r>
-              <a:rPr lang="en-US" dirty="0" smtClean="0"/>
-              <a:t>use a parallel 8-wide</a:t>
-            </a:r>
-            <a:r>
-              <a:rPr lang="en-US" dirty="0" smtClean="0"/>
-              <a:t> direct search method</a:t>
+              <a:t>Optimizations use a parallel 8-wide direct search method</a:t>
             </a:r>
             <a:endParaRPr lang="en-US" dirty="0"/>
           </a:p>
@@ -10540,15 +10535,7 @@
             </a:br>
             <a:r>
               <a:rPr lang="en-US" dirty="0" smtClean="0"/>
-              <a:t> of</a:t>
-            </a:r>
-            <a:r>
-              <a:rPr lang="en-US" dirty="0" smtClean="0"/>
-              <a:t> iterations rather </a:t>
-            </a:r>
-            <a:r>
-              <a:rPr lang="en-US" dirty="0" smtClean="0"/>
-              <a:t>than number of </a:t>
+              <a:t> of iterations rather than number of </a:t>
             </a:r>
             <a:br>
               <a:rPr lang="en-US" dirty="0" smtClean="0"/>
@@ -10638,15 +10625,7 @@
             </a:r>
             <a:r>
               <a:rPr lang="en-US" dirty="0" smtClean="0"/>
-              <a:t> typically takes</a:t>
-            </a:r>
-            <a:r>
-              <a:rPr lang="en-US" dirty="0" smtClean="0"/>
-              <a:t> 3-4 </a:t>
-            </a:r>
-            <a:r>
-              <a:rPr lang="en-US" dirty="0" smtClean="0"/>
-              <a:t>generations</a:t>
+              <a:t> typically takes 3-4 generations</a:t>
             </a:r>
           </a:p>
           <a:p>
@@ -12496,6 +12475,29 @@
           <a:effectLst/>
         </p:spPr>
       </p:cxnSp>
+      <p:sp>
+        <p:nvSpPr>
+          <p:cNvPr id="10" name="Title 9"/>
+          <p:cNvSpPr>
+            <a:spLocks noGrp="1"/>
+          </p:cNvSpPr>
+          <p:nvPr>
+            <p:ph type="title"/>
+          </p:nvPr>
+        </p:nvSpPr>
+        <p:spPr/>
+        <p:txBody>
+          <a:bodyPr/>
+          <a:lstStyle/>
+          <a:p>
+            <a:r>
+              <a:rPr lang="en-US" dirty="0" smtClean="0"/>
+              <a:t>Program flow</a:t>
+            </a:r>
+            <a:endParaRPr lang="en-US" dirty="0"/>
+          </a:p>
+        </p:txBody>
+      </p:sp>
     </p:spTree>
   </p:cSld>
   <p:clrMapOvr>

--- a/papers/koningterry/slides.pptx
+++ b/papers/koningterry/slides.pptx
@@ -23,19 +23,19 @@
     <p:sldId id="531" r:id="rId11"/>
     <p:sldId id="523" r:id="rId12"/>
     <p:sldId id="524" r:id="rId13"/>
-    <p:sldId id="521" r:id="rId14"/>
-    <p:sldId id="509" r:id="rId15"/>
-    <p:sldId id="533" r:id="rId16"/>
-    <p:sldId id="501" r:id="rId17"/>
-    <p:sldId id="526" r:id="rId18"/>
-    <p:sldId id="527" r:id="rId19"/>
-    <p:sldId id="528" r:id="rId20"/>
-    <p:sldId id="530" r:id="rId21"/>
-    <p:sldId id="522" r:id="rId22"/>
-    <p:sldId id="504" r:id="rId23"/>
-    <p:sldId id="508" r:id="rId24"/>
-    <p:sldId id="510" r:id="rId25"/>
-    <p:sldId id="525" r:id="rId26"/>
+    <p:sldId id="525" r:id="rId14"/>
+    <p:sldId id="521" r:id="rId15"/>
+    <p:sldId id="509" r:id="rId16"/>
+    <p:sldId id="533" r:id="rId17"/>
+    <p:sldId id="501" r:id="rId18"/>
+    <p:sldId id="526" r:id="rId19"/>
+    <p:sldId id="527" r:id="rId20"/>
+    <p:sldId id="528" r:id="rId21"/>
+    <p:sldId id="530" r:id="rId22"/>
+    <p:sldId id="522" r:id="rId23"/>
+    <p:sldId id="504" r:id="rId24"/>
+    <p:sldId id="508" r:id="rId25"/>
+    <p:sldId id="510" r:id="rId26"/>
     <p:sldId id="512" r:id="rId27"/>
     <p:sldId id="506" r:id="rId28"/>
   </p:sldIdLst>
@@ -4337,6 +4337,12 @@
               </a:rPr>
               <a:t>Austin, Texas</a:t>
             </a:r>
+            <a:endParaRPr lang="en-US" sz="1600" dirty="0" smtClean="0">
+              <a:solidFill>
+                <a:srgbClr val="000000"/>
+              </a:solidFill>
+              <a:latin typeface="Arial" pitchFamily="-112" charset="0"/>
+            </a:endParaRPr>
           </a:p>
           <a:p>
             <a:pPr defTabSz="820738"/>
@@ -4347,7 +4353,16 @@
                 </a:solidFill>
                 <a:latin typeface="Arial" pitchFamily="-112" charset="0"/>
               </a:rPr>
-              <a:t>June 1, 2011</a:t>
+              <a:t>July 13, </a:t>
+            </a:r>
+            <a:r>
+              <a:rPr lang="en-US" sz="1600" i="1" dirty="0" smtClean="0">
+                <a:solidFill>
+                  <a:srgbClr val="000000"/>
+                </a:solidFill>
+                <a:latin typeface="Arial" pitchFamily="-112" charset="0"/>
+              </a:rPr>
+              <a:t>2011</a:t>
             </a:r>
             <a:endParaRPr lang="en-US" sz="1600" i="1" dirty="0">
               <a:solidFill>
@@ -4439,15 +4454,7 @@
           <a:p>
             <a:r>
               <a:rPr lang="en-US" sz="2000" dirty="0" smtClean="0"/>
-              <a:t>Python is then embedded in the</a:t>
-            </a:r>
-            <a:r>
-              <a:rPr lang="en-US" sz="2000" dirty="0" smtClean="0"/>
-              <a:t> Hydra </a:t>
-            </a:r>
-            <a:r>
-              <a:rPr lang="en-US" sz="2000" dirty="0" smtClean="0"/>
-              <a:t>executable</a:t>
+              <a:t>Python is then embedded in the Hydra executable</a:t>
             </a:r>
           </a:p>
           <a:p>
@@ -4531,15 +4538,13 @@
           <a:p>
             <a:r>
               <a:rPr lang="en-US" dirty="0" smtClean="0"/>
-              <a:t>Propagating modifications to the parser is tricky</a:t>
-            </a:r>
-          </a:p>
-          <a:p>
-            <a:pPr lvl="1"/>
-            <a:r>
-              <a:rPr lang="en-US" dirty="0" smtClean="0"/>
-              <a:t>Need a custom parser</a:t>
-            </a:r>
+              <a:t>Need a custom parser to handle parallel </a:t>
+            </a:r>
+            <a:r>
+              <a:rPr lang="en-US" dirty="0" err="1" smtClean="0"/>
+              <a:t>environement</a:t>
+            </a:r>
+            <a:endParaRPr lang="en-US" dirty="0" smtClean="0"/>
           </a:p>
           <a:p>
             <a:pPr lvl="1"/>
@@ -4668,6 +4673,141 @@
           <a:p>
             <a:r>
               <a:rPr lang="en-US" dirty="0" smtClean="0"/>
+              <a:t>Embedded Python interpreter enables “introspective” programs without major software development effort</a:t>
+            </a:r>
+            <a:endParaRPr lang="en-US" dirty="0"/>
+          </a:p>
+        </p:txBody>
+      </p:sp>
+      <p:sp>
+        <p:nvSpPr>
+          <p:cNvPr id="3" name="Content Placeholder 2"/>
+          <p:cNvSpPr>
+            <a:spLocks noGrp="1"/>
+          </p:cNvSpPr>
+          <p:nvPr>
+            <p:ph idx="1"/>
+          </p:nvPr>
+        </p:nvSpPr>
+        <p:spPr>
+          <a:xfrm>
+            <a:off x="212725" y="1340069"/>
+            <a:ext cx="8778875" cy="4946431"/>
+          </a:xfrm>
+        </p:spPr>
+        <p:txBody>
+          <a:bodyPr/>
+          <a:lstStyle/>
+          <a:p>
+            <a:r>
+              <a:rPr lang="en-US" dirty="0" smtClean="0"/>
+              <a:t>Flexible in code diagnostics</a:t>
+            </a:r>
+          </a:p>
+          <a:p>
+            <a:pPr lvl="1"/>
+            <a:r>
+              <a:rPr lang="en-US" dirty="0" smtClean="0"/>
+              <a:t>High frequency sampling without dumping to disk</a:t>
+            </a:r>
+          </a:p>
+          <a:p>
+            <a:pPr lvl="1"/>
+            <a:r>
+              <a:rPr lang="en-US" dirty="0" smtClean="0"/>
+              <a:t>Watch for shock breakout</a:t>
+            </a:r>
+          </a:p>
+          <a:p>
+            <a:pPr lvl="1"/>
+            <a:r>
+              <a:rPr lang="en-US" dirty="0" smtClean="0"/>
+              <a:t>Watch for peak </a:t>
+            </a:r>
+            <a:r>
+              <a:rPr lang="en-US" dirty="0" smtClean="0"/>
+              <a:t>ρR</a:t>
+            </a:r>
+            <a:endParaRPr lang="en-US" dirty="0" smtClean="0"/>
+          </a:p>
+          <a:p>
+            <a:pPr lvl="1"/>
+            <a:endParaRPr lang="en-US" dirty="0" smtClean="0"/>
+          </a:p>
+          <a:p>
+            <a:r>
+              <a:rPr lang="en-US" dirty="0" smtClean="0"/>
+              <a:t>Steer simulation based on gathered information</a:t>
+            </a:r>
+          </a:p>
+          <a:p>
+            <a:pPr lvl="1"/>
+            <a:r>
+              <a:rPr lang="en-US" dirty="0" smtClean="0"/>
+              <a:t>Finer output resolution near interesting features</a:t>
+            </a:r>
+          </a:p>
+          <a:p>
+            <a:pPr lvl="1"/>
+            <a:r>
+              <a:rPr lang="en-US" dirty="0" smtClean="0"/>
+              <a:t>Turn on additional physics based on software triggers</a:t>
+            </a:r>
+          </a:p>
+          <a:p>
+            <a:pPr lvl="1"/>
+            <a:endParaRPr lang="en-US" dirty="0" smtClean="0"/>
+          </a:p>
+          <a:p>
+            <a:r>
+              <a:rPr lang="en-US" dirty="0" smtClean="0"/>
+              <a:t>Don’t need access to the source &amp; no recompile</a:t>
+            </a:r>
+          </a:p>
+        </p:txBody>
+      </p:sp>
+    </p:spTree>
+  </p:cSld>
+  <p:clrMapOvr>
+    <a:masterClrMapping/>
+  </p:clrMapOvr>
+</p:sld>
+</file>
+
+<file path=ppt/slides/slide13.xml><?xml version="1.0" encoding="utf-8"?>
+<p:sld xmlns:a="http://schemas.openxmlformats.org/drawingml/2006/main" xmlns:r="http://schemas.openxmlformats.org/officeDocument/2006/relationships" xmlns:mc="http://schemas.openxmlformats.org/markup-compatibility/2006" xmlns:mv="urn:schemas-microsoft-com:mac:vml" xmlns:p="http://schemas.openxmlformats.org/presentationml/2006/main" mc:Ignorable="mv" mc:PreserveAttributes="mv:*">
+  <p:cSld>
+    <p:spTree>
+      <p:nvGrpSpPr>
+        <p:cNvPr id="1" name=""/>
+        <p:cNvGrpSpPr/>
+        <p:nvPr/>
+      </p:nvGrpSpPr>
+      <p:grpSpPr>
+        <a:xfrm>
+          <a:off x="0" y="0"/>
+          <a:ext cx="0" cy="0"/>
+          <a:chOff x="0" y="0"/>
+          <a:chExt cx="0" cy="0"/>
+        </a:xfrm>
+      </p:grpSpPr>
+      <p:sp>
+        <p:nvSpPr>
+          <p:cNvPr id="2" name="Title 1"/>
+          <p:cNvSpPr>
+            <a:spLocks noGrp="1"/>
+          </p:cNvSpPr>
+          <p:nvPr>
+            <p:ph type="title"/>
+          </p:nvPr>
+        </p:nvSpPr>
+        <p:spPr/>
+        <p:txBody>
+          <a:bodyPr/>
+          <a:lstStyle/>
+          <a:p>
+            <a:r>
+              <a:rPr lang="en-US" dirty="0" smtClean="0"/>
               <a:t>Auto-tuner needs to generate, run and process many </a:t>
             </a:r>
             <a:r>
@@ -4813,7 +4953,7 @@
 </p:sld>
 </file>
 
-<file path=ppt/slides/slide13.xml><?xml version="1.0" encoding="utf-8"?>
+<file path=ppt/slides/slide14.xml><?xml version="1.0" encoding="utf-8"?>
 <p:sld xmlns:a="http://schemas.openxmlformats.org/drawingml/2006/main" xmlns:r="http://schemas.openxmlformats.org/officeDocument/2006/relationships" xmlns:mc="http://schemas.openxmlformats.org/markup-compatibility/2006" xmlns:mv="urn:schemas-microsoft-com:mac:vml" xmlns:p="http://schemas.openxmlformats.org/presentationml/2006/main" mc:Ignorable="mv" mc:PreserveAttributes="mv:*">
   <p:cSld>
     <p:spTree>
@@ -5119,7 +5259,7 @@
 </p:sld>
 </file>
 
-<file path=ppt/slides/slide14.xml><?xml version="1.0" encoding="utf-8"?>
+<file path=ppt/slides/slide15.xml><?xml version="1.0" encoding="utf-8"?>
 <p:sld xmlns:a="http://schemas.openxmlformats.org/drawingml/2006/main" xmlns:r="http://schemas.openxmlformats.org/officeDocument/2006/relationships" xmlns:mc="http://schemas.openxmlformats.org/markup-compatibility/2006" xmlns:mv="urn:schemas-microsoft-com:mac:vml" xmlns:p="http://schemas.openxmlformats.org/presentationml/2006/main" mc:Ignorable="mv" mc:PreserveAttributes="mv:*">
   <p:cSld>
     <p:spTree>
@@ -5268,7 +5408,7 @@
 </p:sld>
 </file>
 
-<file path=ppt/slides/slide15.xml><?xml version="1.0" encoding="utf-8"?>
+<file path=ppt/slides/slide16.xml><?xml version="1.0" encoding="utf-8"?>
 <p:sld xmlns:a="http://schemas.openxmlformats.org/drawingml/2006/main" xmlns:r="http://schemas.openxmlformats.org/officeDocument/2006/relationships" xmlns:mc="http://schemas.openxmlformats.org/markup-compatibility/2006" xmlns:mv="urn:schemas-microsoft-com:mac:vml" xmlns:p="http://schemas.openxmlformats.org/presentationml/2006/main" mc:Ignorable="mv" mc:PreserveAttributes="mv:*">
   <p:cSld>
     <p:spTree>
@@ -6036,7 +6176,7 @@
 </p:sld>
 </file>
 
-<file path=ppt/slides/slide16.xml><?xml version="1.0" encoding="utf-8"?>
+<file path=ppt/slides/slide17.xml><?xml version="1.0" encoding="utf-8"?>
 <p:sld xmlns:a="http://schemas.openxmlformats.org/drawingml/2006/main" xmlns:r="http://schemas.openxmlformats.org/officeDocument/2006/relationships" xmlns:mc="http://schemas.openxmlformats.org/markup-compatibility/2006" xmlns:mv="urn:schemas-microsoft-com:mac:vml" xmlns:p="http://schemas.openxmlformats.org/presentationml/2006/main" mc:Ignorable="mv" mc:PreserveAttributes="mv:*">
   <p:cSld>
     <p:spTree>
@@ -6867,7 +7007,7 @@
 </p:sld>
 </file>
 
-<file path=ppt/slides/slide17.xml><?xml version="1.0" encoding="utf-8"?>
+<file path=ppt/slides/slide18.xml><?xml version="1.0" encoding="utf-8"?>
 <p:sld xmlns:a="http://schemas.openxmlformats.org/drawingml/2006/main" xmlns:r="http://schemas.openxmlformats.org/officeDocument/2006/relationships" xmlns:mc="http://schemas.openxmlformats.org/markup-compatibility/2006" xmlns:mv="urn:schemas-microsoft-com:mac:vml" xmlns:p="http://schemas.openxmlformats.org/presentationml/2006/main" mc:Ignorable="mv" mc:PreserveAttributes="mv:*">
   <p:cSld>
     <p:spTree>
@@ -7346,7 +7486,7 @@
 </p:sld>
 </file>
 
-<file path=ppt/slides/slide18.xml><?xml version="1.0" encoding="utf-8"?>
+<file path=ppt/slides/slide19.xml><?xml version="1.0" encoding="utf-8"?>
 <p:sld xmlns:a="http://schemas.openxmlformats.org/drawingml/2006/main" xmlns:r="http://schemas.openxmlformats.org/officeDocument/2006/relationships" xmlns:mc="http://schemas.openxmlformats.org/markup-compatibility/2006" xmlns:mv="urn:schemas-microsoft-com:mac:vml" xmlns:p="http://schemas.openxmlformats.org/presentationml/2006/main" mc:Ignorable="mv" mc:PreserveAttributes="mv:*">
   <p:cSld>
     <p:spTree>
@@ -7790,7 +7930,333 @@
 </p:sld>
 </file>
 
-<file path=ppt/slides/slide19.xml><?xml version="1.0" encoding="utf-8"?>
+<file path=ppt/slides/slide2.xml><?xml version="1.0" encoding="utf-8"?>
+<p:sld xmlns:a="http://schemas.openxmlformats.org/drawingml/2006/main" xmlns:r="http://schemas.openxmlformats.org/officeDocument/2006/relationships" xmlns:mc="http://schemas.openxmlformats.org/markup-compatibility/2006" xmlns:mv="urn:schemas-microsoft-com:mac:vml" xmlns:p="http://schemas.openxmlformats.org/presentationml/2006/main" mc:Ignorable="mv" mc:PreserveAttributes="mv:*">
+  <p:cSld>
+    <p:spTree>
+      <p:nvGrpSpPr>
+        <p:cNvPr id="1" name=""/>
+        <p:cNvGrpSpPr/>
+        <p:nvPr/>
+      </p:nvGrpSpPr>
+      <p:grpSpPr>
+        <a:xfrm>
+          <a:off x="0" y="0"/>
+          <a:ext cx="0" cy="0"/>
+          <a:chOff x="0" y="0"/>
+          <a:chExt cx="0" cy="0"/>
+        </a:xfrm>
+      </p:grpSpPr>
+      <p:sp>
+        <p:nvSpPr>
+          <p:cNvPr id="2" name="Title 1"/>
+          <p:cNvSpPr>
+            <a:spLocks noGrp="1"/>
+          </p:cNvSpPr>
+          <p:nvPr>
+            <p:ph type="title"/>
+          </p:nvPr>
+        </p:nvSpPr>
+        <p:spPr/>
+        <p:txBody>
+          <a:bodyPr/>
+          <a:lstStyle/>
+          <a:p>
+            <a:r>
+              <a:rPr lang="en-US" dirty="0" smtClean="0"/>
+              <a:t>ICF works by compressing DT fuel to high density and relying on the fuel inertial to confine it</a:t>
+            </a:r>
+            <a:endParaRPr lang="en-US" dirty="0"/>
+          </a:p>
+        </p:txBody>
+      </p:sp>
+      <p:pic>
+        <p:nvPicPr>
+          <p:cNvPr id="12" name="Content Placeholder 4" descr="740px-Inertial_confinement_fusion.svg.png"/>
+          <p:cNvPicPr>
+            <a:picLocks noGrp="1" noChangeAspect="1"/>
+          </p:cNvPicPr>
+          <p:nvPr>
+            <p:ph sz="half" idx="4294967295"/>
+          </p:nvPr>
+        </p:nvPicPr>
+        <p:blipFill>
+          <a:blip r:embed="rId2"/>
+          <a:srcRect t="-383" r="77422" b="8759"/>
+          <a:stretch>
+            <a:fillRect/>
+          </a:stretch>
+        </p:blipFill>
+        <p:spPr>
+          <a:xfrm>
+            <a:off x="66843" y="1269410"/>
+            <a:ext cx="1659392" cy="1911258"/>
+          </a:xfrm>
+        </p:spPr>
+      </p:pic>
+      <p:sp>
+        <p:nvSpPr>
+          <p:cNvPr id="13" name="TextBox 12"/>
+          <p:cNvSpPr txBox="1"/>
+          <p:nvPr/>
+        </p:nvSpPr>
+        <p:spPr>
+          <a:xfrm>
+            <a:off x="1705736" y="1446230"/>
+            <a:ext cx="2790363" cy="1477328"/>
+          </a:xfrm>
+          <a:prstGeom prst="rect">
+            <a:avLst/>
+          </a:prstGeom>
+          <a:noFill/>
+        </p:spPr>
+        <p:txBody>
+          <a:bodyPr wrap="square" rtlCol="0">
+            <a:spAutoFit/>
+          </a:bodyPr>
+          <a:lstStyle/>
+          <a:p>
+            <a:pPr algn="l"/>
+            <a:r>
+              <a:rPr lang="en-US" dirty="0" smtClean="0"/>
+              <a:t>A high intensity driver (x-rays, laser, heavy ion beam, etc) illuminates the surface of a layered spherical pellet</a:t>
+            </a:r>
+          </a:p>
+        </p:txBody>
+      </p:sp>
+      <p:pic>
+        <p:nvPicPr>
+          <p:cNvPr id="14" name="Content Placeholder 4" descr="740px-Inertial_confinement_fusion.svg.png"/>
+          <p:cNvPicPr>
+            <a:picLocks noChangeAspect="1"/>
+          </p:cNvPicPr>
+          <p:nvPr/>
+        </p:nvPicPr>
+        <p:blipFill>
+          <a:blip r:embed="rId2"/>
+          <a:srcRect l="26059" t="-383" r="45252" b="-351"/>
+          <a:stretch>
+            <a:fillRect/>
+          </a:stretch>
+        </p:blipFill>
+        <p:spPr bwMode="auto">
+          <a:xfrm>
+            <a:off x="4462723" y="1297809"/>
+            <a:ext cx="2108533" cy="2101009"/>
+          </a:xfrm>
+          <a:prstGeom prst="rect">
+            <a:avLst/>
+          </a:prstGeom>
+          <a:noFill/>
+          <a:ln w="9525">
+            <a:noFill/>
+            <a:miter lim="800000"/>
+            <a:headEnd/>
+            <a:tailEnd/>
+          </a:ln>
+        </p:spPr>
+      </p:pic>
+      <p:sp>
+        <p:nvSpPr>
+          <p:cNvPr id="15" name="TextBox 14"/>
+          <p:cNvSpPr txBox="1"/>
+          <p:nvPr/>
+        </p:nvSpPr>
+        <p:spPr>
+          <a:xfrm>
+            <a:off x="6502612" y="1390604"/>
+            <a:ext cx="2641388" cy="1754327"/>
+          </a:xfrm>
+          <a:prstGeom prst="rect">
+            <a:avLst/>
+          </a:prstGeom>
+          <a:noFill/>
+        </p:spPr>
+        <p:txBody>
+          <a:bodyPr wrap="square" rtlCol="0">
+            <a:spAutoFit/>
+          </a:bodyPr>
+          <a:lstStyle/>
+          <a:p>
+            <a:pPr algn="l"/>
+            <a:r>
+              <a:rPr lang="en-US" dirty="0" smtClean="0"/>
+              <a:t>The outer surface of the pellet ablates, compressing DT fuel and driving an imploding spherical rocket</a:t>
+            </a:r>
+          </a:p>
+        </p:txBody>
+      </p:sp>
+      <p:pic>
+        <p:nvPicPr>
+          <p:cNvPr id="16" name="Content Placeholder 4" descr="740px-Inertial_confinement_fusion.svg.png"/>
+          <p:cNvPicPr>
+            <a:picLocks noChangeAspect="1"/>
+          </p:cNvPicPr>
+          <p:nvPr/>
+        </p:nvPicPr>
+        <p:blipFill>
+          <a:blip r:embed="rId2"/>
+          <a:srcRect l="57764" t="-383" r="15515" b="-351"/>
+          <a:stretch>
+            <a:fillRect/>
+          </a:stretch>
+        </p:blipFill>
+        <p:spPr bwMode="auto">
+          <a:xfrm>
+            <a:off x="0" y="4113872"/>
+            <a:ext cx="1963904" cy="2101009"/>
+          </a:xfrm>
+          <a:prstGeom prst="rect">
+            <a:avLst/>
+          </a:prstGeom>
+          <a:noFill/>
+          <a:ln w="9525">
+            <a:noFill/>
+            <a:miter lim="800000"/>
+            <a:headEnd/>
+            <a:tailEnd/>
+          </a:ln>
+        </p:spPr>
+      </p:pic>
+      <p:sp>
+        <p:nvSpPr>
+          <p:cNvPr id="17" name="TextBox 16"/>
+          <p:cNvSpPr txBox="1"/>
+          <p:nvPr/>
+        </p:nvSpPr>
+        <p:spPr>
+          <a:xfrm>
+            <a:off x="2030197" y="4292334"/>
+            <a:ext cx="2326847" cy="1754327"/>
+          </a:xfrm>
+          <a:prstGeom prst="rect">
+            <a:avLst/>
+          </a:prstGeom>
+          <a:noFill/>
+        </p:spPr>
+        <p:txBody>
+          <a:bodyPr wrap="square" rtlCol="0">
+            <a:spAutoFit/>
+          </a:bodyPr>
+          <a:lstStyle/>
+          <a:p>
+            <a:pPr algn="l"/>
+            <a:r>
+              <a:rPr lang="en-US" dirty="0" smtClean="0"/>
+              <a:t>The dense imploding shell stagnates on axis and converts its kinetic energy to thermal energy</a:t>
+            </a:r>
+          </a:p>
+        </p:txBody>
+      </p:sp>
+      <p:pic>
+        <p:nvPicPr>
+          <p:cNvPr id="18" name="Content Placeholder 4" descr="740px-Inertial_confinement_fusion.svg.png"/>
+          <p:cNvPicPr>
+            <a:picLocks noChangeAspect="1"/>
+          </p:cNvPicPr>
+          <p:nvPr/>
+        </p:nvPicPr>
+        <p:blipFill>
+          <a:blip r:embed="rId2"/>
+          <a:srcRect l="84738" t="-383" b="25518"/>
+          <a:stretch>
+            <a:fillRect/>
+          </a:stretch>
+        </p:blipFill>
+        <p:spPr bwMode="auto">
+          <a:xfrm>
+            <a:off x="4520020" y="4040891"/>
+            <a:ext cx="1121696" cy="1561463"/>
+          </a:xfrm>
+          <a:prstGeom prst="rect">
+            <a:avLst/>
+          </a:prstGeom>
+          <a:noFill/>
+          <a:ln w="9525">
+            <a:noFill/>
+            <a:miter lim="800000"/>
+            <a:headEnd/>
+            <a:tailEnd/>
+          </a:ln>
+        </p:spPr>
+      </p:pic>
+      <p:sp>
+        <p:nvSpPr>
+          <p:cNvPr id="19" name="TextBox 18"/>
+          <p:cNvSpPr txBox="1"/>
+          <p:nvPr/>
+        </p:nvSpPr>
+        <p:spPr>
+          <a:xfrm>
+            <a:off x="5767369" y="4292334"/>
+            <a:ext cx="3376632" cy="2031325"/>
+          </a:xfrm>
+          <a:prstGeom prst="rect">
+            <a:avLst/>
+          </a:prstGeom>
+          <a:noFill/>
+        </p:spPr>
+        <p:txBody>
+          <a:bodyPr wrap="square" rtlCol="0">
+            <a:spAutoFit/>
+          </a:bodyPr>
+          <a:lstStyle/>
+          <a:p>
+            <a:pPr algn="l"/>
+            <a:r>
+              <a:rPr lang="en-US" dirty="0" smtClean="0"/>
+              <a:t>The high stagnation temperature initiations a fusion burn wave.  The burn wave propagates faster than the shell can disassemble, releasing large amounts of energy</a:t>
+            </a:r>
+          </a:p>
+        </p:txBody>
+      </p:sp>
+      <p:sp>
+        <p:nvSpPr>
+          <p:cNvPr id="20" name="TextBox 19"/>
+          <p:cNvSpPr txBox="1"/>
+          <p:nvPr/>
+        </p:nvSpPr>
+        <p:spPr>
+          <a:xfrm>
+            <a:off x="0" y="6550223"/>
+            <a:ext cx="6313080" cy="276999"/>
+          </a:xfrm>
+          <a:prstGeom prst="rect">
+            <a:avLst/>
+          </a:prstGeom>
+          <a:noFill/>
+        </p:spPr>
+        <p:txBody>
+          <a:bodyPr wrap="square" rtlCol="0">
+            <a:spAutoFit/>
+          </a:bodyPr>
+          <a:lstStyle/>
+          <a:p>
+            <a:pPr algn="l"/>
+            <a:r>
+              <a:rPr lang="en-US" sz="1200" b="0" dirty="0" err="1" smtClean="0"/>
+              <a:t>http://en.wikipedia.org/wiki/File:Inertial_confinement_fusion.svg</a:t>
+            </a:r>
+            <a:endParaRPr lang="en-US" sz="1200" b="0" dirty="0" smtClean="0"/>
+          </a:p>
+        </p:txBody>
+      </p:sp>
+    </p:spTree>
+  </p:cSld>
+  <p:clrMapOvr>
+    <a:masterClrMapping/>
+  </p:clrMapOvr>
+  <p:timing>
+    <p:tnLst>
+      <p:par>
+        <p:cTn id="1" dur="indefinite" restart="never" nodeType="tmRoot"/>
+      </p:par>
+    </p:tnLst>
+  </p:timing>
+</p:sld>
+</file>
+
+<file path=ppt/slides/slide20.xml><?xml version="1.0" encoding="utf-8"?>
 <p:sld xmlns:a="http://schemas.openxmlformats.org/drawingml/2006/main" xmlns:r="http://schemas.openxmlformats.org/officeDocument/2006/relationships" xmlns:mc="http://schemas.openxmlformats.org/markup-compatibility/2006" xmlns:mv="urn:schemas-microsoft-com:mac:vml" xmlns:p="http://schemas.openxmlformats.org/presentationml/2006/main" mc:Ignorable="mv" mc:PreserveAttributes="mv:*">
   <p:cSld>
     <p:spTree>
@@ -8090,333 +8556,7 @@
 </p:sld>
 </file>
 
-<file path=ppt/slides/slide2.xml><?xml version="1.0" encoding="utf-8"?>
-<p:sld xmlns:a="http://schemas.openxmlformats.org/drawingml/2006/main" xmlns:r="http://schemas.openxmlformats.org/officeDocument/2006/relationships" xmlns:mc="http://schemas.openxmlformats.org/markup-compatibility/2006" xmlns:mv="urn:schemas-microsoft-com:mac:vml" xmlns:p="http://schemas.openxmlformats.org/presentationml/2006/main" mc:Ignorable="mv" mc:PreserveAttributes="mv:*">
-  <p:cSld>
-    <p:spTree>
-      <p:nvGrpSpPr>
-        <p:cNvPr id="1" name=""/>
-        <p:cNvGrpSpPr/>
-        <p:nvPr/>
-      </p:nvGrpSpPr>
-      <p:grpSpPr>
-        <a:xfrm>
-          <a:off x="0" y="0"/>
-          <a:ext cx="0" cy="0"/>
-          <a:chOff x="0" y="0"/>
-          <a:chExt cx="0" cy="0"/>
-        </a:xfrm>
-      </p:grpSpPr>
-      <p:sp>
-        <p:nvSpPr>
-          <p:cNvPr id="2" name="Title 1"/>
-          <p:cNvSpPr>
-            <a:spLocks noGrp="1"/>
-          </p:cNvSpPr>
-          <p:nvPr>
-            <p:ph type="title"/>
-          </p:nvPr>
-        </p:nvSpPr>
-        <p:spPr/>
-        <p:txBody>
-          <a:bodyPr/>
-          <a:lstStyle/>
-          <a:p>
-            <a:r>
-              <a:rPr lang="en-US" dirty="0" smtClean="0"/>
-              <a:t>ICF works by compressing DT fuel to high density and relying on the fuel inertial to confine it</a:t>
-            </a:r>
-            <a:endParaRPr lang="en-US" dirty="0"/>
-          </a:p>
-        </p:txBody>
-      </p:sp>
-      <p:pic>
-        <p:nvPicPr>
-          <p:cNvPr id="12" name="Content Placeholder 4" descr="740px-Inertial_confinement_fusion.svg.png"/>
-          <p:cNvPicPr>
-            <a:picLocks noGrp="1" noChangeAspect="1"/>
-          </p:cNvPicPr>
-          <p:nvPr>
-            <p:ph sz="half" idx="4294967295"/>
-          </p:nvPr>
-        </p:nvPicPr>
-        <p:blipFill>
-          <a:blip r:embed="rId2"/>
-          <a:srcRect t="-383" r="77422" b="8759"/>
-          <a:stretch>
-            <a:fillRect/>
-          </a:stretch>
-        </p:blipFill>
-        <p:spPr>
-          <a:xfrm>
-            <a:off x="66843" y="1269410"/>
-            <a:ext cx="1659392" cy="1911258"/>
-          </a:xfrm>
-        </p:spPr>
-      </p:pic>
-      <p:sp>
-        <p:nvSpPr>
-          <p:cNvPr id="13" name="TextBox 12"/>
-          <p:cNvSpPr txBox="1"/>
-          <p:nvPr/>
-        </p:nvSpPr>
-        <p:spPr>
-          <a:xfrm>
-            <a:off x="1705736" y="1446230"/>
-            <a:ext cx="2790363" cy="1477328"/>
-          </a:xfrm>
-          <a:prstGeom prst="rect">
-            <a:avLst/>
-          </a:prstGeom>
-          <a:noFill/>
-        </p:spPr>
-        <p:txBody>
-          <a:bodyPr wrap="square" rtlCol="0">
-            <a:spAutoFit/>
-          </a:bodyPr>
-          <a:lstStyle/>
-          <a:p>
-            <a:pPr algn="l"/>
-            <a:r>
-              <a:rPr lang="en-US" dirty="0" smtClean="0"/>
-              <a:t>A high intensity driver (x-rays, laser, heavy ion beam, etc) illuminates the surface of a layered spherical pellet</a:t>
-            </a:r>
-          </a:p>
-        </p:txBody>
-      </p:sp>
-      <p:pic>
-        <p:nvPicPr>
-          <p:cNvPr id="14" name="Content Placeholder 4" descr="740px-Inertial_confinement_fusion.svg.png"/>
-          <p:cNvPicPr>
-            <a:picLocks noChangeAspect="1"/>
-          </p:cNvPicPr>
-          <p:nvPr/>
-        </p:nvPicPr>
-        <p:blipFill>
-          <a:blip r:embed="rId2"/>
-          <a:srcRect l="26059" t="-383" r="45252" b="-351"/>
-          <a:stretch>
-            <a:fillRect/>
-          </a:stretch>
-        </p:blipFill>
-        <p:spPr bwMode="auto">
-          <a:xfrm>
-            <a:off x="4462723" y="1297809"/>
-            <a:ext cx="2108533" cy="2101009"/>
-          </a:xfrm>
-          <a:prstGeom prst="rect">
-            <a:avLst/>
-          </a:prstGeom>
-          <a:noFill/>
-          <a:ln w="9525">
-            <a:noFill/>
-            <a:miter lim="800000"/>
-            <a:headEnd/>
-            <a:tailEnd/>
-          </a:ln>
-        </p:spPr>
-      </p:pic>
-      <p:sp>
-        <p:nvSpPr>
-          <p:cNvPr id="15" name="TextBox 14"/>
-          <p:cNvSpPr txBox="1"/>
-          <p:nvPr/>
-        </p:nvSpPr>
-        <p:spPr>
-          <a:xfrm>
-            <a:off x="6502612" y="1390604"/>
-            <a:ext cx="2641388" cy="1754327"/>
-          </a:xfrm>
-          <a:prstGeom prst="rect">
-            <a:avLst/>
-          </a:prstGeom>
-          <a:noFill/>
-        </p:spPr>
-        <p:txBody>
-          <a:bodyPr wrap="square" rtlCol="0">
-            <a:spAutoFit/>
-          </a:bodyPr>
-          <a:lstStyle/>
-          <a:p>
-            <a:pPr algn="l"/>
-            <a:r>
-              <a:rPr lang="en-US" dirty="0" smtClean="0"/>
-              <a:t>The outer surface of the pellet ablates, compressing DT fuel and driving an imploding spherical rocket</a:t>
-            </a:r>
-          </a:p>
-        </p:txBody>
-      </p:sp>
-      <p:pic>
-        <p:nvPicPr>
-          <p:cNvPr id="16" name="Content Placeholder 4" descr="740px-Inertial_confinement_fusion.svg.png"/>
-          <p:cNvPicPr>
-            <a:picLocks noChangeAspect="1"/>
-          </p:cNvPicPr>
-          <p:nvPr/>
-        </p:nvPicPr>
-        <p:blipFill>
-          <a:blip r:embed="rId2"/>
-          <a:srcRect l="57764" t="-383" r="15515" b="-351"/>
-          <a:stretch>
-            <a:fillRect/>
-          </a:stretch>
-        </p:blipFill>
-        <p:spPr bwMode="auto">
-          <a:xfrm>
-            <a:off x="0" y="4113872"/>
-            <a:ext cx="1963904" cy="2101009"/>
-          </a:xfrm>
-          <a:prstGeom prst="rect">
-            <a:avLst/>
-          </a:prstGeom>
-          <a:noFill/>
-          <a:ln w="9525">
-            <a:noFill/>
-            <a:miter lim="800000"/>
-            <a:headEnd/>
-            <a:tailEnd/>
-          </a:ln>
-        </p:spPr>
-      </p:pic>
-      <p:sp>
-        <p:nvSpPr>
-          <p:cNvPr id="17" name="TextBox 16"/>
-          <p:cNvSpPr txBox="1"/>
-          <p:nvPr/>
-        </p:nvSpPr>
-        <p:spPr>
-          <a:xfrm>
-            <a:off x="2030197" y="4292334"/>
-            <a:ext cx="2326847" cy="1754327"/>
-          </a:xfrm>
-          <a:prstGeom prst="rect">
-            <a:avLst/>
-          </a:prstGeom>
-          <a:noFill/>
-        </p:spPr>
-        <p:txBody>
-          <a:bodyPr wrap="square" rtlCol="0">
-            <a:spAutoFit/>
-          </a:bodyPr>
-          <a:lstStyle/>
-          <a:p>
-            <a:pPr algn="l"/>
-            <a:r>
-              <a:rPr lang="en-US" dirty="0" smtClean="0"/>
-              <a:t>The dense imploding shell stagnates on axis and converts its kinetic energy to thermal energy</a:t>
-            </a:r>
-          </a:p>
-        </p:txBody>
-      </p:sp>
-      <p:pic>
-        <p:nvPicPr>
-          <p:cNvPr id="18" name="Content Placeholder 4" descr="740px-Inertial_confinement_fusion.svg.png"/>
-          <p:cNvPicPr>
-            <a:picLocks noChangeAspect="1"/>
-          </p:cNvPicPr>
-          <p:nvPr/>
-        </p:nvPicPr>
-        <p:blipFill>
-          <a:blip r:embed="rId2"/>
-          <a:srcRect l="84738" t="-383" b="25518"/>
-          <a:stretch>
-            <a:fillRect/>
-          </a:stretch>
-        </p:blipFill>
-        <p:spPr bwMode="auto">
-          <a:xfrm>
-            <a:off x="4520020" y="4040891"/>
-            <a:ext cx="1121696" cy="1561463"/>
-          </a:xfrm>
-          <a:prstGeom prst="rect">
-            <a:avLst/>
-          </a:prstGeom>
-          <a:noFill/>
-          <a:ln w="9525">
-            <a:noFill/>
-            <a:miter lim="800000"/>
-            <a:headEnd/>
-            <a:tailEnd/>
-          </a:ln>
-        </p:spPr>
-      </p:pic>
-      <p:sp>
-        <p:nvSpPr>
-          <p:cNvPr id="19" name="TextBox 18"/>
-          <p:cNvSpPr txBox="1"/>
-          <p:nvPr/>
-        </p:nvSpPr>
-        <p:spPr>
-          <a:xfrm>
-            <a:off x="5767369" y="4292334"/>
-            <a:ext cx="3376632" cy="2031325"/>
-          </a:xfrm>
-          <a:prstGeom prst="rect">
-            <a:avLst/>
-          </a:prstGeom>
-          <a:noFill/>
-        </p:spPr>
-        <p:txBody>
-          <a:bodyPr wrap="square" rtlCol="0">
-            <a:spAutoFit/>
-          </a:bodyPr>
-          <a:lstStyle/>
-          <a:p>
-            <a:pPr algn="l"/>
-            <a:r>
-              <a:rPr lang="en-US" dirty="0" smtClean="0"/>
-              <a:t>The high stagnation temperature initiations a fusion burn wave.  The burn wave propagates faster than the shell can disassemble, releasing large amounts of energy</a:t>
-            </a:r>
-          </a:p>
-        </p:txBody>
-      </p:sp>
-      <p:sp>
-        <p:nvSpPr>
-          <p:cNvPr id="20" name="TextBox 19"/>
-          <p:cNvSpPr txBox="1"/>
-          <p:nvPr/>
-        </p:nvSpPr>
-        <p:spPr>
-          <a:xfrm>
-            <a:off x="0" y="6550223"/>
-            <a:ext cx="6313080" cy="276999"/>
-          </a:xfrm>
-          <a:prstGeom prst="rect">
-            <a:avLst/>
-          </a:prstGeom>
-          <a:noFill/>
-        </p:spPr>
-        <p:txBody>
-          <a:bodyPr wrap="square" rtlCol="0">
-            <a:spAutoFit/>
-          </a:bodyPr>
-          <a:lstStyle/>
-          <a:p>
-            <a:pPr algn="l"/>
-            <a:r>
-              <a:rPr lang="en-US" sz="1200" b="0" dirty="0" err="1" smtClean="0"/>
-              <a:t>http://en.wikipedia.org/wiki/File:Inertial_confinement_fusion.svg</a:t>
-            </a:r>
-            <a:endParaRPr lang="en-US" sz="1200" b="0" dirty="0" smtClean="0"/>
-          </a:p>
-        </p:txBody>
-      </p:sp>
-    </p:spTree>
-  </p:cSld>
-  <p:clrMapOvr>
-    <a:masterClrMapping/>
-  </p:clrMapOvr>
-  <p:timing>
-    <p:tnLst>
-      <p:par>
-        <p:cTn id="1" dur="indefinite" restart="never" nodeType="tmRoot"/>
-      </p:par>
-    </p:tnLst>
-  </p:timing>
-</p:sld>
-</file>
-
-<file path=ppt/slides/slide20.xml><?xml version="1.0" encoding="utf-8"?>
+<file path=ppt/slides/slide21.xml><?xml version="1.0" encoding="utf-8"?>
 <p:sld xmlns:a="http://schemas.openxmlformats.org/drawingml/2006/main" xmlns:r="http://schemas.openxmlformats.org/officeDocument/2006/relationships" xmlns:mc="http://schemas.openxmlformats.org/markup-compatibility/2006" xmlns:mv="urn:schemas-microsoft-com:mac:vml" xmlns:p="http://schemas.openxmlformats.org/presentationml/2006/main" mc:Ignorable="mv" mc:PreserveAttributes="mv:*">
   <p:cSld>
     <p:spTree>
@@ -8596,7 +8736,7 @@
 </p:sld>
 </file>
 
-<file path=ppt/slides/slide21.xml><?xml version="1.0" encoding="utf-8"?>
+<file path=ppt/slides/slide22.xml><?xml version="1.0" encoding="utf-8"?>
 <p:sld xmlns:a="http://schemas.openxmlformats.org/drawingml/2006/main" xmlns:r="http://schemas.openxmlformats.org/officeDocument/2006/relationships" xmlns:mc="http://schemas.openxmlformats.org/markup-compatibility/2006" xmlns:mv="urn:schemas-microsoft-com:mac:vml" xmlns:p="http://schemas.openxmlformats.org/presentationml/2006/main" mc:Ignorable="mv" mc:PreserveAttributes="mv:*">
   <p:cSld>
     <p:spTree>
@@ -8957,7 +9097,7 @@
 </p:sld>
 </file>
 
-<file path=ppt/slides/slide22.xml><?xml version="1.0" encoding="utf-8"?>
+<file path=ppt/slides/slide23.xml><?xml version="1.0" encoding="utf-8"?>
 <p:sld xmlns:a="http://schemas.openxmlformats.org/drawingml/2006/main" xmlns:r="http://schemas.openxmlformats.org/officeDocument/2006/relationships" xmlns:mc="http://schemas.openxmlformats.org/markup-compatibility/2006" xmlns:mv="urn:schemas-microsoft-com:mac:vml" xmlns:p="http://schemas.openxmlformats.org/presentationml/2006/main" mc:Ignorable="mv" mc:PreserveAttributes="mv:*">
   <p:cSld>
     <p:spTree>
@@ -9212,7 +9352,7 @@
 </p:sld>
 </file>
 
-<file path=ppt/slides/slide23.xml><?xml version="1.0" encoding="utf-8"?>
+<file path=ppt/slides/slide24.xml><?xml version="1.0" encoding="utf-8"?>
 <p:sld xmlns:a="http://schemas.openxmlformats.org/drawingml/2006/main" xmlns:r="http://schemas.openxmlformats.org/officeDocument/2006/relationships" xmlns:mc="http://schemas.openxmlformats.org/markup-compatibility/2006" xmlns:mv="urn:schemas-microsoft-com:mac:vml" xmlns:p="http://schemas.openxmlformats.org/presentationml/2006/main" mc:Ignorable="mv" mc:PreserveAttributes="mv:*">
   <p:cSld>
     <p:spTree>
@@ -10258,94 +10398,6 @@
 </p:sld>
 </file>
 
-<file path=ppt/slides/slide24.xml><?xml version="1.0" encoding="utf-8"?>
-<p:sld xmlns:a="http://schemas.openxmlformats.org/drawingml/2006/main" xmlns:r="http://schemas.openxmlformats.org/officeDocument/2006/relationships" xmlns:mc="http://schemas.openxmlformats.org/markup-compatibility/2006" xmlns:mv="urn:schemas-microsoft-com:mac:vml" xmlns:p="http://schemas.openxmlformats.org/presentationml/2006/main" mc:Ignorable="mv" mc:PreserveAttributes="mv:*">
-  <p:cSld>
-    <p:spTree>
-      <p:nvGrpSpPr>
-        <p:cNvPr id="1" name=""/>
-        <p:cNvGrpSpPr/>
-        <p:nvPr/>
-      </p:nvGrpSpPr>
-      <p:grpSpPr>
-        <a:xfrm>
-          <a:off x="0" y="0"/>
-          <a:ext cx="0" cy="0"/>
-          <a:chOff x="0" y="0"/>
-          <a:chExt cx="0" cy="0"/>
-        </a:xfrm>
-      </p:grpSpPr>
-      <p:sp>
-        <p:nvSpPr>
-          <p:cNvPr id="2" name="Title 1"/>
-          <p:cNvSpPr>
-            <a:spLocks noGrp="1"/>
-          </p:cNvSpPr>
-          <p:nvPr>
-            <p:ph type="title"/>
-          </p:nvPr>
-        </p:nvSpPr>
-        <p:spPr/>
-        <p:txBody>
-          <a:bodyPr/>
-          <a:lstStyle/>
-          <a:p>
-            <a:r>
-              <a:rPr lang="en-US" dirty="0" smtClean="0"/>
-              <a:t>Embedded Python interpreter enables “introspective” programs without major software development effort</a:t>
-            </a:r>
-            <a:endParaRPr lang="en-US" dirty="0"/>
-          </a:p>
-        </p:txBody>
-      </p:sp>
-      <p:sp>
-        <p:nvSpPr>
-          <p:cNvPr id="3" name="Content Placeholder 2"/>
-          <p:cNvSpPr>
-            <a:spLocks noGrp="1"/>
-          </p:cNvSpPr>
-          <p:nvPr>
-            <p:ph idx="1"/>
-          </p:nvPr>
-        </p:nvSpPr>
-        <p:spPr>
-          <a:xfrm>
-            <a:off x="212725" y="1340069"/>
-            <a:ext cx="8778875" cy="4946431"/>
-          </a:xfrm>
-        </p:spPr>
-        <p:txBody>
-          <a:bodyPr/>
-          <a:lstStyle/>
-          <a:p>
-            <a:r>
-              <a:rPr lang="en-US" dirty="0" smtClean="0"/>
-              <a:t>Shock tracking and triggers</a:t>
-            </a:r>
-          </a:p>
-          <a:p>
-            <a:r>
-              <a:rPr lang="en-US" dirty="0" smtClean="0"/>
-              <a:t>Dynamically changing dump frequency</a:t>
-            </a:r>
-          </a:p>
-          <a:p>
-            <a:r>
-              <a:rPr lang="en-US" dirty="0" smtClean="0"/>
-              <a:t>Areal density (ρR) monitors and triggers</a:t>
-            </a:r>
-            <a:endParaRPr lang="en-US" dirty="0"/>
-          </a:p>
-        </p:txBody>
-      </p:sp>
-    </p:spTree>
-  </p:cSld>
-  <p:clrMapOvr>
-    <a:masterClrMapping/>
-  </p:clrMapOvr>
-</p:sld>
-</file>
-
 <file path=ppt/slides/slide25.xml><?xml version="1.0" encoding="utf-8"?>
 <p:sld xmlns:a="http://schemas.openxmlformats.org/drawingml/2006/main" xmlns:r="http://schemas.openxmlformats.org/officeDocument/2006/relationships" xmlns:mc="http://schemas.openxmlformats.org/markup-compatibility/2006" xmlns:mv="urn:schemas-microsoft-com:mac:vml" xmlns:p="http://schemas.openxmlformats.org/presentationml/2006/main" mc:Ignorable="mv" mc:PreserveAttributes="mv:*">
   <p:cSld>
@@ -11619,7 +11671,14 @@
                 <a:latin typeface="Inconsolata"/>
                 <a:cs typeface="Inconsolata"/>
               </a:rPr>
-              <a:t>tuners = [</a:t>
+              <a:t>tuners =</a:t>
+            </a:r>
+            <a:r>
+              <a:rPr lang="en-US" sz="2000" b="0" dirty="0" smtClean="0">
+                <a:latin typeface="Inconsolata"/>
+                <a:cs typeface="Inconsolata"/>
+              </a:rPr>
+              <a:t> 3*[</a:t>
             </a:r>
             <a:r>
               <a:rPr lang="en-US" sz="2000" b="0" dirty="0" err="1" smtClean="0">
@@ -11633,14 +11692,14 @@
                 <a:latin typeface="Inconsolata"/>
                 <a:cs typeface="Inconsolata"/>
               </a:rPr>
-              <a:t>, </a:t>
+              <a:t>] + [</a:t>
             </a:r>
             <a:r>
               <a:rPr lang="en-US" sz="2000" b="0" dirty="0" err="1" smtClean="0">
                 <a:latin typeface="Inconsolata"/>
                 <a:cs typeface="Inconsolata"/>
               </a:rPr>
-              <a:t>shock_sync</a:t>
+              <a:t>max_rhor</a:t>
             </a:r>
             <a:r>
               <a:rPr lang="en-US" sz="2000" b="0" dirty="0" smtClean="0">
@@ -11654,34 +11713,6 @@
                 <a:latin typeface="Inconsolata"/>
                 <a:cs typeface="Inconsolata"/>
               </a:rPr>
-              <a:t>shock_sync</a:t>
-            </a:r>
-            <a:r>
-              <a:rPr lang="en-US" sz="2000" b="0" dirty="0" smtClean="0">
-                <a:latin typeface="Inconsolata"/>
-                <a:cs typeface="Inconsolata"/>
-              </a:rPr>
-              <a:t>, </a:t>
-            </a:r>
-            <a:r>
-              <a:rPr lang="en-US" sz="2000" b="0" dirty="0" err="1" smtClean="0">
-                <a:latin typeface="Inconsolata"/>
-                <a:cs typeface="Inconsolata"/>
-              </a:rPr>
-              <a:t>max_rhor</a:t>
-            </a:r>
-            <a:r>
-              <a:rPr lang="en-US" sz="2000" b="0" dirty="0" smtClean="0">
-                <a:latin typeface="Inconsolata"/>
-                <a:cs typeface="Inconsolata"/>
-              </a:rPr>
-              <a:t>, </a:t>
-            </a:r>
-            <a:r>
-              <a:rPr lang="en-US" sz="2000" b="0" dirty="0" err="1" smtClean="0">
-                <a:latin typeface="Inconsolata"/>
-                <a:cs typeface="Inconsolata"/>
-              </a:rPr>
               <a:t>max_yield</a:t>
             </a:r>
             <a:r>
@@ -11801,6 +11832,10 @@
               </a:rPr>
               <a:t>)</a:t>
             </a:r>
+            <a:endParaRPr lang="en-US" sz="2000" b="0" dirty="0" smtClean="0">
+              <a:latin typeface="Inconsolata"/>
+              <a:cs typeface="Inconsolata"/>
+            </a:endParaRPr>
           </a:p>
           <a:p>
             <a:pPr algn="l"/>
@@ -11816,28 +11851,14 @@
                 <a:latin typeface="Inconsolata"/>
                 <a:cs typeface="Inconsolata"/>
               </a:rPr>
-              <a:t>setattr(laser</a:t>
+              <a:t>laser[seg</a:t>
             </a:r>
             <a:r>
               <a:rPr lang="en-US" sz="2000" b="0" dirty="0" smtClean="0">
                 <a:latin typeface="Inconsolata"/>
                 <a:cs typeface="Inconsolata"/>
               </a:rPr>
-              <a:t>, </a:t>
-            </a:r>
-            <a:r>
-              <a:rPr lang="en-US" sz="2000" b="0" dirty="0" err="1" smtClean="0">
-                <a:latin typeface="Inconsolata"/>
-                <a:cs typeface="Inconsolata"/>
-              </a:rPr>
-              <a:t>seg</a:t>
-            </a:r>
-            <a:r>
-              <a:rPr lang="en-US" sz="2000" b="0" dirty="0" smtClean="0">
-                <a:latin typeface="Inconsolata"/>
-                <a:cs typeface="Inconsolata"/>
-              </a:rPr>
-              <a:t>, </a:t>
+              <a:t>] = </a:t>
             </a:r>
             <a:r>
               <a:rPr lang="en-US" sz="2000" b="0" dirty="0" err="1" smtClean="0">
@@ -11846,13 +11867,10 @@
               </a:rPr>
               <a:t>tune_val</a:t>
             </a:r>
-            <a:r>
-              <a:rPr lang="en-US" sz="2000" b="0" dirty="0" smtClean="0">
-                <a:latin typeface="Inconsolata"/>
-                <a:cs typeface="Inconsolata"/>
-              </a:rPr>
-              <a:t>)</a:t>
-            </a:r>
+            <a:endParaRPr lang="en-US" sz="2000" b="0" dirty="0" smtClean="0">
+              <a:latin typeface="Inconsolata"/>
+              <a:cs typeface="Inconsolata"/>
+            </a:endParaRPr>
           </a:p>
         </p:txBody>
       </p:sp>

--- a/papers/koningterry/slides.pptx
+++ b/papers/koningterry/slides.pptx
@@ -6,38 +6,36 @@
     <p:sldMasterId id="2147485039" r:id="rId2"/>
   </p:sldMasterIdLst>
   <p:notesMasterIdLst>
-    <p:notesMasterId r:id="rId29"/>
+    <p:notesMasterId r:id="rId27"/>
   </p:notesMasterIdLst>
   <p:handoutMasterIdLst>
-    <p:handoutMasterId r:id="rId30"/>
+    <p:handoutMasterId r:id="rId28"/>
   </p:handoutMasterIdLst>
   <p:sldIdLst>
     <p:sldId id="496" r:id="rId3"/>
-    <p:sldId id="500" r:id="rId4"/>
-    <p:sldId id="516" r:id="rId5"/>
-    <p:sldId id="532" r:id="rId6"/>
-    <p:sldId id="517" r:id="rId7"/>
-    <p:sldId id="518" r:id="rId8"/>
-    <p:sldId id="519" r:id="rId9"/>
-    <p:sldId id="520" r:id="rId10"/>
-    <p:sldId id="531" r:id="rId11"/>
-    <p:sldId id="523" r:id="rId12"/>
-    <p:sldId id="524" r:id="rId13"/>
-    <p:sldId id="525" r:id="rId14"/>
-    <p:sldId id="521" r:id="rId15"/>
-    <p:sldId id="509" r:id="rId16"/>
-    <p:sldId id="533" r:id="rId17"/>
-    <p:sldId id="501" r:id="rId18"/>
-    <p:sldId id="526" r:id="rId19"/>
-    <p:sldId id="527" r:id="rId20"/>
-    <p:sldId id="528" r:id="rId21"/>
-    <p:sldId id="530" r:id="rId22"/>
-    <p:sldId id="522" r:id="rId23"/>
-    <p:sldId id="504" r:id="rId24"/>
-    <p:sldId id="508" r:id="rId25"/>
-    <p:sldId id="510" r:id="rId26"/>
-    <p:sldId id="512" r:id="rId27"/>
-    <p:sldId id="506" r:id="rId28"/>
+    <p:sldId id="534" r:id="rId4"/>
+    <p:sldId id="500" r:id="rId5"/>
+    <p:sldId id="516" r:id="rId6"/>
+    <p:sldId id="532" r:id="rId7"/>
+    <p:sldId id="517" r:id="rId8"/>
+    <p:sldId id="520" r:id="rId9"/>
+    <p:sldId id="531" r:id="rId10"/>
+    <p:sldId id="523" r:id="rId11"/>
+    <p:sldId id="524" r:id="rId12"/>
+    <p:sldId id="525" r:id="rId13"/>
+    <p:sldId id="521" r:id="rId14"/>
+    <p:sldId id="509" r:id="rId15"/>
+    <p:sldId id="533" r:id="rId16"/>
+    <p:sldId id="526" r:id="rId17"/>
+    <p:sldId id="527" r:id="rId18"/>
+    <p:sldId id="528" r:id="rId19"/>
+    <p:sldId id="530" r:id="rId20"/>
+    <p:sldId id="522" r:id="rId21"/>
+    <p:sldId id="504" r:id="rId22"/>
+    <p:sldId id="508" r:id="rId23"/>
+    <p:sldId id="510" r:id="rId24"/>
+    <p:sldId id="512" r:id="rId25"/>
+    <p:sldId id="506" r:id="rId26"/>
   </p:sldIdLst>
   <p:sldSz cx="9144000" cy="6858000" type="screen4x3"/>
   <p:notesSz cx="6858000" cy="9144000"/>
@@ -4337,12 +4335,6 @@
               </a:rPr>
               <a:t>Austin, Texas</a:t>
             </a:r>
-            <a:endParaRPr lang="en-US" sz="1600" dirty="0" smtClean="0">
-              <a:solidFill>
-                <a:srgbClr val="000000"/>
-              </a:solidFill>
-              <a:latin typeface="Arial" pitchFamily="-112" charset="0"/>
-            </a:endParaRPr>
           </a:p>
           <a:p>
             <a:pPr defTabSz="820738"/>
@@ -4353,16 +4345,7 @@
                 </a:solidFill>
                 <a:latin typeface="Arial" pitchFamily="-112" charset="0"/>
               </a:rPr>
-              <a:t>July 13, </a:t>
-            </a:r>
-            <a:r>
-              <a:rPr lang="en-US" sz="1600" i="1" dirty="0" smtClean="0">
-                <a:solidFill>
-                  <a:srgbClr val="000000"/>
-                </a:solidFill>
-                <a:latin typeface="Arial" pitchFamily="-112" charset="0"/>
-              </a:rPr>
-              <a:t>2011</a:t>
+              <a:t>July 13, 2011</a:t>
             </a:r>
             <a:endParaRPr lang="en-US" sz="1600" i="1" dirty="0">
               <a:solidFill>
@@ -4422,7 +4405,7 @@
           <a:p>
             <a:r>
               <a:rPr lang="en-US" dirty="0" smtClean="0"/>
-              <a:t>Python is both extended by and embedded in Hydra</a:t>
+              <a:t>Interesting lessons learned</a:t>
             </a:r>
             <a:endParaRPr lang="en-US" dirty="0"/>
           </a:p>
@@ -4438,32 +4421,107 @@
             <p:ph idx="1"/>
           </p:nvPr>
         </p:nvSpPr>
-        <p:spPr/>
+        <p:spPr>
+          <a:xfrm>
+            <a:off x="212725" y="1401379"/>
+            <a:ext cx="8778875" cy="4885121"/>
+          </a:xfrm>
+        </p:spPr>
         <p:txBody>
           <a:bodyPr/>
           <a:lstStyle/>
           <a:p>
             <a:r>
-              <a:rPr lang="en-US" sz="2000" dirty="0" smtClean="0"/>
-              <a:t>Python is extended through a module called “hydra” which contains functions and objects to manipulate hydra data structures</a:t>
-            </a:r>
-          </a:p>
-          <a:p>
-            <a:endParaRPr lang="en-US" sz="2000" dirty="0" smtClean="0"/>
-          </a:p>
-          <a:p>
-            <a:r>
-              <a:rPr lang="en-US" sz="2000" dirty="0" smtClean="0"/>
-              <a:t>Python is then embedded in the Hydra executable</a:t>
-            </a:r>
-          </a:p>
-          <a:p>
-            <a:endParaRPr lang="en-US" sz="2000" dirty="0" smtClean="0"/>
-          </a:p>
-          <a:p>
-            <a:r>
-              <a:rPr lang="en-US" sz="2000" dirty="0" smtClean="0"/>
-              <a:t>Bottom line: Hydra makes available a Python interpreter running concurrently in parallel with the main Hydra executable.  The two processes are loosely coupled through the “hydra” Python module</a:t>
+              <a:rPr lang="en-US" dirty="0" smtClean="0"/>
+              <a:t>Need a custom parser to handle parallel </a:t>
+            </a:r>
+            <a:r>
+              <a:rPr lang="en-US" dirty="0" err="1" smtClean="0"/>
+              <a:t>environement</a:t>
+            </a:r>
+            <a:endParaRPr lang="en-US" dirty="0" smtClean="0"/>
+          </a:p>
+          <a:p>
+            <a:pPr lvl="1"/>
+            <a:r>
+              <a:rPr lang="en-US" dirty="0" smtClean="0">
+                <a:latin typeface="Inconsolata"/>
+                <a:cs typeface="Inconsolata"/>
+              </a:rPr>
+              <a:t>from __future__ import </a:t>
+            </a:r>
+            <a:r>
+              <a:rPr lang="en-US" dirty="0" err="1" smtClean="0">
+                <a:latin typeface="Inconsolata"/>
+                <a:cs typeface="Inconsolata"/>
+              </a:rPr>
+              <a:t>with_statement</a:t>
+            </a:r>
+            <a:endParaRPr lang="en-US" dirty="0" smtClean="0">
+              <a:latin typeface="Inconsolata"/>
+              <a:cs typeface="Inconsolata"/>
+            </a:endParaRPr>
+          </a:p>
+          <a:p>
+            <a:pPr>
+              <a:buNone/>
+            </a:pPr>
+            <a:endParaRPr lang="en-US" dirty="0" smtClean="0"/>
+          </a:p>
+          <a:p>
+            <a:r>
+              <a:rPr lang="en-US" dirty="0" smtClean="0"/>
+              <a:t>Saving the state of </a:t>
+            </a:r>
+            <a:r>
+              <a:rPr lang="en-US" dirty="0" smtClean="0">
+                <a:latin typeface="Inconsolata"/>
+                <a:cs typeface="Inconsolata"/>
+              </a:rPr>
+              <a:t>__main__</a:t>
+            </a:r>
+            <a:r>
+              <a:rPr lang="en-US" dirty="0" smtClean="0"/>
+              <a:t> across restarts is tricky</a:t>
+            </a:r>
+          </a:p>
+          <a:p>
+            <a:pPr lvl="1"/>
+            <a:r>
+              <a:rPr lang="en-US" dirty="0" smtClean="0"/>
+              <a:t>Cobble together many methods to collect state</a:t>
+            </a:r>
+          </a:p>
+          <a:p>
+            <a:pPr lvl="1"/>
+            <a:r>
+              <a:rPr lang="en-US" dirty="0" smtClean="0"/>
+              <a:t>Pickle state as a string and add it to restart files</a:t>
+            </a:r>
+          </a:p>
+          <a:p>
+            <a:pPr lvl="1"/>
+            <a:r>
+              <a:rPr lang="en-US" dirty="0" smtClean="0"/>
+              <a:t>Some objects pickle but do not </a:t>
+            </a:r>
+            <a:r>
+              <a:rPr lang="en-US" dirty="0" err="1" smtClean="0"/>
+              <a:t>unpickle</a:t>
+            </a:r>
+            <a:r>
+              <a:rPr lang="en-US" dirty="0" smtClean="0"/>
+              <a:t>!</a:t>
+            </a:r>
+          </a:p>
+          <a:p>
+            <a:pPr lvl="1"/>
+            <a:endParaRPr lang="en-US" dirty="0" smtClean="0"/>
+          </a:p>
+          <a:p>
+            <a:r>
+              <a:rPr lang="en-US" dirty="0" smtClean="0"/>
+              <a:t>If your program uses different indexing than Python, resist the urge to emulate your program’s indexing in Python</a:t>
             </a:r>
           </a:p>
         </p:txBody>
@@ -4473,6 +4531,13 @@
   <p:clrMapOvr>
     <a:masterClrMapping/>
   </p:clrMapOvr>
+  <p:timing>
+    <p:tnLst>
+      <p:par>
+        <p:cTn id="1" dur="indefinite" restart="never" nodeType="tmRoot"/>
+      </p:par>
+    </p:tnLst>
+  </p:timing>
 </p:sld>
 </file>
 
@@ -4510,7 +4575,7 @@
           <a:p>
             <a:r>
               <a:rPr lang="en-US" dirty="0" smtClean="0"/>
-              <a:t>Interesting lessons learned</a:t>
+              <a:t>Embedded Python interpreter enables “introspective” programs without major software development effort</a:t>
             </a:r>
             <a:endParaRPr lang="en-US" dirty="0"/>
           </a:p>
@@ -4528,8 +4593,8 @@
         </p:nvSpPr>
         <p:spPr>
           <a:xfrm>
-            <a:off x="212725" y="1401379"/>
-            <a:ext cx="8778875" cy="4885121"/>
+            <a:off x="212725" y="1340069"/>
+            <a:ext cx="8778875" cy="4946431"/>
           </a:xfrm>
         </p:spPr>
         <p:txBody>
@@ -4538,85 +4603,28 @@
           <a:p>
             <a:r>
               <a:rPr lang="en-US" dirty="0" smtClean="0"/>
-              <a:t>Need a custom parser to handle parallel </a:t>
-            </a:r>
-            <a:r>
-              <a:rPr lang="en-US" dirty="0" err="1" smtClean="0"/>
-              <a:t>environement</a:t>
-            </a:r>
-            <a:endParaRPr lang="en-US" dirty="0" smtClean="0"/>
+              <a:t>Flexible in code diagnostics</a:t>
+            </a:r>
           </a:p>
           <a:p>
             <a:pPr lvl="1"/>
             <a:r>
-              <a:rPr lang="en-US" dirty="0" smtClean="0">
-                <a:latin typeface="Inconsolata"/>
-                <a:cs typeface="Inconsolata"/>
-              </a:rPr>
-              <a:t>from __future__ import </a:t>
-            </a:r>
-            <a:r>
-              <a:rPr lang="en-US" dirty="0" err="1" smtClean="0">
-                <a:latin typeface="Inconsolata"/>
-                <a:cs typeface="Inconsolata"/>
-              </a:rPr>
-              <a:t>with_statement</a:t>
-            </a:r>
-            <a:endParaRPr lang="en-US" dirty="0" smtClean="0">
-              <a:latin typeface="Inconsolata"/>
-              <a:cs typeface="Inconsolata"/>
-            </a:endParaRPr>
-          </a:p>
-          <a:p>
-            <a:pPr>
-              <a:buNone/>
-            </a:pPr>
-            <a:endParaRPr lang="en-US" dirty="0" smtClean="0"/>
-          </a:p>
-          <a:p>
-            <a:r>
-              <a:rPr lang="en-US" dirty="0" smtClean="0"/>
-              <a:t>Saving the state of </a:t>
-            </a:r>
-            <a:r>
-              <a:rPr lang="en-US" dirty="0" smtClean="0">
-                <a:latin typeface="Inconsolata"/>
-                <a:cs typeface="Inconsolata"/>
-              </a:rPr>
-              <a:t>__main__</a:t>
-            </a:r>
-            <a:r>
-              <a:rPr lang="en-US" dirty="0" smtClean="0"/>
-              <a:t> across restarts is tricky</a:t>
+              <a:rPr lang="en-US" dirty="0" smtClean="0"/>
+              <a:t>High frequency sampling without dumping to disk</a:t>
             </a:r>
           </a:p>
           <a:p>
             <a:pPr lvl="1"/>
             <a:r>
               <a:rPr lang="en-US" dirty="0" smtClean="0"/>
-              <a:t>Cobble together many methods to collect state</a:t>
+              <a:t>Watch for shock breakout</a:t>
             </a:r>
           </a:p>
           <a:p>
             <a:pPr lvl="1"/>
             <a:r>
               <a:rPr lang="en-US" dirty="0" smtClean="0"/>
-              <a:t>Pickle state as a string and add it to restart files</a:t>
-            </a:r>
-          </a:p>
-          <a:p>
-            <a:pPr lvl="1"/>
-            <a:r>
-              <a:rPr lang="en-US" dirty="0" smtClean="0"/>
-              <a:t>Some objects pickle but do not </a:t>
-            </a:r>
-            <a:r>
-              <a:rPr lang="en-US" dirty="0" err="1" smtClean="0"/>
-              <a:t>unpickle</a:t>
-            </a:r>
-            <a:r>
-              <a:rPr lang="en-US" dirty="0" smtClean="0"/>
-              <a:t>!</a:t>
+              <a:t>Watch for peak ρR</a:t>
             </a:r>
           </a:p>
           <a:p>
@@ -4626,7 +4634,31 @@
           <a:p>
             <a:r>
               <a:rPr lang="en-US" dirty="0" smtClean="0"/>
-              <a:t>If your program uses different indexing than Python, resist the urge to emulate your program’s indexing in Python</a:t>
+              <a:t>Steer simulation based on gathered information</a:t>
+            </a:r>
+          </a:p>
+          <a:p>
+            <a:pPr lvl="1"/>
+            <a:r>
+              <a:rPr lang="en-US" dirty="0" smtClean="0"/>
+              <a:t>Finer output resolution near interesting features</a:t>
+            </a:r>
+          </a:p>
+          <a:p>
+            <a:pPr lvl="1"/>
+            <a:r>
+              <a:rPr lang="en-US" dirty="0" smtClean="0"/>
+              <a:t>Turn on additional physics based on software triggers</a:t>
+            </a:r>
+          </a:p>
+          <a:p>
+            <a:pPr lvl="1"/>
+            <a:endParaRPr lang="en-US" dirty="0" smtClean="0"/>
+          </a:p>
+          <a:p>
+            <a:r>
+              <a:rPr lang="en-US" dirty="0" smtClean="0"/>
+              <a:t>Don’t need access to the source &amp; no recompile</a:t>
             </a:r>
           </a:p>
         </p:txBody>
@@ -4636,6 +4668,13 @@
   <p:clrMapOvr>
     <a:masterClrMapping/>
   </p:clrMapOvr>
+  <p:timing>
+    <p:tnLst>
+      <p:par>
+        <p:cTn id="1" dur="indefinite" restart="never" nodeType="tmRoot"/>
+      </p:par>
+    </p:tnLst>
+  </p:timing>
 </p:sld>
 </file>
 
@@ -4673,7 +4712,11 @@
           <a:p>
             <a:r>
               <a:rPr lang="en-US" dirty="0" smtClean="0"/>
-              <a:t>Embedded Python interpreter enables “introspective” programs without major software development effort</a:t>
+              <a:t>Auto-tuner needs to generate, run and process many </a:t>
+            </a:r>
+            <a:r>
+              <a:rPr lang="en-US" dirty="0" err="1" smtClean="0"/>
+              <a:t>simultions</a:t>
             </a:r>
             <a:endParaRPr lang="en-US" dirty="0"/>
           </a:p>
@@ -4691,8 +4734,8 @@
         </p:nvSpPr>
         <p:spPr>
           <a:xfrm>
-            <a:off x="212725" y="1340069"/>
-            <a:ext cx="8778875" cy="4946431"/>
+            <a:off x="212725" y="1231719"/>
+            <a:ext cx="8778875" cy="5054781"/>
           </a:xfrm>
         </p:spPr>
         <p:txBody>
@@ -4701,34 +4744,61 @@
           <a:p>
             <a:r>
               <a:rPr lang="en-US" dirty="0" smtClean="0"/>
-              <a:t>Flexible in code diagnostics</a:t>
+              <a:t>Input file generators that wrap a “template” input file</a:t>
             </a:r>
           </a:p>
           <a:p>
             <a:pPr lvl="1"/>
             <a:r>
               <a:rPr lang="en-US" dirty="0" smtClean="0"/>
-              <a:t>High frequency sampling without dumping to disk</a:t>
+              <a:t>Modify simple Hydra variable assignments</a:t>
             </a:r>
           </a:p>
           <a:p>
             <a:pPr lvl="1"/>
             <a:r>
               <a:rPr lang="en-US" dirty="0" smtClean="0"/>
-              <a:t>Watch for shock breakout</a:t>
+              <a:t>Delegate complicated input file structures to special purpose objects</a:t>
             </a:r>
           </a:p>
           <a:p>
             <a:pPr lvl="1"/>
             <a:r>
               <a:rPr lang="en-US" dirty="0" smtClean="0"/>
-              <a:t>Watch for peak </a:t>
-            </a:r>
-            <a:r>
-              <a:rPr lang="en-US" dirty="0" smtClean="0"/>
-              <a:t>ρR</a:t>
-            </a:r>
-            <a:endParaRPr lang="en-US" dirty="0" smtClean="0"/>
+              <a:t>Inject commands into the input file by </a:t>
+            </a:r>
+            <a:r>
+              <a:rPr lang="en-US" dirty="0" err="1" smtClean="0"/>
+              <a:t>overwritings</a:t>
+            </a:r>
+            <a:r>
+              <a:rPr lang="en-US" dirty="0" smtClean="0"/>
+              <a:t> sentinels with </a:t>
+            </a:r>
+            <a:br>
+              <a:rPr lang="en-US" dirty="0" smtClean="0"/>
+            </a:br>
+            <a:r>
+              <a:rPr lang="en-US" dirty="0" smtClean="0">
+                <a:latin typeface="Inconsolata"/>
+                <a:cs typeface="Inconsolata"/>
+              </a:rPr>
+              <a:t>	</a:t>
+            </a:r>
+            <a:r>
+              <a:rPr lang="en-US" dirty="0" err="1" smtClean="0">
+                <a:latin typeface="Inconsolata"/>
+                <a:cs typeface="Inconsolata"/>
+              </a:rPr>
+              <a:t>str(python_proxy_of_complicated_thing</a:t>
+            </a:r>
+            <a:r>
+              <a:rPr lang="en-US" dirty="0" smtClean="0">
+                <a:latin typeface="Inconsolata"/>
+                <a:cs typeface="Inconsolata"/>
+              </a:rPr>
+              <a:t>)</a:t>
+            </a:r>
           </a:p>
           <a:p>
             <a:pPr lvl="1"/>
@@ -4737,31 +4807,37 @@
           <a:p>
             <a:r>
               <a:rPr lang="en-US" dirty="0" smtClean="0"/>
-              <a:t>Steer simulation based on gathered information</a:t>
+              <a:t>Output file wrappers extract data from Hydra binary output files</a:t>
+            </a:r>
+          </a:p>
+          <a:p>
+            <a:endParaRPr lang="en-US" dirty="0" smtClean="0"/>
+          </a:p>
+          <a:p>
+            <a:r>
+              <a:rPr lang="en-US" dirty="0" smtClean="0"/>
+              <a:t>Embedded diagnostics using embedded Python interpreter</a:t>
             </a:r>
           </a:p>
           <a:p>
             <a:pPr lvl="1"/>
             <a:r>
               <a:rPr lang="en-US" dirty="0" smtClean="0"/>
-              <a:t>Finer output resolution near interesting features</a:t>
+              <a:t>Characteristic (shock) trackers with finish line triggers</a:t>
             </a:r>
           </a:p>
           <a:p>
             <a:pPr lvl="1"/>
             <a:r>
               <a:rPr lang="en-US" dirty="0" smtClean="0"/>
-              <a:t>Turn on additional physics based on software triggers</a:t>
+              <a:t>Change graphics dump frequency based on shock locations</a:t>
             </a:r>
           </a:p>
           <a:p>
             <a:pPr lvl="1"/>
-            <a:endParaRPr lang="en-US" dirty="0" smtClean="0"/>
-          </a:p>
-          <a:p>
-            <a:r>
-              <a:rPr lang="en-US" dirty="0" smtClean="0"/>
-              <a:t>Don’t need access to the source &amp; no recompile</a:t>
+            <a:r>
+              <a:rPr lang="en-US" dirty="0" smtClean="0"/>
+              <a:t>ρR monitors</a:t>
             </a:r>
           </a:p>
         </p:txBody>
@@ -4771,6 +4847,13 @@
   <p:clrMapOvr>
     <a:masterClrMapping/>
   </p:clrMapOvr>
+  <p:timing>
+    <p:tnLst>
+      <p:par>
+        <p:cTn id="1" dur="indefinite" restart="never" nodeType="tmRoot"/>
+      </p:par>
+    </p:tnLst>
+  </p:timing>
 </p:sld>
 </file>
 
@@ -4808,186 +4891,27 @@
           <a:p>
             <a:r>
               <a:rPr lang="en-US" dirty="0" smtClean="0"/>
-              <a:t>Auto-tuner needs to generate, run and process many </a:t>
-            </a:r>
-            <a:r>
-              <a:rPr lang="en-US" dirty="0" err="1" smtClean="0"/>
-              <a:t>simultions</a:t>
-            </a:r>
-            <a:endParaRPr lang="en-US" dirty="0"/>
-          </a:p>
-        </p:txBody>
-      </p:sp>
-      <p:sp>
-        <p:nvSpPr>
-          <p:cNvPr id="3" name="Content Placeholder 2"/>
-          <p:cNvSpPr>
-            <a:spLocks noGrp="1"/>
-          </p:cNvSpPr>
-          <p:nvPr>
-            <p:ph idx="1"/>
-          </p:nvPr>
-        </p:nvSpPr>
-        <p:spPr>
-          <a:xfrm>
-            <a:off x="212725" y="1231719"/>
-            <a:ext cx="8778875" cy="5054781"/>
-          </a:xfrm>
-        </p:spPr>
-        <p:txBody>
-          <a:bodyPr/>
-          <a:lstStyle/>
-          <a:p>
-            <a:r>
-              <a:rPr lang="en-US" dirty="0" smtClean="0"/>
-              <a:t>Input file generators that wrap a “template” input file</a:t>
-            </a:r>
-          </a:p>
-          <a:p>
-            <a:pPr lvl="1"/>
-            <a:r>
-              <a:rPr lang="en-US" dirty="0" smtClean="0"/>
-              <a:t>Modify simple Hydra variable assignments</a:t>
-            </a:r>
-          </a:p>
-          <a:p>
-            <a:pPr lvl="1"/>
-            <a:r>
-              <a:rPr lang="en-US" dirty="0" smtClean="0"/>
-              <a:t>Delegate complicated input file structures to special purpose objects</a:t>
-            </a:r>
-          </a:p>
-          <a:p>
-            <a:pPr lvl="1"/>
-            <a:r>
-              <a:rPr lang="en-US" dirty="0" smtClean="0"/>
-              <a:t>Inject commands into the input file by </a:t>
-            </a:r>
-            <a:r>
-              <a:rPr lang="en-US" dirty="0" err="1" smtClean="0"/>
-              <a:t>overwritings</a:t>
-            </a:r>
-            <a:r>
-              <a:rPr lang="en-US" dirty="0" smtClean="0"/>
-              <a:t> sentinels with </a:t>
-            </a:r>
-            <a:br>
-              <a:rPr lang="en-US" dirty="0" smtClean="0"/>
-            </a:br>
-            <a:r>
-              <a:rPr lang="en-US" dirty="0" smtClean="0">
-                <a:latin typeface="Inconsolata"/>
-                <a:cs typeface="Inconsolata"/>
-              </a:rPr>
-              <a:t>	</a:t>
-            </a:r>
-            <a:r>
-              <a:rPr lang="en-US" dirty="0" err="1" smtClean="0">
-                <a:latin typeface="Inconsolata"/>
-                <a:cs typeface="Inconsolata"/>
-              </a:rPr>
-              <a:t>str(python_proxy_of_complicated_thing</a:t>
-            </a:r>
-            <a:r>
-              <a:rPr lang="en-US" dirty="0" smtClean="0">
-                <a:latin typeface="Inconsolata"/>
-                <a:cs typeface="Inconsolata"/>
-              </a:rPr>
-              <a:t>)</a:t>
-            </a:r>
-          </a:p>
-          <a:p>
-            <a:pPr lvl="1"/>
-            <a:endParaRPr lang="en-US" dirty="0" smtClean="0"/>
-          </a:p>
-          <a:p>
-            <a:r>
-              <a:rPr lang="en-US" dirty="0" smtClean="0"/>
-              <a:t>Output file wrappers extract data from Hydra binary output files</a:t>
-            </a:r>
-          </a:p>
-          <a:p>
-            <a:endParaRPr lang="en-US" dirty="0" smtClean="0"/>
-          </a:p>
-          <a:p>
-            <a:r>
-              <a:rPr lang="en-US" dirty="0" smtClean="0"/>
-              <a:t>Embedded diagnostics using embedded Python interpreter</a:t>
-            </a:r>
-          </a:p>
-          <a:p>
-            <a:pPr lvl="1"/>
-            <a:r>
-              <a:rPr lang="en-US" dirty="0" smtClean="0"/>
-              <a:t>Characteristic (shock) trackers with finish line triggers</a:t>
-            </a:r>
-          </a:p>
-          <a:p>
-            <a:pPr lvl="1"/>
-            <a:r>
-              <a:rPr lang="en-US" dirty="0" smtClean="0"/>
-              <a:t>Change graphics dump frequency based on shock locations</a:t>
-            </a:r>
-          </a:p>
-          <a:p>
-            <a:pPr lvl="1"/>
-            <a:r>
-              <a:rPr lang="en-US" dirty="0" smtClean="0"/>
-              <a:t>ρR monitors</a:t>
-            </a:r>
-          </a:p>
-        </p:txBody>
-      </p:sp>
-    </p:spTree>
-  </p:cSld>
-  <p:clrMapOvr>
-    <a:masterClrMapping/>
-  </p:clrMapOvr>
-  <p:timing>
-    <p:tnLst>
-      <p:par>
-        <p:cTn id="1" dur="indefinite" restart="never" nodeType="tmRoot"/>
-      </p:par>
-    </p:tnLst>
-  </p:timing>
-</p:sld>
-</file>
-
-<file path=ppt/slides/slide14.xml><?xml version="1.0" encoding="utf-8"?>
-<p:sld xmlns:a="http://schemas.openxmlformats.org/drawingml/2006/main" xmlns:r="http://schemas.openxmlformats.org/officeDocument/2006/relationships" xmlns:mc="http://schemas.openxmlformats.org/markup-compatibility/2006" xmlns:mv="urn:schemas-microsoft-com:mac:vml" xmlns:p="http://schemas.openxmlformats.org/presentationml/2006/main" mc:Ignorable="mv" mc:PreserveAttributes="mv:*">
-  <p:cSld>
-    <p:spTree>
-      <p:nvGrpSpPr>
-        <p:cNvPr id="1" name=""/>
-        <p:cNvGrpSpPr/>
-        <p:nvPr/>
-      </p:nvGrpSpPr>
-      <p:grpSpPr>
-        <a:xfrm>
-          <a:off x="0" y="0"/>
-          <a:ext cx="0" cy="0"/>
-          <a:chOff x="0" y="0"/>
-          <a:chExt cx="0" cy="0"/>
-        </a:xfrm>
-      </p:grpSpPr>
-      <p:sp>
-        <p:nvSpPr>
-          <p:cNvPr id="2" name="Title 1"/>
-          <p:cNvSpPr>
-            <a:spLocks noGrp="1"/>
-          </p:cNvSpPr>
-          <p:nvPr>
-            <p:ph type="title"/>
-          </p:nvPr>
-        </p:nvSpPr>
-        <p:spPr/>
-        <p:txBody>
-          <a:bodyPr/>
-          <a:lstStyle/>
-          <a:p>
-            <a:r>
-              <a:rPr lang="en-US" dirty="0" smtClean="0"/>
-              <a:t>Pre-pulse consists of a picket and 3 pedestal segments </a:t>
+              <a:t>Physics and design </a:t>
+            </a:r>
+            <a:r>
+              <a:rPr lang="en-US" dirty="0" smtClean="0"/>
+              <a:t>rational for </a:t>
+            </a:r>
+            <a:r>
+              <a:rPr lang="en-US" dirty="0" smtClean="0"/>
+              <a:t>p</a:t>
+            </a:r>
+            <a:r>
+              <a:rPr lang="en-US" dirty="0" smtClean="0"/>
+              <a:t>re</a:t>
+            </a:r>
+            <a:r>
+              <a:rPr lang="en-US" dirty="0" smtClean="0"/>
+              <a:t>-</a:t>
+            </a:r>
+            <a:r>
+              <a:rPr lang="en-US" dirty="0" smtClean="0"/>
+              <a:t>pulse</a:t>
             </a:r>
             <a:endParaRPr lang="en-US" dirty="0"/>
           </a:p>
@@ -5020,7 +4944,11 @@
             </a:pPr>
             <a:r>
               <a:rPr lang="en-US" dirty="0" smtClean="0"/>
-              <a:t>Picket launches a 1 </a:t>
+              <a:t>Picket launches a</a:t>
+            </a:r>
+            <a:r>
+              <a:rPr lang="en-US" dirty="0" smtClean="0"/>
+              <a:t> decaying 1 </a:t>
             </a:r>
             <a:r>
               <a:rPr lang="en-US" dirty="0" err="1" smtClean="0"/>
@@ -5259,7 +5187,7 @@
 </p:sld>
 </file>
 
-<file path=ppt/slides/slide15.xml><?xml version="1.0" encoding="utf-8"?>
+<file path=ppt/slides/slide14.xml><?xml version="1.0" encoding="utf-8"?>
 <p:sld xmlns:a="http://schemas.openxmlformats.org/drawingml/2006/main" xmlns:r="http://schemas.openxmlformats.org/officeDocument/2006/relationships" xmlns:mc="http://schemas.openxmlformats.org/markup-compatibility/2006" xmlns:mv="urn:schemas-microsoft-com:mac:vml" xmlns:p="http://schemas.openxmlformats.org/presentationml/2006/main" mc:Ignorable="mv" mc:PreserveAttributes="mv:*">
   <p:cSld>
     <p:spTree>
@@ -5405,778 +5333,133 @@
   <p:clrMapOvr>
     <a:masterClrMapping/>
   </p:clrMapOvr>
-</p:sld>
-</file>
-
-<file path=ppt/slides/slide16.xml><?xml version="1.0" encoding="utf-8"?>
-<p:sld xmlns:a="http://schemas.openxmlformats.org/drawingml/2006/main" xmlns:r="http://schemas.openxmlformats.org/officeDocument/2006/relationships" xmlns:mc="http://schemas.openxmlformats.org/markup-compatibility/2006" xmlns:mv="urn:schemas-microsoft-com:mac:vml" xmlns:p="http://schemas.openxmlformats.org/presentationml/2006/main" mc:Ignorable="mv" mc:PreserveAttributes="mv:*">
-  <p:cSld>
-    <p:spTree>
-      <p:nvGrpSpPr>
-        <p:cNvPr id="1" name=""/>
-        <p:cNvGrpSpPr/>
-        <p:nvPr/>
-      </p:nvGrpSpPr>
-      <p:grpSpPr>
-        <a:xfrm>
-          <a:off x="0" y="0"/>
-          <a:ext cx="0" cy="0"/>
-          <a:chOff x="0" y="0"/>
-          <a:chExt cx="0" cy="0"/>
-        </a:xfrm>
-      </p:grpSpPr>
-      <p:grpSp>
-        <p:nvGrpSpPr>
-          <p:cNvPr id="39" name="Group 38"/>
-          <p:cNvGrpSpPr/>
-          <p:nvPr/>
-        </p:nvGrpSpPr>
-        <p:grpSpPr>
-          <a:xfrm>
-            <a:off x="187339" y="1037584"/>
-            <a:ext cx="8740623" cy="5750822"/>
-            <a:chOff x="508004" y="106400"/>
-            <a:chExt cx="8037264" cy="6992189"/>
-          </a:xfrm>
-        </p:grpSpPr>
-        <p:pic>
-          <p:nvPicPr>
-            <p:cNvPr id="5" name="Picture 4" descr="rtplot_shocktraces.pdf"/>
-            <p:cNvPicPr>
-              <a:picLocks noChangeAspect="1"/>
-            </p:cNvPicPr>
-            <p:nvPr/>
-          </p:nvPicPr>
-          <mc:AlternateContent>
-            <mc:Choice xmlns:ma="http://schemas.microsoft.com/office/mac/drawingml/2008/main" Requires="ma">
-              <p:blipFill>
-                <a:blip r:embed="rId2"/>
-                <a:srcRect l="6866" t="9383" r="6888" b="7942"/>
-                <a:stretch>
-                  <a:fillRect/>
-                </a:stretch>
-              </p:blipFill>
-            </mc:Choice>
-            <mc:Fallback>
-              <p:blipFill>
-                <a:blip r:embed="rId3"/>
-                <a:srcRect l="6866" t="9383" r="6888" b="7942"/>
-                <a:stretch>
-                  <a:fillRect/>
-                </a:stretch>
-              </p:blipFill>
-            </mc:Fallback>
-          </mc:AlternateContent>
-          <p:spPr>
-            <a:xfrm>
-              <a:off x="802084" y="122015"/>
-              <a:ext cx="7352440" cy="6658936"/>
-            </a:xfrm>
-            <a:prstGeom prst="rect">
-              <a:avLst/>
-            </a:prstGeom>
-          </p:spPr>
-        </p:pic>
-        <p:sp>
-          <p:nvSpPr>
-            <p:cNvPr id="17" name="TextBox 16"/>
-            <p:cNvSpPr txBox="1"/>
-            <p:nvPr/>
-          </p:nvSpPr>
-          <p:spPr>
-            <a:xfrm>
-              <a:off x="1316108" y="2536440"/>
-              <a:ext cx="1423288" cy="374213"/>
-            </a:xfrm>
-            <a:prstGeom prst="rect">
-              <a:avLst/>
-            </a:prstGeom>
-            <a:solidFill>
-              <a:schemeClr val="bg1"/>
-            </a:solidFill>
-            <a:ln>
-              <a:solidFill>
-                <a:schemeClr val="tx1"/>
-              </a:solidFill>
-            </a:ln>
-          </p:spPr>
-          <p:txBody>
-            <a:bodyPr wrap="square" rtlCol="0">
-              <a:spAutoFit/>
-            </a:bodyPr>
-            <a:lstStyle/>
-            <a:p>
-              <a:r>
-                <a:rPr lang="en-US" sz="1400" b="0" dirty="0" smtClean="0"/>
-                <a:t>Picket Shock</a:t>
-              </a:r>
-            </a:p>
-          </p:txBody>
-        </p:sp>
-        <p:sp>
-          <p:nvSpPr>
-            <p:cNvPr id="18" name="TextBox 17"/>
-            <p:cNvSpPr txBox="1"/>
-            <p:nvPr/>
-          </p:nvSpPr>
-          <p:spPr>
-            <a:xfrm>
-              <a:off x="2071174" y="4693517"/>
-              <a:ext cx="1500763" cy="374213"/>
-            </a:xfrm>
-            <a:prstGeom prst="rect">
-              <a:avLst/>
-            </a:prstGeom>
-            <a:solidFill>
-              <a:schemeClr val="bg1"/>
-            </a:solidFill>
-            <a:ln>
-              <a:solidFill>
-                <a:schemeClr val="tx1"/>
-              </a:solidFill>
-            </a:ln>
-          </p:spPr>
-          <p:txBody>
-            <a:bodyPr wrap="square" rtlCol="0">
-              <a:spAutoFit/>
-            </a:bodyPr>
-            <a:lstStyle/>
-            <a:p>
-              <a:r>
-                <a:rPr lang="en-US" sz="1400" b="0" dirty="0" smtClean="0"/>
-                <a:t>Second Shock</a:t>
-              </a:r>
-            </a:p>
-          </p:txBody>
-        </p:sp>
-        <p:sp>
-          <p:nvSpPr>
-            <p:cNvPr id="26" name="TextBox 25"/>
-            <p:cNvSpPr txBox="1"/>
-            <p:nvPr/>
-          </p:nvSpPr>
-          <p:spPr>
-            <a:xfrm>
-              <a:off x="4311327" y="4908038"/>
-              <a:ext cx="1288092" cy="374213"/>
-            </a:xfrm>
-            <a:prstGeom prst="rect">
-              <a:avLst/>
-            </a:prstGeom>
-            <a:solidFill>
-              <a:schemeClr val="bg1"/>
-            </a:solidFill>
-            <a:ln>
-              <a:solidFill>
-                <a:schemeClr val="tx1"/>
-              </a:solidFill>
-            </a:ln>
-          </p:spPr>
-          <p:txBody>
-            <a:bodyPr wrap="square" rtlCol="0">
-              <a:spAutoFit/>
-            </a:bodyPr>
-            <a:lstStyle/>
-            <a:p>
-              <a:r>
-                <a:rPr lang="en-US" sz="1400" b="0" dirty="0" smtClean="0"/>
-                <a:t>Third Shock</a:t>
-              </a:r>
-            </a:p>
-          </p:txBody>
-        </p:sp>
-        <p:sp>
-          <p:nvSpPr>
-            <p:cNvPr id="27" name="TextBox 26"/>
-            <p:cNvSpPr txBox="1"/>
-            <p:nvPr/>
-          </p:nvSpPr>
-          <p:spPr>
-            <a:xfrm>
-              <a:off x="7157832" y="4265799"/>
-              <a:ext cx="1387436" cy="318081"/>
-            </a:xfrm>
-            <a:prstGeom prst="rect">
-              <a:avLst/>
-            </a:prstGeom>
-            <a:solidFill>
-              <a:schemeClr val="bg1"/>
-            </a:solidFill>
-            <a:ln>
-              <a:solidFill>
-                <a:schemeClr val="tx1"/>
-              </a:solidFill>
-            </a:ln>
-          </p:spPr>
-          <p:txBody>
-            <a:bodyPr wrap="square" lIns="0" tIns="0" rtlCol="0">
-              <a:spAutoFit/>
-            </a:bodyPr>
-            <a:lstStyle/>
-            <a:p>
-              <a:r>
-                <a:rPr lang="en-US" sz="1400" b="0" dirty="0" smtClean="0"/>
-                <a:t>Fourth Shock</a:t>
-              </a:r>
-            </a:p>
-          </p:txBody>
-        </p:sp>
-        <p:sp>
-          <p:nvSpPr>
-            <p:cNvPr id="29" name="TextBox 28"/>
-            <p:cNvSpPr txBox="1"/>
-            <p:nvPr/>
-          </p:nvSpPr>
-          <p:spPr>
-            <a:xfrm rot="16200000">
-              <a:off x="-270879" y="2805118"/>
-              <a:ext cx="1840776" cy="283010"/>
-            </a:xfrm>
-            <a:prstGeom prst="rect">
-              <a:avLst/>
-            </a:prstGeom>
-            <a:noFill/>
-          </p:spPr>
-          <p:txBody>
-            <a:bodyPr wrap="square" rtlCol="0">
-              <a:spAutoFit/>
-            </a:bodyPr>
-            <a:lstStyle/>
-            <a:p>
-              <a:r>
-                <a:rPr lang="en-US" sz="1400" dirty="0" smtClean="0"/>
-                <a:t>Radius (cm) </a:t>
-              </a:r>
-            </a:p>
-          </p:txBody>
-        </p:sp>
-        <p:sp>
-          <p:nvSpPr>
-            <p:cNvPr id="30" name="TextBox 29"/>
-            <p:cNvSpPr txBox="1"/>
-            <p:nvPr/>
-          </p:nvSpPr>
-          <p:spPr>
-            <a:xfrm>
-              <a:off x="3824017" y="6724376"/>
-              <a:ext cx="1153602" cy="374213"/>
-            </a:xfrm>
-            <a:prstGeom prst="rect">
-              <a:avLst/>
-            </a:prstGeom>
-            <a:noFill/>
-          </p:spPr>
-          <p:txBody>
-            <a:bodyPr wrap="square" rtlCol="0">
-              <a:spAutoFit/>
-            </a:bodyPr>
-            <a:lstStyle/>
-            <a:p>
-              <a:r>
-                <a:rPr lang="en-US" sz="1400" dirty="0" smtClean="0"/>
-                <a:t>Time (</a:t>
-              </a:r>
-              <a:r>
-                <a:rPr lang="en-US" sz="1400" dirty="0" err="1" smtClean="0"/>
-                <a:t>μs</a:t>
-              </a:r>
-              <a:r>
-                <a:rPr lang="en-US" sz="1400" dirty="0" smtClean="0"/>
-                <a:t>)</a:t>
-              </a:r>
-            </a:p>
-          </p:txBody>
-        </p:sp>
-        <p:sp>
-          <p:nvSpPr>
-            <p:cNvPr id="31" name="TextBox 30"/>
-            <p:cNvSpPr txBox="1"/>
-            <p:nvPr/>
-          </p:nvSpPr>
-          <p:spPr>
-            <a:xfrm rot="16200000">
-              <a:off x="6720495" y="2613140"/>
-              <a:ext cx="3223246" cy="283010"/>
-            </a:xfrm>
-            <a:prstGeom prst="rect">
-              <a:avLst/>
-            </a:prstGeom>
-            <a:noFill/>
-          </p:spPr>
-          <p:txBody>
-            <a:bodyPr wrap="square" rtlCol="0">
-              <a:spAutoFit/>
-            </a:bodyPr>
-            <a:lstStyle/>
-            <a:p>
-              <a:r>
-                <a:rPr lang="en-US" sz="1400" b="0" dirty="0" smtClean="0">
-                  <a:solidFill>
-                    <a:srgbClr val="0606FF"/>
-                  </a:solidFill>
-                </a:rPr>
-                <a:t>Incident Laser Power (TW)</a:t>
-              </a:r>
-            </a:p>
-          </p:txBody>
-        </p:sp>
-        <p:sp>
-          <p:nvSpPr>
-            <p:cNvPr id="34" name="TextBox 33"/>
-            <p:cNvSpPr txBox="1"/>
-            <p:nvPr/>
-          </p:nvSpPr>
-          <p:spPr>
-            <a:xfrm>
-              <a:off x="7894320" y="106400"/>
-              <a:ext cx="241176" cy="224528"/>
-            </a:xfrm>
-            <a:prstGeom prst="rect">
-              <a:avLst/>
-            </a:prstGeom>
-            <a:solidFill>
-              <a:schemeClr val="bg1"/>
-            </a:solidFill>
-          </p:spPr>
-          <p:txBody>
-            <a:bodyPr wrap="square" lIns="0" tIns="0" rIns="0" bIns="0" rtlCol="0">
-              <a:spAutoFit/>
-            </a:bodyPr>
-            <a:lstStyle/>
-            <a:p>
-              <a:r>
-                <a:rPr lang="en-US" sz="1200" dirty="0" smtClean="0">
-                  <a:solidFill>
-                    <a:srgbClr val="0606FF"/>
-                  </a:solidFill>
-                </a:rPr>
-                <a:t>20</a:t>
-              </a:r>
-            </a:p>
-          </p:txBody>
-        </p:sp>
-        <p:sp>
-          <p:nvSpPr>
-            <p:cNvPr id="35" name="TextBox 34"/>
-            <p:cNvSpPr txBox="1"/>
-            <p:nvPr/>
-          </p:nvSpPr>
-          <p:spPr>
-            <a:xfrm>
-              <a:off x="7904481" y="1711682"/>
-              <a:ext cx="241176" cy="224528"/>
-            </a:xfrm>
-            <a:prstGeom prst="rect">
-              <a:avLst/>
-            </a:prstGeom>
-            <a:solidFill>
-              <a:schemeClr val="bg1"/>
-            </a:solidFill>
-          </p:spPr>
-          <p:txBody>
-            <a:bodyPr wrap="square" lIns="0" tIns="0" rIns="0" bIns="0" rtlCol="0">
-              <a:spAutoFit/>
-            </a:bodyPr>
-            <a:lstStyle/>
-            <a:p>
-              <a:r>
-                <a:rPr lang="en-US" sz="1200" dirty="0" smtClean="0">
-                  <a:solidFill>
-                    <a:srgbClr val="0606FF"/>
-                  </a:solidFill>
-                </a:rPr>
-                <a:t>15</a:t>
-              </a:r>
-            </a:p>
-          </p:txBody>
-        </p:sp>
-        <p:sp>
-          <p:nvSpPr>
-            <p:cNvPr id="36" name="TextBox 35"/>
-            <p:cNvSpPr txBox="1"/>
-            <p:nvPr/>
-          </p:nvSpPr>
-          <p:spPr>
-            <a:xfrm>
-              <a:off x="7894320" y="3296639"/>
-              <a:ext cx="241176" cy="224528"/>
-            </a:xfrm>
-            <a:prstGeom prst="rect">
-              <a:avLst/>
-            </a:prstGeom>
-            <a:solidFill>
-              <a:schemeClr val="bg1"/>
-            </a:solidFill>
-          </p:spPr>
-          <p:txBody>
-            <a:bodyPr wrap="square" lIns="0" tIns="0" rIns="0" bIns="0" rtlCol="0">
-              <a:spAutoFit/>
-            </a:bodyPr>
-            <a:lstStyle/>
-            <a:p>
-              <a:r>
-                <a:rPr lang="en-US" sz="1200" dirty="0" smtClean="0">
-                  <a:solidFill>
-                    <a:srgbClr val="0606FF"/>
-                  </a:solidFill>
-                </a:rPr>
-                <a:t>10</a:t>
-              </a:r>
-            </a:p>
-          </p:txBody>
-        </p:sp>
-        <p:sp>
-          <p:nvSpPr>
-            <p:cNvPr id="37" name="TextBox 36"/>
-            <p:cNvSpPr txBox="1"/>
-            <p:nvPr/>
-          </p:nvSpPr>
-          <p:spPr>
-            <a:xfrm>
-              <a:off x="7899400" y="4917162"/>
-              <a:ext cx="154814" cy="224528"/>
-            </a:xfrm>
-            <a:prstGeom prst="rect">
-              <a:avLst/>
-            </a:prstGeom>
-            <a:solidFill>
-              <a:schemeClr val="bg1"/>
-            </a:solidFill>
-          </p:spPr>
-          <p:txBody>
-            <a:bodyPr wrap="square" lIns="0" tIns="0" rIns="0" bIns="0" rtlCol="0">
-              <a:spAutoFit/>
-            </a:bodyPr>
-            <a:lstStyle/>
-            <a:p>
-              <a:r>
-                <a:rPr lang="en-US" sz="1200" dirty="0" smtClean="0">
-                  <a:solidFill>
-                    <a:srgbClr val="0606FF"/>
-                  </a:solidFill>
-                </a:rPr>
-                <a:t>5</a:t>
-              </a:r>
-            </a:p>
-          </p:txBody>
-        </p:sp>
-        <p:sp>
-          <p:nvSpPr>
-            <p:cNvPr id="38" name="TextBox 37"/>
-            <p:cNvSpPr txBox="1"/>
-            <p:nvPr/>
-          </p:nvSpPr>
-          <p:spPr>
-            <a:xfrm>
-              <a:off x="7909560" y="6522442"/>
-              <a:ext cx="154814" cy="224528"/>
-            </a:xfrm>
-            <a:prstGeom prst="rect">
-              <a:avLst/>
-            </a:prstGeom>
-            <a:solidFill>
-              <a:schemeClr val="bg1"/>
-            </a:solidFill>
-          </p:spPr>
-          <p:txBody>
-            <a:bodyPr wrap="square" lIns="0" tIns="0" rIns="0" bIns="0" rtlCol="0">
-              <a:spAutoFit/>
-            </a:bodyPr>
-            <a:lstStyle/>
-            <a:p>
-              <a:r>
-                <a:rPr lang="en-US" sz="1200" dirty="0" smtClean="0">
-                  <a:solidFill>
-                    <a:srgbClr val="0606FF"/>
-                  </a:solidFill>
-                </a:rPr>
-                <a:t>0</a:t>
-              </a:r>
-            </a:p>
-          </p:txBody>
-        </p:sp>
-      </p:grpSp>
-      <p:sp>
-        <p:nvSpPr>
-          <p:cNvPr id="40" name="Title 39"/>
-          <p:cNvSpPr>
-            <a:spLocks noGrp="1"/>
-          </p:cNvSpPr>
-          <p:nvPr>
-            <p:ph type="title"/>
-          </p:nvPr>
-        </p:nvSpPr>
-        <p:spPr/>
-        <p:txBody>
-          <a:bodyPr/>
-          <a:lstStyle/>
-          <a:p>
-            <a:r>
-              <a:rPr lang="en-US" dirty="0" smtClean="0"/>
-              <a:t>Each pulse segment launches shock which can be unambiguously identified and tracked</a:t>
-            </a:r>
-            <a:endParaRPr lang="en-US" dirty="0"/>
-          </a:p>
-        </p:txBody>
-      </p:sp>
-      <p:cxnSp>
-        <p:nvCxnSpPr>
-          <p:cNvPr id="28" name="Elbow Connector 27"/>
-          <p:cNvCxnSpPr>
-            <a:stCxn id="18" idx="0"/>
-          </p:cNvCxnSpPr>
-          <p:nvPr/>
-        </p:nvCxnSpPr>
-        <p:spPr bwMode="auto">
-          <a:xfrm rot="5400000" flipH="1" flipV="1">
-            <a:off x="1663057" y="3045423"/>
-            <a:ext cx="2805197" cy="724601"/>
-          </a:xfrm>
-          <a:prstGeom prst="bentConnector3">
-            <a:avLst>
-              <a:gd name="adj1" fmla="val 50000"/>
-            </a:avLst>
-          </a:prstGeom>
-          <a:noFill/>
-          <a:ln w="12700" cap="flat" cmpd="sng" algn="ctr">
-            <a:solidFill>
-              <a:schemeClr val="tx1"/>
-            </a:solidFill>
-            <a:prstDash val="solid"/>
-            <a:round/>
-            <a:headEnd type="none" w="med" len="med"/>
-            <a:tailEnd type="arrow"/>
-          </a:ln>
-          <a:effectLst/>
-        </p:spPr>
-      </p:cxnSp>
-      <p:cxnSp>
-        <p:nvCxnSpPr>
-          <p:cNvPr id="33" name="Elbow Connector 32"/>
-          <p:cNvCxnSpPr>
-            <a:stCxn id="18" idx="2"/>
-          </p:cNvCxnSpPr>
-          <p:nvPr/>
-        </p:nvCxnSpPr>
-        <p:spPr bwMode="auto">
-          <a:xfrm rot="16200000" flipH="1">
-            <a:off x="2278046" y="5543407"/>
-            <a:ext cx="1050044" cy="199426"/>
-          </a:xfrm>
-          <a:prstGeom prst="bentConnector3">
-            <a:avLst>
-              <a:gd name="adj1" fmla="val 50000"/>
-            </a:avLst>
-          </a:prstGeom>
-          <a:noFill/>
-          <a:ln w="12700" cap="flat" cmpd="sng" algn="ctr">
-            <a:solidFill>
-              <a:schemeClr val="tx1"/>
-            </a:solidFill>
-            <a:prstDash val="solid"/>
-            <a:round/>
-            <a:headEnd type="none" w="med" len="med"/>
-            <a:tailEnd type="arrow"/>
-          </a:ln>
-          <a:effectLst/>
-        </p:spPr>
-      </p:cxnSp>
-      <p:cxnSp>
-        <p:nvCxnSpPr>
-          <p:cNvPr id="45" name="Elbow Connector 44"/>
-          <p:cNvCxnSpPr>
-            <a:stCxn id="26" idx="0"/>
-          </p:cNvCxnSpPr>
-          <p:nvPr/>
-        </p:nvCxnSpPr>
-        <p:spPr bwMode="auto">
-          <a:xfrm rot="5400000" flipH="1" flipV="1">
-            <a:off x="5031522" y="3649348"/>
-            <a:ext cx="1329794" cy="1345024"/>
-          </a:xfrm>
-          <a:prstGeom prst="bentConnector2">
-            <a:avLst/>
-          </a:prstGeom>
-          <a:noFill/>
-          <a:ln w="12700" cap="flat" cmpd="sng" algn="ctr">
-            <a:solidFill>
-              <a:schemeClr val="tx1"/>
-            </a:solidFill>
-            <a:prstDash val="solid"/>
-            <a:round/>
-            <a:headEnd type="none" w="med" len="med"/>
-            <a:tailEnd type="arrow"/>
-          </a:ln>
-          <a:effectLst/>
-        </p:spPr>
-      </p:cxnSp>
-      <p:cxnSp>
-        <p:nvCxnSpPr>
-          <p:cNvPr id="47" name="Shape 46"/>
-          <p:cNvCxnSpPr>
-            <a:stCxn id="26" idx="2"/>
-          </p:cNvCxnSpPr>
-          <p:nvPr/>
-        </p:nvCxnSpPr>
-        <p:spPr bwMode="auto">
-          <a:xfrm rot="16200000" flipH="1">
-            <a:off x="5560381" y="4758059"/>
-            <a:ext cx="157492" cy="1230441"/>
-          </a:xfrm>
-          <a:prstGeom prst="bentConnector2">
-            <a:avLst/>
-          </a:prstGeom>
-          <a:noFill/>
-          <a:ln w="12700" cap="flat" cmpd="sng" algn="ctr">
-            <a:solidFill>
-              <a:schemeClr val="tx1"/>
-            </a:solidFill>
-            <a:prstDash val="solid"/>
-            <a:round/>
-            <a:headEnd type="none" w="med" len="med"/>
-            <a:tailEnd type="arrow"/>
-          </a:ln>
-          <a:effectLst/>
-        </p:spPr>
-      </p:cxnSp>
-      <p:cxnSp>
-        <p:nvCxnSpPr>
-          <p:cNvPr id="49" name="Elbow Connector 48"/>
-          <p:cNvCxnSpPr>
-            <a:stCxn id="27" idx="0"/>
-          </p:cNvCxnSpPr>
-          <p:nvPr/>
-        </p:nvCxnSpPr>
-        <p:spPr bwMode="auto">
-          <a:xfrm rot="16200000" flipV="1">
-            <a:off x="6531504" y="2816508"/>
-            <a:ext cx="2396126" cy="887936"/>
-          </a:xfrm>
-          <a:prstGeom prst="bentConnector3">
-            <a:avLst>
-              <a:gd name="adj1" fmla="val 50000"/>
-            </a:avLst>
-          </a:prstGeom>
-          <a:noFill/>
-          <a:ln w="12700" cap="flat" cmpd="sng" algn="ctr">
-            <a:solidFill>
-              <a:schemeClr val="tx1"/>
-            </a:solidFill>
-            <a:prstDash val="solid"/>
-            <a:round/>
-            <a:headEnd type="none" w="med" len="med"/>
-            <a:tailEnd type="arrow"/>
-          </a:ln>
-          <a:effectLst/>
-        </p:spPr>
-      </p:cxnSp>
-      <p:cxnSp>
-        <p:nvCxnSpPr>
-          <p:cNvPr id="51" name="Shape 50"/>
-          <p:cNvCxnSpPr>
-            <a:stCxn id="27" idx="2"/>
-          </p:cNvCxnSpPr>
-          <p:nvPr/>
-        </p:nvCxnSpPr>
-        <p:spPr bwMode="auto">
-          <a:xfrm rot="5400000">
-            <a:off x="7697818" y="4393868"/>
-            <a:ext cx="149437" cy="801998"/>
-          </a:xfrm>
-          <a:prstGeom prst="bentConnector2">
-            <a:avLst/>
-          </a:prstGeom>
-          <a:noFill/>
-          <a:ln w="12700" cap="flat" cmpd="sng" algn="ctr">
-            <a:solidFill>
-              <a:schemeClr val="tx1"/>
-            </a:solidFill>
-            <a:prstDash val="solid"/>
-            <a:round/>
-            <a:headEnd type="none" w="med" len="med"/>
-            <a:tailEnd type="arrow"/>
-          </a:ln>
-          <a:effectLst/>
-        </p:spPr>
-      </p:cxnSp>
-      <p:cxnSp>
-        <p:nvCxnSpPr>
-          <p:cNvPr id="54" name="Elbow Connector 53"/>
-          <p:cNvCxnSpPr>
-            <a:stCxn id="17" idx="0"/>
-          </p:cNvCxnSpPr>
-          <p:nvPr/>
-        </p:nvCxnSpPr>
-        <p:spPr bwMode="auto">
-          <a:xfrm rot="16200000" flipV="1">
-            <a:off x="700522" y="1896642"/>
-            <a:ext cx="1603973" cy="675152"/>
-          </a:xfrm>
-          <a:prstGeom prst="bentConnector3">
-            <a:avLst>
-              <a:gd name="adj1" fmla="val 50000"/>
-            </a:avLst>
-          </a:prstGeom>
-          <a:noFill/>
-          <a:ln w="12700" cap="flat" cmpd="sng" algn="ctr">
-            <a:solidFill>
-              <a:schemeClr val="tx1"/>
-            </a:solidFill>
-            <a:prstDash val="solid"/>
-            <a:round/>
-            <a:headEnd type="none" w="med" len="med"/>
-            <a:tailEnd type="arrow"/>
-          </a:ln>
-          <a:effectLst/>
-        </p:spPr>
-      </p:cxnSp>
-      <p:cxnSp>
-        <p:nvCxnSpPr>
-          <p:cNvPr id="56" name="Elbow Connector 55"/>
-          <p:cNvCxnSpPr>
-            <a:stCxn id="17" idx="2"/>
-          </p:cNvCxnSpPr>
-          <p:nvPr/>
-        </p:nvCxnSpPr>
-        <p:spPr bwMode="auto">
-          <a:xfrm rot="5400000">
-            <a:off x="887703" y="3621210"/>
-            <a:ext cx="1229610" cy="675152"/>
-          </a:xfrm>
-          <a:prstGeom prst="bentConnector3">
-            <a:avLst>
-              <a:gd name="adj1" fmla="val 50000"/>
-            </a:avLst>
-          </a:prstGeom>
-          <a:noFill/>
-          <a:ln w="12700" cap="flat" cmpd="sng" algn="ctr">
-            <a:solidFill>
-              <a:schemeClr val="tx1"/>
-            </a:solidFill>
-            <a:prstDash val="solid"/>
-            <a:round/>
-            <a:headEnd type="none" w="med" len="med"/>
-            <a:tailEnd type="arrow"/>
-          </a:ln>
-          <a:effectLst/>
-        </p:spPr>
-      </p:cxnSp>
-    </p:spTree>
-  </p:cSld>
-  <p:clrMapOvr>
-    <a:masterClrMapping/>
-  </p:clrMapOvr>
   <p:timing>
     <p:tnLst>
       <p:par>
-        <p:cTn id="1" dur="indefinite" restart="never" nodeType="tmRoot"/>
+        <p:cTn id="1" dur="indefinite" restart="never" nodeType="tmRoot">
+          <p:childTnLst>
+            <p:seq concurrent="1" nextAc="seek">
+              <p:cTn id="2" dur="indefinite" nodeType="mainSeq">
+                <p:childTnLst>
+                  <p:par>
+                    <p:cTn id="3" fill="hold">
+                      <p:stCondLst>
+                        <p:cond delay="indefinite"/>
+                      </p:stCondLst>
+                      <p:childTnLst>
+                        <p:par>
+                          <p:cTn id="4" fill="hold">
+                            <p:stCondLst>
+                              <p:cond delay="0"/>
+                            </p:stCondLst>
+                            <p:childTnLst>
+                              <p:par>
+                                <p:cTn id="5" presetID="1" presetClass="entr" presetSubtype="0" fill="hold" nodeType="clickEffect">
+                                  <p:stCondLst>
+                                    <p:cond delay="0"/>
+                                  </p:stCondLst>
+                                  <p:childTnLst>
+                                    <p:set>
+                                      <p:cBhvr>
+                                        <p:cTn id="6" dur="1" fill="hold">
+                                          <p:stCondLst>
+                                            <p:cond delay="0"/>
+                                          </p:stCondLst>
+                                        </p:cTn>
+                                        <p:tgtEl>
+                                          <p:spTgt spid="3"/>
+                                        </p:tgtEl>
+                                        <p:attrNameLst>
+                                          <p:attrName>style.visibility</p:attrName>
+                                        </p:attrNameLst>
+                                      </p:cBhvr>
+                                      <p:to>
+                                        <p:strVal val="visible"/>
+                                      </p:to>
+                                    </p:set>
+                                  </p:childTnLst>
+                                </p:cTn>
+                              </p:par>
+                            </p:childTnLst>
+                          </p:cTn>
+                        </p:par>
+                      </p:childTnLst>
+                    </p:cTn>
+                  </p:par>
+                  <p:par>
+                    <p:cTn id="7" fill="hold">
+                      <p:stCondLst>
+                        <p:cond delay="indefinite"/>
+                      </p:stCondLst>
+                      <p:childTnLst>
+                        <p:par>
+                          <p:cTn id="8" fill="hold">
+                            <p:stCondLst>
+                              <p:cond delay="0"/>
+                            </p:stCondLst>
+                            <p:childTnLst>
+                              <p:par>
+                                <p:cTn id="9" presetID="1" presetClass="entr" presetSubtype="0" fill="hold" grpId="0" nodeType="clickEffect">
+                                  <p:stCondLst>
+                                    <p:cond delay="0"/>
+                                  </p:stCondLst>
+                                  <p:childTnLst>
+                                    <p:set>
+                                      <p:cBhvr>
+                                        <p:cTn id="10" dur="1" fill="hold">
+                                          <p:stCondLst>
+                                            <p:cond delay="0"/>
+                                          </p:stCondLst>
+                                        </p:cTn>
+                                        <p:tgtEl>
+                                          <p:spTgt spid="4"/>
+                                        </p:tgtEl>
+                                        <p:attrNameLst>
+                                          <p:attrName>style.visibility</p:attrName>
+                                        </p:attrNameLst>
+                                      </p:cBhvr>
+                                      <p:to>
+                                        <p:strVal val="visible"/>
+                                      </p:to>
+                                    </p:set>
+                                  </p:childTnLst>
+                                </p:cTn>
+                              </p:par>
+                            </p:childTnLst>
+                          </p:cTn>
+                        </p:par>
+                      </p:childTnLst>
+                    </p:cTn>
+                  </p:par>
+                </p:childTnLst>
+              </p:cTn>
+              <p:prevCondLst>
+                <p:cond evt="onPrev" delay="0">
+                  <p:tgtEl>
+                    <p:sldTgt/>
+                  </p:tgtEl>
+                </p:cond>
+              </p:prevCondLst>
+              <p:nextCondLst>
+                <p:cond evt="onNext" delay="0">
+                  <p:tgtEl>
+                    <p:sldTgt/>
+                  </p:tgtEl>
+                </p:cond>
+              </p:nextCondLst>
+            </p:seq>
+          </p:childTnLst>
+        </p:cTn>
       </p:par>
     </p:tnLst>
+    <p:bldLst>
+      <p:bldP spid="4" grpId="0" animBg="1"/>
+    </p:bldLst>
   </p:timing>
 </p:sld>
 </file>
 
-<file path=ppt/slides/slide17.xml><?xml version="1.0" encoding="utf-8"?>
+<file path=ppt/slides/slide15.xml><?xml version="1.0" encoding="utf-8"?>
 <p:sld xmlns:a="http://schemas.openxmlformats.org/drawingml/2006/main" xmlns:r="http://schemas.openxmlformats.org/officeDocument/2006/relationships" xmlns:mc="http://schemas.openxmlformats.org/markup-compatibility/2006" xmlns:mv="urn:schemas-microsoft-com:mac:vml" xmlns:p="http://schemas.openxmlformats.org/presentationml/2006/main" mc:Ignorable="mv" mc:PreserveAttributes="mv:*">
   <p:cSld>
     <p:spTree>
@@ -7000,14 +6283,130 @@
   <p:timing>
     <p:tnLst>
       <p:par>
-        <p:cTn id="1" dur="indefinite" restart="never" nodeType="tmRoot"/>
+        <p:cTn id="1" dur="indefinite" restart="never" nodeType="tmRoot">
+          <p:childTnLst>
+            <p:seq concurrent="1" nextAc="seek">
+              <p:cTn id="2" dur="indefinite" nodeType="mainSeq">
+                <p:childTnLst>
+                  <p:par>
+                    <p:cTn id="3" fill="hold">
+                      <p:stCondLst>
+                        <p:cond delay="indefinite"/>
+                      </p:stCondLst>
+                      <p:childTnLst>
+                        <p:par>
+                          <p:cTn id="4" fill="hold">
+                            <p:stCondLst>
+                              <p:cond delay="0"/>
+                            </p:stCondLst>
+                            <p:childTnLst>
+                              <p:par>
+                                <p:cTn id="5" presetID="1" presetClass="entr" presetSubtype="0" fill="hold" nodeType="clickEffect">
+                                  <p:stCondLst>
+                                    <p:cond delay="0"/>
+                                  </p:stCondLst>
+                                  <p:childTnLst>
+                                    <p:set>
+                                      <p:cBhvr>
+                                        <p:cTn id="6" dur="1" fill="hold">
+                                          <p:stCondLst>
+                                            <p:cond delay="0"/>
+                                          </p:stCondLst>
+                                        </p:cTn>
+                                        <p:tgtEl>
+                                          <p:spTgt spid="2"/>
+                                        </p:tgtEl>
+                                        <p:attrNameLst>
+                                          <p:attrName>style.visibility</p:attrName>
+                                        </p:attrNameLst>
+                                      </p:cBhvr>
+                                      <p:to>
+                                        <p:strVal val="visible"/>
+                                      </p:to>
+                                    </p:set>
+                                  </p:childTnLst>
+                                </p:cTn>
+                              </p:par>
+                            </p:childTnLst>
+                          </p:cTn>
+                        </p:par>
+                      </p:childTnLst>
+                    </p:cTn>
+                  </p:par>
+                  <p:par>
+                    <p:cTn id="7" fill="hold">
+                      <p:stCondLst>
+                        <p:cond delay="indefinite"/>
+                      </p:stCondLst>
+                      <p:childTnLst>
+                        <p:par>
+                          <p:cTn id="8" fill="hold">
+                            <p:stCondLst>
+                              <p:cond delay="0"/>
+                            </p:stCondLst>
+                            <p:childTnLst>
+                              <p:par>
+                                <p:cTn id="9" presetID="1" presetClass="entr" presetSubtype="0" fill="hold" grpId="0" nodeType="clickEffect">
+                                  <p:stCondLst>
+                                    <p:cond delay="0"/>
+                                  </p:stCondLst>
+                                  <p:childTnLst>
+                                    <p:set>
+                                      <p:cBhvr>
+                                        <p:cTn id="10" dur="1" fill="hold">
+                                          <p:stCondLst>
+                                            <p:cond delay="0"/>
+                                          </p:stCondLst>
+                                        </p:cTn>
+                                        <p:tgtEl>
+                                          <p:spTgt spid="39"/>
+                                        </p:tgtEl>
+                                        <p:attrNameLst>
+                                          <p:attrName>style.visibility</p:attrName>
+                                        </p:attrNameLst>
+                                      </p:cBhvr>
+                                      <p:to>
+                                        <p:strVal val="visible"/>
+                                      </p:to>
+                                    </p:set>
+                                  </p:childTnLst>
+                                </p:cTn>
+                              </p:par>
+                            </p:childTnLst>
+                          </p:cTn>
+                        </p:par>
+                      </p:childTnLst>
+                    </p:cTn>
+                  </p:par>
+                </p:childTnLst>
+              </p:cTn>
+              <p:prevCondLst>
+                <p:cond evt="onPrev" delay="0">
+                  <p:tgtEl>
+                    <p:sldTgt/>
+                  </p:tgtEl>
+                </p:cond>
+              </p:prevCondLst>
+              <p:nextCondLst>
+                <p:cond evt="onNext" delay="0">
+                  <p:tgtEl>
+                    <p:sldTgt/>
+                  </p:tgtEl>
+                </p:cond>
+              </p:nextCondLst>
+            </p:seq>
+          </p:childTnLst>
+        </p:cTn>
       </p:par>
     </p:tnLst>
+    <p:bldLst>
+      <p:bldP spid="39" grpId="0" animBg="1"/>
+    </p:bldLst>
   </p:timing>
 </p:sld>
 </file>
 
-<file path=ppt/slides/slide18.xml><?xml version="1.0" encoding="utf-8"?>
+<file path=ppt/slides/slide16.xml><?xml version="1.0" encoding="utf-8"?>
 <p:sld xmlns:a="http://schemas.openxmlformats.org/drawingml/2006/main" xmlns:r="http://schemas.openxmlformats.org/officeDocument/2006/relationships" xmlns:mc="http://schemas.openxmlformats.org/markup-compatibility/2006" xmlns:mv="urn:schemas-microsoft-com:mac:vml" xmlns:p="http://schemas.openxmlformats.org/presentationml/2006/main" mc:Ignorable="mv" mc:PreserveAttributes="mv:*">
   <p:cSld>
     <p:spTree>
@@ -7486,7 +6885,7 @@
 </p:sld>
 </file>
 
-<file path=ppt/slides/slide19.xml><?xml version="1.0" encoding="utf-8"?>
+<file path=ppt/slides/slide17.xml><?xml version="1.0" encoding="utf-8"?>
 <p:sld xmlns:a="http://schemas.openxmlformats.org/drawingml/2006/main" xmlns:r="http://schemas.openxmlformats.org/officeDocument/2006/relationships" xmlns:mc="http://schemas.openxmlformats.org/markup-compatibility/2006" xmlns:mv="urn:schemas-microsoft-com:mac:vml" xmlns:p="http://schemas.openxmlformats.org/presentationml/2006/main" mc:Ignorable="mv" mc:PreserveAttributes="mv:*">
   <p:cSld>
     <p:spTree>
@@ -7891,7 +7290,7 @@
         <p:spPr>
           <a:xfrm>
             <a:off x="356652" y="5068616"/>
-            <a:ext cx="8437627" cy="369332"/>
+            <a:ext cx="8437627" cy="923330"/>
           </a:xfrm>
           <a:prstGeom prst="rect">
             <a:avLst/>
@@ -7910,8 +7309,33 @@
             </a:pPr>
             <a:r>
               <a:rPr lang="en-US" dirty="0" smtClean="0"/>
-              <a:t> Breakout time for shocks launch too early is sooner than ideally launched</a:t>
-            </a:r>
+              <a:t> Shocks coalesce in fuel if second shock launched too soon</a:t>
+            </a:r>
+          </a:p>
+          <a:p>
+            <a:pPr algn="l">
+              <a:buFont typeface="Arial"/>
+              <a:buChar char="•"/>
+            </a:pPr>
+            <a:r>
+              <a:rPr lang="en-US" dirty="0" smtClean="0"/>
+              <a:t> </a:t>
+            </a:r>
+            <a:r>
+              <a:rPr lang="en-US" dirty="0" smtClean="0"/>
+              <a:t>Combined shock is faster than individual shocks</a:t>
+            </a:r>
+          </a:p>
+          <a:p>
+            <a:pPr algn="l">
+              <a:buFont typeface="Arial"/>
+              <a:buChar char="•"/>
+            </a:pPr>
+            <a:r>
+              <a:rPr lang="en-US" dirty="0" smtClean="0"/>
+              <a:t> Breakout time decreases</a:t>
+            </a:r>
+            <a:endParaRPr lang="en-US" dirty="0" smtClean="0"/>
           </a:p>
         </p:txBody>
       </p:sp>
@@ -7930,333 +7354,7 @@
 </p:sld>
 </file>
 
-<file path=ppt/slides/slide2.xml><?xml version="1.0" encoding="utf-8"?>
-<p:sld xmlns:a="http://schemas.openxmlformats.org/drawingml/2006/main" xmlns:r="http://schemas.openxmlformats.org/officeDocument/2006/relationships" xmlns:mc="http://schemas.openxmlformats.org/markup-compatibility/2006" xmlns:mv="urn:schemas-microsoft-com:mac:vml" xmlns:p="http://schemas.openxmlformats.org/presentationml/2006/main" mc:Ignorable="mv" mc:PreserveAttributes="mv:*">
-  <p:cSld>
-    <p:spTree>
-      <p:nvGrpSpPr>
-        <p:cNvPr id="1" name=""/>
-        <p:cNvGrpSpPr/>
-        <p:nvPr/>
-      </p:nvGrpSpPr>
-      <p:grpSpPr>
-        <a:xfrm>
-          <a:off x="0" y="0"/>
-          <a:ext cx="0" cy="0"/>
-          <a:chOff x="0" y="0"/>
-          <a:chExt cx="0" cy="0"/>
-        </a:xfrm>
-      </p:grpSpPr>
-      <p:sp>
-        <p:nvSpPr>
-          <p:cNvPr id="2" name="Title 1"/>
-          <p:cNvSpPr>
-            <a:spLocks noGrp="1"/>
-          </p:cNvSpPr>
-          <p:nvPr>
-            <p:ph type="title"/>
-          </p:nvPr>
-        </p:nvSpPr>
-        <p:spPr/>
-        <p:txBody>
-          <a:bodyPr/>
-          <a:lstStyle/>
-          <a:p>
-            <a:r>
-              <a:rPr lang="en-US" dirty="0" smtClean="0"/>
-              <a:t>ICF works by compressing DT fuel to high density and relying on the fuel inertial to confine it</a:t>
-            </a:r>
-            <a:endParaRPr lang="en-US" dirty="0"/>
-          </a:p>
-        </p:txBody>
-      </p:sp>
-      <p:pic>
-        <p:nvPicPr>
-          <p:cNvPr id="12" name="Content Placeholder 4" descr="740px-Inertial_confinement_fusion.svg.png"/>
-          <p:cNvPicPr>
-            <a:picLocks noGrp="1" noChangeAspect="1"/>
-          </p:cNvPicPr>
-          <p:nvPr>
-            <p:ph sz="half" idx="4294967295"/>
-          </p:nvPr>
-        </p:nvPicPr>
-        <p:blipFill>
-          <a:blip r:embed="rId2"/>
-          <a:srcRect t="-383" r="77422" b="8759"/>
-          <a:stretch>
-            <a:fillRect/>
-          </a:stretch>
-        </p:blipFill>
-        <p:spPr>
-          <a:xfrm>
-            <a:off x="66843" y="1269410"/>
-            <a:ext cx="1659392" cy="1911258"/>
-          </a:xfrm>
-        </p:spPr>
-      </p:pic>
-      <p:sp>
-        <p:nvSpPr>
-          <p:cNvPr id="13" name="TextBox 12"/>
-          <p:cNvSpPr txBox="1"/>
-          <p:nvPr/>
-        </p:nvSpPr>
-        <p:spPr>
-          <a:xfrm>
-            <a:off x="1705736" y="1446230"/>
-            <a:ext cx="2790363" cy="1477328"/>
-          </a:xfrm>
-          <a:prstGeom prst="rect">
-            <a:avLst/>
-          </a:prstGeom>
-          <a:noFill/>
-        </p:spPr>
-        <p:txBody>
-          <a:bodyPr wrap="square" rtlCol="0">
-            <a:spAutoFit/>
-          </a:bodyPr>
-          <a:lstStyle/>
-          <a:p>
-            <a:pPr algn="l"/>
-            <a:r>
-              <a:rPr lang="en-US" dirty="0" smtClean="0"/>
-              <a:t>A high intensity driver (x-rays, laser, heavy ion beam, etc) illuminates the surface of a layered spherical pellet</a:t>
-            </a:r>
-          </a:p>
-        </p:txBody>
-      </p:sp>
-      <p:pic>
-        <p:nvPicPr>
-          <p:cNvPr id="14" name="Content Placeholder 4" descr="740px-Inertial_confinement_fusion.svg.png"/>
-          <p:cNvPicPr>
-            <a:picLocks noChangeAspect="1"/>
-          </p:cNvPicPr>
-          <p:nvPr/>
-        </p:nvPicPr>
-        <p:blipFill>
-          <a:blip r:embed="rId2"/>
-          <a:srcRect l="26059" t="-383" r="45252" b="-351"/>
-          <a:stretch>
-            <a:fillRect/>
-          </a:stretch>
-        </p:blipFill>
-        <p:spPr bwMode="auto">
-          <a:xfrm>
-            <a:off x="4462723" y="1297809"/>
-            <a:ext cx="2108533" cy="2101009"/>
-          </a:xfrm>
-          <a:prstGeom prst="rect">
-            <a:avLst/>
-          </a:prstGeom>
-          <a:noFill/>
-          <a:ln w="9525">
-            <a:noFill/>
-            <a:miter lim="800000"/>
-            <a:headEnd/>
-            <a:tailEnd/>
-          </a:ln>
-        </p:spPr>
-      </p:pic>
-      <p:sp>
-        <p:nvSpPr>
-          <p:cNvPr id="15" name="TextBox 14"/>
-          <p:cNvSpPr txBox="1"/>
-          <p:nvPr/>
-        </p:nvSpPr>
-        <p:spPr>
-          <a:xfrm>
-            <a:off x="6502612" y="1390604"/>
-            <a:ext cx="2641388" cy="1754327"/>
-          </a:xfrm>
-          <a:prstGeom prst="rect">
-            <a:avLst/>
-          </a:prstGeom>
-          <a:noFill/>
-        </p:spPr>
-        <p:txBody>
-          <a:bodyPr wrap="square" rtlCol="0">
-            <a:spAutoFit/>
-          </a:bodyPr>
-          <a:lstStyle/>
-          <a:p>
-            <a:pPr algn="l"/>
-            <a:r>
-              <a:rPr lang="en-US" dirty="0" smtClean="0"/>
-              <a:t>The outer surface of the pellet ablates, compressing DT fuel and driving an imploding spherical rocket</a:t>
-            </a:r>
-          </a:p>
-        </p:txBody>
-      </p:sp>
-      <p:pic>
-        <p:nvPicPr>
-          <p:cNvPr id="16" name="Content Placeholder 4" descr="740px-Inertial_confinement_fusion.svg.png"/>
-          <p:cNvPicPr>
-            <a:picLocks noChangeAspect="1"/>
-          </p:cNvPicPr>
-          <p:nvPr/>
-        </p:nvPicPr>
-        <p:blipFill>
-          <a:blip r:embed="rId2"/>
-          <a:srcRect l="57764" t="-383" r="15515" b="-351"/>
-          <a:stretch>
-            <a:fillRect/>
-          </a:stretch>
-        </p:blipFill>
-        <p:spPr bwMode="auto">
-          <a:xfrm>
-            <a:off x="0" y="4113872"/>
-            <a:ext cx="1963904" cy="2101009"/>
-          </a:xfrm>
-          <a:prstGeom prst="rect">
-            <a:avLst/>
-          </a:prstGeom>
-          <a:noFill/>
-          <a:ln w="9525">
-            <a:noFill/>
-            <a:miter lim="800000"/>
-            <a:headEnd/>
-            <a:tailEnd/>
-          </a:ln>
-        </p:spPr>
-      </p:pic>
-      <p:sp>
-        <p:nvSpPr>
-          <p:cNvPr id="17" name="TextBox 16"/>
-          <p:cNvSpPr txBox="1"/>
-          <p:nvPr/>
-        </p:nvSpPr>
-        <p:spPr>
-          <a:xfrm>
-            <a:off x="2030197" y="4292334"/>
-            <a:ext cx="2326847" cy="1754327"/>
-          </a:xfrm>
-          <a:prstGeom prst="rect">
-            <a:avLst/>
-          </a:prstGeom>
-          <a:noFill/>
-        </p:spPr>
-        <p:txBody>
-          <a:bodyPr wrap="square" rtlCol="0">
-            <a:spAutoFit/>
-          </a:bodyPr>
-          <a:lstStyle/>
-          <a:p>
-            <a:pPr algn="l"/>
-            <a:r>
-              <a:rPr lang="en-US" dirty="0" smtClean="0"/>
-              <a:t>The dense imploding shell stagnates on axis and converts its kinetic energy to thermal energy</a:t>
-            </a:r>
-          </a:p>
-        </p:txBody>
-      </p:sp>
-      <p:pic>
-        <p:nvPicPr>
-          <p:cNvPr id="18" name="Content Placeholder 4" descr="740px-Inertial_confinement_fusion.svg.png"/>
-          <p:cNvPicPr>
-            <a:picLocks noChangeAspect="1"/>
-          </p:cNvPicPr>
-          <p:nvPr/>
-        </p:nvPicPr>
-        <p:blipFill>
-          <a:blip r:embed="rId2"/>
-          <a:srcRect l="84738" t="-383" b="25518"/>
-          <a:stretch>
-            <a:fillRect/>
-          </a:stretch>
-        </p:blipFill>
-        <p:spPr bwMode="auto">
-          <a:xfrm>
-            <a:off x="4520020" y="4040891"/>
-            <a:ext cx="1121696" cy="1561463"/>
-          </a:xfrm>
-          <a:prstGeom prst="rect">
-            <a:avLst/>
-          </a:prstGeom>
-          <a:noFill/>
-          <a:ln w="9525">
-            <a:noFill/>
-            <a:miter lim="800000"/>
-            <a:headEnd/>
-            <a:tailEnd/>
-          </a:ln>
-        </p:spPr>
-      </p:pic>
-      <p:sp>
-        <p:nvSpPr>
-          <p:cNvPr id="19" name="TextBox 18"/>
-          <p:cNvSpPr txBox="1"/>
-          <p:nvPr/>
-        </p:nvSpPr>
-        <p:spPr>
-          <a:xfrm>
-            <a:off x="5767369" y="4292334"/>
-            <a:ext cx="3376632" cy="2031325"/>
-          </a:xfrm>
-          <a:prstGeom prst="rect">
-            <a:avLst/>
-          </a:prstGeom>
-          <a:noFill/>
-        </p:spPr>
-        <p:txBody>
-          <a:bodyPr wrap="square" rtlCol="0">
-            <a:spAutoFit/>
-          </a:bodyPr>
-          <a:lstStyle/>
-          <a:p>
-            <a:pPr algn="l"/>
-            <a:r>
-              <a:rPr lang="en-US" dirty="0" smtClean="0"/>
-              <a:t>The high stagnation temperature initiations a fusion burn wave.  The burn wave propagates faster than the shell can disassemble, releasing large amounts of energy</a:t>
-            </a:r>
-          </a:p>
-        </p:txBody>
-      </p:sp>
-      <p:sp>
-        <p:nvSpPr>
-          <p:cNvPr id="20" name="TextBox 19"/>
-          <p:cNvSpPr txBox="1"/>
-          <p:nvPr/>
-        </p:nvSpPr>
-        <p:spPr>
-          <a:xfrm>
-            <a:off x="0" y="6550223"/>
-            <a:ext cx="6313080" cy="276999"/>
-          </a:xfrm>
-          <a:prstGeom prst="rect">
-            <a:avLst/>
-          </a:prstGeom>
-          <a:noFill/>
-        </p:spPr>
-        <p:txBody>
-          <a:bodyPr wrap="square" rtlCol="0">
-            <a:spAutoFit/>
-          </a:bodyPr>
-          <a:lstStyle/>
-          <a:p>
-            <a:pPr algn="l"/>
-            <a:r>
-              <a:rPr lang="en-US" sz="1200" b="0" dirty="0" err="1" smtClean="0"/>
-              <a:t>http://en.wikipedia.org/wiki/File:Inertial_confinement_fusion.svg</a:t>
-            </a:r>
-            <a:endParaRPr lang="en-US" sz="1200" b="0" dirty="0" smtClean="0"/>
-          </a:p>
-        </p:txBody>
-      </p:sp>
-    </p:spTree>
-  </p:cSld>
-  <p:clrMapOvr>
-    <a:masterClrMapping/>
-  </p:clrMapOvr>
-  <p:timing>
-    <p:tnLst>
-      <p:par>
-        <p:cTn id="1" dur="indefinite" restart="never" nodeType="tmRoot"/>
-      </p:par>
-    </p:tnLst>
-  </p:timing>
-</p:sld>
-</file>
-
-<file path=ppt/slides/slide20.xml><?xml version="1.0" encoding="utf-8"?>
+<file path=ppt/slides/slide18.xml><?xml version="1.0" encoding="utf-8"?>
 <p:sld xmlns:a="http://schemas.openxmlformats.org/drawingml/2006/main" xmlns:r="http://schemas.openxmlformats.org/officeDocument/2006/relationships" xmlns:mc="http://schemas.openxmlformats.org/markup-compatibility/2006" xmlns:mv="urn:schemas-microsoft-com:mac:vml" xmlns:p="http://schemas.openxmlformats.org/presentationml/2006/main" mc:Ignorable="mv" mc:PreserveAttributes="mv:*">
   <p:cSld>
     <p:spTree>
@@ -8536,7 +7634,25 @@
             </a:pPr>
             <a:r>
               <a:rPr lang="en-US" dirty="0" smtClean="0"/>
-              <a:t> If the second shock is launched too late, the first shock “wins” and the breakout time is unchanged</a:t>
+              <a:t> If the second shock is launched too late, the first shock “wins</a:t>
+            </a:r>
+            <a:r>
+              <a:rPr lang="en-US" dirty="0" smtClean="0"/>
+              <a:t>”</a:t>
+            </a:r>
+          </a:p>
+          <a:p>
+            <a:pPr algn="l">
+              <a:buFont typeface="Arial"/>
+              <a:buChar char="•"/>
+            </a:pPr>
+            <a:r>
+              <a:rPr lang="en-US" dirty="0" smtClean="0"/>
+              <a:t> Breakout </a:t>
+            </a:r>
+            <a:r>
+              <a:rPr lang="en-US" dirty="0" smtClean="0"/>
+              <a:t>time is unchanged</a:t>
             </a:r>
           </a:p>
         </p:txBody>
@@ -8556,7 +7672,7 @@
 </p:sld>
 </file>
 
-<file path=ppt/slides/slide21.xml><?xml version="1.0" encoding="utf-8"?>
+<file path=ppt/slides/slide19.xml><?xml version="1.0" encoding="utf-8"?>
 <p:sld xmlns:a="http://schemas.openxmlformats.org/drawingml/2006/main" xmlns:r="http://schemas.openxmlformats.org/officeDocument/2006/relationships" xmlns:mc="http://schemas.openxmlformats.org/markup-compatibility/2006" xmlns:mv="urn:schemas-microsoft-com:mac:vml" xmlns:p="http://schemas.openxmlformats.org/presentationml/2006/main" mc:Ignorable="mv" mc:PreserveAttributes="mv:*">
   <p:cSld>
     <p:spTree>
@@ -8736,7 +7852,100 @@
 </p:sld>
 </file>
 
-<file path=ppt/slides/slide22.xml><?xml version="1.0" encoding="utf-8"?>
+<file path=ppt/slides/slide2.xml><?xml version="1.0" encoding="utf-8"?>
+<p:sld xmlns:a="http://schemas.openxmlformats.org/drawingml/2006/main" xmlns:r="http://schemas.openxmlformats.org/officeDocument/2006/relationships" xmlns:mc="http://schemas.openxmlformats.org/markup-compatibility/2006" xmlns:mv="urn:schemas-microsoft-com:mac:vml" xmlns:p="http://schemas.openxmlformats.org/presentationml/2006/main" mc:Ignorable="mv" mc:PreserveAttributes="mv:*">
+  <p:cSld>
+    <p:spTree>
+      <p:nvGrpSpPr>
+        <p:cNvPr id="1" name=""/>
+        <p:cNvGrpSpPr/>
+        <p:nvPr/>
+      </p:nvGrpSpPr>
+      <p:grpSpPr>
+        <a:xfrm>
+          <a:off x="0" y="0"/>
+          <a:ext cx="0" cy="0"/>
+          <a:chOff x="0" y="0"/>
+          <a:chExt cx="0" cy="0"/>
+        </a:xfrm>
+      </p:grpSpPr>
+      <p:sp>
+        <p:nvSpPr>
+          <p:cNvPr id="2" name="Title 1"/>
+          <p:cNvSpPr>
+            <a:spLocks noGrp="1"/>
+          </p:cNvSpPr>
+          <p:nvPr>
+            <p:ph type="title"/>
+          </p:nvPr>
+        </p:nvSpPr>
+        <p:spPr/>
+        <p:txBody>
+          <a:bodyPr/>
+          <a:lstStyle/>
+          <a:p>
+            <a:r>
+              <a:rPr lang="en-US" dirty="0" smtClean="0"/>
+              <a:t>Fusion releases energy by combining small light nuclei into heavier nuclei</a:t>
+            </a:r>
+            <a:endParaRPr lang="en-US" dirty="0"/>
+          </a:p>
+        </p:txBody>
+      </p:sp>
+      <p:sp>
+        <p:nvSpPr>
+          <p:cNvPr id="3" name="Content Placeholder 2"/>
+          <p:cNvSpPr>
+            <a:spLocks noGrp="1"/>
+          </p:cNvSpPr>
+          <p:nvPr>
+            <p:ph sz="half" idx="1"/>
+          </p:nvPr>
+        </p:nvSpPr>
+        <p:spPr/>
+        <p:txBody>
+          <a:bodyPr/>
+          <a:lstStyle/>
+          <a:p>
+            <a:endParaRPr lang="en-US"/>
+          </a:p>
+        </p:txBody>
+      </p:sp>
+      <p:sp>
+        <p:nvSpPr>
+          <p:cNvPr id="4" name="Content Placeholder 3"/>
+          <p:cNvSpPr>
+            <a:spLocks noGrp="1"/>
+          </p:cNvSpPr>
+          <p:nvPr>
+            <p:ph sz="half" idx="2"/>
+          </p:nvPr>
+        </p:nvSpPr>
+        <p:spPr/>
+        <p:txBody>
+          <a:bodyPr/>
+          <a:lstStyle/>
+          <a:p>
+            <a:endParaRPr lang="en-US"/>
+          </a:p>
+        </p:txBody>
+      </p:sp>
+    </p:spTree>
+  </p:cSld>
+  <p:clrMapOvr>
+    <a:masterClrMapping/>
+  </p:clrMapOvr>
+  <p:timing>
+    <p:tnLst>
+      <p:par>
+        <p:cTn id="1" dur="indefinite" restart="never" nodeType="tmRoot"/>
+      </p:par>
+    </p:tnLst>
+  </p:timing>
+</p:sld>
+</file>
+
+<file path=ppt/slides/slide20.xml><?xml version="1.0" encoding="utf-8"?>
 <p:sld xmlns:a="http://schemas.openxmlformats.org/drawingml/2006/main" xmlns:r="http://schemas.openxmlformats.org/officeDocument/2006/relationships" xmlns:mc="http://schemas.openxmlformats.org/markup-compatibility/2006" xmlns:mv="urn:schemas-microsoft-com:mac:vml" xmlns:p="http://schemas.openxmlformats.org/presentationml/2006/main" mc:Ignorable="mv" mc:PreserveAttributes="mv:*">
   <p:cSld>
     <p:spTree>
@@ -9094,10 +8303,17 @@
   <p:clrMapOvr>
     <a:masterClrMapping/>
   </p:clrMapOvr>
+  <p:timing>
+    <p:tnLst>
+      <p:par>
+        <p:cTn id="1" dur="indefinite" restart="never" nodeType="tmRoot"/>
+      </p:par>
+    </p:tnLst>
+  </p:timing>
 </p:sld>
 </file>
 
-<file path=ppt/slides/slide23.xml><?xml version="1.0" encoding="utf-8"?>
+<file path=ppt/slides/slide21.xml><?xml version="1.0" encoding="utf-8"?>
 <p:sld xmlns:a="http://schemas.openxmlformats.org/drawingml/2006/main" xmlns:r="http://schemas.openxmlformats.org/officeDocument/2006/relationships" xmlns:mc="http://schemas.openxmlformats.org/markup-compatibility/2006" xmlns:mv="urn:schemas-microsoft-com:mac:vml" xmlns:p="http://schemas.openxmlformats.org/presentationml/2006/main" mc:Ignorable="mv" mc:PreserveAttributes="mv:*">
   <p:cSld>
     <p:spTree>
@@ -9352,7 +8568,7 @@
 </p:sld>
 </file>
 
-<file path=ppt/slides/slide24.xml><?xml version="1.0" encoding="utf-8"?>
+<file path=ppt/slides/slide22.xml><?xml version="1.0" encoding="utf-8"?>
 <p:sld xmlns:a="http://schemas.openxmlformats.org/drawingml/2006/main" xmlns:r="http://schemas.openxmlformats.org/officeDocument/2006/relationships" xmlns:mc="http://schemas.openxmlformats.org/markup-compatibility/2006" xmlns:mv="urn:schemas-microsoft-com:mac:vml" xmlns:p="http://schemas.openxmlformats.org/presentationml/2006/main" mc:Ignorable="mv" mc:PreserveAttributes="mv:*">
   <p:cSld>
     <p:spTree>
@@ -9424,7 +8640,7 @@
         </mc:AlternateContent>
         <p:spPr>
           <a:xfrm>
-            <a:off x="284743" y="3656963"/>
+            <a:off x="488690" y="3082179"/>
             <a:ext cx="3794636" cy="2912203"/>
           </a:xfrm>
         </p:spPr>
@@ -9502,7 +8718,7 @@
         </p:nvGrpSpPr>
         <p:grpSpPr bwMode="auto">
           <a:xfrm>
-            <a:off x="4344105" y="3294175"/>
+            <a:off x="4242132" y="2765745"/>
             <a:ext cx="4087812" cy="3598862"/>
             <a:chOff x="2865" y="2053"/>
             <a:chExt cx="2575" cy="2267"/>
@@ -9532,11 +8748,8 @@
               <a:avLst/>
             </a:prstGeom>
             <a:noFill/>
-            <a:ln w="9525">
+            <a:ln>
               <a:noFill/>
-              <a:miter lim="800000"/>
-              <a:headEnd/>
-              <a:tailEnd/>
             </a:ln>
           </p:spPr>
         </p:pic>
@@ -9857,44 +9070,6 @@
       </p:grpSp>
       <p:sp>
         <p:nvSpPr>
-          <p:cNvPr id="19" name="Line 8"/>
-          <p:cNvSpPr>
-            <a:spLocks noChangeShapeType="1"/>
-          </p:cNvSpPr>
-          <p:nvPr/>
-        </p:nvSpPr>
-        <p:spPr bwMode="auto">
-          <a:xfrm flipV="1">
-            <a:off x="3425825" y="6070600"/>
-            <a:ext cx="536575" cy="288925"/>
-          </a:xfrm>
-          <a:prstGeom prst="line">
-            <a:avLst/>
-          </a:prstGeom>
-          <a:noFill/>
-          <a:ln w="28575">
-            <a:solidFill>
-              <a:srgbClr val="000000"/>
-            </a:solidFill>
-            <a:round/>
-            <a:headEnd/>
-            <a:tailEnd type="triangle" w="lg" len="lg"/>
-          </a:ln>
-        </p:spPr>
-        <p:txBody>
-          <a:bodyPr>
-            <a:prstTxWarp prst="textNoShape">
-              <a:avLst/>
-            </a:prstTxWarp>
-          </a:bodyPr>
-          <a:lstStyle/>
-          <a:p>
-            <a:endParaRPr lang="en-US"/>
-          </a:p>
-        </p:txBody>
-      </p:sp>
-      <p:sp>
-        <p:nvSpPr>
           <p:cNvPr id="20" name="TextBox 8"/>
           <p:cNvSpPr txBox="1">
             <a:spLocks noChangeArrowheads="1"/>
@@ -9903,7 +9078,7 @@
         </p:nvSpPr>
         <p:spPr bwMode="auto">
           <a:xfrm>
-            <a:off x="6502630" y="6581001"/>
+            <a:off x="5260408" y="6173090"/>
             <a:ext cx="2946944" cy="276999"/>
           </a:xfrm>
           <a:prstGeom prst="rect">
@@ -10264,7 +9439,7 @@
         </p:nvSpPr>
         <p:spPr>
           <a:xfrm>
-            <a:off x="553821" y="6550223"/>
+            <a:off x="609443" y="6012522"/>
             <a:ext cx="2960073" cy="307777"/>
           </a:xfrm>
           <a:prstGeom prst="rect">
@@ -10293,112 +9468,14 @@
   <p:timing>
     <p:tnLst>
       <p:par>
-        <p:cTn id="1" dur="indefinite" restart="never" nodeType="tmRoot">
-          <p:childTnLst>
-            <p:seq concurrent="1" nextAc="seek">
-              <p:cTn id="2" dur="indefinite" nodeType="mainSeq">
-                <p:childTnLst>
-                  <p:par>
-                    <p:cTn id="3" fill="hold">
-                      <p:stCondLst>
-                        <p:cond delay="indefinite"/>
-                      </p:stCondLst>
-                      <p:childTnLst>
-                        <p:par>
-                          <p:cTn id="4" fill="hold">
-                            <p:stCondLst>
-                              <p:cond delay="0"/>
-                            </p:stCondLst>
-                            <p:childTnLst>
-                              <p:par>
-                                <p:cTn id="5" presetID="1" presetClass="entr" presetSubtype="0" fill="hold" nodeType="clickEffect">
-                                  <p:stCondLst>
-                                    <p:cond delay="0"/>
-                                  </p:stCondLst>
-                                  <p:childTnLst>
-                                    <p:set>
-                                      <p:cBhvr>
-                                        <p:cTn id="6" dur="1" fill="hold">
-                                          <p:stCondLst>
-                                            <p:cond delay="0"/>
-                                          </p:stCondLst>
-                                        </p:cTn>
-                                        <p:tgtEl>
-                                          <p:spTgt spid="9"/>
-                                        </p:tgtEl>
-                                        <p:attrNameLst>
-                                          <p:attrName>style.visibility</p:attrName>
-                                        </p:attrNameLst>
-                                      </p:cBhvr>
-                                      <p:to>
-                                        <p:strVal val="visible"/>
-                                      </p:to>
-                                    </p:set>
-                                  </p:childTnLst>
-                                </p:cTn>
-                              </p:par>
-                              <p:par>
-                                <p:cTn id="7" presetID="1" presetClass="entr" presetSubtype="0" fill="hold" grpId="0" nodeType="withEffect">
-                                  <p:stCondLst>
-                                    <p:cond delay="0"/>
-                                  </p:stCondLst>
-                                  <p:childTnLst>
-                                    <p:set>
-                                      <p:cBhvr>
-                                        <p:cTn id="8" dur="1" fill="hold">
-                                          <p:stCondLst>
-                                            <p:cond delay="0"/>
-                                          </p:stCondLst>
-                                        </p:cTn>
-                                        <p:tgtEl>
-                                          <p:spTgt spid="19"/>
-                                        </p:tgtEl>
-                                        <p:attrNameLst>
-                                          <p:attrName>style.visibility</p:attrName>
-                                        </p:attrNameLst>
-                                      </p:cBhvr>
-                                      <p:to>
-                                        <p:strVal val="visible"/>
-                                      </p:to>
-                                    </p:set>
-                                  </p:childTnLst>
-                                </p:cTn>
-                              </p:par>
-                            </p:childTnLst>
-                          </p:cTn>
-                        </p:par>
-                      </p:childTnLst>
-                    </p:cTn>
-                  </p:par>
-                </p:childTnLst>
-              </p:cTn>
-              <p:prevCondLst>
-                <p:cond evt="onPrev" delay="0">
-                  <p:tgtEl>
-                    <p:sldTgt/>
-                  </p:tgtEl>
-                </p:cond>
-              </p:prevCondLst>
-              <p:nextCondLst>
-                <p:cond evt="onNext" delay="0">
-                  <p:tgtEl>
-                    <p:sldTgt/>
-                  </p:tgtEl>
-                </p:cond>
-              </p:nextCondLst>
-            </p:seq>
-          </p:childTnLst>
-        </p:cTn>
+        <p:cTn id="1" dur="indefinite" restart="never" nodeType="tmRoot"/>
       </p:par>
     </p:tnLst>
-    <p:bldLst>
-      <p:bldP spid="19" grpId="0" animBg="1"/>
-    </p:bldLst>
   </p:timing>
 </p:sld>
 </file>
 
-<file path=ppt/slides/slide25.xml><?xml version="1.0" encoding="utf-8"?>
+<file path=ppt/slides/slide23.xml><?xml version="1.0" encoding="utf-8"?>
 <p:sld xmlns:a="http://schemas.openxmlformats.org/drawingml/2006/main" xmlns:r="http://schemas.openxmlformats.org/officeDocument/2006/relationships" xmlns:mc="http://schemas.openxmlformats.org/markup-compatibility/2006" xmlns:mv="urn:schemas-microsoft-com:mac:vml" xmlns:p="http://schemas.openxmlformats.org/presentationml/2006/main" mc:Ignorable="mv" mc:PreserveAttributes="mv:*">
   <p:cSld>
     <p:spTree>
@@ -10450,8 +9527,8 @@
         </p:nvSpPr>
         <p:spPr>
           <a:xfrm>
-            <a:off x="212725" y="1212623"/>
-            <a:ext cx="8778875" cy="5073878"/>
+            <a:off x="212725" y="1212622"/>
+            <a:ext cx="8778875" cy="5434469"/>
           </a:xfrm>
         </p:spPr>
         <p:txBody>
@@ -10490,9 +9567,52 @@
           <a:p>
             <a:r>
               <a:rPr lang="en-US" dirty="0" smtClean="0"/>
-              <a:t>Timing algorithm assumes interaction between different pulse features is primarily hydrodynamic, allowing for tuning method to ignore interaction between features</a:t>
-            </a:r>
-            <a:endParaRPr lang="en-US" dirty="0"/>
+              <a:t>Timing algorithm assumes interaction between different pulse features is primarily hydrodynamic, allowing for tuning method to ignore interaction between </a:t>
+            </a:r>
+            <a:r>
+              <a:rPr lang="en-US" dirty="0" smtClean="0"/>
+              <a:t>features</a:t>
+            </a:r>
+            <a:endParaRPr lang="en-US" dirty="0" smtClean="0"/>
+          </a:p>
+          <a:p>
+            <a:r>
+              <a:rPr lang="en-US" dirty="0" smtClean="0"/>
+              <a:t>Future work</a:t>
+            </a:r>
+          </a:p>
+          <a:p>
+            <a:pPr lvl="1"/>
+            <a:r>
+              <a:rPr lang="en-US" dirty="0" err="1" smtClean="0"/>
+              <a:t>A</a:t>
+            </a:r>
+            <a:r>
+              <a:rPr lang="en-US" dirty="0" err="1" smtClean="0"/>
+              <a:t>utotune</a:t>
+            </a:r>
+            <a:r>
+              <a:rPr lang="en-US" dirty="0" smtClean="0"/>
+              <a:t> pedestal powers</a:t>
+            </a:r>
+          </a:p>
+          <a:p>
+            <a:pPr lvl="1"/>
+            <a:r>
+              <a:rPr lang="en-US" dirty="0" smtClean="0"/>
+              <a:t>Restart from prio</a:t>
+            </a:r>
+            <a:r>
+              <a:rPr lang="en-US" dirty="0" smtClean="0"/>
+              <a:t>r completed calculations</a:t>
+            </a:r>
+          </a:p>
+          <a:p>
+            <a:pPr lvl="1"/>
+            <a:r>
+              <a:rPr lang="en-US" dirty="0" smtClean="0"/>
+              <a:t>Unfold experimental breakouts to infer pulse shape (inverse tuning)</a:t>
+            </a:r>
           </a:p>
         </p:txBody>
       </p:sp>
@@ -10501,10 +9621,17 @@
   <p:clrMapOvr>
     <a:masterClrMapping/>
   </p:clrMapOvr>
+  <p:timing>
+    <p:tnLst>
+      <p:par>
+        <p:cTn id="1" dur="indefinite" restart="never" nodeType="tmRoot"/>
+      </p:par>
+    </p:tnLst>
+  </p:timing>
 </p:sld>
 </file>
 
-<file path=ppt/slides/slide26.xml><?xml version="1.0" encoding="utf-8"?>
+<file path=ppt/slides/slide24.xml><?xml version="1.0" encoding="utf-8"?>
 <p:sld xmlns:a="http://schemas.openxmlformats.org/drawingml/2006/main" xmlns:r="http://schemas.openxmlformats.org/officeDocument/2006/relationships" xmlns:mc="http://schemas.openxmlformats.org/markup-compatibility/2006" xmlns:mv="urn:schemas-microsoft-com:mac:vml" xmlns:p="http://schemas.openxmlformats.org/presentationml/2006/main" mc:Ignorable="mv" mc:PreserveAttributes="mv:*">
   <p:cSld>
     <p:spTree>
@@ -10749,6 +9876,332 @@
 </file>
 
 <file path=ppt/slides/slide3.xml><?xml version="1.0" encoding="utf-8"?>
+<p:sld xmlns:a="http://schemas.openxmlformats.org/drawingml/2006/main" xmlns:r="http://schemas.openxmlformats.org/officeDocument/2006/relationships" xmlns:mc="http://schemas.openxmlformats.org/markup-compatibility/2006" xmlns:mv="urn:schemas-microsoft-com:mac:vml" xmlns:p="http://schemas.openxmlformats.org/presentationml/2006/main" mc:Ignorable="mv" mc:PreserveAttributes="mv:*">
+  <p:cSld>
+    <p:spTree>
+      <p:nvGrpSpPr>
+        <p:cNvPr id="1" name=""/>
+        <p:cNvGrpSpPr/>
+        <p:nvPr/>
+      </p:nvGrpSpPr>
+      <p:grpSpPr>
+        <a:xfrm>
+          <a:off x="0" y="0"/>
+          <a:ext cx="0" cy="0"/>
+          <a:chOff x="0" y="0"/>
+          <a:chExt cx="0" cy="0"/>
+        </a:xfrm>
+      </p:grpSpPr>
+      <p:sp>
+        <p:nvSpPr>
+          <p:cNvPr id="2" name="Title 1"/>
+          <p:cNvSpPr>
+            <a:spLocks noGrp="1"/>
+          </p:cNvSpPr>
+          <p:nvPr>
+            <p:ph type="title"/>
+          </p:nvPr>
+        </p:nvSpPr>
+        <p:spPr/>
+        <p:txBody>
+          <a:bodyPr/>
+          <a:lstStyle/>
+          <a:p>
+            <a:r>
+              <a:rPr lang="en-US" dirty="0" smtClean="0"/>
+              <a:t>ICF works by compressing DT fuel to high density and relying on the fuel inertial to confine it</a:t>
+            </a:r>
+            <a:endParaRPr lang="en-US" dirty="0"/>
+          </a:p>
+        </p:txBody>
+      </p:sp>
+      <p:pic>
+        <p:nvPicPr>
+          <p:cNvPr id="12" name="Content Placeholder 4" descr="740px-Inertial_confinement_fusion.svg.png"/>
+          <p:cNvPicPr>
+            <a:picLocks noGrp="1" noChangeAspect="1"/>
+          </p:cNvPicPr>
+          <p:nvPr>
+            <p:ph sz="half" idx="4294967295"/>
+          </p:nvPr>
+        </p:nvPicPr>
+        <p:blipFill>
+          <a:blip r:embed="rId2"/>
+          <a:srcRect t="-383" r="77422" b="8759"/>
+          <a:stretch>
+            <a:fillRect/>
+          </a:stretch>
+        </p:blipFill>
+        <p:spPr>
+          <a:xfrm>
+            <a:off x="66843" y="1269410"/>
+            <a:ext cx="1659392" cy="1911258"/>
+          </a:xfrm>
+        </p:spPr>
+      </p:pic>
+      <p:sp>
+        <p:nvSpPr>
+          <p:cNvPr id="13" name="TextBox 12"/>
+          <p:cNvSpPr txBox="1"/>
+          <p:nvPr/>
+        </p:nvSpPr>
+        <p:spPr>
+          <a:xfrm>
+            <a:off x="1705736" y="1446230"/>
+            <a:ext cx="2790363" cy="1477328"/>
+          </a:xfrm>
+          <a:prstGeom prst="rect">
+            <a:avLst/>
+          </a:prstGeom>
+          <a:noFill/>
+        </p:spPr>
+        <p:txBody>
+          <a:bodyPr wrap="square" rtlCol="0">
+            <a:spAutoFit/>
+          </a:bodyPr>
+          <a:lstStyle/>
+          <a:p>
+            <a:pPr algn="l"/>
+            <a:r>
+              <a:rPr lang="en-US" dirty="0" smtClean="0"/>
+              <a:t>A high intensity driver (x-rays, laser, heavy ion beam, etc) illuminates the surface of a layered spherical pellet</a:t>
+            </a:r>
+          </a:p>
+        </p:txBody>
+      </p:sp>
+      <p:pic>
+        <p:nvPicPr>
+          <p:cNvPr id="14" name="Content Placeholder 4" descr="740px-Inertial_confinement_fusion.svg.png"/>
+          <p:cNvPicPr>
+            <a:picLocks noChangeAspect="1"/>
+          </p:cNvPicPr>
+          <p:nvPr/>
+        </p:nvPicPr>
+        <p:blipFill>
+          <a:blip r:embed="rId2"/>
+          <a:srcRect l="26059" t="-383" r="45252" b="-351"/>
+          <a:stretch>
+            <a:fillRect/>
+          </a:stretch>
+        </p:blipFill>
+        <p:spPr bwMode="auto">
+          <a:xfrm>
+            <a:off x="4462723" y="1297809"/>
+            <a:ext cx="2108533" cy="2101009"/>
+          </a:xfrm>
+          <a:prstGeom prst="rect">
+            <a:avLst/>
+          </a:prstGeom>
+          <a:noFill/>
+          <a:ln w="9525">
+            <a:noFill/>
+            <a:miter lim="800000"/>
+            <a:headEnd/>
+            <a:tailEnd/>
+          </a:ln>
+        </p:spPr>
+      </p:pic>
+      <p:sp>
+        <p:nvSpPr>
+          <p:cNvPr id="15" name="TextBox 14"/>
+          <p:cNvSpPr txBox="1"/>
+          <p:nvPr/>
+        </p:nvSpPr>
+        <p:spPr>
+          <a:xfrm>
+            <a:off x="6502612" y="1390604"/>
+            <a:ext cx="2641388" cy="1754327"/>
+          </a:xfrm>
+          <a:prstGeom prst="rect">
+            <a:avLst/>
+          </a:prstGeom>
+          <a:noFill/>
+        </p:spPr>
+        <p:txBody>
+          <a:bodyPr wrap="square" rtlCol="0">
+            <a:spAutoFit/>
+          </a:bodyPr>
+          <a:lstStyle/>
+          <a:p>
+            <a:pPr algn="l"/>
+            <a:r>
+              <a:rPr lang="en-US" dirty="0" smtClean="0"/>
+              <a:t>The outer surface of the pellet ablates, compressing DT fuel and driving an imploding spherical rocket</a:t>
+            </a:r>
+          </a:p>
+        </p:txBody>
+      </p:sp>
+      <p:pic>
+        <p:nvPicPr>
+          <p:cNvPr id="16" name="Content Placeholder 4" descr="740px-Inertial_confinement_fusion.svg.png"/>
+          <p:cNvPicPr>
+            <a:picLocks noChangeAspect="1"/>
+          </p:cNvPicPr>
+          <p:nvPr/>
+        </p:nvPicPr>
+        <p:blipFill>
+          <a:blip r:embed="rId2"/>
+          <a:srcRect l="57764" t="-383" r="15515" b="-351"/>
+          <a:stretch>
+            <a:fillRect/>
+          </a:stretch>
+        </p:blipFill>
+        <p:spPr bwMode="auto">
+          <a:xfrm>
+            <a:off x="0" y="4113872"/>
+            <a:ext cx="1963904" cy="2101009"/>
+          </a:xfrm>
+          <a:prstGeom prst="rect">
+            <a:avLst/>
+          </a:prstGeom>
+          <a:noFill/>
+          <a:ln w="9525">
+            <a:noFill/>
+            <a:miter lim="800000"/>
+            <a:headEnd/>
+            <a:tailEnd/>
+          </a:ln>
+        </p:spPr>
+      </p:pic>
+      <p:sp>
+        <p:nvSpPr>
+          <p:cNvPr id="17" name="TextBox 16"/>
+          <p:cNvSpPr txBox="1"/>
+          <p:nvPr/>
+        </p:nvSpPr>
+        <p:spPr>
+          <a:xfrm>
+            <a:off x="2030197" y="4292334"/>
+            <a:ext cx="2326847" cy="1754327"/>
+          </a:xfrm>
+          <a:prstGeom prst="rect">
+            <a:avLst/>
+          </a:prstGeom>
+          <a:noFill/>
+        </p:spPr>
+        <p:txBody>
+          <a:bodyPr wrap="square" rtlCol="0">
+            <a:spAutoFit/>
+          </a:bodyPr>
+          <a:lstStyle/>
+          <a:p>
+            <a:pPr algn="l"/>
+            <a:r>
+              <a:rPr lang="en-US" dirty="0" smtClean="0"/>
+              <a:t>The dense imploding shell stagnates on axis and converts its kinetic energy to thermal energy</a:t>
+            </a:r>
+          </a:p>
+        </p:txBody>
+      </p:sp>
+      <p:pic>
+        <p:nvPicPr>
+          <p:cNvPr id="18" name="Content Placeholder 4" descr="740px-Inertial_confinement_fusion.svg.png"/>
+          <p:cNvPicPr>
+            <a:picLocks noChangeAspect="1"/>
+          </p:cNvPicPr>
+          <p:nvPr/>
+        </p:nvPicPr>
+        <p:blipFill>
+          <a:blip r:embed="rId2"/>
+          <a:srcRect l="84738" t="-383" b="25518"/>
+          <a:stretch>
+            <a:fillRect/>
+          </a:stretch>
+        </p:blipFill>
+        <p:spPr bwMode="auto">
+          <a:xfrm>
+            <a:off x="4520020" y="4040891"/>
+            <a:ext cx="1121696" cy="1561463"/>
+          </a:xfrm>
+          <a:prstGeom prst="rect">
+            <a:avLst/>
+          </a:prstGeom>
+          <a:noFill/>
+          <a:ln w="9525">
+            <a:noFill/>
+            <a:miter lim="800000"/>
+            <a:headEnd/>
+            <a:tailEnd/>
+          </a:ln>
+        </p:spPr>
+      </p:pic>
+      <p:sp>
+        <p:nvSpPr>
+          <p:cNvPr id="19" name="TextBox 18"/>
+          <p:cNvSpPr txBox="1"/>
+          <p:nvPr/>
+        </p:nvSpPr>
+        <p:spPr>
+          <a:xfrm>
+            <a:off x="5767369" y="4292334"/>
+            <a:ext cx="3376632" cy="2031325"/>
+          </a:xfrm>
+          <a:prstGeom prst="rect">
+            <a:avLst/>
+          </a:prstGeom>
+          <a:noFill/>
+        </p:spPr>
+        <p:txBody>
+          <a:bodyPr wrap="square" rtlCol="0">
+            <a:spAutoFit/>
+          </a:bodyPr>
+          <a:lstStyle/>
+          <a:p>
+            <a:pPr algn="l"/>
+            <a:r>
+              <a:rPr lang="en-US" dirty="0" smtClean="0"/>
+              <a:t>The high stagnation temperature initiations a fusion burn wave.  The burn wave propagates faster than the shell can disassemble, releasing large amounts of energy</a:t>
+            </a:r>
+          </a:p>
+        </p:txBody>
+      </p:sp>
+      <p:sp>
+        <p:nvSpPr>
+          <p:cNvPr id="20" name="TextBox 19"/>
+          <p:cNvSpPr txBox="1"/>
+          <p:nvPr/>
+        </p:nvSpPr>
+        <p:spPr>
+          <a:xfrm>
+            <a:off x="0" y="6550223"/>
+            <a:ext cx="6313080" cy="276999"/>
+          </a:xfrm>
+          <a:prstGeom prst="rect">
+            <a:avLst/>
+          </a:prstGeom>
+          <a:noFill/>
+        </p:spPr>
+        <p:txBody>
+          <a:bodyPr wrap="square" rtlCol="0">
+            <a:spAutoFit/>
+          </a:bodyPr>
+          <a:lstStyle/>
+          <a:p>
+            <a:pPr algn="l"/>
+            <a:r>
+              <a:rPr lang="en-US" sz="1200" b="0" dirty="0" err="1" smtClean="0"/>
+              <a:t>http://en.wikipedia.org/wiki/File:Inertial_confinement_fusion.svg</a:t>
+            </a:r>
+            <a:endParaRPr lang="en-US" sz="1200" b="0" dirty="0" smtClean="0"/>
+          </a:p>
+        </p:txBody>
+      </p:sp>
+    </p:spTree>
+  </p:cSld>
+  <p:clrMapOvr>
+    <a:masterClrMapping/>
+  </p:clrMapOvr>
+  <p:timing>
+    <p:tnLst>
+      <p:par>
+        <p:cTn id="1" dur="indefinite" restart="never" nodeType="tmRoot"/>
+      </p:par>
+    </p:tnLst>
+  </p:timing>
+</p:sld>
+</file>
+
+<file path=ppt/slides/slide4.xml><?xml version="1.0" encoding="utf-8"?>
 <p:sld xmlns:a="http://schemas.openxmlformats.org/drawingml/2006/main" xmlns:r="http://schemas.openxmlformats.org/officeDocument/2006/relationships" xmlns:mc="http://schemas.openxmlformats.org/markup-compatibility/2006" xmlns:mv="urn:schemas-microsoft-com:mac:vml" xmlns:p="http://schemas.openxmlformats.org/presentationml/2006/main" mc:Ignorable="mv" mc:PreserveAttributes="mv:*">
   <p:cSld>
     <p:spTree>
@@ -10952,7 +10405,7 @@
 </p:sld>
 </file>
 
-<file path=ppt/slides/slide4.xml><?xml version="1.0" encoding="utf-8"?>
+<file path=ppt/slides/slide5.xml><?xml version="1.0" encoding="utf-8"?>
 <p:sld xmlns:a="http://schemas.openxmlformats.org/drawingml/2006/main" xmlns:r="http://schemas.openxmlformats.org/officeDocument/2006/relationships" xmlns:mc="http://schemas.openxmlformats.org/markup-compatibility/2006" xmlns:mv="urn:schemas-microsoft-com:mac:vml" xmlns:p="http://schemas.openxmlformats.org/presentationml/2006/main" mc:Ignorable="mv" mc:PreserveAttributes="mv:*">
   <p:cSld>
     <p:spTree>
@@ -11095,7 +10548,7 @@
 </p:sld>
 </file>
 
-<file path=ppt/slides/slide5.xml><?xml version="1.0" encoding="utf-8"?>
+<file path=ppt/slides/slide6.xml><?xml version="1.0" encoding="utf-8"?>
 <p:sld xmlns:a="http://schemas.openxmlformats.org/drawingml/2006/main" xmlns:r="http://schemas.openxmlformats.org/officeDocument/2006/relationships" xmlns:mc="http://schemas.openxmlformats.org/markup-compatibility/2006" xmlns:mv="urn:schemas-microsoft-com:mac:vml" xmlns:p="http://schemas.openxmlformats.org/presentationml/2006/main" mc:Ignorable="mv" mc:PreserveAttributes="mv:*">
   <p:cSld>
     <p:spTree>
@@ -11225,104 +10678,15 @@
           </a:p>
         </p:txBody>
       </p:sp>
-    </p:spTree>
-  </p:cSld>
-  <p:clrMapOvr>
-    <a:masterClrMapping/>
-  </p:clrMapOvr>
-  <p:timing>
-    <p:tnLst>
-      <p:par>
-        <p:cTn id="1" dur="indefinite" restart="never" nodeType="tmRoot"/>
-      </p:par>
-    </p:tnLst>
-  </p:timing>
-</p:sld>
-</file>
-
-<file path=ppt/slides/slide6.xml><?xml version="1.0" encoding="utf-8"?>
-<p:sld xmlns:a="http://schemas.openxmlformats.org/drawingml/2006/main" xmlns:r="http://schemas.openxmlformats.org/officeDocument/2006/relationships" xmlns:mc="http://schemas.openxmlformats.org/markup-compatibility/2006" xmlns:mv="urn:schemas-microsoft-com:mac:vml" xmlns:p="http://schemas.openxmlformats.org/presentationml/2006/main" mc:Ignorable="mv" mc:PreserveAttributes="mv:*">
-  <p:cSld>
-    <p:spTree>
-      <p:nvGrpSpPr>
-        <p:cNvPr id="1" name=""/>
-        <p:cNvGrpSpPr/>
-        <p:nvPr/>
-      </p:nvGrpSpPr>
-      <p:grpSpPr>
-        <a:xfrm>
-          <a:off x="0" y="0"/>
-          <a:ext cx="0" cy="0"/>
-          <a:chOff x="0" y="0"/>
-          <a:chExt cx="0" cy="0"/>
-        </a:xfrm>
-      </p:grpSpPr>
-      <p:pic>
-        <p:nvPicPr>
-          <p:cNvPr id="9" name="Picture 8" descr="rtplot_full.pdf"/>
-          <p:cNvPicPr>
-            <a:picLocks noChangeAspect="1"/>
-          </p:cNvPicPr>
-          <p:nvPr/>
-        </p:nvPicPr>
-        <mc:AlternateContent>
-          <mc:Choice xmlns:ma="http://schemas.microsoft.com/office/mac/drawingml/2008/main" Requires="ma">
-            <p:blipFill>
-              <a:blip r:embed="rId2"/>
-              <a:srcRect l="3425" t="7516" b="2510"/>
-              <a:stretch>
-                <a:fillRect/>
-              </a:stretch>
-            </p:blipFill>
-          </mc:Choice>
-          <mc:Fallback>
-            <p:blipFill>
-              <a:blip r:embed="rId3"/>
-              <a:srcRect l="3425" t="7516" b="2510"/>
-              <a:stretch>
-                <a:fillRect/>
-              </a:stretch>
-            </p:blipFill>
-          </mc:Fallback>
-        </mc:AlternateContent>
-        <p:spPr>
-          <a:xfrm>
-            <a:off x="383117" y="1031208"/>
-            <a:ext cx="8257090" cy="5769503"/>
-          </a:xfrm>
-          <a:prstGeom prst="rect">
-            <a:avLst/>
-          </a:prstGeom>
-        </p:spPr>
-      </p:pic>
-      <p:sp>
-        <p:nvSpPr>
-          <p:cNvPr id="2" name="Title 1"/>
-          <p:cNvSpPr>
-            <a:spLocks noGrp="1"/>
-          </p:cNvSpPr>
-          <p:nvPr>
-            <p:ph type="title"/>
-          </p:nvPr>
-        </p:nvSpPr>
-        <p:spPr/>
-        <p:txBody>
-          <a:bodyPr/>
-          <a:lstStyle/>
-          <a:p>
-            <a:endParaRPr lang="en-US"/>
-          </a:p>
-        </p:txBody>
-      </p:sp>
       <p:cxnSp>
         <p:nvCxnSpPr>
-          <p:cNvPr id="10" name="Straight Arrow Connector 9"/>
+          <p:cNvPr id="6" name="Straight Arrow Connector 5"/>
           <p:cNvCxnSpPr/>
           <p:nvPr/>
         </p:nvCxnSpPr>
         <p:spPr bwMode="auto">
           <a:xfrm>
-            <a:off x="5646727" y="3218598"/>
+            <a:off x="5646727" y="2977552"/>
             <a:ext cx="984067" cy="1588"/>
           </a:xfrm>
           <a:prstGeom prst="straightConnector1">
@@ -11343,13 +10707,13 @@
       </p:cxnSp>
       <p:sp>
         <p:nvSpPr>
-          <p:cNvPr id="11" name="TextBox 10"/>
+          <p:cNvPr id="9" name="TextBox 8"/>
           <p:cNvSpPr txBox="1"/>
           <p:nvPr/>
         </p:nvSpPr>
         <p:spPr>
           <a:xfrm>
-            <a:off x="3660306" y="3001327"/>
+            <a:off x="3780816" y="2695384"/>
             <a:ext cx="2410280" cy="369332"/>
           </a:xfrm>
           <a:prstGeom prst="rect">
@@ -11370,98 +10734,9 @@
           </a:p>
         </p:txBody>
       </p:sp>
-    </p:spTree>
-  </p:cSld>
-  <p:clrMapOvr>
-    <a:masterClrMapping/>
-  </p:clrMapOvr>
-  <p:timing>
-    <p:tnLst>
-      <p:par>
-        <p:cTn id="1" dur="indefinite" restart="never" nodeType="tmRoot"/>
-      </p:par>
-    </p:tnLst>
-  </p:timing>
-</p:sld>
-</file>
-
-<file path=ppt/slides/slide7.xml><?xml version="1.0" encoding="utf-8"?>
-<p:sld xmlns:a="http://schemas.openxmlformats.org/drawingml/2006/main" xmlns:r="http://schemas.openxmlformats.org/officeDocument/2006/relationships" xmlns:mc="http://schemas.openxmlformats.org/markup-compatibility/2006" xmlns:mv="urn:schemas-microsoft-com:mac:vml" xmlns:p="http://schemas.openxmlformats.org/presentationml/2006/main" mc:Ignorable="mv" mc:PreserveAttributes="mv:*">
-  <p:cSld>
-    <p:spTree>
-      <p:nvGrpSpPr>
-        <p:cNvPr id="1" name=""/>
-        <p:cNvGrpSpPr/>
-        <p:nvPr/>
-      </p:nvGrpSpPr>
-      <p:grpSpPr>
-        <a:xfrm>
-          <a:off x="0" y="0"/>
-          <a:ext cx="0" cy="0"/>
-          <a:chOff x="0" y="0"/>
-          <a:chExt cx="0" cy="0"/>
-        </a:xfrm>
-      </p:grpSpPr>
-      <p:pic>
-        <p:nvPicPr>
-          <p:cNvPr id="7" name="Picture 6" descr="rtplot_full.pdf"/>
-          <p:cNvPicPr>
-            <a:picLocks noChangeAspect="1"/>
-          </p:cNvPicPr>
-          <p:nvPr/>
-        </p:nvPicPr>
-        <mc:AlternateContent>
-          <mc:Choice xmlns:ma="http://schemas.microsoft.com/office/mac/drawingml/2008/main" Requires="ma">
-            <p:blipFill>
-              <a:blip r:embed="rId2"/>
-              <a:srcRect l="3425" t="7516" b="2510"/>
-              <a:stretch>
-                <a:fillRect/>
-              </a:stretch>
-            </p:blipFill>
-          </mc:Choice>
-          <mc:Fallback>
-            <p:blipFill>
-              <a:blip r:embed="rId3"/>
-              <a:srcRect l="3425" t="7516" b="2510"/>
-              <a:stretch>
-                <a:fillRect/>
-              </a:stretch>
-            </p:blipFill>
-          </mc:Fallback>
-        </mc:AlternateContent>
-        <p:spPr>
-          <a:xfrm>
-            <a:off x="383117" y="1031208"/>
-            <a:ext cx="8257090" cy="5769503"/>
-          </a:xfrm>
-          <a:prstGeom prst="rect">
-            <a:avLst/>
-          </a:prstGeom>
-        </p:spPr>
-      </p:pic>
       <p:sp>
         <p:nvSpPr>
-          <p:cNvPr id="2" name="Title 1"/>
-          <p:cNvSpPr>
-            <a:spLocks noGrp="1"/>
-          </p:cNvSpPr>
-          <p:nvPr>
-            <p:ph type="title"/>
-          </p:nvPr>
-        </p:nvSpPr>
-        <p:spPr/>
-        <p:txBody>
-          <a:bodyPr/>
-          <a:lstStyle/>
-          <a:p>
-            <a:endParaRPr lang="en-US"/>
-          </a:p>
-        </p:txBody>
-      </p:sp>
-      <p:sp>
-        <p:nvSpPr>
-          <p:cNvPr id="9" name="TextBox 8"/>
+          <p:cNvPr id="10" name="TextBox 9"/>
           <p:cNvSpPr txBox="1"/>
           <p:nvPr/>
         </p:nvSpPr>
@@ -11490,7 +10765,7 @@
       </p:sp>
       <p:cxnSp>
         <p:nvCxnSpPr>
-          <p:cNvPr id="14" name="Straight Arrow Connector 13"/>
+          <p:cNvPr id="11" name="Straight Arrow Connector 10"/>
           <p:cNvCxnSpPr/>
           <p:nvPr/>
         </p:nvCxnSpPr>
@@ -11517,7 +10792,7 @@
       </p:cxnSp>
       <p:cxnSp>
         <p:nvCxnSpPr>
-          <p:cNvPr id="15" name="Straight Arrow Connector 14"/>
+          <p:cNvPr id="12" name="Straight Arrow Connector 11"/>
           <p:cNvCxnSpPr/>
           <p:nvPr/>
         </p:nvCxnSpPr>
@@ -11550,14 +10825,440 @@
   <p:timing>
     <p:tnLst>
       <p:par>
-        <p:cTn id="1" dur="indefinite" restart="never" nodeType="tmRoot"/>
+        <p:cTn id="1" dur="indefinite" restart="never" nodeType="tmRoot">
+          <p:childTnLst>
+            <p:seq concurrent="1" nextAc="seek">
+              <p:cTn id="2" dur="indefinite" nodeType="mainSeq">
+                <p:childTnLst>
+                  <p:par>
+                    <p:cTn id="3" fill="hold">
+                      <p:stCondLst>
+                        <p:cond delay="indefinite"/>
+                      </p:stCondLst>
+                      <p:childTnLst>
+                        <p:par>
+                          <p:cTn id="4" fill="hold">
+                            <p:stCondLst>
+                              <p:cond delay="0"/>
+                            </p:stCondLst>
+                            <p:childTnLst>
+                              <p:par>
+                                <p:cTn id="5" presetID="1" presetClass="entr" presetSubtype="0" fill="hold" nodeType="clickEffect">
+                                  <p:stCondLst>
+                                    <p:cond delay="0"/>
+                                  </p:stCondLst>
+                                  <p:childTnLst>
+                                    <p:set>
+                                      <p:cBhvr>
+                                        <p:cTn id="6" dur="1" fill="hold">
+                                          <p:stCondLst>
+                                            <p:cond delay="0"/>
+                                          </p:stCondLst>
+                                        </p:cTn>
+                                        <p:tgtEl>
+                                          <p:spTgt spid="8"/>
+                                        </p:tgtEl>
+                                        <p:attrNameLst>
+                                          <p:attrName>style.visibility</p:attrName>
+                                        </p:attrNameLst>
+                                      </p:cBhvr>
+                                      <p:to>
+                                        <p:strVal val="visible"/>
+                                      </p:to>
+                                    </p:set>
+                                  </p:childTnLst>
+                                </p:cTn>
+                              </p:par>
+                            </p:childTnLst>
+                          </p:cTn>
+                        </p:par>
+                      </p:childTnLst>
+                    </p:cTn>
+                  </p:par>
+                  <p:par>
+                    <p:cTn id="7" fill="hold">
+                      <p:stCondLst>
+                        <p:cond delay="indefinite"/>
+                      </p:stCondLst>
+                      <p:childTnLst>
+                        <p:par>
+                          <p:cTn id="8" fill="hold">
+                            <p:stCondLst>
+                              <p:cond delay="0"/>
+                            </p:stCondLst>
+                            <p:childTnLst>
+                              <p:par>
+                                <p:cTn id="9" presetID="1" presetClass="entr" presetSubtype="0" fill="hold" nodeType="clickEffect">
+                                  <p:stCondLst>
+                                    <p:cond delay="0"/>
+                                  </p:stCondLst>
+                                  <p:childTnLst>
+                                    <p:set>
+                                      <p:cBhvr>
+                                        <p:cTn id="10" dur="1" fill="hold">
+                                          <p:stCondLst>
+                                            <p:cond delay="0"/>
+                                          </p:stCondLst>
+                                        </p:cTn>
+                                        <p:tgtEl>
+                                          <p:spTgt spid="5"/>
+                                        </p:tgtEl>
+                                        <p:attrNameLst>
+                                          <p:attrName>style.visibility</p:attrName>
+                                        </p:attrNameLst>
+                                      </p:cBhvr>
+                                      <p:to>
+                                        <p:strVal val="visible"/>
+                                      </p:to>
+                                    </p:set>
+                                  </p:childTnLst>
+                                </p:cTn>
+                              </p:par>
+                              <p:par>
+                                <p:cTn id="11" presetID="1" presetClass="entr" presetSubtype="0" fill="hold" grpId="0" nodeType="withEffect">
+                                  <p:stCondLst>
+                                    <p:cond delay="0"/>
+                                  </p:stCondLst>
+                                  <p:childTnLst>
+                                    <p:set>
+                                      <p:cBhvr>
+                                        <p:cTn id="12" dur="1" fill="hold">
+                                          <p:stCondLst>
+                                            <p:cond delay="0"/>
+                                          </p:stCondLst>
+                                        </p:cTn>
+                                        <p:tgtEl>
+                                          <p:spTgt spid="7"/>
+                                        </p:tgtEl>
+                                        <p:attrNameLst>
+                                          <p:attrName>style.visibility</p:attrName>
+                                        </p:attrNameLst>
+                                      </p:cBhvr>
+                                      <p:to>
+                                        <p:strVal val="visible"/>
+                                      </p:to>
+                                    </p:set>
+                                  </p:childTnLst>
+                                </p:cTn>
+                              </p:par>
+                            </p:childTnLst>
+                          </p:cTn>
+                        </p:par>
+                      </p:childTnLst>
+                    </p:cTn>
+                  </p:par>
+                  <p:par>
+                    <p:cTn id="13" fill="hold">
+                      <p:stCondLst>
+                        <p:cond delay="indefinite"/>
+                      </p:stCondLst>
+                      <p:childTnLst>
+                        <p:par>
+                          <p:cTn id="14" fill="hold">
+                            <p:stCondLst>
+                              <p:cond delay="0"/>
+                            </p:stCondLst>
+                            <p:childTnLst>
+                              <p:par>
+                                <p:cTn id="15" presetID="1" presetClass="exit" presetSubtype="0" fill="hold" nodeType="clickEffect">
+                                  <p:stCondLst>
+                                    <p:cond delay="0"/>
+                                  </p:stCondLst>
+                                  <p:childTnLst>
+                                    <p:set>
+                                      <p:cBhvr>
+                                        <p:cTn id="16" dur="1" fill="hold">
+                                          <p:stCondLst>
+                                            <p:cond delay="0"/>
+                                          </p:stCondLst>
+                                        </p:cTn>
+                                        <p:tgtEl>
+                                          <p:spTgt spid="5"/>
+                                        </p:tgtEl>
+                                        <p:attrNameLst>
+                                          <p:attrName>style.visibility</p:attrName>
+                                        </p:attrNameLst>
+                                      </p:cBhvr>
+                                      <p:to>
+                                        <p:strVal val="hidden"/>
+                                      </p:to>
+                                    </p:set>
+                                  </p:childTnLst>
+                                </p:cTn>
+                              </p:par>
+                              <p:par>
+                                <p:cTn id="17" presetID="1" presetClass="exit" presetSubtype="0" fill="hold" grpId="1" nodeType="withEffect">
+                                  <p:stCondLst>
+                                    <p:cond delay="0"/>
+                                  </p:stCondLst>
+                                  <p:childTnLst>
+                                    <p:set>
+                                      <p:cBhvr>
+                                        <p:cTn id="18" dur="1" fill="hold">
+                                          <p:stCondLst>
+                                            <p:cond delay="0"/>
+                                          </p:stCondLst>
+                                        </p:cTn>
+                                        <p:tgtEl>
+                                          <p:spTgt spid="7"/>
+                                        </p:tgtEl>
+                                        <p:attrNameLst>
+                                          <p:attrName>style.visibility</p:attrName>
+                                        </p:attrNameLst>
+                                      </p:cBhvr>
+                                      <p:to>
+                                        <p:strVal val="hidden"/>
+                                      </p:to>
+                                    </p:set>
+                                  </p:childTnLst>
+                                </p:cTn>
+                              </p:par>
+                              <p:par>
+                                <p:cTn id="19" presetID="1" presetClass="entr" presetSubtype="0" fill="hold" nodeType="withEffect">
+                                  <p:stCondLst>
+                                    <p:cond delay="0"/>
+                                  </p:stCondLst>
+                                  <p:childTnLst>
+                                    <p:set>
+                                      <p:cBhvr>
+                                        <p:cTn id="20" dur="1" fill="hold">
+                                          <p:stCondLst>
+                                            <p:cond delay="0"/>
+                                          </p:stCondLst>
+                                        </p:cTn>
+                                        <p:tgtEl>
+                                          <p:spTgt spid="6"/>
+                                        </p:tgtEl>
+                                        <p:attrNameLst>
+                                          <p:attrName>style.visibility</p:attrName>
+                                        </p:attrNameLst>
+                                      </p:cBhvr>
+                                      <p:to>
+                                        <p:strVal val="visible"/>
+                                      </p:to>
+                                    </p:set>
+                                  </p:childTnLst>
+                                </p:cTn>
+                              </p:par>
+                              <p:par>
+                                <p:cTn id="21" presetID="1" presetClass="entr" presetSubtype="0" fill="hold" grpId="0" nodeType="withEffect">
+                                  <p:stCondLst>
+                                    <p:cond delay="0"/>
+                                  </p:stCondLst>
+                                  <p:childTnLst>
+                                    <p:set>
+                                      <p:cBhvr>
+                                        <p:cTn id="22" dur="1" fill="hold">
+                                          <p:stCondLst>
+                                            <p:cond delay="0"/>
+                                          </p:stCondLst>
+                                        </p:cTn>
+                                        <p:tgtEl>
+                                          <p:spTgt spid="9"/>
+                                        </p:tgtEl>
+                                        <p:attrNameLst>
+                                          <p:attrName>style.visibility</p:attrName>
+                                        </p:attrNameLst>
+                                      </p:cBhvr>
+                                      <p:to>
+                                        <p:strVal val="visible"/>
+                                      </p:to>
+                                    </p:set>
+                                  </p:childTnLst>
+                                </p:cTn>
+                              </p:par>
+                            </p:childTnLst>
+                          </p:cTn>
+                        </p:par>
+                      </p:childTnLst>
+                    </p:cTn>
+                  </p:par>
+                  <p:par>
+                    <p:cTn id="23" fill="hold">
+                      <p:stCondLst>
+                        <p:cond delay="indefinite"/>
+                      </p:stCondLst>
+                      <p:childTnLst>
+                        <p:par>
+                          <p:cTn id="24" fill="hold">
+                            <p:stCondLst>
+                              <p:cond delay="0"/>
+                            </p:stCondLst>
+                            <p:childTnLst>
+                              <p:par>
+                                <p:cTn id="25" presetID="1" presetClass="exit" presetSubtype="0" fill="hold" nodeType="clickEffect">
+                                  <p:stCondLst>
+                                    <p:cond delay="0"/>
+                                  </p:stCondLst>
+                                  <p:childTnLst>
+                                    <p:set>
+                                      <p:cBhvr>
+                                        <p:cTn id="26" dur="1" fill="hold">
+                                          <p:stCondLst>
+                                            <p:cond delay="0"/>
+                                          </p:stCondLst>
+                                        </p:cTn>
+                                        <p:tgtEl>
+                                          <p:spTgt spid="6"/>
+                                        </p:tgtEl>
+                                        <p:attrNameLst>
+                                          <p:attrName>style.visibility</p:attrName>
+                                        </p:attrNameLst>
+                                      </p:cBhvr>
+                                      <p:to>
+                                        <p:strVal val="hidden"/>
+                                      </p:to>
+                                    </p:set>
+                                  </p:childTnLst>
+                                </p:cTn>
+                              </p:par>
+                              <p:par>
+                                <p:cTn id="27" presetID="1" presetClass="exit" presetSubtype="0" fill="hold" grpId="1" nodeType="withEffect">
+                                  <p:stCondLst>
+                                    <p:cond delay="0"/>
+                                  </p:stCondLst>
+                                  <p:childTnLst>
+                                    <p:set>
+                                      <p:cBhvr>
+                                        <p:cTn id="28" dur="1" fill="hold">
+                                          <p:stCondLst>
+                                            <p:cond delay="0"/>
+                                          </p:stCondLst>
+                                        </p:cTn>
+                                        <p:tgtEl>
+                                          <p:spTgt spid="9"/>
+                                        </p:tgtEl>
+                                        <p:attrNameLst>
+                                          <p:attrName>style.visibility</p:attrName>
+                                        </p:attrNameLst>
+                                      </p:cBhvr>
+                                      <p:to>
+                                        <p:strVal val="hidden"/>
+                                      </p:to>
+                                    </p:set>
+                                  </p:childTnLst>
+                                </p:cTn>
+                              </p:par>
+                              <p:par>
+                                <p:cTn id="29" presetID="1" presetClass="entr" presetSubtype="0" fill="hold" grpId="0" nodeType="withEffect">
+                                  <p:stCondLst>
+                                    <p:cond delay="0"/>
+                                  </p:stCondLst>
+                                  <p:childTnLst>
+                                    <p:set>
+                                      <p:cBhvr>
+                                        <p:cTn id="30" dur="1" fill="hold">
+                                          <p:stCondLst>
+                                            <p:cond delay="0"/>
+                                          </p:stCondLst>
+                                        </p:cTn>
+                                        <p:tgtEl>
+                                          <p:spTgt spid="10"/>
+                                        </p:tgtEl>
+                                        <p:attrNameLst>
+                                          <p:attrName>style.visibility</p:attrName>
+                                        </p:attrNameLst>
+                                      </p:cBhvr>
+                                      <p:to>
+                                        <p:strVal val="visible"/>
+                                      </p:to>
+                                    </p:set>
+                                  </p:childTnLst>
+                                </p:cTn>
+                              </p:par>
+                              <p:par>
+                                <p:cTn id="31" presetID="1" presetClass="entr" presetSubtype="0" fill="hold" nodeType="withEffect">
+                                  <p:stCondLst>
+                                    <p:cond delay="0"/>
+                                  </p:stCondLst>
+                                  <p:childTnLst>
+                                    <p:set>
+                                      <p:cBhvr>
+                                        <p:cTn id="32" dur="1" fill="hold">
+                                          <p:stCondLst>
+                                            <p:cond delay="0"/>
+                                          </p:stCondLst>
+                                        </p:cTn>
+                                        <p:tgtEl>
+                                          <p:spTgt spid="12"/>
+                                        </p:tgtEl>
+                                        <p:attrNameLst>
+                                          <p:attrName>style.visibility</p:attrName>
+                                        </p:attrNameLst>
+                                      </p:cBhvr>
+                                      <p:to>
+                                        <p:strVal val="visible"/>
+                                      </p:to>
+                                    </p:set>
+                                  </p:childTnLst>
+                                </p:cTn>
+                              </p:par>
+                              <p:par>
+                                <p:cTn id="33" presetID="1" presetClass="entr" presetSubtype="0" fill="hold" nodeType="withEffect">
+                                  <p:stCondLst>
+                                    <p:cond delay="0"/>
+                                  </p:stCondLst>
+                                  <p:childTnLst>
+                                    <p:set>
+                                      <p:cBhvr>
+                                        <p:cTn id="34" dur="1" fill="hold">
+                                          <p:stCondLst>
+                                            <p:cond delay="0"/>
+                                          </p:stCondLst>
+                                        </p:cTn>
+                                        <p:tgtEl>
+                                          <p:spTgt spid="11"/>
+                                        </p:tgtEl>
+                                        <p:attrNameLst>
+                                          <p:attrName>style.visibility</p:attrName>
+                                        </p:attrNameLst>
+                                      </p:cBhvr>
+                                      <p:to>
+                                        <p:strVal val="visible"/>
+                                      </p:to>
+                                    </p:set>
+                                  </p:childTnLst>
+                                </p:cTn>
+                              </p:par>
+                            </p:childTnLst>
+                          </p:cTn>
+                        </p:par>
+                      </p:childTnLst>
+                    </p:cTn>
+                  </p:par>
+                </p:childTnLst>
+              </p:cTn>
+              <p:prevCondLst>
+                <p:cond evt="onPrev" delay="0">
+                  <p:tgtEl>
+                    <p:sldTgt/>
+                  </p:tgtEl>
+                </p:cond>
+              </p:prevCondLst>
+              <p:nextCondLst>
+                <p:cond evt="onNext" delay="0">
+                  <p:tgtEl>
+                    <p:sldTgt/>
+                  </p:tgtEl>
+                </p:cond>
+              </p:nextCondLst>
+            </p:seq>
+          </p:childTnLst>
+        </p:cTn>
       </p:par>
     </p:tnLst>
+    <p:bldLst>
+      <p:bldP spid="7" grpId="0"/>
+      <p:bldP spid="7" grpId="1"/>
+      <p:bldP spid="9" grpId="0"/>
+      <p:bldP spid="9" grpId="1"/>
+      <p:bldP spid="10" grpId="0"/>
+    </p:bldLst>
   </p:timing>
 </p:sld>
 </file>
 
-<file path=ppt/slides/slide8.xml><?xml version="1.0" encoding="utf-8"?>
+<file path=ppt/slides/slide7.xml><?xml version="1.0" encoding="utf-8"?>
 <p:sld xmlns:a="http://schemas.openxmlformats.org/drawingml/2006/main" xmlns:r="http://schemas.openxmlformats.org/officeDocument/2006/relationships" xmlns:mc="http://schemas.openxmlformats.org/markup-compatibility/2006" xmlns:mv="urn:schemas-microsoft-com:mac:vml" xmlns:p="http://schemas.openxmlformats.org/presentationml/2006/main" mc:Ignorable="mv" mc:PreserveAttributes="mv:*">
   <p:cSld>
     <p:spTree>
@@ -11651,8 +11352,8 @@
         </p:nvSpPr>
         <p:spPr>
           <a:xfrm>
-            <a:off x="315104" y="3141360"/>
-            <a:ext cx="8670149" cy="1938992"/>
+            <a:off x="719213" y="3116620"/>
+            <a:ext cx="7767079" cy="1938992"/>
           </a:xfrm>
           <a:prstGeom prst="rect">
             <a:avLst/>
@@ -11671,14 +11372,7 @@
                 <a:latin typeface="Inconsolata"/>
                 <a:cs typeface="Inconsolata"/>
               </a:rPr>
-              <a:t>tuners =</a:t>
-            </a:r>
-            <a:r>
-              <a:rPr lang="en-US" sz="2000" b="0" dirty="0" smtClean="0">
-                <a:latin typeface="Inconsolata"/>
-                <a:cs typeface="Inconsolata"/>
-              </a:rPr>
-              <a:t> 3*[</a:t>
+              <a:t>tuners = 3*[</a:t>
             </a:r>
             <a:r>
               <a:rPr lang="en-US" sz="2000" b="0" dirty="0" err="1" smtClean="0">
@@ -11832,10 +11526,6 @@
               </a:rPr>
               <a:t>)</a:t>
             </a:r>
-            <a:endParaRPr lang="en-US" sz="2000" b="0" dirty="0" smtClean="0">
-              <a:latin typeface="Inconsolata"/>
-              <a:cs typeface="Inconsolata"/>
-            </a:endParaRPr>
           </a:p>
           <a:p>
             <a:pPr algn="l"/>
@@ -11889,7 +11579,7 @@
 </p:sld>
 </file>
 
-<file path=ppt/slides/slide9.xml><?xml version="1.0" encoding="utf-8"?>
+<file path=ppt/slides/slide8.xml><?xml version="1.0" encoding="utf-8"?>
 <p:sld xmlns:a="http://schemas.openxmlformats.org/drawingml/2006/main" xmlns:r="http://schemas.openxmlformats.org/officeDocument/2006/relationships" xmlns:mc="http://schemas.openxmlformats.org/markup-compatibility/2006" xmlns:mv="urn:schemas-microsoft-com:mac:vml" xmlns:p="http://schemas.openxmlformats.org/presentationml/2006/main" mc:Ignorable="mv" mc:PreserveAttributes="mv:*">
   <p:cSld>
     <p:spTree>
@@ -12513,6 +12203,101 @@
               <a:t>Program flow</a:t>
             </a:r>
             <a:endParaRPr lang="en-US" dirty="0"/>
+          </a:p>
+        </p:txBody>
+      </p:sp>
+    </p:spTree>
+  </p:cSld>
+  <p:clrMapOvr>
+    <a:masterClrMapping/>
+  </p:clrMapOvr>
+  <p:timing>
+    <p:tnLst>
+      <p:par>
+        <p:cTn id="1" dur="indefinite" restart="never" nodeType="tmRoot"/>
+      </p:par>
+    </p:tnLst>
+  </p:timing>
+</p:sld>
+</file>
+
+<file path=ppt/slides/slide9.xml><?xml version="1.0" encoding="utf-8"?>
+<p:sld xmlns:a="http://schemas.openxmlformats.org/drawingml/2006/main" xmlns:r="http://schemas.openxmlformats.org/officeDocument/2006/relationships" xmlns:mc="http://schemas.openxmlformats.org/markup-compatibility/2006" xmlns:mv="urn:schemas-microsoft-com:mac:vml" xmlns:p="http://schemas.openxmlformats.org/presentationml/2006/main" mc:Ignorable="mv" mc:PreserveAttributes="mv:*">
+  <p:cSld>
+    <p:spTree>
+      <p:nvGrpSpPr>
+        <p:cNvPr id="1" name=""/>
+        <p:cNvGrpSpPr/>
+        <p:nvPr/>
+      </p:nvGrpSpPr>
+      <p:grpSpPr>
+        <a:xfrm>
+          <a:off x="0" y="0"/>
+          <a:ext cx="0" cy="0"/>
+          <a:chOff x="0" y="0"/>
+          <a:chExt cx="0" cy="0"/>
+        </a:xfrm>
+      </p:grpSpPr>
+      <p:sp>
+        <p:nvSpPr>
+          <p:cNvPr id="2" name="Title 1"/>
+          <p:cNvSpPr>
+            <a:spLocks noGrp="1"/>
+          </p:cNvSpPr>
+          <p:nvPr>
+            <p:ph type="title"/>
+          </p:nvPr>
+        </p:nvSpPr>
+        <p:spPr/>
+        <p:txBody>
+          <a:bodyPr/>
+          <a:lstStyle/>
+          <a:p>
+            <a:r>
+              <a:rPr lang="en-US" dirty="0" smtClean="0"/>
+              <a:t>Python is both extended by and embedded in Hydra</a:t>
+            </a:r>
+            <a:endParaRPr lang="en-US" dirty="0"/>
+          </a:p>
+        </p:txBody>
+      </p:sp>
+      <p:sp>
+        <p:nvSpPr>
+          <p:cNvPr id="3" name="Content Placeholder 2"/>
+          <p:cNvSpPr>
+            <a:spLocks noGrp="1"/>
+          </p:cNvSpPr>
+          <p:nvPr>
+            <p:ph idx="1"/>
+          </p:nvPr>
+        </p:nvSpPr>
+        <p:spPr/>
+        <p:txBody>
+          <a:bodyPr/>
+          <a:lstStyle/>
+          <a:p>
+            <a:r>
+              <a:rPr lang="en-US" sz="2000" dirty="0" smtClean="0"/>
+              <a:t>Python is extended through a module called “hydra” which contains functions and objects to manipulate hydra data structures</a:t>
+            </a:r>
+          </a:p>
+          <a:p>
+            <a:endParaRPr lang="en-US" sz="2000" dirty="0" smtClean="0"/>
+          </a:p>
+          <a:p>
+            <a:r>
+              <a:rPr lang="en-US" sz="2000" dirty="0" smtClean="0"/>
+              <a:t>Python is then embedded in the Hydra executable</a:t>
+            </a:r>
+          </a:p>
+          <a:p>
+            <a:endParaRPr lang="en-US" sz="2000" dirty="0" smtClean="0"/>
+          </a:p>
+          <a:p>
+            <a:r>
+              <a:rPr lang="en-US" sz="2000" dirty="0" smtClean="0"/>
+              <a:t>Bottom line: Hydra makes available a Python interpreter running concurrently in parallel with the main Hydra executable.  The two processes are loosely coupled through the “hydra” Python module</a:t>
+            </a:r>
           </a:p>
         </p:txBody>
       </p:sp>

--- a/papers/koningterry/slides.pptx
+++ b/papers/koningterry/slides.pptx
@@ -6,36 +6,38 @@
     <p:sldMasterId id="2147485039" r:id="rId2"/>
   </p:sldMasterIdLst>
   <p:notesMasterIdLst>
-    <p:notesMasterId r:id="rId27"/>
+    <p:notesMasterId r:id="rId29"/>
   </p:notesMasterIdLst>
   <p:handoutMasterIdLst>
-    <p:handoutMasterId r:id="rId28"/>
+    <p:handoutMasterId r:id="rId30"/>
   </p:handoutMasterIdLst>
   <p:sldIdLst>
     <p:sldId id="496" r:id="rId3"/>
     <p:sldId id="534" r:id="rId4"/>
-    <p:sldId id="500" r:id="rId5"/>
-    <p:sldId id="516" r:id="rId6"/>
-    <p:sldId id="532" r:id="rId7"/>
-    <p:sldId id="517" r:id="rId8"/>
-    <p:sldId id="520" r:id="rId9"/>
-    <p:sldId id="531" r:id="rId10"/>
-    <p:sldId id="523" r:id="rId11"/>
-    <p:sldId id="524" r:id="rId12"/>
-    <p:sldId id="525" r:id="rId13"/>
-    <p:sldId id="521" r:id="rId14"/>
-    <p:sldId id="509" r:id="rId15"/>
-    <p:sldId id="533" r:id="rId16"/>
-    <p:sldId id="526" r:id="rId17"/>
-    <p:sldId id="527" r:id="rId18"/>
-    <p:sldId id="528" r:id="rId19"/>
-    <p:sldId id="530" r:id="rId20"/>
-    <p:sldId id="522" r:id="rId21"/>
-    <p:sldId id="504" r:id="rId22"/>
-    <p:sldId id="508" r:id="rId23"/>
-    <p:sldId id="510" r:id="rId24"/>
-    <p:sldId id="512" r:id="rId25"/>
-    <p:sldId id="506" r:id="rId26"/>
+    <p:sldId id="535" r:id="rId5"/>
+    <p:sldId id="500" r:id="rId6"/>
+    <p:sldId id="516" r:id="rId7"/>
+    <p:sldId id="532" r:id="rId8"/>
+    <p:sldId id="517" r:id="rId9"/>
+    <p:sldId id="520" r:id="rId10"/>
+    <p:sldId id="531" r:id="rId11"/>
+    <p:sldId id="536" r:id="rId12"/>
+    <p:sldId id="523" r:id="rId13"/>
+    <p:sldId id="524" r:id="rId14"/>
+    <p:sldId id="525" r:id="rId15"/>
+    <p:sldId id="521" r:id="rId16"/>
+    <p:sldId id="509" r:id="rId17"/>
+    <p:sldId id="533" r:id="rId18"/>
+    <p:sldId id="526" r:id="rId19"/>
+    <p:sldId id="527" r:id="rId20"/>
+    <p:sldId id="528" r:id="rId21"/>
+    <p:sldId id="530" r:id="rId22"/>
+    <p:sldId id="522" r:id="rId23"/>
+    <p:sldId id="504" r:id="rId24"/>
+    <p:sldId id="508" r:id="rId25"/>
+    <p:sldId id="510" r:id="rId26"/>
+    <p:sldId id="512" r:id="rId27"/>
+    <p:sldId id="506" r:id="rId28"/>
   </p:sldIdLst>
   <p:sldSz cx="9144000" cy="6858000" type="screen4x3"/>
   <p:notesSz cx="6858000" cy="9144000"/>
@@ -4032,16 +4034,32 @@
           <a:p>
             <a:pPr defTabSz="820738"/>
             <a:r>
-              <a:rPr lang="en-US" sz="2200" dirty="0" smtClean="0">
-                <a:solidFill>
-                  <a:srgbClr val="000000"/>
-                </a:solidFill>
-                <a:latin typeface="Arial" pitchFamily="-112" charset="0"/>
-                <a:ea typeface="Times New Roman" pitchFamily="-112" charset="0"/>
-                <a:cs typeface="Times New Roman" pitchFamily="-112" charset="0"/>
-              </a:rPr>
-              <a:t>Automatically Tuning ICF Shock Ignition Targets</a:t>
-            </a:r>
+              <a:rPr lang="en-US" sz="2400" dirty="0" smtClean="0"/>
+              <a:t>Automation of Inertial Fusion Target Design</a:t>
+            </a:r>
+            <a:r>
+              <a:rPr lang="en-US" sz="2400" dirty="0" smtClean="0"/>
+              <a:t> </a:t>
+            </a:r>
+          </a:p>
+          <a:p>
+            <a:pPr defTabSz="820738"/>
+            <a:r>
+              <a:rPr lang="en-US" sz="2400" dirty="0" smtClean="0"/>
+              <a:t>with </a:t>
+            </a:r>
+            <a:r>
+              <a:rPr lang="en-US" sz="2400" dirty="0" smtClean="0"/>
+              <a:t>Python</a:t>
+            </a:r>
+            <a:endParaRPr lang="en-US" sz="2200" dirty="0" smtClean="0">
+              <a:solidFill>
+                <a:srgbClr val="000000"/>
+              </a:solidFill>
+              <a:latin typeface="Arial" pitchFamily="-112" charset="0"/>
+              <a:ea typeface="Times New Roman" pitchFamily="-112" charset="0"/>
+              <a:cs typeface="Times New Roman" pitchFamily="-112" charset="0"/>
+            </a:endParaRPr>
           </a:p>
         </p:txBody>
       </p:sp>
@@ -4405,7 +4423,7 @@
           <a:p>
             <a:r>
               <a:rPr lang="en-US" dirty="0" smtClean="0"/>
-              <a:t>Interesting lessons learned</a:t>
+              <a:t>Hydra is a massively parallel multi-physics code developed at LLNL</a:t>
             </a:r>
             <a:endParaRPr lang="en-US" dirty="0"/>
           </a:p>
@@ -4418,114 +4436,150 @@
             <a:spLocks noGrp="1"/>
           </p:cNvSpPr>
           <p:nvPr>
-            <p:ph idx="1"/>
+            <p:ph sz="half" idx="1"/>
           </p:nvPr>
         </p:nvSpPr>
-        <p:spPr>
-          <a:xfrm>
-            <a:off x="212725" y="1401379"/>
-            <a:ext cx="8778875" cy="4885121"/>
-          </a:xfrm>
-        </p:spPr>
+        <p:spPr/>
         <p:txBody>
           <a:bodyPr/>
           <a:lstStyle/>
           <a:p>
             <a:r>
-              <a:rPr lang="en-US" dirty="0" smtClean="0"/>
-              <a:t>Need a custom parser to handle parallel </a:t>
-            </a:r>
-            <a:r>
-              <a:rPr lang="en-US" dirty="0" err="1" smtClean="0"/>
-              <a:t>environement</a:t>
-            </a:r>
-            <a:endParaRPr lang="en-US" dirty="0" smtClean="0"/>
-          </a:p>
-          <a:p>
-            <a:pPr lvl="1"/>
-            <a:r>
-              <a:rPr lang="en-US" dirty="0" smtClean="0">
-                <a:latin typeface="Inconsolata"/>
-                <a:cs typeface="Inconsolata"/>
-              </a:rPr>
-              <a:t>from __future__ import </a:t>
-            </a:r>
-            <a:r>
-              <a:rPr lang="en-US" dirty="0" err="1" smtClean="0">
-                <a:latin typeface="Inconsolata"/>
-                <a:cs typeface="Inconsolata"/>
-              </a:rPr>
-              <a:t>with_statement</a:t>
-            </a:r>
-            <a:endParaRPr lang="en-US" dirty="0" smtClean="0">
-              <a:latin typeface="Inconsolata"/>
-              <a:cs typeface="Inconsolata"/>
-            </a:endParaRPr>
-          </a:p>
-          <a:p>
-            <a:pPr>
-              <a:buNone/>
-            </a:pPr>
-            <a:endParaRPr lang="en-US" dirty="0" smtClean="0"/>
-          </a:p>
-          <a:p>
-            <a:r>
-              <a:rPr lang="en-US" dirty="0" smtClean="0"/>
-              <a:t>Saving the state of </a:t>
-            </a:r>
-            <a:r>
-              <a:rPr lang="en-US" dirty="0" smtClean="0">
-                <a:latin typeface="Inconsolata"/>
-                <a:cs typeface="Inconsolata"/>
-              </a:rPr>
-              <a:t>__main__</a:t>
-            </a:r>
-            <a:r>
-              <a:rPr lang="en-US" dirty="0" smtClean="0"/>
-              <a:t> across restarts is tricky</a:t>
-            </a:r>
-          </a:p>
-          <a:p>
-            <a:pPr lvl="1"/>
-            <a:r>
-              <a:rPr lang="en-US" dirty="0" smtClean="0"/>
-              <a:t>Cobble together many methods to collect state</a:t>
-            </a:r>
-          </a:p>
-          <a:p>
-            <a:pPr lvl="1"/>
-            <a:r>
-              <a:rPr lang="en-US" dirty="0" smtClean="0"/>
-              <a:t>Pickle state as a string and add it to restart files</a:t>
-            </a:r>
-          </a:p>
-          <a:p>
-            <a:pPr lvl="1"/>
-            <a:r>
-              <a:rPr lang="en-US" dirty="0" smtClean="0"/>
-              <a:t>Some objects pickle but do not </a:t>
-            </a:r>
-            <a:r>
-              <a:rPr lang="en-US" dirty="0" err="1" smtClean="0"/>
-              <a:t>unpickle</a:t>
-            </a:r>
-            <a:r>
-              <a:rPr lang="en-US" dirty="0" smtClean="0"/>
-              <a:t>!</a:t>
-            </a:r>
-          </a:p>
-          <a:p>
-            <a:pPr lvl="1"/>
-            <a:endParaRPr lang="en-US" dirty="0" smtClean="0"/>
-          </a:p>
-          <a:p>
-            <a:r>
-              <a:rPr lang="en-US" dirty="0" smtClean="0"/>
-              <a:t>If your program uses different indexing than Python, resist the urge to emulate your program’s indexing in Python</a:t>
+              <a:rPr lang="en-US" sz="1800" dirty="0" smtClean="0"/>
+              <a:t>50+ users at National Labs and in academia</a:t>
+            </a:r>
+          </a:p>
+          <a:p>
+            <a:r>
+              <a:rPr lang="en-US" sz="1800" dirty="0" smtClean="0"/>
+              <a:t>Use to model high energy density plasmas</a:t>
+            </a:r>
+          </a:p>
+          <a:p>
+            <a:r>
+              <a:rPr lang="en-US" sz="1800" dirty="0" smtClean="0"/>
+              <a:t>In development since 1993</a:t>
             </a:r>
           </a:p>
         </p:txBody>
       </p:sp>
+      <p:sp>
+        <p:nvSpPr>
+          <p:cNvPr id="4" name="Content Placeholder 3"/>
+          <p:cNvSpPr>
+            <a:spLocks noGrp="1"/>
+          </p:cNvSpPr>
+          <p:nvPr>
+            <p:ph sz="half" idx="2"/>
+          </p:nvPr>
+        </p:nvSpPr>
+        <p:spPr/>
+        <p:txBody>
+          <a:bodyPr/>
+          <a:lstStyle/>
+          <a:p>
+            <a:r>
+              <a:rPr lang="en-US" sz="1800" dirty="0" smtClean="0"/>
+              <a:t>ALE Hydrodynamics</a:t>
+            </a:r>
+          </a:p>
+          <a:p>
+            <a:pPr lvl="1"/>
+            <a:r>
+              <a:rPr lang="en-US" sz="1400" dirty="0" smtClean="0"/>
+              <a:t>2D / 3D block structured mesh</a:t>
+            </a:r>
+          </a:p>
+          <a:p>
+            <a:r>
+              <a:rPr lang="en-US" sz="1800" dirty="0" smtClean="0"/>
+              <a:t>Radiation (Photon) transport</a:t>
+            </a:r>
+          </a:p>
+          <a:p>
+            <a:r>
+              <a:rPr lang="en-US" sz="1800" dirty="0" smtClean="0"/>
+              <a:t>Laser beams</a:t>
+            </a:r>
+          </a:p>
+          <a:p>
+            <a:r>
+              <a:rPr lang="en-US" sz="1800" dirty="0" smtClean="0"/>
+              <a:t>Heavy ion beams</a:t>
+            </a:r>
+          </a:p>
+          <a:p>
+            <a:r>
+              <a:rPr lang="en-US" sz="1800" dirty="0" smtClean="0"/>
+              <a:t>Resistive MHD</a:t>
+            </a:r>
+          </a:p>
+          <a:p>
+            <a:r>
+              <a:rPr lang="en-US" sz="1800" dirty="0" smtClean="0"/>
+              <a:t>Ion/Electron conduction</a:t>
+            </a:r>
+          </a:p>
+          <a:p>
+            <a:r>
+              <a:rPr lang="en-US" sz="1800" dirty="0" smtClean="0"/>
+              <a:t>PIC</a:t>
+            </a:r>
+          </a:p>
+          <a:p>
+            <a:r>
+              <a:rPr lang="en-US" sz="1800" dirty="0" smtClean="0"/>
+              <a:t>Atomic physics</a:t>
+            </a:r>
+          </a:p>
+          <a:p>
+            <a:pPr lvl="1"/>
+            <a:r>
+              <a:rPr lang="en-US" sz="1400" dirty="0" smtClean="0"/>
+              <a:t>Equation of State</a:t>
+            </a:r>
+          </a:p>
+          <a:p>
+            <a:pPr lvl="1"/>
+            <a:r>
+              <a:rPr lang="en-US" sz="1400" dirty="0" smtClean="0"/>
+              <a:t>Opacity</a:t>
+            </a:r>
+            <a:endParaRPr lang="en-US" sz="1800" dirty="0" smtClean="0"/>
+          </a:p>
+          <a:p>
+            <a:r>
+              <a:rPr lang="en-US" sz="1800" dirty="0" smtClean="0"/>
+              <a:t>Fusion Burn</a:t>
+            </a:r>
+          </a:p>
+        </p:txBody>
+      </p:sp>
+      <p:pic>
+        <p:nvPicPr>
+          <p:cNvPr id="5" name="Picture 4"/>
+          <p:cNvPicPr>
+            <a:picLocks noChangeAspect="1"/>
+          </p:cNvPicPr>
+          <p:nvPr/>
+        </p:nvPicPr>
+        <p:blipFill>
+          <a:blip r:embed="rId2"/>
+          <a:srcRect t="9678" b="34873"/>
+          <a:stretch>
+            <a:fillRect/>
+          </a:stretch>
+        </p:blipFill>
+        <p:spPr>
+          <a:xfrm>
+            <a:off x="710387" y="3492104"/>
+            <a:ext cx="3563225" cy="2635828"/>
+          </a:xfrm>
+          <a:prstGeom prst="rect">
+            <a:avLst/>
+          </a:prstGeom>
+        </p:spPr>
+      </p:pic>
     </p:spTree>
   </p:cSld>
   <p:clrMapOvr>
@@ -4575,7 +4629,7 @@
           <a:p>
             <a:r>
               <a:rPr lang="en-US" dirty="0" smtClean="0"/>
-              <a:t>Embedded Python interpreter enables “introspective” programs without major software development effort</a:t>
+              <a:t>Python is both extended by and embedded in Hydra</a:t>
             </a:r>
             <a:endParaRPr lang="en-US" dirty="0"/>
           </a:p>
@@ -4591,74 +4645,32 @@
             <p:ph idx="1"/>
           </p:nvPr>
         </p:nvSpPr>
-        <p:spPr>
-          <a:xfrm>
-            <a:off x="212725" y="1340069"/>
-            <a:ext cx="8778875" cy="4946431"/>
-          </a:xfrm>
-        </p:spPr>
+        <p:spPr/>
         <p:txBody>
           <a:bodyPr/>
           <a:lstStyle/>
           <a:p>
             <a:r>
-              <a:rPr lang="en-US" dirty="0" smtClean="0"/>
-              <a:t>Flexible in code diagnostics</a:t>
-            </a:r>
-          </a:p>
-          <a:p>
-            <a:pPr lvl="1"/>
-            <a:r>
-              <a:rPr lang="en-US" dirty="0" smtClean="0"/>
-              <a:t>High frequency sampling without dumping to disk</a:t>
-            </a:r>
-          </a:p>
-          <a:p>
-            <a:pPr lvl="1"/>
-            <a:r>
-              <a:rPr lang="en-US" dirty="0" smtClean="0"/>
-              <a:t>Watch for shock breakout</a:t>
-            </a:r>
-          </a:p>
-          <a:p>
-            <a:pPr lvl="1"/>
-            <a:r>
-              <a:rPr lang="en-US" dirty="0" smtClean="0"/>
-              <a:t>Watch for peak ρR</a:t>
-            </a:r>
-          </a:p>
-          <a:p>
-            <a:pPr lvl="1"/>
-            <a:endParaRPr lang="en-US" dirty="0" smtClean="0"/>
-          </a:p>
-          <a:p>
-            <a:r>
-              <a:rPr lang="en-US" dirty="0" smtClean="0"/>
-              <a:t>Steer simulation based on gathered information</a:t>
-            </a:r>
-          </a:p>
-          <a:p>
-            <a:pPr lvl="1"/>
-            <a:r>
-              <a:rPr lang="en-US" dirty="0" smtClean="0"/>
-              <a:t>Finer output resolution near interesting features</a:t>
-            </a:r>
-          </a:p>
-          <a:p>
-            <a:pPr lvl="1"/>
-            <a:r>
-              <a:rPr lang="en-US" dirty="0" smtClean="0"/>
-              <a:t>Turn on additional physics based on software triggers</a:t>
-            </a:r>
-          </a:p>
-          <a:p>
-            <a:pPr lvl="1"/>
-            <a:endParaRPr lang="en-US" dirty="0" smtClean="0"/>
-          </a:p>
-          <a:p>
-            <a:r>
-              <a:rPr lang="en-US" dirty="0" smtClean="0"/>
-              <a:t>Don’t need access to the source &amp; no recompile</a:t>
+              <a:rPr lang="en-US" sz="2000" dirty="0" smtClean="0"/>
+              <a:t>Python is extended through a module called “hydra” which contains functions and objects to manipulate hydra data structures</a:t>
+            </a:r>
+          </a:p>
+          <a:p>
+            <a:endParaRPr lang="en-US" sz="2000" dirty="0" smtClean="0"/>
+          </a:p>
+          <a:p>
+            <a:r>
+              <a:rPr lang="en-US" sz="2000" dirty="0" smtClean="0"/>
+              <a:t>Python is then embedded in the Hydra executable</a:t>
+            </a:r>
+          </a:p>
+          <a:p>
+            <a:endParaRPr lang="en-US" sz="2000" dirty="0" smtClean="0"/>
+          </a:p>
+          <a:p>
+            <a:r>
+              <a:rPr lang="en-US" sz="2000" dirty="0" smtClean="0"/>
+              <a:t>Bottom line: Hydra makes available a Python interpreter running concurrently in parallel with the main Hydra executable.  The two processes are loosely coupled through the “hydra” Python module</a:t>
             </a:r>
           </a:p>
         </p:txBody>
@@ -4712,11 +4724,7 @@
           <a:p>
             <a:r>
               <a:rPr lang="en-US" dirty="0" smtClean="0"/>
-              <a:t>Auto-tuner needs to generate, run and process many </a:t>
-            </a:r>
-            <a:r>
-              <a:rPr lang="en-US" dirty="0" err="1" smtClean="0"/>
-              <a:t>simultions</a:t>
+              <a:t>Interesting lessons learned</a:t>
             </a:r>
             <a:endParaRPr lang="en-US" dirty="0"/>
           </a:p>
@@ -4734,8 +4742,8 @@
         </p:nvSpPr>
         <p:spPr>
           <a:xfrm>
-            <a:off x="212725" y="1231719"/>
-            <a:ext cx="8778875" cy="5054781"/>
+            <a:off x="212725" y="1401379"/>
+            <a:ext cx="8778875" cy="4885121"/>
           </a:xfrm>
         </p:spPr>
         <p:txBody>
@@ -4744,60 +4752,97 @@
           <a:p>
             <a:r>
               <a:rPr lang="en-US" dirty="0" smtClean="0"/>
-              <a:t>Input file generators that wrap a “template” input file</a:t>
-            </a:r>
+              <a:t>Python </a:t>
+            </a:r>
+            <a:r>
+              <a:rPr lang="en-US" dirty="0" err="1" smtClean="0"/>
+              <a:t>readline</a:t>
+            </a:r>
+            <a:r>
+              <a:rPr lang="en-US" dirty="0" smtClean="0"/>
+              <a:t> cannot be overridden for non-interactive </a:t>
+            </a:r>
+            <a:r>
+              <a:rPr lang="en-US" dirty="0" err="1" smtClean="0"/>
+              <a:t>tty’s</a:t>
+            </a:r>
+            <a:endParaRPr lang="en-US" dirty="0" smtClean="0"/>
           </a:p>
           <a:p>
             <a:pPr lvl="1"/>
             <a:r>
               <a:rPr lang="en-US" dirty="0" smtClean="0"/>
-              <a:t>Modify simple Hydra variable assignments</a:t>
+              <a:t>Python is not the primary interpreter</a:t>
             </a:r>
           </a:p>
           <a:p>
             <a:pPr lvl="1"/>
             <a:r>
               <a:rPr lang="en-US" dirty="0" smtClean="0"/>
-              <a:t>Delegate complicated input file structures to special purpose objects</a:t>
+              <a:t>Subject to master node, so not even second in line</a:t>
             </a:r>
           </a:p>
           <a:p>
             <a:pPr lvl="1"/>
             <a:r>
               <a:rPr lang="en-US" dirty="0" smtClean="0"/>
-              <a:t>Inject commands into the input file by </a:t>
-            </a:r>
-            <a:r>
-              <a:rPr lang="en-US" dirty="0" err="1" smtClean="0"/>
-              <a:t>overwritings</a:t>
-            </a:r>
+              <a:t>Solution: use custom interactive interpreter</a:t>
+            </a:r>
+            <a:endParaRPr lang="en-US" dirty="0" smtClean="0">
+              <a:latin typeface="Inconsolata"/>
+              <a:cs typeface="Inconsolata"/>
+            </a:endParaRPr>
+          </a:p>
+          <a:p>
+            <a:pPr>
+              <a:buNone/>
+            </a:pPr>
+            <a:endParaRPr lang="en-US" dirty="0" smtClean="0"/>
+          </a:p>
+          <a:p>
             <a:r>
               <a:rPr lang="en-US" dirty="0" smtClean="0"/>
-              <a:t> sentinels with </a:t>
-            </a:r>
-            <a:br>
-              <a:rPr lang="en-US" dirty="0" smtClean="0"/>
-            </a:br>
+              <a:t>Saving the state of </a:t>
+            </a:r>
             <a:r>
               <a:rPr lang="en-US" dirty="0" smtClean="0">
                 <a:latin typeface="Inconsolata"/>
                 <a:cs typeface="Inconsolata"/>
               </a:rPr>
-              <a:t>	</a:t>
-            </a:r>
-            <a:r>
-              <a:rPr lang="en-US" dirty="0" err="1" smtClean="0">
-                <a:latin typeface="Inconsolata"/>
-                <a:cs typeface="Inconsolata"/>
-              </a:rPr>
-              <a:t>str(python_proxy_of_complicated_thing</a:t>
-            </a:r>
-            <a:r>
-              <a:rPr lang="en-US" dirty="0" smtClean="0">
-                <a:latin typeface="Inconsolata"/>
-                <a:cs typeface="Inconsolata"/>
-              </a:rPr>
-              <a:t>)</a:t>
+              <a:t>__main__</a:t>
+            </a:r>
+            <a:r>
+              <a:rPr lang="en-US" dirty="0" smtClean="0"/>
+              <a:t> across restarts is tricky</a:t>
+            </a:r>
+          </a:p>
+          <a:p>
+            <a:pPr lvl="1"/>
+            <a:r>
+              <a:rPr lang="en-US" dirty="0" smtClean="0"/>
+              <a:t>Cobble together many methods to collect state</a:t>
+            </a:r>
+          </a:p>
+          <a:p>
+            <a:pPr lvl="1"/>
+            <a:r>
+              <a:rPr lang="en-US" dirty="0" smtClean="0"/>
+              <a:t>Pickle state as a string and add it to restart files</a:t>
+            </a:r>
+          </a:p>
+          <a:p>
+            <a:pPr lvl="1"/>
+            <a:r>
+              <a:rPr lang="en-US" dirty="0" smtClean="0"/>
+              <a:t>Some objects pickle but do not </a:t>
+            </a:r>
+            <a:r>
+              <a:rPr lang="en-US" dirty="0" err="1" smtClean="0"/>
+              <a:t>unpickle</a:t>
+            </a:r>
+            <a:r>
+              <a:rPr lang="en-US" dirty="0" smtClean="0"/>
+              <a:t>!</a:t>
             </a:r>
           </a:p>
           <a:p>
@@ -4807,37 +4852,7 @@
           <a:p>
             <a:r>
               <a:rPr lang="en-US" dirty="0" smtClean="0"/>
-              <a:t>Output file wrappers extract data from Hydra binary output files</a:t>
-            </a:r>
-          </a:p>
-          <a:p>
-            <a:endParaRPr lang="en-US" dirty="0" smtClean="0"/>
-          </a:p>
-          <a:p>
-            <a:r>
-              <a:rPr lang="en-US" dirty="0" smtClean="0"/>
-              <a:t>Embedded diagnostics using embedded Python interpreter</a:t>
-            </a:r>
-          </a:p>
-          <a:p>
-            <a:pPr lvl="1"/>
-            <a:r>
-              <a:rPr lang="en-US" dirty="0" smtClean="0"/>
-              <a:t>Characteristic (shock) trackers with finish line triggers</a:t>
-            </a:r>
-          </a:p>
-          <a:p>
-            <a:pPr lvl="1"/>
-            <a:r>
-              <a:rPr lang="en-US" dirty="0" smtClean="0"/>
-              <a:t>Change graphics dump frequency based on shock locations</a:t>
-            </a:r>
-          </a:p>
-          <a:p>
-            <a:pPr lvl="1"/>
-            <a:r>
-              <a:rPr lang="en-US" dirty="0" smtClean="0"/>
-              <a:t>ρR monitors</a:t>
+              <a:t>If your program uses different indexing than Python, resist the urge to emulate your program’s indexing in Python</a:t>
             </a:r>
           </a:p>
         </p:txBody>
@@ -4891,27 +4906,319 @@
           <a:p>
             <a:r>
               <a:rPr lang="en-US" dirty="0" smtClean="0"/>
-              <a:t>Physics and design </a:t>
-            </a:r>
+              <a:t>Embedded Python interpreter enables “introspective” programs without major software development effort</a:t>
+            </a:r>
+            <a:endParaRPr lang="en-US" dirty="0"/>
+          </a:p>
+        </p:txBody>
+      </p:sp>
+      <p:sp>
+        <p:nvSpPr>
+          <p:cNvPr id="3" name="Content Placeholder 2"/>
+          <p:cNvSpPr>
+            <a:spLocks noGrp="1"/>
+          </p:cNvSpPr>
+          <p:nvPr>
+            <p:ph idx="1"/>
+          </p:nvPr>
+        </p:nvSpPr>
+        <p:spPr>
+          <a:xfrm>
+            <a:off x="212725" y="1340069"/>
+            <a:ext cx="8778875" cy="4946431"/>
+          </a:xfrm>
+        </p:spPr>
+        <p:txBody>
+          <a:bodyPr/>
+          <a:lstStyle/>
+          <a:p>
             <a:r>
               <a:rPr lang="en-US" dirty="0" smtClean="0"/>
-              <a:t>rational for </a:t>
-            </a:r>
+              <a:t>Flexible in code diagnostics</a:t>
+            </a:r>
+          </a:p>
+          <a:p>
+            <a:pPr lvl="1"/>
             <a:r>
               <a:rPr lang="en-US" dirty="0" smtClean="0"/>
-              <a:t>p</a:t>
-            </a:r>
+              <a:t>High frequency sampling without dumping to disk</a:t>
+            </a:r>
+          </a:p>
+          <a:p>
+            <a:pPr lvl="1"/>
             <a:r>
               <a:rPr lang="en-US" dirty="0" smtClean="0"/>
-              <a:t>re</a:t>
-            </a:r>
+              <a:t>Watch for shock breakout</a:t>
+            </a:r>
+          </a:p>
+          <a:p>
+            <a:pPr lvl="1"/>
             <a:r>
               <a:rPr lang="en-US" dirty="0" smtClean="0"/>
-              <a:t>-</a:t>
-            </a:r>
+              <a:t>Watch for peak ρR</a:t>
+            </a:r>
+          </a:p>
+          <a:p>
+            <a:pPr lvl="1"/>
+            <a:endParaRPr lang="en-US" dirty="0" smtClean="0"/>
+          </a:p>
+          <a:p>
             <a:r>
               <a:rPr lang="en-US" dirty="0" smtClean="0"/>
-              <a:t>pulse</a:t>
+              <a:t>Steer simulation based on gathered information</a:t>
+            </a:r>
+          </a:p>
+          <a:p>
+            <a:pPr lvl="1"/>
+            <a:r>
+              <a:rPr lang="en-US" dirty="0" smtClean="0"/>
+              <a:t>Finer output resolution near interesting features</a:t>
+            </a:r>
+          </a:p>
+          <a:p>
+            <a:pPr lvl="1"/>
+            <a:r>
+              <a:rPr lang="en-US" dirty="0" smtClean="0"/>
+              <a:t>Turn on additional physics based on software triggers</a:t>
+            </a:r>
+          </a:p>
+          <a:p>
+            <a:pPr lvl="1"/>
+            <a:endParaRPr lang="en-US" dirty="0" smtClean="0"/>
+          </a:p>
+          <a:p>
+            <a:r>
+              <a:rPr lang="en-US" dirty="0" smtClean="0"/>
+              <a:t>Don’t need access to the source &amp; no recompile</a:t>
+            </a:r>
+          </a:p>
+        </p:txBody>
+      </p:sp>
+    </p:spTree>
+  </p:cSld>
+  <p:clrMapOvr>
+    <a:masterClrMapping/>
+  </p:clrMapOvr>
+  <p:timing>
+    <p:tnLst>
+      <p:par>
+        <p:cTn id="1" dur="indefinite" restart="never" nodeType="tmRoot"/>
+      </p:par>
+    </p:tnLst>
+  </p:timing>
+</p:sld>
+</file>
+
+<file path=ppt/slides/slide14.xml><?xml version="1.0" encoding="utf-8"?>
+<p:sld xmlns:a="http://schemas.openxmlformats.org/drawingml/2006/main" xmlns:r="http://schemas.openxmlformats.org/officeDocument/2006/relationships" xmlns:mc="http://schemas.openxmlformats.org/markup-compatibility/2006" xmlns:mv="urn:schemas-microsoft-com:mac:vml" xmlns:p="http://schemas.openxmlformats.org/presentationml/2006/main" mc:Ignorable="mv" mc:PreserveAttributes="mv:*">
+  <p:cSld>
+    <p:spTree>
+      <p:nvGrpSpPr>
+        <p:cNvPr id="1" name=""/>
+        <p:cNvGrpSpPr/>
+        <p:nvPr/>
+      </p:nvGrpSpPr>
+      <p:grpSpPr>
+        <a:xfrm>
+          <a:off x="0" y="0"/>
+          <a:ext cx="0" cy="0"/>
+          <a:chOff x="0" y="0"/>
+          <a:chExt cx="0" cy="0"/>
+        </a:xfrm>
+      </p:grpSpPr>
+      <p:sp>
+        <p:nvSpPr>
+          <p:cNvPr id="2" name="Title 1"/>
+          <p:cNvSpPr>
+            <a:spLocks noGrp="1"/>
+          </p:cNvSpPr>
+          <p:nvPr>
+            <p:ph type="title"/>
+          </p:nvPr>
+        </p:nvSpPr>
+        <p:spPr/>
+        <p:txBody>
+          <a:bodyPr/>
+          <a:lstStyle/>
+          <a:p>
+            <a:r>
+              <a:rPr lang="en-US" dirty="0" smtClean="0"/>
+              <a:t>Auto-tuner needs to generate, run and process many simulations</a:t>
+            </a:r>
+            <a:endParaRPr lang="en-US" dirty="0"/>
+          </a:p>
+        </p:txBody>
+      </p:sp>
+      <p:sp>
+        <p:nvSpPr>
+          <p:cNvPr id="3" name="Content Placeholder 2"/>
+          <p:cNvSpPr>
+            <a:spLocks noGrp="1"/>
+          </p:cNvSpPr>
+          <p:nvPr>
+            <p:ph idx="1"/>
+          </p:nvPr>
+        </p:nvSpPr>
+        <p:spPr>
+          <a:xfrm>
+            <a:off x="212725" y="1231719"/>
+            <a:ext cx="8778875" cy="5054781"/>
+          </a:xfrm>
+        </p:spPr>
+        <p:txBody>
+          <a:bodyPr/>
+          <a:lstStyle/>
+          <a:p>
+            <a:r>
+              <a:rPr lang="en-US" dirty="0" smtClean="0"/>
+              <a:t>Input file generators that wrap a “template” input file</a:t>
+            </a:r>
+          </a:p>
+          <a:p>
+            <a:pPr lvl="1"/>
+            <a:r>
+              <a:rPr lang="en-US" dirty="0" smtClean="0"/>
+              <a:t>Modify simple Hydra variable assignments</a:t>
+            </a:r>
+          </a:p>
+          <a:p>
+            <a:pPr lvl="1"/>
+            <a:r>
+              <a:rPr lang="en-US" dirty="0" smtClean="0"/>
+              <a:t>Delegate complicated input file structures to special purpose objects</a:t>
+            </a:r>
+          </a:p>
+          <a:p>
+            <a:pPr lvl="1"/>
+            <a:r>
+              <a:rPr lang="en-US" dirty="0" smtClean="0"/>
+              <a:t>Inject commands into the input file by </a:t>
+            </a:r>
+            <a:r>
+              <a:rPr lang="en-US" dirty="0" err="1" smtClean="0"/>
+              <a:t>overwritings</a:t>
+            </a:r>
+            <a:r>
+              <a:rPr lang="en-US" dirty="0" smtClean="0"/>
+              <a:t> sentinels with </a:t>
+            </a:r>
+            <a:br>
+              <a:rPr lang="en-US" dirty="0" smtClean="0"/>
+            </a:br>
+            <a:r>
+              <a:rPr lang="en-US" dirty="0" smtClean="0">
+                <a:latin typeface="Inconsolata"/>
+                <a:cs typeface="Inconsolata"/>
+              </a:rPr>
+              <a:t>	</a:t>
+            </a:r>
+            <a:r>
+              <a:rPr lang="en-US" dirty="0" err="1" smtClean="0">
+                <a:latin typeface="Inconsolata"/>
+                <a:cs typeface="Inconsolata"/>
+              </a:rPr>
+              <a:t>str(python_proxy_of_complicated_thing</a:t>
+            </a:r>
+            <a:r>
+              <a:rPr lang="en-US" dirty="0" smtClean="0">
+                <a:latin typeface="Inconsolata"/>
+                <a:cs typeface="Inconsolata"/>
+              </a:rPr>
+              <a:t>)</a:t>
+            </a:r>
+          </a:p>
+          <a:p>
+            <a:pPr lvl="1"/>
+            <a:endParaRPr lang="en-US" dirty="0" smtClean="0"/>
+          </a:p>
+          <a:p>
+            <a:r>
+              <a:rPr lang="en-US" dirty="0" smtClean="0"/>
+              <a:t>Output file wrappers extract data from Hydra binary output files</a:t>
+            </a:r>
+          </a:p>
+          <a:p>
+            <a:endParaRPr lang="en-US" dirty="0" smtClean="0"/>
+          </a:p>
+          <a:p>
+            <a:r>
+              <a:rPr lang="en-US" dirty="0" smtClean="0"/>
+              <a:t>Embedded diagnostics using embedded Python interpreter</a:t>
+            </a:r>
+          </a:p>
+          <a:p>
+            <a:pPr lvl="1"/>
+            <a:r>
+              <a:rPr lang="en-US" dirty="0" smtClean="0"/>
+              <a:t>Characteristic (shock) trackers with finish line triggers</a:t>
+            </a:r>
+          </a:p>
+          <a:p>
+            <a:pPr lvl="1"/>
+            <a:r>
+              <a:rPr lang="en-US" dirty="0" smtClean="0"/>
+              <a:t>Change graphics dump frequency based on shock locations</a:t>
+            </a:r>
+          </a:p>
+          <a:p>
+            <a:pPr lvl="1"/>
+            <a:r>
+              <a:rPr lang="en-US" dirty="0" smtClean="0"/>
+              <a:t>ρR monitors</a:t>
+            </a:r>
+          </a:p>
+        </p:txBody>
+      </p:sp>
+    </p:spTree>
+  </p:cSld>
+  <p:clrMapOvr>
+    <a:masterClrMapping/>
+  </p:clrMapOvr>
+  <p:timing>
+    <p:tnLst>
+      <p:par>
+        <p:cTn id="1" dur="indefinite" restart="never" nodeType="tmRoot"/>
+      </p:par>
+    </p:tnLst>
+  </p:timing>
+</p:sld>
+</file>
+
+<file path=ppt/slides/slide15.xml><?xml version="1.0" encoding="utf-8"?>
+<p:sld xmlns:a="http://schemas.openxmlformats.org/drawingml/2006/main" xmlns:r="http://schemas.openxmlformats.org/officeDocument/2006/relationships" xmlns:mc="http://schemas.openxmlformats.org/markup-compatibility/2006" xmlns:mv="urn:schemas-microsoft-com:mac:vml" xmlns:p="http://schemas.openxmlformats.org/presentationml/2006/main" mc:Ignorable="mv" mc:PreserveAttributes="mv:*">
+  <p:cSld>
+    <p:spTree>
+      <p:nvGrpSpPr>
+        <p:cNvPr id="1" name=""/>
+        <p:cNvGrpSpPr/>
+        <p:nvPr/>
+      </p:nvGrpSpPr>
+      <p:grpSpPr>
+        <a:xfrm>
+          <a:off x="0" y="0"/>
+          <a:ext cx="0" cy="0"/>
+          <a:chOff x="0" y="0"/>
+          <a:chExt cx="0" cy="0"/>
+        </a:xfrm>
+      </p:grpSpPr>
+      <p:sp>
+        <p:nvSpPr>
+          <p:cNvPr id="2" name="Title 1"/>
+          <p:cNvSpPr>
+            <a:spLocks noGrp="1"/>
+          </p:cNvSpPr>
+          <p:nvPr>
+            <p:ph type="title"/>
+          </p:nvPr>
+        </p:nvSpPr>
+        <p:spPr/>
+        <p:txBody>
+          <a:bodyPr/>
+          <a:lstStyle/>
+          <a:p>
+            <a:r>
+              <a:rPr lang="en-US" dirty="0" smtClean="0"/>
+              <a:t>Physics and design rational for pre-pulse</a:t>
             </a:r>
             <a:endParaRPr lang="en-US" dirty="0"/>
           </a:p>
@@ -4944,11 +5251,7 @@
             </a:pPr>
             <a:r>
               <a:rPr lang="en-US" dirty="0" smtClean="0"/>
-              <a:t>Picket launches a</a:t>
-            </a:r>
-            <a:r>
-              <a:rPr lang="en-US" dirty="0" smtClean="0"/>
-              <a:t> decaying 1 </a:t>
+              <a:t>Picket launches a decaying 1 </a:t>
             </a:r>
             <a:r>
               <a:rPr lang="en-US" dirty="0" err="1" smtClean="0"/>
@@ -5187,7 +5490,7 @@
 </p:sld>
 </file>
 
-<file path=ppt/slides/slide14.xml><?xml version="1.0" encoding="utf-8"?>
+<file path=ppt/slides/slide16.xml><?xml version="1.0" encoding="utf-8"?>
 <p:sld xmlns:a="http://schemas.openxmlformats.org/drawingml/2006/main" xmlns:r="http://schemas.openxmlformats.org/officeDocument/2006/relationships" xmlns:mc="http://schemas.openxmlformats.org/markup-compatibility/2006" xmlns:mv="urn:schemas-microsoft-com:mac:vml" xmlns:p="http://schemas.openxmlformats.org/presentationml/2006/main" mc:Ignorable="mv" mc:PreserveAttributes="mv:*">
   <p:cSld>
     <p:spTree>
@@ -5354,7 +5657,7 @@
                             </p:stCondLst>
                             <p:childTnLst>
                               <p:par>
-                                <p:cTn id="5" presetID="1" presetClass="entr" presetSubtype="0" fill="hold" nodeType="clickEffect">
+                                <p:cTn id="5" presetID="1" presetClass="entr" presetSubtype="0" fill="hold" grpId="0" nodeType="clickEffect">
                                   <p:stCondLst>
                                     <p:cond delay="0"/>
                                   </p:stCondLst>
@@ -5362,51 +5665,6 @@
                                     <p:set>
                                       <p:cBhvr>
                                         <p:cTn id="6" dur="1" fill="hold">
-                                          <p:stCondLst>
-                                            <p:cond delay="0"/>
-                                          </p:stCondLst>
-                                        </p:cTn>
-                                        <p:tgtEl>
-                                          <p:spTgt spid="3"/>
-                                        </p:tgtEl>
-                                        <p:attrNameLst>
-                                          <p:attrName>style.visibility</p:attrName>
-                                        </p:attrNameLst>
-                                      </p:cBhvr>
-                                      <p:to>
-                                        <p:strVal val="visible"/>
-                                      </p:to>
-                                    </p:set>
-                                  </p:childTnLst>
-                                </p:cTn>
-                              </p:par>
-                            </p:childTnLst>
-                          </p:cTn>
-                        </p:par>
-                      </p:childTnLst>
-                    </p:cTn>
-                  </p:par>
-                  <p:par>
-                    <p:cTn id="7" fill="hold">
-                      <p:stCondLst>
-                        <p:cond delay="indefinite"/>
-                      </p:stCondLst>
-                      <p:childTnLst>
-                        <p:par>
-                          <p:cTn id="8" fill="hold">
-                            <p:stCondLst>
-                              <p:cond delay="0"/>
-                            </p:stCondLst>
-                            <p:childTnLst>
-                              <p:par>
-                                <p:cTn id="9" presetID="1" presetClass="entr" presetSubtype="0" fill="hold" grpId="0" nodeType="clickEffect">
-                                  <p:stCondLst>
-                                    <p:cond delay="0"/>
-                                  </p:stCondLst>
-                                  <p:childTnLst>
-                                    <p:set>
-                                      <p:cBhvr>
-                                        <p:cTn id="10" dur="1" fill="hold">
                                           <p:stCondLst>
                                             <p:cond delay="0"/>
                                           </p:stCondLst>
@@ -5459,7 +5717,7 @@
 </p:sld>
 </file>
 
-<file path=ppt/slides/slide15.xml><?xml version="1.0" encoding="utf-8"?>
+<file path=ppt/slides/slide17.xml><?xml version="1.0" encoding="utf-8"?>
 <p:sld xmlns:a="http://schemas.openxmlformats.org/drawingml/2006/main" xmlns:r="http://schemas.openxmlformats.org/officeDocument/2006/relationships" xmlns:mc="http://schemas.openxmlformats.org/markup-compatibility/2006" xmlns:mv="urn:schemas-microsoft-com:mac:vml" xmlns:p="http://schemas.openxmlformats.org/presentationml/2006/main" mc:Ignorable="mv" mc:PreserveAttributes="mv:*">
   <p:cSld>
     <p:spTree>
@@ -6301,7 +6559,7 @@
                             </p:stCondLst>
                             <p:childTnLst>
                               <p:par>
-                                <p:cTn id="5" presetID="1" presetClass="entr" presetSubtype="0" fill="hold" nodeType="clickEffect">
+                                <p:cTn id="5" presetID="1" presetClass="entr" presetSubtype="0" fill="hold" grpId="0" nodeType="clickEffect">
                                   <p:stCondLst>
                                     <p:cond delay="0"/>
                                   </p:stCondLst>
@@ -6309,51 +6567,6 @@
                                     <p:set>
                                       <p:cBhvr>
                                         <p:cTn id="6" dur="1" fill="hold">
-                                          <p:stCondLst>
-                                            <p:cond delay="0"/>
-                                          </p:stCondLst>
-                                        </p:cTn>
-                                        <p:tgtEl>
-                                          <p:spTgt spid="2"/>
-                                        </p:tgtEl>
-                                        <p:attrNameLst>
-                                          <p:attrName>style.visibility</p:attrName>
-                                        </p:attrNameLst>
-                                      </p:cBhvr>
-                                      <p:to>
-                                        <p:strVal val="visible"/>
-                                      </p:to>
-                                    </p:set>
-                                  </p:childTnLst>
-                                </p:cTn>
-                              </p:par>
-                            </p:childTnLst>
-                          </p:cTn>
-                        </p:par>
-                      </p:childTnLst>
-                    </p:cTn>
-                  </p:par>
-                  <p:par>
-                    <p:cTn id="7" fill="hold">
-                      <p:stCondLst>
-                        <p:cond delay="indefinite"/>
-                      </p:stCondLst>
-                      <p:childTnLst>
-                        <p:par>
-                          <p:cTn id="8" fill="hold">
-                            <p:stCondLst>
-                              <p:cond delay="0"/>
-                            </p:stCondLst>
-                            <p:childTnLst>
-                              <p:par>
-                                <p:cTn id="9" presetID="1" presetClass="entr" presetSubtype="0" fill="hold" grpId="0" nodeType="clickEffect">
-                                  <p:stCondLst>
-                                    <p:cond delay="0"/>
-                                  </p:stCondLst>
-                                  <p:childTnLst>
-                                    <p:set>
-                                      <p:cBhvr>
-                                        <p:cTn id="10" dur="1" fill="hold">
                                           <p:stCondLst>
                                             <p:cond delay="0"/>
                                           </p:stCondLst>
@@ -6406,7 +6619,7 @@
 </p:sld>
 </file>
 
-<file path=ppt/slides/slide16.xml><?xml version="1.0" encoding="utf-8"?>
+<file path=ppt/slides/slide18.xml><?xml version="1.0" encoding="utf-8"?>
 <p:sld xmlns:a="http://schemas.openxmlformats.org/drawingml/2006/main" xmlns:r="http://schemas.openxmlformats.org/officeDocument/2006/relationships" xmlns:mc="http://schemas.openxmlformats.org/markup-compatibility/2006" xmlns:mv="urn:schemas-microsoft-com:mac:vml" xmlns:p="http://schemas.openxmlformats.org/presentationml/2006/main" mc:Ignorable="mv" mc:PreserveAttributes="mv:*">
   <p:cSld>
     <p:spTree>
@@ -6501,7 +6714,7 @@
         <p:spPr>
           <a:xfrm>
             <a:off x="356652" y="5068616"/>
-            <a:ext cx="8437627" cy="1200329"/>
+            <a:ext cx="8437627" cy="923330"/>
           </a:xfrm>
           <a:prstGeom prst="rect">
             <a:avLst/>
@@ -6522,13 +6735,6 @@
               <a:rPr lang="en-US" dirty="0" smtClean="0"/>
               <a:t> “Breakout time” is when the first shock crosses the gas/ice interface</a:t>
             </a:r>
-          </a:p>
-          <a:p>
-            <a:pPr algn="l">
-              <a:buFont typeface="Arial"/>
-              <a:buChar char="•"/>
-            </a:pPr>
-            <a:endParaRPr lang="en-US" dirty="0" smtClean="0"/>
           </a:p>
           <a:p>
             <a:pPr algn="l">
@@ -6885,7 +7091,7 @@
 </p:sld>
 </file>
 
-<file path=ppt/slides/slide17.xml><?xml version="1.0" encoding="utf-8"?>
+<file path=ppt/slides/slide19.xml><?xml version="1.0" encoding="utf-8"?>
 <p:sld xmlns:a="http://schemas.openxmlformats.org/drawingml/2006/main" xmlns:r="http://schemas.openxmlformats.org/officeDocument/2006/relationships" xmlns:mc="http://schemas.openxmlformats.org/markup-compatibility/2006" xmlns:mv="urn:schemas-microsoft-com:mac:vml" xmlns:p="http://schemas.openxmlformats.org/presentationml/2006/main" mc:Ignorable="mv" mc:PreserveAttributes="mv:*">
   <p:cSld>
     <p:spTree>
@@ -7319,11 +7525,7 @@
             </a:pPr>
             <a:r>
               <a:rPr lang="en-US" dirty="0" smtClean="0"/>
-              <a:t> </a:t>
-            </a:r>
-            <a:r>
-              <a:rPr lang="en-US" dirty="0" smtClean="0"/>
-              <a:t>Combined shock is faster than individual shocks</a:t>
+              <a:t> Combined shock is faster than individual shocks</a:t>
             </a:r>
           </a:p>
           <a:p>
@@ -7335,7 +7537,6 @@
               <a:rPr lang="en-US" dirty="0" smtClean="0"/>
               <a:t> Breakout time decreases</a:t>
             </a:r>
-            <a:endParaRPr lang="en-US" dirty="0" smtClean="0"/>
           </a:p>
         </p:txBody>
       </p:sp>
@@ -7354,7 +7555,151 @@
 </p:sld>
 </file>
 
-<file path=ppt/slides/slide18.xml><?xml version="1.0" encoding="utf-8"?>
+<file path=ppt/slides/slide2.xml><?xml version="1.0" encoding="utf-8"?>
+<p:sld xmlns:a="http://schemas.openxmlformats.org/drawingml/2006/main" xmlns:r="http://schemas.openxmlformats.org/officeDocument/2006/relationships" xmlns:mc="http://schemas.openxmlformats.org/markup-compatibility/2006" xmlns:mv="urn:schemas-microsoft-com:mac:vml" xmlns:p="http://schemas.openxmlformats.org/presentationml/2006/main" mc:Ignorable="mv" mc:PreserveAttributes="mv:*">
+  <p:cSld>
+    <p:spTree>
+      <p:nvGrpSpPr>
+        <p:cNvPr id="1" name=""/>
+        <p:cNvGrpSpPr/>
+        <p:nvPr/>
+      </p:nvGrpSpPr>
+      <p:grpSpPr>
+        <a:xfrm>
+          <a:off x="0" y="0"/>
+          <a:ext cx="0" cy="0"/>
+          <a:chOff x="0" y="0"/>
+          <a:chExt cx="0" cy="0"/>
+        </a:xfrm>
+      </p:grpSpPr>
+      <p:sp>
+        <p:nvSpPr>
+          <p:cNvPr id="2" name="Title 1"/>
+          <p:cNvSpPr>
+            <a:spLocks noGrp="1"/>
+          </p:cNvSpPr>
+          <p:nvPr>
+            <p:ph type="title"/>
+          </p:nvPr>
+        </p:nvSpPr>
+        <p:spPr/>
+        <p:txBody>
+          <a:bodyPr/>
+          <a:lstStyle/>
+          <a:p>
+            <a:r>
+              <a:rPr lang="en-US" dirty="0" smtClean="0"/>
+              <a:t>Fusion releases energy by combining small light nuclei into heavier nuclei</a:t>
+            </a:r>
+            <a:endParaRPr lang="en-US" dirty="0"/>
+          </a:p>
+        </p:txBody>
+      </p:sp>
+      <p:sp>
+        <p:nvSpPr>
+          <p:cNvPr id="6" name="Content Placeholder 2"/>
+          <p:cNvSpPr>
+            <a:spLocks noGrp="1"/>
+          </p:cNvSpPr>
+          <p:nvPr>
+            <p:ph idx="4294967295"/>
+          </p:nvPr>
+        </p:nvSpPr>
+        <p:spPr>
+          <a:xfrm>
+            <a:off x="222488" y="1332676"/>
+            <a:ext cx="4737127" cy="4926012"/>
+          </a:xfrm>
+        </p:spPr>
+        <p:txBody>
+          <a:bodyPr/>
+          <a:lstStyle/>
+          <a:p>
+            <a:r>
+              <a:rPr lang="en-US" sz="2000" dirty="0" smtClean="0"/>
+              <a:t>Thermonuclear fusion requires very high temperatures to overcome the Coulomb barrier</a:t>
+            </a:r>
+          </a:p>
+          <a:p>
+            <a:r>
+              <a:rPr lang="en-US" sz="2000" dirty="0" smtClean="0"/>
+              <a:t>Energy must be confined long enough to react and propagate</a:t>
+            </a:r>
+          </a:p>
+          <a:p>
+            <a:r>
+              <a:rPr lang="en-US" sz="2000" dirty="0" smtClean="0"/>
+              <a:t>Need sufficient density (fuel) to release significant energy</a:t>
+            </a:r>
+          </a:p>
+          <a:p>
+            <a:r>
+              <a:rPr lang="en-US" sz="2000" dirty="0" smtClean="0"/>
+              <a:t>Lawson criteria illustrates required ignition conditions</a:t>
+            </a:r>
+          </a:p>
+        </p:txBody>
+      </p:sp>
+      <p:pic>
+        <p:nvPicPr>
+          <p:cNvPr id="7" name="Picture 6"/>
+          <p:cNvPicPr>
+            <a:picLocks noChangeAspect="1"/>
+          </p:cNvPicPr>
+          <p:nvPr/>
+        </p:nvPicPr>
+        <p:blipFill>
+          <a:blip r:embed="rId3"/>
+          <a:stretch>
+            <a:fillRect/>
+          </a:stretch>
+        </p:blipFill>
+        <p:spPr>
+          <a:xfrm>
+            <a:off x="4813847" y="1243120"/>
+            <a:ext cx="4075578" cy="3077025"/>
+          </a:xfrm>
+          <a:prstGeom prst="rect">
+            <a:avLst/>
+          </a:prstGeom>
+        </p:spPr>
+      </p:pic>
+      <p:graphicFrame>
+        <p:nvGraphicFramePr>
+          <p:cNvPr id="11" name="Object 10"/>
+          <p:cNvGraphicFramePr>
+            <a:graphicFrameLocks noChangeAspect="1"/>
+          </p:cNvGraphicFramePr>
+          <p:nvPr/>
+        </p:nvGraphicFramePr>
+        <p:xfrm>
+          <a:off x="1501789" y="4573102"/>
+          <a:ext cx="1632213" cy="457020"/>
+        </p:xfrm>
+        <a:graphic>
+          <a:graphicData uri="http://schemas.openxmlformats.org/presentationml/2006/ole">
+            <p:oleObj spid="_x0000_s18436" name="Equation" r:id="rId4" imgW="635000" imgH="177800" progId="Equation.3">
+              <p:embed/>
+            </p:oleObj>
+          </a:graphicData>
+        </a:graphic>
+      </p:graphicFrame>
+    </p:spTree>
+  </p:cSld>
+  <p:clrMapOvr>
+    <a:masterClrMapping/>
+  </p:clrMapOvr>
+  <p:timing>
+    <p:tnLst>
+      <p:par>
+        <p:cTn id="1" dur="indefinite" restart="never" nodeType="tmRoot"/>
+      </p:par>
+    </p:tnLst>
+  </p:timing>
+</p:sld>
+</file>
+
+<file path=ppt/slides/slide20.xml><?xml version="1.0" encoding="utf-8"?>
 <p:sld xmlns:a="http://schemas.openxmlformats.org/drawingml/2006/main" xmlns:r="http://schemas.openxmlformats.org/officeDocument/2006/relationships" xmlns:mc="http://schemas.openxmlformats.org/markup-compatibility/2006" xmlns:mv="urn:schemas-microsoft-com:mac:vml" xmlns:p="http://schemas.openxmlformats.org/presentationml/2006/main" mc:Ignorable="mv" mc:PreserveAttributes="mv:*">
   <p:cSld>
     <p:spTree>
@@ -7634,11 +7979,7 @@
             </a:pPr>
             <a:r>
               <a:rPr lang="en-US" dirty="0" smtClean="0"/>
-              <a:t> If the second shock is launched too late, the first shock “wins</a:t>
-            </a:r>
-            <a:r>
-              <a:rPr lang="en-US" dirty="0" smtClean="0"/>
-              <a:t>”</a:t>
+              <a:t> If the second shock is launched too late, the first shock “wins”</a:t>
             </a:r>
           </a:p>
           <a:p>
@@ -7648,11 +7989,7 @@
             </a:pPr>
             <a:r>
               <a:rPr lang="en-US" dirty="0" smtClean="0"/>
-              <a:t> Breakout </a:t>
-            </a:r>
-            <a:r>
-              <a:rPr lang="en-US" dirty="0" smtClean="0"/>
-              <a:t>time is unchanged</a:t>
+              <a:t> Breakout time is unchanged</a:t>
             </a:r>
           </a:p>
         </p:txBody>
@@ -7672,7 +8009,7 @@
 </p:sld>
 </file>
 
-<file path=ppt/slides/slide19.xml><?xml version="1.0" encoding="utf-8"?>
+<file path=ppt/slides/slide21.xml><?xml version="1.0" encoding="utf-8"?>
 <p:sld xmlns:a="http://schemas.openxmlformats.org/drawingml/2006/main" xmlns:r="http://schemas.openxmlformats.org/officeDocument/2006/relationships" xmlns:mc="http://schemas.openxmlformats.org/markup-compatibility/2006" xmlns:mv="urn:schemas-microsoft-com:mac:vml" xmlns:p="http://schemas.openxmlformats.org/presentationml/2006/main" mc:Ignorable="mv" mc:PreserveAttributes="mv:*">
   <p:cSld>
     <p:spTree>
@@ -7852,100 +8189,7 @@
 </p:sld>
 </file>
 
-<file path=ppt/slides/slide2.xml><?xml version="1.0" encoding="utf-8"?>
-<p:sld xmlns:a="http://schemas.openxmlformats.org/drawingml/2006/main" xmlns:r="http://schemas.openxmlformats.org/officeDocument/2006/relationships" xmlns:mc="http://schemas.openxmlformats.org/markup-compatibility/2006" xmlns:mv="urn:schemas-microsoft-com:mac:vml" xmlns:p="http://schemas.openxmlformats.org/presentationml/2006/main" mc:Ignorable="mv" mc:PreserveAttributes="mv:*">
-  <p:cSld>
-    <p:spTree>
-      <p:nvGrpSpPr>
-        <p:cNvPr id="1" name=""/>
-        <p:cNvGrpSpPr/>
-        <p:nvPr/>
-      </p:nvGrpSpPr>
-      <p:grpSpPr>
-        <a:xfrm>
-          <a:off x="0" y="0"/>
-          <a:ext cx="0" cy="0"/>
-          <a:chOff x="0" y="0"/>
-          <a:chExt cx="0" cy="0"/>
-        </a:xfrm>
-      </p:grpSpPr>
-      <p:sp>
-        <p:nvSpPr>
-          <p:cNvPr id="2" name="Title 1"/>
-          <p:cNvSpPr>
-            <a:spLocks noGrp="1"/>
-          </p:cNvSpPr>
-          <p:nvPr>
-            <p:ph type="title"/>
-          </p:nvPr>
-        </p:nvSpPr>
-        <p:spPr/>
-        <p:txBody>
-          <a:bodyPr/>
-          <a:lstStyle/>
-          <a:p>
-            <a:r>
-              <a:rPr lang="en-US" dirty="0" smtClean="0"/>
-              <a:t>Fusion releases energy by combining small light nuclei into heavier nuclei</a:t>
-            </a:r>
-            <a:endParaRPr lang="en-US" dirty="0"/>
-          </a:p>
-        </p:txBody>
-      </p:sp>
-      <p:sp>
-        <p:nvSpPr>
-          <p:cNvPr id="3" name="Content Placeholder 2"/>
-          <p:cNvSpPr>
-            <a:spLocks noGrp="1"/>
-          </p:cNvSpPr>
-          <p:nvPr>
-            <p:ph sz="half" idx="1"/>
-          </p:nvPr>
-        </p:nvSpPr>
-        <p:spPr/>
-        <p:txBody>
-          <a:bodyPr/>
-          <a:lstStyle/>
-          <a:p>
-            <a:endParaRPr lang="en-US"/>
-          </a:p>
-        </p:txBody>
-      </p:sp>
-      <p:sp>
-        <p:nvSpPr>
-          <p:cNvPr id="4" name="Content Placeholder 3"/>
-          <p:cNvSpPr>
-            <a:spLocks noGrp="1"/>
-          </p:cNvSpPr>
-          <p:nvPr>
-            <p:ph sz="half" idx="2"/>
-          </p:nvPr>
-        </p:nvSpPr>
-        <p:spPr/>
-        <p:txBody>
-          <a:bodyPr/>
-          <a:lstStyle/>
-          <a:p>
-            <a:endParaRPr lang="en-US"/>
-          </a:p>
-        </p:txBody>
-      </p:sp>
-    </p:spTree>
-  </p:cSld>
-  <p:clrMapOvr>
-    <a:masterClrMapping/>
-  </p:clrMapOvr>
-  <p:timing>
-    <p:tnLst>
-      <p:par>
-        <p:cTn id="1" dur="indefinite" restart="never" nodeType="tmRoot"/>
-      </p:par>
-    </p:tnLst>
-  </p:timing>
-</p:sld>
-</file>
-
-<file path=ppt/slides/slide20.xml><?xml version="1.0" encoding="utf-8"?>
+<file path=ppt/slides/slide22.xml><?xml version="1.0" encoding="utf-8"?>
 <p:sld xmlns:a="http://schemas.openxmlformats.org/drawingml/2006/main" xmlns:r="http://schemas.openxmlformats.org/officeDocument/2006/relationships" xmlns:mc="http://schemas.openxmlformats.org/markup-compatibility/2006" xmlns:mv="urn:schemas-microsoft-com:mac:vml" xmlns:p="http://schemas.openxmlformats.org/presentationml/2006/main" mc:Ignorable="mv" mc:PreserveAttributes="mv:*">
   <p:cSld>
     <p:spTree>
@@ -8313,7 +8557,7 @@
 </p:sld>
 </file>
 
-<file path=ppt/slides/slide21.xml><?xml version="1.0" encoding="utf-8"?>
+<file path=ppt/slides/slide23.xml><?xml version="1.0" encoding="utf-8"?>
 <p:sld xmlns:a="http://schemas.openxmlformats.org/drawingml/2006/main" xmlns:r="http://schemas.openxmlformats.org/officeDocument/2006/relationships" xmlns:mc="http://schemas.openxmlformats.org/markup-compatibility/2006" xmlns:mv="urn:schemas-microsoft-com:mac:vml" xmlns:p="http://schemas.openxmlformats.org/presentationml/2006/main" mc:Ignorable="mv" mc:PreserveAttributes="mv:*">
   <p:cSld>
     <p:spTree>
@@ -8568,7 +8812,7 @@
 </p:sld>
 </file>
 
-<file path=ppt/slides/slide22.xml><?xml version="1.0" encoding="utf-8"?>
+<file path=ppt/slides/slide24.xml><?xml version="1.0" encoding="utf-8"?>
 <p:sld xmlns:a="http://schemas.openxmlformats.org/drawingml/2006/main" xmlns:r="http://schemas.openxmlformats.org/officeDocument/2006/relationships" xmlns:mc="http://schemas.openxmlformats.org/markup-compatibility/2006" xmlns:mv="urn:schemas-microsoft-com:mac:vml" xmlns:p="http://schemas.openxmlformats.org/presentationml/2006/main" mc:Ignorable="mv" mc:PreserveAttributes="mv:*">
   <p:cSld>
     <p:spTree>
@@ -9475,7 +9719,7 @@
 </p:sld>
 </file>
 
-<file path=ppt/slides/slide23.xml><?xml version="1.0" encoding="utf-8"?>
+<file path=ppt/slides/slide25.xml><?xml version="1.0" encoding="utf-8"?>
 <p:sld xmlns:a="http://schemas.openxmlformats.org/drawingml/2006/main" xmlns:r="http://schemas.openxmlformats.org/officeDocument/2006/relationships" xmlns:mc="http://schemas.openxmlformats.org/markup-compatibility/2006" xmlns:mv="urn:schemas-microsoft-com:mac:vml" xmlns:p="http://schemas.openxmlformats.org/presentationml/2006/main" mc:Ignorable="mv" mc:PreserveAttributes="mv:*">
   <p:cSld>
     <p:spTree>
@@ -9567,13 +9811,8 @@
           <a:p>
             <a:r>
               <a:rPr lang="en-US" dirty="0" smtClean="0"/>
-              <a:t>Timing algorithm assumes interaction between different pulse features is primarily hydrodynamic, allowing for tuning method to ignore interaction between </a:t>
-            </a:r>
-            <a:r>
-              <a:rPr lang="en-US" dirty="0" smtClean="0"/>
-              <a:t>features</a:t>
-            </a:r>
-            <a:endParaRPr lang="en-US" dirty="0" smtClean="0"/>
+              <a:t>Timing algorithm assumes interaction between different pulse features is primarily hydrodynamic, allowing for tuning method to ignore interaction between features</a:t>
+            </a:r>
           </a:p>
           <a:p>
             <a:r>
@@ -9585,11 +9824,7 @@
             <a:pPr lvl="1"/>
             <a:r>
               <a:rPr lang="en-US" dirty="0" err="1" smtClean="0"/>
-              <a:t>A</a:t>
-            </a:r>
-            <a:r>
-              <a:rPr lang="en-US" dirty="0" err="1" smtClean="0"/>
-              <a:t>utotune</a:t>
+              <a:t>Autotune</a:t>
             </a:r>
             <a:r>
               <a:rPr lang="en-US" dirty="0" smtClean="0"/>
@@ -9600,11 +9835,7 @@
             <a:pPr lvl="1"/>
             <a:r>
               <a:rPr lang="en-US" dirty="0" smtClean="0"/>
-              <a:t>Restart from prio</a:t>
-            </a:r>
-            <a:r>
-              <a:rPr lang="en-US" dirty="0" smtClean="0"/>
-              <a:t>r completed calculations</a:t>
+              <a:t>Restart from prior completed calculations</a:t>
             </a:r>
           </a:p>
           <a:p>
@@ -9631,7 +9862,7 @@
 </p:sld>
 </file>
 
-<file path=ppt/slides/slide24.xml><?xml version="1.0" encoding="utf-8"?>
+<file path=ppt/slides/slide26.xml><?xml version="1.0" encoding="utf-8"?>
 <p:sld xmlns:a="http://schemas.openxmlformats.org/drawingml/2006/main" xmlns:r="http://schemas.openxmlformats.org/officeDocument/2006/relationships" xmlns:mc="http://schemas.openxmlformats.org/markup-compatibility/2006" xmlns:mv="urn:schemas-microsoft-com:mac:vml" xmlns:p="http://schemas.openxmlformats.org/presentationml/2006/main" mc:Ignorable="mv" mc:PreserveAttributes="mv:*">
   <p:cSld>
     <p:spTree>
@@ -9734,7 +9965,7 @@
             </a:br>
             <a:r>
               <a:rPr lang="en-US" dirty="0" smtClean="0"/>
-              <a:t>generation (1 per processor)</a:t>
+              <a:t>iteration (1 per processor)</a:t>
             </a:r>
           </a:p>
           <a:p>
@@ -9790,7 +10021,7 @@
           <a:p>
             <a:r>
               <a:rPr lang="en-US" dirty="0" smtClean="0"/>
-              <a:t>Jobs within a generation have nearly the same run-time, so processor utilization is high</a:t>
+              <a:t>Jobs within an iteration have nearly the same run-time, so processor utilization is high</a:t>
             </a:r>
           </a:p>
           <a:p>
@@ -9892,6 +10123,236 @@
           <a:chExt cx="0" cy="0"/>
         </a:xfrm>
       </p:grpSpPr>
+      <p:pic>
+        <p:nvPicPr>
+          <p:cNvPr id="3" name="Picture 2"/>
+          <p:cNvPicPr>
+            <a:picLocks noChangeAspect="1"/>
+          </p:cNvPicPr>
+          <p:nvPr/>
+        </p:nvPicPr>
+        <p:blipFill>
+          <a:blip r:embed="rId2"/>
+          <a:stretch>
+            <a:fillRect/>
+          </a:stretch>
+        </p:blipFill>
+        <p:spPr>
+          <a:xfrm>
+            <a:off x="1909683" y="1191658"/>
+            <a:ext cx="5331183" cy="5284143"/>
+          </a:xfrm>
+          <a:prstGeom prst="rect">
+            <a:avLst/>
+          </a:prstGeom>
+        </p:spPr>
+      </p:pic>
+      <p:pic>
+        <p:nvPicPr>
+          <p:cNvPr id="5" name="Picture 4"/>
+          <p:cNvPicPr>
+            <a:picLocks noChangeAspect="1"/>
+          </p:cNvPicPr>
+          <p:nvPr/>
+        </p:nvPicPr>
+        <p:blipFill>
+          <a:blip r:embed="rId3"/>
+          <a:stretch>
+            <a:fillRect/>
+          </a:stretch>
+        </p:blipFill>
+        <p:spPr>
+          <a:xfrm>
+            <a:off x="1780193" y="1981374"/>
+            <a:ext cx="5589701" cy="3479067"/>
+          </a:xfrm>
+          <a:prstGeom prst="rect">
+            <a:avLst/>
+          </a:prstGeom>
+        </p:spPr>
+      </p:pic>
+      <p:sp>
+        <p:nvSpPr>
+          <p:cNvPr id="7" name="Title 6"/>
+          <p:cNvSpPr>
+            <a:spLocks noGrp="1"/>
+          </p:cNvSpPr>
+          <p:nvPr>
+            <p:ph type="title"/>
+          </p:nvPr>
+        </p:nvSpPr>
+        <p:spPr/>
+        <p:txBody>
+          <a:bodyPr/>
+          <a:lstStyle/>
+          <a:p>
+            <a:r>
+              <a:rPr lang="en-US" dirty="0" smtClean="0"/>
+              <a:t>Go BIG</a:t>
+            </a:r>
+            <a:endParaRPr lang="en-US" dirty="0"/>
+          </a:p>
+        </p:txBody>
+      </p:sp>
+      <p:sp>
+        <p:nvSpPr>
+          <p:cNvPr id="8" name="TextBox 7"/>
+          <p:cNvSpPr txBox="1"/>
+          <p:nvPr/>
+        </p:nvSpPr>
+        <p:spPr>
+          <a:xfrm>
+            <a:off x="1529600" y="222497"/>
+            <a:ext cx="2549335" cy="461665"/>
+          </a:xfrm>
+          <a:prstGeom prst="rect">
+            <a:avLst/>
+          </a:prstGeom>
+          <a:noFill/>
+        </p:spPr>
+        <p:txBody>
+          <a:bodyPr wrap="square" rtlCol="0">
+            <a:spAutoFit/>
+          </a:bodyPr>
+          <a:lstStyle/>
+          <a:p>
+            <a:r>
+              <a:rPr lang="en-US" sz="2400" dirty="0" smtClean="0"/>
+              <a:t>or go FAST</a:t>
+            </a:r>
+          </a:p>
+        </p:txBody>
+      </p:sp>
+    </p:spTree>
+  </p:cSld>
+  <p:clrMapOvr>
+    <a:masterClrMapping/>
+  </p:clrMapOvr>
+  <p:timing>
+    <p:tnLst>
+      <p:par>
+        <p:cTn id="1" dur="indefinite" restart="never" nodeType="tmRoot">
+          <p:childTnLst>
+            <p:seq concurrent="1" nextAc="seek">
+              <p:cTn id="2" dur="indefinite" nodeType="mainSeq">
+                <p:childTnLst>
+                  <p:par>
+                    <p:cTn id="3" fill="hold">
+                      <p:stCondLst>
+                        <p:cond delay="indefinite"/>
+                      </p:stCondLst>
+                      <p:childTnLst>
+                        <p:par>
+                          <p:cTn id="4" fill="hold">
+                            <p:stCondLst>
+                              <p:cond delay="0"/>
+                            </p:stCondLst>
+                            <p:childTnLst>
+                              <p:par>
+                                <p:cTn id="5" presetID="1" presetClass="entr" presetSubtype="0" fill="hold" grpId="0" nodeType="clickEffect">
+                                  <p:stCondLst>
+                                    <p:cond delay="0"/>
+                                  </p:stCondLst>
+                                  <p:childTnLst>
+                                    <p:set>
+                                      <p:cBhvr>
+                                        <p:cTn id="6" dur="1" fill="hold">
+                                          <p:stCondLst>
+                                            <p:cond delay="0"/>
+                                          </p:stCondLst>
+                                        </p:cTn>
+                                        <p:tgtEl>
+                                          <p:spTgt spid="8"/>
+                                        </p:tgtEl>
+                                        <p:attrNameLst>
+                                          <p:attrName>style.visibility</p:attrName>
+                                        </p:attrNameLst>
+                                      </p:cBhvr>
+                                      <p:to>
+                                        <p:strVal val="visible"/>
+                                      </p:to>
+                                    </p:set>
+                                  </p:childTnLst>
+                                </p:cTn>
+                              </p:par>
+                              <p:par>
+                                <p:cTn id="7" presetID="1" presetClass="entr" presetSubtype="0" fill="hold" nodeType="withEffect">
+                                  <p:stCondLst>
+                                    <p:cond delay="0"/>
+                                  </p:stCondLst>
+                                  <p:childTnLst>
+                                    <p:set>
+                                      <p:cBhvr>
+                                        <p:cTn id="8" dur="1" fill="hold">
+                                          <p:stCondLst>
+                                            <p:cond delay="0"/>
+                                          </p:stCondLst>
+                                        </p:cTn>
+                                        <p:tgtEl>
+                                          <p:spTgt spid="5"/>
+                                        </p:tgtEl>
+                                        <p:attrNameLst>
+                                          <p:attrName>style.visibility</p:attrName>
+                                        </p:attrNameLst>
+                                      </p:cBhvr>
+                                      <p:to>
+                                        <p:strVal val="visible"/>
+                                      </p:to>
+                                    </p:set>
+                                  </p:childTnLst>
+                                </p:cTn>
+                              </p:par>
+                            </p:childTnLst>
+                          </p:cTn>
+                        </p:par>
+                      </p:childTnLst>
+                    </p:cTn>
+                  </p:par>
+                </p:childTnLst>
+              </p:cTn>
+              <p:prevCondLst>
+                <p:cond evt="onPrev" delay="0">
+                  <p:tgtEl>
+                    <p:sldTgt/>
+                  </p:tgtEl>
+                </p:cond>
+              </p:prevCondLst>
+              <p:nextCondLst>
+                <p:cond evt="onNext" delay="0">
+                  <p:tgtEl>
+                    <p:sldTgt/>
+                  </p:tgtEl>
+                </p:cond>
+              </p:nextCondLst>
+            </p:seq>
+          </p:childTnLst>
+        </p:cTn>
+      </p:par>
+    </p:tnLst>
+    <p:bldLst>
+      <p:bldP spid="8" grpId="0"/>
+    </p:bldLst>
+  </p:timing>
+</p:sld>
+</file>
+
+<file path=ppt/slides/slide4.xml><?xml version="1.0" encoding="utf-8"?>
+<p:sld xmlns:a="http://schemas.openxmlformats.org/drawingml/2006/main" xmlns:r="http://schemas.openxmlformats.org/officeDocument/2006/relationships" xmlns:mc="http://schemas.openxmlformats.org/markup-compatibility/2006" xmlns:mv="urn:schemas-microsoft-com:mac:vml" xmlns:p="http://schemas.openxmlformats.org/presentationml/2006/main" mc:Ignorable="mv" mc:PreserveAttributes="mv:*">
+  <p:cSld>
+    <p:spTree>
+      <p:nvGrpSpPr>
+        <p:cNvPr id="1" name=""/>
+        <p:cNvGrpSpPr/>
+        <p:nvPr/>
+      </p:nvGrpSpPr>
+      <p:grpSpPr>
+        <a:xfrm>
+          <a:off x="0" y="0"/>
+          <a:ext cx="0" cy="0"/>
+          <a:chOff x="0" y="0"/>
+          <a:chExt cx="0" cy="0"/>
+        </a:xfrm>
+      </p:grpSpPr>
       <p:sp>
         <p:nvSpPr>
           <p:cNvPr id="2" name="Title 1"/>
@@ -10201,7 +10662,7 @@
 </p:sld>
 </file>
 
-<file path=ppt/slides/slide4.xml><?xml version="1.0" encoding="utf-8"?>
+<file path=ppt/slides/slide5.xml><?xml version="1.0" encoding="utf-8"?>
 <p:sld xmlns:a="http://schemas.openxmlformats.org/drawingml/2006/main" xmlns:r="http://schemas.openxmlformats.org/officeDocument/2006/relationships" xmlns:mc="http://schemas.openxmlformats.org/markup-compatibility/2006" xmlns:mv="urn:schemas-microsoft-com:mac:vml" xmlns:p="http://schemas.openxmlformats.org/presentationml/2006/main" mc:Ignorable="mv" mc:PreserveAttributes="mv:*">
   <p:cSld>
     <p:spTree>
@@ -10405,7 +10866,7 @@
 </p:sld>
 </file>
 
-<file path=ppt/slides/slide5.xml><?xml version="1.0" encoding="utf-8"?>
+<file path=ppt/slides/slide6.xml><?xml version="1.0" encoding="utf-8"?>
 <p:sld xmlns:a="http://schemas.openxmlformats.org/drawingml/2006/main" xmlns:r="http://schemas.openxmlformats.org/officeDocument/2006/relationships" xmlns:mc="http://schemas.openxmlformats.org/markup-compatibility/2006" xmlns:mv="urn:schemas-microsoft-com:mac:vml" xmlns:p="http://schemas.openxmlformats.org/presentationml/2006/main" mc:Ignorable="mv" mc:PreserveAttributes="mv:*">
   <p:cSld>
     <p:spTree>
@@ -10548,7 +11009,7 @@
 </p:sld>
 </file>
 
-<file path=ppt/slides/slide6.xml><?xml version="1.0" encoding="utf-8"?>
+<file path=ppt/slides/slide7.xml><?xml version="1.0" encoding="utf-8"?>
 <p:sld xmlns:a="http://schemas.openxmlformats.org/drawingml/2006/main" xmlns:r="http://schemas.openxmlformats.org/officeDocument/2006/relationships" xmlns:mc="http://schemas.openxmlformats.org/markup-compatibility/2006" xmlns:mv="urn:schemas-microsoft-com:mac:vml" xmlns:p="http://schemas.openxmlformats.org/presentationml/2006/main" mc:Ignorable="mv" mc:PreserveAttributes="mv:*">
   <p:cSld>
     <p:spTree>
@@ -10856,51 +11317,6 @@
                                           </p:stCondLst>
                                         </p:cTn>
                                         <p:tgtEl>
-                                          <p:spTgt spid="8"/>
-                                        </p:tgtEl>
-                                        <p:attrNameLst>
-                                          <p:attrName>style.visibility</p:attrName>
-                                        </p:attrNameLst>
-                                      </p:cBhvr>
-                                      <p:to>
-                                        <p:strVal val="visible"/>
-                                      </p:to>
-                                    </p:set>
-                                  </p:childTnLst>
-                                </p:cTn>
-                              </p:par>
-                            </p:childTnLst>
-                          </p:cTn>
-                        </p:par>
-                      </p:childTnLst>
-                    </p:cTn>
-                  </p:par>
-                  <p:par>
-                    <p:cTn id="7" fill="hold">
-                      <p:stCondLst>
-                        <p:cond delay="indefinite"/>
-                      </p:stCondLst>
-                      <p:childTnLst>
-                        <p:par>
-                          <p:cTn id="8" fill="hold">
-                            <p:stCondLst>
-                              <p:cond delay="0"/>
-                            </p:stCondLst>
-                            <p:childTnLst>
-                              <p:par>
-                                <p:cTn id="9" presetID="1" presetClass="entr" presetSubtype="0" fill="hold" nodeType="clickEffect">
-                                  <p:stCondLst>
-                                    <p:cond delay="0"/>
-                                  </p:stCondLst>
-                                  <p:childTnLst>
-                                    <p:set>
-                                      <p:cBhvr>
-                                        <p:cTn id="10" dur="1" fill="hold">
-                                          <p:stCondLst>
-                                            <p:cond delay="0"/>
-                                          </p:stCondLst>
-                                        </p:cTn>
-                                        <p:tgtEl>
                                           <p:spTgt spid="5"/>
                                         </p:tgtEl>
                                         <p:attrNameLst>
@@ -10915,14 +11331,14 @@
                                 </p:cTn>
                               </p:par>
                               <p:par>
-                                <p:cTn id="11" presetID="1" presetClass="entr" presetSubtype="0" fill="hold" grpId="0" nodeType="withEffect">
+                                <p:cTn id="7" presetID="1" presetClass="entr" presetSubtype="0" fill="hold" grpId="0" nodeType="withEffect">
                                   <p:stCondLst>
                                     <p:cond delay="0"/>
                                   </p:stCondLst>
                                   <p:childTnLst>
                                     <p:set>
                                       <p:cBhvr>
-                                        <p:cTn id="12" dur="1" fill="hold">
+                                        <p:cTn id="8" dur="1" fill="hold">
                                           <p:stCondLst>
                                             <p:cond delay="0"/>
                                           </p:stCondLst>
@@ -10948,26 +11364,26 @@
                     </p:cTn>
                   </p:par>
                   <p:par>
-                    <p:cTn id="13" fill="hold">
+                    <p:cTn id="9" fill="hold">
                       <p:stCondLst>
                         <p:cond delay="indefinite"/>
                       </p:stCondLst>
                       <p:childTnLst>
                         <p:par>
-                          <p:cTn id="14" fill="hold">
+                          <p:cTn id="10" fill="hold">
                             <p:stCondLst>
                               <p:cond delay="0"/>
                             </p:stCondLst>
                             <p:childTnLst>
                               <p:par>
-                                <p:cTn id="15" presetID="1" presetClass="exit" presetSubtype="0" fill="hold" nodeType="clickEffect">
+                                <p:cTn id="11" presetID="1" presetClass="exit" presetSubtype="0" fill="hold" nodeType="clickEffect">
                                   <p:stCondLst>
                                     <p:cond delay="0"/>
                                   </p:stCondLst>
                                   <p:childTnLst>
                                     <p:set>
                                       <p:cBhvr>
-                                        <p:cTn id="16" dur="1" fill="hold">
+                                        <p:cTn id="12" dur="1" fill="hold">
                                           <p:stCondLst>
                                             <p:cond delay="0"/>
                                           </p:stCondLst>
@@ -10987,14 +11403,14 @@
                                 </p:cTn>
                               </p:par>
                               <p:par>
-                                <p:cTn id="17" presetID="1" presetClass="exit" presetSubtype="0" fill="hold" grpId="1" nodeType="withEffect">
+                                <p:cTn id="13" presetID="1" presetClass="exit" presetSubtype="0" fill="hold" grpId="1" nodeType="withEffect">
                                   <p:stCondLst>
                                     <p:cond delay="0"/>
                                   </p:stCondLst>
                                   <p:childTnLst>
                                     <p:set>
                                       <p:cBhvr>
-                                        <p:cTn id="18" dur="1" fill="hold">
+                                        <p:cTn id="14" dur="1" fill="hold">
                                           <p:stCondLst>
                                             <p:cond delay="0"/>
                                           </p:stCondLst>
@@ -11014,14 +11430,14 @@
                                 </p:cTn>
                               </p:par>
                               <p:par>
-                                <p:cTn id="19" presetID="1" presetClass="entr" presetSubtype="0" fill="hold" nodeType="withEffect">
+                                <p:cTn id="15" presetID="1" presetClass="entr" presetSubtype="0" fill="hold" nodeType="withEffect">
                                   <p:stCondLst>
                                     <p:cond delay="0"/>
                                   </p:stCondLst>
                                   <p:childTnLst>
                                     <p:set>
                                       <p:cBhvr>
-                                        <p:cTn id="20" dur="1" fill="hold">
+                                        <p:cTn id="16" dur="1" fill="hold">
                                           <p:stCondLst>
                                             <p:cond delay="0"/>
                                           </p:stCondLst>
@@ -11041,14 +11457,14 @@
                                 </p:cTn>
                               </p:par>
                               <p:par>
-                                <p:cTn id="21" presetID="1" presetClass="entr" presetSubtype="0" fill="hold" grpId="0" nodeType="withEffect">
+                                <p:cTn id="17" presetID="1" presetClass="entr" presetSubtype="0" fill="hold" grpId="0" nodeType="withEffect">
                                   <p:stCondLst>
                                     <p:cond delay="0"/>
                                   </p:stCondLst>
                                   <p:childTnLst>
                                     <p:set>
                                       <p:cBhvr>
-                                        <p:cTn id="22" dur="1" fill="hold">
+                                        <p:cTn id="18" dur="1" fill="hold">
                                           <p:stCondLst>
                                             <p:cond delay="0"/>
                                           </p:stCondLst>
@@ -11074,26 +11490,26 @@
                     </p:cTn>
                   </p:par>
                   <p:par>
-                    <p:cTn id="23" fill="hold">
+                    <p:cTn id="19" fill="hold">
                       <p:stCondLst>
                         <p:cond delay="indefinite"/>
                       </p:stCondLst>
                       <p:childTnLst>
                         <p:par>
-                          <p:cTn id="24" fill="hold">
+                          <p:cTn id="20" fill="hold">
                             <p:stCondLst>
                               <p:cond delay="0"/>
                             </p:stCondLst>
                             <p:childTnLst>
                               <p:par>
-                                <p:cTn id="25" presetID="1" presetClass="exit" presetSubtype="0" fill="hold" nodeType="clickEffect">
+                                <p:cTn id="21" presetID="1" presetClass="exit" presetSubtype="0" fill="hold" nodeType="clickEffect">
                                   <p:stCondLst>
                                     <p:cond delay="0"/>
                                   </p:stCondLst>
                                   <p:childTnLst>
                                     <p:set>
                                       <p:cBhvr>
-                                        <p:cTn id="26" dur="1" fill="hold">
+                                        <p:cTn id="22" dur="1" fill="hold">
                                           <p:stCondLst>
                                             <p:cond delay="0"/>
                                           </p:stCondLst>
@@ -11113,14 +11529,14 @@
                                 </p:cTn>
                               </p:par>
                               <p:par>
-                                <p:cTn id="27" presetID="1" presetClass="exit" presetSubtype="0" fill="hold" grpId="1" nodeType="withEffect">
+                                <p:cTn id="23" presetID="1" presetClass="exit" presetSubtype="0" fill="hold" grpId="1" nodeType="withEffect">
                                   <p:stCondLst>
                                     <p:cond delay="0"/>
                                   </p:stCondLst>
                                   <p:childTnLst>
                                     <p:set>
                                       <p:cBhvr>
-                                        <p:cTn id="28" dur="1" fill="hold">
+                                        <p:cTn id="24" dur="1" fill="hold">
                                           <p:stCondLst>
                                             <p:cond delay="0"/>
                                           </p:stCondLst>
@@ -11140,14 +11556,14 @@
                                 </p:cTn>
                               </p:par>
                               <p:par>
-                                <p:cTn id="29" presetID="1" presetClass="entr" presetSubtype="0" fill="hold" grpId="0" nodeType="withEffect">
+                                <p:cTn id="25" presetID="1" presetClass="entr" presetSubtype="0" fill="hold" grpId="0" nodeType="withEffect">
                                   <p:stCondLst>
                                     <p:cond delay="0"/>
                                   </p:stCondLst>
                                   <p:childTnLst>
                                     <p:set>
                                       <p:cBhvr>
-                                        <p:cTn id="30" dur="1" fill="hold">
+                                        <p:cTn id="26" dur="1" fill="hold">
                                           <p:stCondLst>
                                             <p:cond delay="0"/>
                                           </p:stCondLst>
@@ -11167,14 +11583,14 @@
                                 </p:cTn>
                               </p:par>
                               <p:par>
-                                <p:cTn id="31" presetID="1" presetClass="entr" presetSubtype="0" fill="hold" nodeType="withEffect">
+                                <p:cTn id="27" presetID="1" presetClass="entr" presetSubtype="0" fill="hold" nodeType="withEffect">
                                   <p:stCondLst>
                                     <p:cond delay="0"/>
                                   </p:stCondLst>
                                   <p:childTnLst>
                                     <p:set>
                                       <p:cBhvr>
-                                        <p:cTn id="32" dur="1" fill="hold">
+                                        <p:cTn id="28" dur="1" fill="hold">
                                           <p:stCondLst>
                                             <p:cond delay="0"/>
                                           </p:stCondLst>
@@ -11194,14 +11610,14 @@
                                 </p:cTn>
                               </p:par>
                               <p:par>
-                                <p:cTn id="33" presetID="1" presetClass="entr" presetSubtype="0" fill="hold" nodeType="withEffect">
+                                <p:cTn id="29" presetID="1" presetClass="entr" presetSubtype="0" fill="hold" nodeType="withEffect">
                                   <p:stCondLst>
                                     <p:cond delay="0"/>
                                   </p:stCondLst>
                                   <p:childTnLst>
                                     <p:set>
                                       <p:cBhvr>
-                                        <p:cTn id="34" dur="1" fill="hold">
+                                        <p:cTn id="30" dur="1" fill="hold">
                                           <p:stCondLst>
                                             <p:cond delay="0"/>
                                           </p:stCondLst>
@@ -11258,7 +11674,7 @@
 </p:sld>
 </file>
 
-<file path=ppt/slides/slide7.xml><?xml version="1.0" encoding="utf-8"?>
+<file path=ppt/slides/slide8.xml><?xml version="1.0" encoding="utf-8"?>
 <p:sld xmlns:a="http://schemas.openxmlformats.org/drawingml/2006/main" xmlns:r="http://schemas.openxmlformats.org/officeDocument/2006/relationships" xmlns:mc="http://schemas.openxmlformats.org/markup-compatibility/2006" xmlns:mv="urn:schemas-microsoft-com:mac:vml" xmlns:p="http://schemas.openxmlformats.org/presentationml/2006/main" mc:Ignorable="mv" mc:PreserveAttributes="mv:*">
   <p:cSld>
     <p:spTree>
@@ -11579,7 +11995,7 @@
 </p:sld>
 </file>
 
-<file path=ppt/slides/slide8.xml><?xml version="1.0" encoding="utf-8"?>
+<file path=ppt/slides/slide9.xml><?xml version="1.0" encoding="utf-8"?>
 <p:sld xmlns:a="http://schemas.openxmlformats.org/drawingml/2006/main" xmlns:r="http://schemas.openxmlformats.org/officeDocument/2006/relationships" xmlns:mc="http://schemas.openxmlformats.org/markup-compatibility/2006" xmlns:mv="urn:schemas-microsoft-com:mac:vml" xmlns:p="http://schemas.openxmlformats.org/presentationml/2006/main" mc:Ignorable="mv" mc:PreserveAttributes="mv:*">
   <p:cSld>
     <p:spTree>
@@ -12199,105 +12615,14 @@
           <a:lstStyle/>
           <a:p>
             <a:r>
+              <a:rPr lang="en-US" dirty="0" err="1" smtClean="0"/>
+              <a:t>Autotuner</a:t>
+            </a:r>
+            <a:r>
               <a:rPr lang="en-US" dirty="0" smtClean="0"/>
-              <a:t>Program flow</a:t>
+              <a:t> Program flow</a:t>
             </a:r>
             <a:endParaRPr lang="en-US" dirty="0"/>
-          </a:p>
-        </p:txBody>
-      </p:sp>
-    </p:spTree>
-  </p:cSld>
-  <p:clrMapOvr>
-    <a:masterClrMapping/>
-  </p:clrMapOvr>
-  <p:timing>
-    <p:tnLst>
-      <p:par>
-        <p:cTn id="1" dur="indefinite" restart="never" nodeType="tmRoot"/>
-      </p:par>
-    </p:tnLst>
-  </p:timing>
-</p:sld>
-</file>
-
-<file path=ppt/slides/slide9.xml><?xml version="1.0" encoding="utf-8"?>
-<p:sld xmlns:a="http://schemas.openxmlformats.org/drawingml/2006/main" xmlns:r="http://schemas.openxmlformats.org/officeDocument/2006/relationships" xmlns:mc="http://schemas.openxmlformats.org/markup-compatibility/2006" xmlns:mv="urn:schemas-microsoft-com:mac:vml" xmlns:p="http://schemas.openxmlformats.org/presentationml/2006/main" mc:Ignorable="mv" mc:PreserveAttributes="mv:*">
-  <p:cSld>
-    <p:spTree>
-      <p:nvGrpSpPr>
-        <p:cNvPr id="1" name=""/>
-        <p:cNvGrpSpPr/>
-        <p:nvPr/>
-      </p:nvGrpSpPr>
-      <p:grpSpPr>
-        <a:xfrm>
-          <a:off x="0" y="0"/>
-          <a:ext cx="0" cy="0"/>
-          <a:chOff x="0" y="0"/>
-          <a:chExt cx="0" cy="0"/>
-        </a:xfrm>
-      </p:grpSpPr>
-      <p:sp>
-        <p:nvSpPr>
-          <p:cNvPr id="2" name="Title 1"/>
-          <p:cNvSpPr>
-            <a:spLocks noGrp="1"/>
-          </p:cNvSpPr>
-          <p:nvPr>
-            <p:ph type="title"/>
-          </p:nvPr>
-        </p:nvSpPr>
-        <p:spPr/>
-        <p:txBody>
-          <a:bodyPr/>
-          <a:lstStyle/>
-          <a:p>
-            <a:r>
-              <a:rPr lang="en-US" dirty="0" smtClean="0"/>
-              <a:t>Python is both extended by and embedded in Hydra</a:t>
-            </a:r>
-            <a:endParaRPr lang="en-US" dirty="0"/>
-          </a:p>
-        </p:txBody>
-      </p:sp>
-      <p:sp>
-        <p:nvSpPr>
-          <p:cNvPr id="3" name="Content Placeholder 2"/>
-          <p:cNvSpPr>
-            <a:spLocks noGrp="1"/>
-          </p:cNvSpPr>
-          <p:nvPr>
-            <p:ph idx="1"/>
-          </p:nvPr>
-        </p:nvSpPr>
-        <p:spPr/>
-        <p:txBody>
-          <a:bodyPr/>
-          <a:lstStyle/>
-          <a:p>
-            <a:r>
-              <a:rPr lang="en-US" sz="2000" dirty="0" smtClean="0"/>
-              <a:t>Python is extended through a module called “hydra” which contains functions and objects to manipulate hydra data structures</a:t>
-            </a:r>
-          </a:p>
-          <a:p>
-            <a:endParaRPr lang="en-US" sz="2000" dirty="0" smtClean="0"/>
-          </a:p>
-          <a:p>
-            <a:r>
-              <a:rPr lang="en-US" sz="2000" dirty="0" smtClean="0"/>
-              <a:t>Python is then embedded in the Hydra executable</a:t>
-            </a:r>
-          </a:p>
-          <a:p>
-            <a:endParaRPr lang="en-US" sz="2000" dirty="0" smtClean="0"/>
-          </a:p>
-          <a:p>
-            <a:r>
-              <a:rPr lang="en-US" sz="2000" dirty="0" smtClean="0"/>
-              <a:t>Bottom line: Hydra makes available a Python interpreter running concurrently in parallel with the main Hydra executable.  The two processes are loosely coupled through the “hydra” Python module</a:t>
-            </a:r>
           </a:p>
         </p:txBody>
       </p:sp>
